--- a/doc/NetworkFlow/网络流.pptx
+++ b/doc/NetworkFlow/网络流.pptx
@@ -316,7 +316,7 @@
             <a:fld id="{96DFF08F-DC6B-4601-B491-B0F83F6DD2DA}" type="datetimeFigureOut">
               <a:rPr lang="en-US" dirty="0"/>
               <a:pPr/>
-              <a:t>4/2/2019</a:t>
+              <a:t>4/3/2019</a:t>
             </a:fld>
             <a:endParaRPr lang="en-US" dirty="0"/>
           </a:p>
@@ -516,7 +516,7 @@
           <a:p>
             <a:fld id="{96DFF08F-DC6B-4601-B491-B0F83F6DD2DA}" type="datetimeFigureOut">
               <a:rPr lang="en-US" dirty="0"/>
-              <a:t>4/2/2019</a:t>
+              <a:t>4/3/2019</a:t>
             </a:fld>
             <a:endParaRPr lang="en-US" dirty="0"/>
           </a:p>
@@ -691,7 +691,7 @@
           <a:p>
             <a:fld id="{96DFF08F-DC6B-4601-B491-B0F83F6DD2DA}" type="datetimeFigureOut">
               <a:rPr lang="en-US" dirty="0"/>
-              <a:t>4/2/2019</a:t>
+              <a:t>4/3/2019</a:t>
             </a:fld>
             <a:endParaRPr lang="en-US" dirty="0"/>
           </a:p>
@@ -891,7 +891,7 @@
           <a:p>
             <a:fld id="{96DFF08F-DC6B-4601-B491-B0F83F6DD2DA}" type="datetimeFigureOut">
               <a:rPr lang="en-US" dirty="0"/>
-              <a:t>4/2/2019</a:t>
+              <a:t>4/3/2019</a:t>
             </a:fld>
             <a:endParaRPr lang="en-US" dirty="0"/>
           </a:p>
@@ -1181,7 +1181,7 @@
           <a:p>
             <a:fld id="{96DFF08F-DC6B-4601-B491-B0F83F6DD2DA}" type="datetimeFigureOut">
               <a:rPr lang="en-US" dirty="0"/>
-              <a:t>4/2/2019</a:t>
+              <a:t>4/3/2019</a:t>
             </a:fld>
             <a:endParaRPr lang="en-US" dirty="0"/>
           </a:p>
@@ -1448,7 +1448,7 @@
           <a:p>
             <a:fld id="{96DFF08F-DC6B-4601-B491-B0F83F6DD2DA}" type="datetimeFigureOut">
               <a:rPr lang="en-US" dirty="0"/>
-              <a:t>4/2/2019</a:t>
+              <a:t>4/3/2019</a:t>
             </a:fld>
             <a:endParaRPr lang="en-US" dirty="0"/>
           </a:p>
@@ -1850,7 +1850,7 @@
           <a:p>
             <a:fld id="{96DFF08F-DC6B-4601-B491-B0F83F6DD2DA}" type="datetimeFigureOut">
               <a:rPr lang="en-US" dirty="0"/>
-              <a:t>4/2/2019</a:t>
+              <a:t>4/3/2019</a:t>
             </a:fld>
             <a:endParaRPr lang="en-US" dirty="0"/>
           </a:p>
@@ -1963,7 +1963,7 @@
           <a:p>
             <a:fld id="{96DFF08F-DC6B-4601-B491-B0F83F6DD2DA}" type="datetimeFigureOut">
               <a:rPr lang="en-US" dirty="0"/>
-              <a:t>4/2/2019</a:t>
+              <a:t>4/3/2019</a:t>
             </a:fld>
             <a:endParaRPr lang="en-US" dirty="0"/>
           </a:p>
@@ -2053,7 +2053,7 @@
           <a:p>
             <a:fld id="{96DFF08F-DC6B-4601-B491-B0F83F6DD2DA}" type="datetimeFigureOut">
               <a:rPr lang="en-US" dirty="0"/>
-              <a:t>4/2/2019</a:t>
+              <a:t>4/3/2019</a:t>
             </a:fld>
             <a:endParaRPr lang="en-US" dirty="0"/>
           </a:p>
@@ -2338,7 +2338,7 @@
           <a:p>
             <a:fld id="{96DFF08F-DC6B-4601-B491-B0F83F6DD2DA}" type="datetimeFigureOut">
               <a:rPr lang="en-US" dirty="0"/>
-              <a:t>4/2/2019</a:t>
+              <a:t>4/3/2019</a:t>
             </a:fld>
             <a:endParaRPr lang="en-US" dirty="0"/>
           </a:p>
@@ -2613,7 +2613,7 @@
           <a:p>
             <a:fld id="{C7616CA0-919D-4A49-9C8A-62FDFB3A5183}" type="datetimeFigureOut">
               <a:rPr lang="en-US" dirty="0"/>
-              <a:t>4/2/2019</a:t>
+              <a:t>4/3/2019</a:t>
             </a:fld>
             <a:endParaRPr lang="en-US" dirty="0"/>
           </a:p>
@@ -2859,7 +2859,7 @@
             <a:fld id="{96DFF08F-DC6B-4601-B491-B0F83F6DD2DA}" type="datetimeFigureOut">
               <a:rPr lang="en-US" dirty="0"/>
               <a:pPr/>
-              <a:t>4/2/2019</a:t>
+              <a:t>4/3/2019</a:t>
             </a:fld>
             <a:endParaRPr lang="en-US" dirty="0"/>
           </a:p>
@@ -6200,12 +6200,8 @@
               <a:t>节点</a:t>
             </a:r>
             <a:r>
-              <a:rPr lang="en-US" altLang="zh-CN"/>
-              <a:t>(node</a:t>
-            </a:r>
-            <a:r>
               <a:rPr lang="en-US" altLang="zh-CN" dirty="0"/>
-              <a:t>)</a:t>
+              <a:t>(node)</a:t>
             </a:r>
             <a:endParaRPr lang="zh-CN" altLang="en-US" dirty="0"/>
           </a:p>
@@ -6669,6 +6665,60 @@
               <a:t>)</a:t>
             </a:r>
             <a:endParaRPr lang="zh-CN" altLang="en-US" dirty="0"/>
+          </a:p>
+        </p:txBody>
+      </p:sp>
+      <p:sp>
+        <p:nvSpPr>
+          <p:cNvPr id="3" name="矩形 2">
+            <a:extLst>
+              <a:ext uri="{FF2B5EF4-FFF2-40B4-BE49-F238E27FC236}">
+                <a16:creationId xmlns:a16="http://schemas.microsoft.com/office/drawing/2014/main" id="{8007BE5C-CD80-4117-8BB1-97E37130A9A2}"/>
+              </a:ext>
+            </a:extLst>
+          </p:cNvPr>
+          <p:cNvSpPr/>
+          <p:nvPr/>
+        </p:nvSpPr>
+        <p:spPr>
+          <a:xfrm>
+            <a:off x="999526" y="1735720"/>
+            <a:ext cx="3148716" cy="594360"/>
+          </a:xfrm>
+          <a:prstGeom prst="rect">
+            <a:avLst/>
+          </a:prstGeom>
+        </p:spPr>
+        <p:style>
+          <a:lnRef idx="2">
+            <a:schemeClr val="accent1">
+              <a:shade val="50000"/>
+            </a:schemeClr>
+          </a:lnRef>
+          <a:fillRef idx="1">
+            <a:schemeClr val="accent1"/>
+          </a:fillRef>
+          <a:effectRef idx="0">
+            <a:schemeClr val="accent1"/>
+          </a:effectRef>
+          <a:fontRef idx="minor">
+            <a:schemeClr val="lt1"/>
+          </a:fontRef>
+        </p:style>
+        <p:txBody>
+          <a:bodyPr rtlCol="0" anchor="ctr"/>
+          <a:lstStyle/>
+          <a:p>
+            <a:pPr algn="ctr"/>
+            <a:r>
+              <a:rPr lang="zh-CN" altLang="en-US" sz="3200" dirty="0"/>
+              <a:t>也叫</a:t>
+            </a:r>
+            <a:r>
+              <a:rPr lang="en-US" altLang="zh-CN" sz="3200" dirty="0"/>
+              <a:t>S-T Flow</a:t>
+            </a:r>
+            <a:endParaRPr lang="zh-CN" altLang="en-US" sz="3200" dirty="0"/>
           </a:p>
         </p:txBody>
       </p:sp>
@@ -7041,6 +7091,51 @@
                       </p:childTnLst>
                     </p:cTn>
                   </p:par>
+                  <p:par>
+                    <p:cTn id="31" fill="hold">
+                      <p:stCondLst>
+                        <p:cond delay="indefinite"/>
+                      </p:stCondLst>
+                      <p:childTnLst>
+                        <p:par>
+                          <p:cTn id="32" fill="hold">
+                            <p:stCondLst>
+                              <p:cond delay="0"/>
+                            </p:stCondLst>
+                            <p:childTnLst>
+                              <p:par>
+                                <p:cTn id="33" presetID="1" presetClass="entr" presetSubtype="0" fill="hold" grpId="0" nodeType="clickEffect">
+                                  <p:stCondLst>
+                                    <p:cond delay="0"/>
+                                  </p:stCondLst>
+                                  <p:childTnLst>
+                                    <p:set>
+                                      <p:cBhvr>
+                                        <p:cTn id="34" dur="1" fill="hold">
+                                          <p:stCondLst>
+                                            <p:cond delay="0"/>
+                                          </p:stCondLst>
+                                        </p:cTn>
+                                        <p:tgtEl>
+                                          <p:spTgt spid="3"/>
+                                        </p:tgtEl>
+                                        <p:attrNameLst>
+                                          <p:attrName>style.visibility</p:attrName>
+                                        </p:attrNameLst>
+                                      </p:cBhvr>
+                                      <p:to>
+                                        <p:strVal val="visible"/>
+                                      </p:to>
+                                    </p:set>
+                                  </p:childTnLst>
+                                </p:cTn>
+                              </p:par>
+                            </p:childTnLst>
+                          </p:cTn>
+                        </p:par>
+                      </p:childTnLst>
+                    </p:cTn>
+                  </p:par>
                 </p:childTnLst>
               </p:cTn>
               <p:prevCondLst>
@@ -7074,6 +7169,7 @@
       <p:bldP spid="38" grpId="0" animBg="1"/>
       <p:bldP spid="39" grpId="0" animBg="1"/>
       <p:bldP spid="19" grpId="0" animBg="1"/>
+      <p:bldP spid="3" grpId="0" animBg="1"/>
     </p:bldLst>
   </p:timing>
 </p:sld>

--- a/doc/NetworkFlow/网络流.pptx
+++ b/doc/NetworkFlow/网络流.pptx
@@ -9,16 +9,16 @@
     <p:sldId id="257" r:id="rId3"/>
     <p:sldId id="259" r:id="rId4"/>
     <p:sldId id="261" r:id="rId5"/>
-    <p:sldId id="267" r:id="rId6"/>
-    <p:sldId id="258" r:id="rId7"/>
-    <p:sldId id="260" r:id="rId8"/>
-    <p:sldId id="262" r:id="rId9"/>
-    <p:sldId id="263" r:id="rId10"/>
-    <p:sldId id="264" r:id="rId11"/>
-    <p:sldId id="266" r:id="rId12"/>
-    <p:sldId id="268" r:id="rId13"/>
-    <p:sldId id="265" r:id="rId14"/>
-    <p:sldId id="269" r:id="rId15"/>
+    <p:sldId id="258" r:id="rId6"/>
+    <p:sldId id="260" r:id="rId7"/>
+    <p:sldId id="262" r:id="rId8"/>
+    <p:sldId id="263" r:id="rId9"/>
+    <p:sldId id="264" r:id="rId10"/>
+    <p:sldId id="266" r:id="rId11"/>
+    <p:sldId id="268" r:id="rId12"/>
+    <p:sldId id="265" r:id="rId13"/>
+    <p:sldId id="269" r:id="rId14"/>
+    <p:sldId id="267" r:id="rId15"/>
   </p:sldIdLst>
   <p:sldSz cx="12192000" cy="6858000"/>
   <p:notesSz cx="6858000" cy="9144000"/>
@@ -316,7 +316,7 @@
             <a:fld id="{96DFF08F-DC6B-4601-B491-B0F83F6DD2DA}" type="datetimeFigureOut">
               <a:rPr lang="en-US" dirty="0"/>
               <a:pPr/>
-              <a:t>4/3/2019</a:t>
+              <a:t>4/4/2019</a:t>
             </a:fld>
             <a:endParaRPr lang="en-US" dirty="0"/>
           </a:p>
@@ -516,7 +516,7 @@
           <a:p>
             <a:fld id="{96DFF08F-DC6B-4601-B491-B0F83F6DD2DA}" type="datetimeFigureOut">
               <a:rPr lang="en-US" dirty="0"/>
-              <a:t>4/3/2019</a:t>
+              <a:t>4/4/2019</a:t>
             </a:fld>
             <a:endParaRPr lang="en-US" dirty="0"/>
           </a:p>
@@ -691,7 +691,7 @@
           <a:p>
             <a:fld id="{96DFF08F-DC6B-4601-B491-B0F83F6DD2DA}" type="datetimeFigureOut">
               <a:rPr lang="en-US" dirty="0"/>
-              <a:t>4/3/2019</a:t>
+              <a:t>4/4/2019</a:t>
             </a:fld>
             <a:endParaRPr lang="en-US" dirty="0"/>
           </a:p>
@@ -891,7 +891,7 @@
           <a:p>
             <a:fld id="{96DFF08F-DC6B-4601-B491-B0F83F6DD2DA}" type="datetimeFigureOut">
               <a:rPr lang="en-US" dirty="0"/>
-              <a:t>4/3/2019</a:t>
+              <a:t>4/4/2019</a:t>
             </a:fld>
             <a:endParaRPr lang="en-US" dirty="0"/>
           </a:p>
@@ -1181,7 +1181,7 @@
           <a:p>
             <a:fld id="{96DFF08F-DC6B-4601-B491-B0F83F6DD2DA}" type="datetimeFigureOut">
               <a:rPr lang="en-US" dirty="0"/>
-              <a:t>4/3/2019</a:t>
+              <a:t>4/4/2019</a:t>
             </a:fld>
             <a:endParaRPr lang="en-US" dirty="0"/>
           </a:p>
@@ -1448,7 +1448,7 @@
           <a:p>
             <a:fld id="{96DFF08F-DC6B-4601-B491-B0F83F6DD2DA}" type="datetimeFigureOut">
               <a:rPr lang="en-US" dirty="0"/>
-              <a:t>4/3/2019</a:t>
+              <a:t>4/4/2019</a:t>
             </a:fld>
             <a:endParaRPr lang="en-US" dirty="0"/>
           </a:p>
@@ -1850,7 +1850,7 @@
           <a:p>
             <a:fld id="{96DFF08F-DC6B-4601-B491-B0F83F6DD2DA}" type="datetimeFigureOut">
               <a:rPr lang="en-US" dirty="0"/>
-              <a:t>4/3/2019</a:t>
+              <a:t>4/4/2019</a:t>
             </a:fld>
             <a:endParaRPr lang="en-US" dirty="0"/>
           </a:p>
@@ -1963,7 +1963,7 @@
           <a:p>
             <a:fld id="{96DFF08F-DC6B-4601-B491-B0F83F6DD2DA}" type="datetimeFigureOut">
               <a:rPr lang="en-US" dirty="0"/>
-              <a:t>4/3/2019</a:t>
+              <a:t>4/4/2019</a:t>
             </a:fld>
             <a:endParaRPr lang="en-US" dirty="0"/>
           </a:p>
@@ -2053,7 +2053,7 @@
           <a:p>
             <a:fld id="{96DFF08F-DC6B-4601-B491-B0F83F6DD2DA}" type="datetimeFigureOut">
               <a:rPr lang="en-US" dirty="0"/>
-              <a:t>4/3/2019</a:t>
+              <a:t>4/4/2019</a:t>
             </a:fld>
             <a:endParaRPr lang="en-US" dirty="0"/>
           </a:p>
@@ -2338,7 +2338,7 @@
           <a:p>
             <a:fld id="{96DFF08F-DC6B-4601-B491-B0F83F6DD2DA}" type="datetimeFigureOut">
               <a:rPr lang="en-US" dirty="0"/>
-              <a:t>4/3/2019</a:t>
+              <a:t>4/4/2019</a:t>
             </a:fld>
             <a:endParaRPr lang="en-US" dirty="0"/>
           </a:p>
@@ -2613,7 +2613,7 @@
           <a:p>
             <a:fld id="{C7616CA0-919D-4A49-9C8A-62FDFB3A5183}" type="datetimeFigureOut">
               <a:rPr lang="en-US" dirty="0"/>
-              <a:t>4/3/2019</a:t>
+              <a:t>4/4/2019</a:t>
             </a:fld>
             <a:endParaRPr lang="en-US" dirty="0"/>
           </a:p>
@@ -2859,7 +2859,7 @@
             <a:fld id="{96DFF08F-DC6B-4601-B491-B0F83F6DD2DA}" type="datetimeFigureOut">
               <a:rPr lang="en-US" dirty="0"/>
               <a:pPr/>
-              <a:t>4/3/2019</a:t>
+              <a:t>4/4/2019</a:t>
             </a:fld>
             <a:endParaRPr lang="en-US" dirty="0"/>
           </a:p>
@@ -3480,384 +3480,8 @@
           </a:p>
         </p:txBody>
       </p:sp>
-      <mc:AlternateContent xmlns:mc="http://schemas.openxmlformats.org/markup-compatibility/2006" xmlns:a14="http://schemas.microsoft.com/office/drawing/2010/main">
-        <mc:Choice Requires="a14">
-          <p:sp>
-            <p:nvSpPr>
-              <p:cNvPr id="3" name="内容占位符 2">
-                <a:extLst>
-                  <a:ext uri="{FF2B5EF4-FFF2-40B4-BE49-F238E27FC236}">
-                    <a16:creationId xmlns:a16="http://schemas.microsoft.com/office/drawing/2014/main" id="{438F22C9-43D7-4C72-A447-A0B5D988EE07}"/>
-                  </a:ext>
-                </a:extLst>
-              </p:cNvPr>
-              <p:cNvSpPr>
-                <a:spLocks noGrp="1"/>
-              </p:cNvSpPr>
-              <p:nvPr>
-                <p:ph idx="1"/>
-              </p:nvPr>
-            </p:nvSpPr>
-            <p:spPr>
-              <a:xfrm>
-                <a:off x="1024128" y="1860125"/>
-                <a:ext cx="9720071" cy="4023360"/>
-              </a:xfrm>
-            </p:spPr>
-            <p:txBody>
-              <a:bodyPr/>
-              <a:lstStyle/>
-              <a:p>
-                <a:pPr marL="457200" indent="-457200">
-                  <a:buFont typeface="+mj-lt"/>
-                  <a:buAutoNum type="arabicPeriod"/>
-                </a:pPr>
-                <a:r>
-                  <a:rPr lang="en-US" altLang="zh-CN" dirty="0"/>
-                  <a:t>Ford–Fulkerson algorithm (DFS)</a:t>
-                </a:r>
-                <a:r>
-                  <a:rPr lang="zh-CN" altLang="en-US" dirty="0"/>
-                  <a:t>，</a:t>
-                </a:r>
-                <a14:m>
-                  <m:oMath xmlns:m="http://schemas.openxmlformats.org/officeDocument/2006/math">
-                    <m:r>
-                      <a:rPr lang="en-US" altLang="zh-CN" b="0" i="1" smtClean="0">
-                        <a:latin typeface="Cambria Math" panose="02040503050406030204" pitchFamily="18" charset="0"/>
-                      </a:rPr>
-                      <m:t>𝑂</m:t>
-                    </m:r>
-                    <m:r>
-                      <a:rPr lang="en-US" altLang="zh-CN" b="0" i="1" smtClean="0">
-                        <a:latin typeface="Cambria Math" panose="02040503050406030204" pitchFamily="18" charset="0"/>
-                      </a:rPr>
-                      <m:t>(</m:t>
-                    </m:r>
-                    <m:r>
-                      <a:rPr lang="en-US" altLang="zh-CN" b="0" i="1" smtClean="0">
-                        <a:latin typeface="Cambria Math" panose="02040503050406030204" pitchFamily="18" charset="0"/>
-                      </a:rPr>
-                      <m:t>𝐸</m:t>
-                    </m:r>
-                    <m:r>
-                      <a:rPr lang="en-US" altLang="zh-CN" b="0" i="1" smtClean="0">
-                        <a:latin typeface="Cambria Math" panose="02040503050406030204" pitchFamily="18" charset="0"/>
-                        <a:ea typeface="Cambria Math" panose="02040503050406030204" pitchFamily="18" charset="0"/>
-                      </a:rPr>
-                      <m:t>×</m:t>
-                    </m:r>
-                    <m:r>
-                      <a:rPr lang="en-US" altLang="zh-CN" b="0" i="1" smtClean="0">
-                        <a:latin typeface="Cambria Math" panose="02040503050406030204" pitchFamily="18" charset="0"/>
-                        <a:ea typeface="Cambria Math" panose="02040503050406030204" pitchFamily="18" charset="0"/>
-                      </a:rPr>
-                      <m:t>𝑓</m:t>
-                    </m:r>
-                    <m:r>
-                      <a:rPr lang="en-US" altLang="zh-CN" b="0" i="1" smtClean="0">
-                        <a:latin typeface="Cambria Math" panose="02040503050406030204" pitchFamily="18" charset="0"/>
-                      </a:rPr>
-                      <m:t>)</m:t>
-                    </m:r>
-                  </m:oMath>
-                </a14:m>
-                <a:r>
-                  <a:rPr lang="en-US" altLang="zh-CN" i="1" dirty="0"/>
-                  <a:t> </a:t>
-                </a:r>
-                <a:r>
-                  <a:rPr lang="zh-CN" altLang="en-US" dirty="0"/>
-                  <a:t>。</a:t>
-                </a:r>
-                <a:br>
-                  <a:rPr lang="en-US" altLang="zh-CN" dirty="0"/>
-                </a:br>
-                <a:r>
-                  <a:rPr lang="en-US" altLang="zh-CN" dirty="0"/>
-                  <a:t>E</a:t>
-                </a:r>
-                <a:r>
-                  <a:rPr lang="zh-CN" altLang="en-US" dirty="0"/>
-                  <a:t>为边的数量，</a:t>
-                </a:r>
-                <a:r>
-                  <a:rPr lang="en-US" altLang="zh-CN" dirty="0"/>
-                  <a:t>f</a:t>
-                </a:r>
-                <a:r>
-                  <a:rPr lang="zh-CN" altLang="en-US" dirty="0"/>
-                  <a:t>为</a:t>
-                </a:r>
-                <a:r>
-                  <a:rPr lang="en-US" altLang="zh-CN" dirty="0"/>
-                  <a:t>max-flow</a:t>
-                </a:r>
-                <a:r>
-                  <a:rPr lang="zh-CN" altLang="en-US" dirty="0"/>
-                  <a:t>的值，</a:t>
-                </a:r>
-                <a:r>
-                  <a:rPr lang="en-US" altLang="zh-CN" dirty="0"/>
-                  <a:t>f</a:t>
-                </a:r>
-                <a:r>
-                  <a:rPr lang="zh-CN" altLang="en-US" dirty="0"/>
-                  <a:t>可能很大，性能可能会很慢，如下图</a:t>
-                </a:r>
-                <a:endParaRPr lang="en-US" altLang="zh-CN" dirty="0"/>
-              </a:p>
-            </p:txBody>
-          </p:sp>
-        </mc:Choice>
-        <mc:Fallback xmlns="">
-          <p:sp>
-            <p:nvSpPr>
-              <p:cNvPr id="3" name="内容占位符 2">
-                <a:extLst>
-                  <a:ext uri="{FF2B5EF4-FFF2-40B4-BE49-F238E27FC236}">
-                    <a16:creationId xmlns:a16="http://schemas.microsoft.com/office/drawing/2014/main" id="{438F22C9-43D7-4C72-A447-A0B5D988EE07}"/>
-                  </a:ext>
-                </a:extLst>
-              </p:cNvPr>
-              <p:cNvSpPr>
-                <a:spLocks noGrp="1" noRot="1" noChangeAspect="1" noMove="1" noResize="1" noEditPoints="1" noAdjustHandles="1" noChangeArrowheads="1" noChangeShapeType="1" noTextEdit="1"/>
-              </p:cNvSpPr>
-              <p:nvPr>
-                <p:ph idx="1"/>
-              </p:nvPr>
-            </p:nvSpPr>
-            <p:spPr>
-              <a:xfrm>
-                <a:off x="1024128" y="1860125"/>
-                <a:ext cx="9720071" cy="4023360"/>
-              </a:xfrm>
-              <a:blipFill>
-                <a:blip r:embed="rId2"/>
-                <a:stretch>
-                  <a:fillRect l="-1129" t="-1970"/>
-                </a:stretch>
-              </a:blipFill>
-            </p:spPr>
-            <p:txBody>
-              <a:bodyPr/>
-              <a:lstStyle/>
-              <a:p>
-                <a:r>
-                  <a:rPr lang="zh-CN" altLang="en-US">
-                    <a:noFill/>
-                  </a:rPr>
-                  <a:t> </a:t>
-                </a:r>
-              </a:p>
-            </p:txBody>
-          </p:sp>
-        </mc:Fallback>
-      </mc:AlternateContent>
-      <p:pic>
-        <p:nvPicPr>
-          <p:cNvPr id="6" name="图片 5">
-            <a:extLst>
-              <a:ext uri="{FF2B5EF4-FFF2-40B4-BE49-F238E27FC236}">
-                <a16:creationId xmlns:a16="http://schemas.microsoft.com/office/drawing/2014/main" id="{76166CD0-B709-4066-B5A5-0BBCFEF8D393}"/>
-              </a:ext>
-            </a:extLst>
-          </p:cNvPr>
-          <p:cNvPicPr>
-            <a:picLocks noChangeAspect="1"/>
-          </p:cNvPicPr>
-          <p:nvPr/>
-        </p:nvPicPr>
-        <p:blipFill>
-          <a:blip r:embed="rId3"/>
-          <a:stretch>
-            <a:fillRect/>
-          </a:stretch>
-        </p:blipFill>
-        <p:spPr>
-          <a:xfrm>
-            <a:off x="897379" y="2695996"/>
-            <a:ext cx="10143745" cy="1802522"/>
-          </a:xfrm>
-          <a:prstGeom prst="rect">
-            <a:avLst/>
-          </a:prstGeom>
-        </p:spPr>
-      </p:pic>
-    </p:spTree>
-    <p:extLst>
-      <p:ext uri="{BB962C8B-B14F-4D97-AF65-F5344CB8AC3E}">
-        <p14:creationId xmlns:p14="http://schemas.microsoft.com/office/powerpoint/2010/main" val="685290226"/>
-      </p:ext>
-    </p:extLst>
-  </p:cSld>
-  <p:clrMapOvr>
-    <a:masterClrMapping/>
-  </p:clrMapOvr>
-  <p:timing>
-    <p:tnLst>
-      <p:par>
-        <p:cTn id="1" dur="indefinite" restart="never" nodeType="tmRoot">
-          <p:childTnLst>
-            <p:seq concurrent="1" nextAc="seek">
-              <p:cTn id="2" dur="indefinite" nodeType="mainSeq">
-                <p:childTnLst>
-                  <p:par>
-                    <p:cTn id="3" fill="hold">
-                      <p:stCondLst>
-                        <p:cond delay="indefinite"/>
-                      </p:stCondLst>
-                      <p:childTnLst>
-                        <p:par>
-                          <p:cTn id="4" fill="hold">
-                            <p:stCondLst>
-                              <p:cond delay="0"/>
-                            </p:stCondLst>
-                            <p:childTnLst>
-                              <p:par>
-                                <p:cTn id="5" presetID="1" presetClass="entr" presetSubtype="0" fill="hold" nodeType="clickEffect">
-                                  <p:stCondLst>
-                                    <p:cond delay="0"/>
-                                  </p:stCondLst>
-                                  <p:childTnLst>
-                                    <p:set>
-                                      <p:cBhvr>
-                                        <p:cTn id="6" dur="1" fill="hold">
-                                          <p:stCondLst>
-                                            <p:cond delay="0"/>
-                                          </p:stCondLst>
-                                        </p:cTn>
-                                        <p:tgtEl>
-                                          <p:spTgt spid="3">
-                                            <p:txEl>
-                                              <p:pRg st="0" end="0"/>
-                                            </p:txEl>
-                                          </p:spTgt>
-                                        </p:tgtEl>
-                                        <p:attrNameLst>
-                                          <p:attrName>style.visibility</p:attrName>
-                                        </p:attrNameLst>
-                                      </p:cBhvr>
-                                      <p:to>
-                                        <p:strVal val="visible"/>
-                                      </p:to>
-                                    </p:set>
-                                  </p:childTnLst>
-                                </p:cTn>
-                              </p:par>
-                              <p:par>
-                                <p:cTn id="7" presetID="1" presetClass="entr" presetSubtype="0" fill="hold" nodeType="withEffect">
-                                  <p:stCondLst>
-                                    <p:cond delay="0"/>
-                                  </p:stCondLst>
-                                  <p:childTnLst>
-                                    <p:set>
-                                      <p:cBhvr>
-                                        <p:cTn id="8" dur="1" fill="hold">
-                                          <p:stCondLst>
-                                            <p:cond delay="0"/>
-                                          </p:stCondLst>
-                                        </p:cTn>
-                                        <p:tgtEl>
-                                          <p:spTgt spid="6"/>
-                                        </p:tgtEl>
-                                        <p:attrNameLst>
-                                          <p:attrName>style.visibility</p:attrName>
-                                        </p:attrNameLst>
-                                      </p:cBhvr>
-                                      <p:to>
-                                        <p:strVal val="visible"/>
-                                      </p:to>
-                                    </p:set>
-                                  </p:childTnLst>
-                                </p:cTn>
-                              </p:par>
-                            </p:childTnLst>
-                          </p:cTn>
-                        </p:par>
-                      </p:childTnLst>
-                    </p:cTn>
-                  </p:par>
-                </p:childTnLst>
-              </p:cTn>
-              <p:prevCondLst>
-                <p:cond evt="onPrev" delay="0">
-                  <p:tgtEl>
-                    <p:sldTgt/>
-                  </p:tgtEl>
-                </p:cond>
-              </p:prevCondLst>
-              <p:nextCondLst>
-                <p:cond evt="onNext" delay="0">
-                  <p:tgtEl>
-                    <p:sldTgt/>
-                  </p:tgtEl>
-                </p:cond>
-              </p:nextCondLst>
-            </p:seq>
-          </p:childTnLst>
-        </p:cTn>
-      </p:par>
-    </p:tnLst>
-  </p:timing>
-</p:sld>
-</file>
-
-<file path=ppt/slides/slide11.xml><?xml version="1.0" encoding="utf-8"?>
-<p:sld xmlns:a="http://schemas.openxmlformats.org/drawingml/2006/main" xmlns:r="http://schemas.openxmlformats.org/officeDocument/2006/relationships" xmlns:p="http://schemas.openxmlformats.org/presentationml/2006/main">
-  <p:cSld>
-    <p:spTree>
-      <p:nvGrpSpPr>
-        <p:cNvPr id="1" name=""/>
-        <p:cNvGrpSpPr/>
-        <p:nvPr/>
-      </p:nvGrpSpPr>
-      <p:grpSpPr>
-        <a:xfrm>
-          <a:off x="0" y="0"/>
-          <a:ext cx="0" cy="0"/>
-          <a:chOff x="0" y="0"/>
-          <a:chExt cx="0" cy="0"/>
-        </a:xfrm>
-      </p:grpSpPr>
-      <p:sp>
-        <p:nvSpPr>
-          <p:cNvPr id="2" name="标题 1">
-            <a:extLst>
-              <a:ext uri="{FF2B5EF4-FFF2-40B4-BE49-F238E27FC236}">
-                <a16:creationId xmlns:a16="http://schemas.microsoft.com/office/drawing/2014/main" id="{EE7A450F-735B-4E5F-93E7-63C477A2E1AC}"/>
-              </a:ext>
-            </a:extLst>
-          </p:cNvPr>
-          <p:cNvSpPr>
-            <a:spLocks noGrp="1"/>
-          </p:cNvSpPr>
-          <p:nvPr>
-            <p:ph type="title"/>
-          </p:nvPr>
-        </p:nvSpPr>
-        <p:spPr/>
-        <p:txBody>
-          <a:bodyPr/>
-          <a:lstStyle/>
-          <a:p>
-            <a:r>
-              <a:rPr lang="zh-CN" altLang="en-US" dirty="0"/>
-              <a:t>最大流</a:t>
-            </a:r>
-            <a:r>
-              <a:rPr lang="en-US" altLang="zh-CN" dirty="0"/>
-              <a:t>Max-flow</a:t>
-            </a:r>
-            <a:r>
-              <a:rPr lang="zh-CN" altLang="en-US" dirty="0"/>
-              <a:t>算法</a:t>
-            </a:r>
-          </a:p>
-        </p:txBody>
-      </p:sp>
-      <mc:AlternateContent xmlns:mc="http://schemas.openxmlformats.org/markup-compatibility/2006" xmlns:a14="http://schemas.microsoft.com/office/drawing/2010/main">
-        <mc:Choice Requires="a14">
+      <mc:AlternateContent xmlns:mc="http://schemas.openxmlformats.org/markup-compatibility/2006">
+        <mc:Choice xmlns:a14="http://schemas.microsoft.com/office/drawing/2010/main" Requires="a14">
           <p:sp>
             <p:nvSpPr>
               <p:cNvPr id="3" name="内容占位符 2">
@@ -4083,7 +3707,7 @@
                 </a:pPr>
                 <a:r>
                   <a:rPr lang="en-US" altLang="zh-CN" dirty="0" err="1"/>
-                  <a:t>Dinic‘s</a:t>
+                  <a:t>Dinic’s</a:t>
                 </a:r>
                 <a:r>
                   <a:rPr lang="en-US" altLang="zh-CN" dirty="0"/>
@@ -4191,7 +3815,7 @@
             </p:txBody>
           </p:sp>
         </mc:Choice>
-        <mc:Fallback xmlns="">
+        <mc:Fallback>
           <p:sp>
             <p:nvSpPr>
               <p:cNvPr id="3" name="内容占位符 2">
@@ -4425,7 +4049,7 @@
 </p:sld>
 </file>
 
-<file path=ppt/slides/slide12.xml><?xml version="1.0" encoding="utf-8"?>
+<file path=ppt/slides/slide11.xml><?xml version="1.0" encoding="utf-8"?>
 <p:sld xmlns:a="http://schemas.openxmlformats.org/drawingml/2006/main" xmlns:r="http://schemas.openxmlformats.org/officeDocument/2006/relationships" xmlns:p="http://schemas.openxmlformats.org/presentationml/2006/main">
   <p:cSld>
     <p:spTree>
@@ -5104,7 +4728,7 @@
 </p:sld>
 </file>
 
-<file path=ppt/slides/slide13.xml><?xml version="1.0" encoding="utf-8"?>
+<file path=ppt/slides/slide12.xml><?xml version="1.0" encoding="utf-8"?>
 <p:sld xmlns:a="http://schemas.openxmlformats.org/drawingml/2006/main" xmlns:r="http://schemas.openxmlformats.org/officeDocument/2006/relationships" xmlns:p="http://schemas.openxmlformats.org/presentationml/2006/main">
   <p:cSld>
     <p:spTree>
@@ -5382,7 +5006,7 @@
 </p:sld>
 </file>
 
-<file path=ppt/slides/slide14.xml><?xml version="1.0" encoding="utf-8"?>
+<file path=ppt/slides/slide13.xml><?xml version="1.0" encoding="utf-8"?>
 <p:sld xmlns:a="http://schemas.openxmlformats.org/drawingml/2006/main" xmlns:r="http://schemas.openxmlformats.org/officeDocument/2006/relationships" xmlns:p="http://schemas.openxmlformats.org/presentationml/2006/main">
   <p:cSld>
     <p:spTree>
@@ -5980,6 +5604,419 @@
       <p:bldP spid="12" grpId="0" animBg="1"/>
       <p:bldP spid="13" grpId="0" animBg="1"/>
     </p:bldLst>
+  </p:timing>
+</p:sld>
+</file>
+
+<file path=ppt/slides/slide14.xml><?xml version="1.0" encoding="utf-8"?>
+<p:sld xmlns:a="http://schemas.openxmlformats.org/drawingml/2006/main" xmlns:r="http://schemas.openxmlformats.org/officeDocument/2006/relationships" xmlns:p="http://schemas.openxmlformats.org/presentationml/2006/main">
+  <p:cSld>
+    <p:spTree>
+      <p:nvGrpSpPr>
+        <p:cNvPr id="1" name=""/>
+        <p:cNvGrpSpPr/>
+        <p:nvPr/>
+      </p:nvGrpSpPr>
+      <p:grpSpPr>
+        <a:xfrm>
+          <a:off x="0" y="0"/>
+          <a:ext cx="0" cy="0"/>
+          <a:chOff x="0" y="0"/>
+          <a:chExt cx="0" cy="0"/>
+        </a:xfrm>
+      </p:grpSpPr>
+      <p:sp>
+        <p:nvSpPr>
+          <p:cNvPr id="2" name="标题 1">
+            <a:extLst>
+              <a:ext uri="{FF2B5EF4-FFF2-40B4-BE49-F238E27FC236}">
+                <a16:creationId xmlns:a16="http://schemas.microsoft.com/office/drawing/2014/main" id="{3061673D-2885-437B-83A2-28895595C479}"/>
+              </a:ext>
+            </a:extLst>
+          </p:cNvPr>
+          <p:cNvSpPr>
+            <a:spLocks noGrp="1"/>
+          </p:cNvSpPr>
+          <p:nvPr>
+            <p:ph type="title"/>
+          </p:nvPr>
+        </p:nvSpPr>
+        <p:spPr/>
+        <p:txBody>
+          <a:bodyPr/>
+          <a:lstStyle/>
+          <a:p>
+            <a:r>
+              <a:rPr lang="zh-CN" altLang="en-US" dirty="0"/>
+              <a:t>网络流（</a:t>
+            </a:r>
+            <a:r>
+              <a:rPr lang="en-US" altLang="zh-CN" dirty="0"/>
+              <a:t>Network flow</a:t>
+            </a:r>
+            <a:r>
+              <a:rPr lang="zh-CN" altLang="en-US"/>
+              <a:t>）动画</a:t>
+            </a:r>
+            <a:endParaRPr lang="zh-CN" altLang="en-US" dirty="0"/>
+          </a:p>
+        </p:txBody>
+      </p:sp>
+      <p:pic>
+        <p:nvPicPr>
+          <p:cNvPr id="5" name="内容占位符 4">
+            <a:extLst>
+              <a:ext uri="{FF2B5EF4-FFF2-40B4-BE49-F238E27FC236}">
+                <a16:creationId xmlns:a16="http://schemas.microsoft.com/office/drawing/2014/main" id="{B3B14AAC-1940-4B5E-B0F8-A22A3D81CDF5}"/>
+              </a:ext>
+            </a:extLst>
+          </p:cNvPr>
+          <p:cNvPicPr>
+            <a:picLocks noGrp="1" noChangeAspect="1"/>
+          </p:cNvPicPr>
+          <p:nvPr>
+            <p:ph idx="1"/>
+          </p:nvPr>
+        </p:nvPicPr>
+        <p:blipFill>
+          <a:blip r:embed="rId2"/>
+          <a:stretch>
+            <a:fillRect/>
+          </a:stretch>
+        </p:blipFill>
+        <p:spPr>
+          <a:xfrm>
+            <a:off x="849979" y="2190488"/>
+            <a:ext cx="10004981" cy="3501185"/>
+          </a:xfrm>
+          <a:prstGeom prst="rect">
+            <a:avLst/>
+          </a:prstGeom>
+        </p:spPr>
+      </p:pic>
+      <p:cxnSp>
+        <p:nvCxnSpPr>
+          <p:cNvPr id="7" name="直接连接符 6">
+            <a:extLst>
+              <a:ext uri="{FF2B5EF4-FFF2-40B4-BE49-F238E27FC236}">
+                <a16:creationId xmlns:a16="http://schemas.microsoft.com/office/drawing/2014/main" id="{64CB563F-0622-4770-9C58-E9221700CBA7}"/>
+              </a:ext>
+            </a:extLst>
+          </p:cNvPr>
+          <p:cNvCxnSpPr/>
+          <p:nvPr/>
+        </p:nvCxnSpPr>
+        <p:spPr>
+          <a:xfrm flipV="1">
+            <a:off x="1545869" y="2862113"/>
+            <a:ext cx="1312144" cy="984108"/>
+          </a:xfrm>
+          <a:prstGeom prst="line">
+            <a:avLst/>
+          </a:prstGeom>
+          <a:ln w="127000">
+            <a:solidFill>
+              <a:schemeClr val="accent1">
+                <a:alpha val="46000"/>
+              </a:schemeClr>
+            </a:solidFill>
+          </a:ln>
+        </p:spPr>
+        <p:style>
+          <a:lnRef idx="1">
+            <a:schemeClr val="accent1"/>
+          </a:lnRef>
+          <a:fillRef idx="0">
+            <a:schemeClr val="accent1"/>
+          </a:fillRef>
+          <a:effectRef idx="0">
+            <a:schemeClr val="accent1"/>
+          </a:effectRef>
+          <a:fontRef idx="minor">
+            <a:schemeClr val="tx1"/>
+          </a:fontRef>
+        </p:style>
+      </p:cxnSp>
+      <p:cxnSp>
+        <p:nvCxnSpPr>
+          <p:cNvPr id="8" name="直接连接符 7">
+            <a:extLst>
+              <a:ext uri="{FF2B5EF4-FFF2-40B4-BE49-F238E27FC236}">
+                <a16:creationId xmlns:a16="http://schemas.microsoft.com/office/drawing/2014/main" id="{007BB3A0-CA45-4223-A414-84E6C7F6DF34}"/>
+              </a:ext>
+            </a:extLst>
+          </p:cNvPr>
+          <p:cNvCxnSpPr>
+            <a:cxnSpLocks/>
+          </p:cNvCxnSpPr>
+          <p:nvPr/>
+        </p:nvCxnSpPr>
+        <p:spPr>
+          <a:xfrm>
+            <a:off x="3619144" y="2862113"/>
+            <a:ext cx="1811708" cy="0"/>
+          </a:xfrm>
+          <a:prstGeom prst="line">
+            <a:avLst/>
+          </a:prstGeom>
+          <a:ln w="127000">
+            <a:solidFill>
+              <a:schemeClr val="accent1">
+                <a:alpha val="46000"/>
+              </a:schemeClr>
+            </a:solidFill>
+          </a:ln>
+        </p:spPr>
+        <p:style>
+          <a:lnRef idx="1">
+            <a:schemeClr val="accent1"/>
+          </a:lnRef>
+          <a:fillRef idx="0">
+            <a:schemeClr val="accent1"/>
+          </a:fillRef>
+          <a:effectRef idx="0">
+            <a:schemeClr val="accent1"/>
+          </a:effectRef>
+          <a:fontRef idx="minor">
+            <a:schemeClr val="tx1"/>
+          </a:fontRef>
+        </p:style>
+      </p:cxnSp>
+      <p:cxnSp>
+        <p:nvCxnSpPr>
+          <p:cNvPr id="11" name="直接连接符 10">
+            <a:extLst>
+              <a:ext uri="{FF2B5EF4-FFF2-40B4-BE49-F238E27FC236}">
+                <a16:creationId xmlns:a16="http://schemas.microsoft.com/office/drawing/2014/main" id="{5F311483-DBC2-476D-B79C-757A18CEB6C9}"/>
+              </a:ext>
+            </a:extLst>
+          </p:cNvPr>
+          <p:cNvCxnSpPr>
+            <a:cxnSpLocks/>
+          </p:cNvCxnSpPr>
+          <p:nvPr/>
+        </p:nvCxnSpPr>
+        <p:spPr>
+          <a:xfrm>
+            <a:off x="6168639" y="2862113"/>
+            <a:ext cx="4017948" cy="984108"/>
+          </a:xfrm>
+          <a:prstGeom prst="line">
+            <a:avLst/>
+          </a:prstGeom>
+          <a:ln w="127000">
+            <a:solidFill>
+              <a:schemeClr val="accent1">
+                <a:alpha val="46000"/>
+              </a:schemeClr>
+            </a:solidFill>
+          </a:ln>
+        </p:spPr>
+        <p:style>
+          <a:lnRef idx="1">
+            <a:schemeClr val="accent1"/>
+          </a:lnRef>
+          <a:fillRef idx="0">
+            <a:schemeClr val="accent1"/>
+          </a:fillRef>
+          <a:effectRef idx="0">
+            <a:schemeClr val="accent1"/>
+          </a:effectRef>
+          <a:fontRef idx="minor">
+            <a:schemeClr val="tx1"/>
+          </a:fontRef>
+        </p:style>
+      </p:cxnSp>
+      <p:sp>
+        <p:nvSpPr>
+          <p:cNvPr id="3" name="矩形 2">
+            <a:extLst>
+              <a:ext uri="{FF2B5EF4-FFF2-40B4-BE49-F238E27FC236}">
+                <a16:creationId xmlns:a16="http://schemas.microsoft.com/office/drawing/2014/main" id="{FF53ACF6-6227-44B6-8BE8-40841BBD2F2C}"/>
+              </a:ext>
+            </a:extLst>
+          </p:cNvPr>
+          <p:cNvSpPr/>
+          <p:nvPr/>
+        </p:nvSpPr>
+        <p:spPr>
+          <a:xfrm>
+            <a:off x="1024128" y="1715500"/>
+            <a:ext cx="3206070" cy="369332"/>
+          </a:xfrm>
+          <a:prstGeom prst="rect">
+            <a:avLst/>
+          </a:prstGeom>
+        </p:spPr>
+        <p:txBody>
+          <a:bodyPr wrap="none">
+            <a:spAutoFit/>
+          </a:bodyPr>
+          <a:lstStyle/>
+          <a:p>
+            <a:r>
+              <a:rPr lang="zh-CN" altLang="en-US" dirty="0"/>
+              <a:t>https://visualgo.net/en/maxflow</a:t>
+            </a:r>
+          </a:p>
+        </p:txBody>
+      </p:sp>
+    </p:spTree>
+    <p:extLst>
+      <p:ext uri="{BB962C8B-B14F-4D97-AF65-F5344CB8AC3E}">
+        <p14:creationId xmlns:p14="http://schemas.microsoft.com/office/powerpoint/2010/main" val="3595132019"/>
+      </p:ext>
+    </p:extLst>
+  </p:cSld>
+  <p:clrMapOvr>
+    <a:masterClrMapping/>
+  </p:clrMapOvr>
+  <p:timing>
+    <p:tnLst>
+      <p:par>
+        <p:cTn id="1" dur="indefinite" restart="never" nodeType="tmRoot">
+          <p:childTnLst>
+            <p:seq concurrent="1" nextAc="seek">
+              <p:cTn id="2" dur="indefinite" nodeType="mainSeq">
+                <p:childTnLst>
+                  <p:par>
+                    <p:cTn id="3" fill="hold">
+                      <p:stCondLst>
+                        <p:cond delay="indefinite"/>
+                        <p:cond evt="onBegin" delay="0">
+                          <p:tn val="2"/>
+                        </p:cond>
+                      </p:stCondLst>
+                      <p:childTnLst>
+                        <p:par>
+                          <p:cTn id="4" fill="hold">
+                            <p:stCondLst>
+                              <p:cond delay="0"/>
+                            </p:stCondLst>
+                            <p:childTnLst>
+                              <p:par>
+                                <p:cTn id="5" presetID="35" presetClass="emph" presetSubtype="0" repeatCount="indefinite" fill="hold" nodeType="withEffect">
+                                  <p:stCondLst>
+                                    <p:cond delay="0"/>
+                                  </p:stCondLst>
+                                  <p:childTnLst>
+                                    <p:anim calcmode="discrete" valueType="str">
+                                      <p:cBhvr>
+                                        <p:cTn id="6" dur="1000" fill="hold"/>
+                                        <p:tgtEl>
+                                          <p:spTgt spid="7"/>
+                                        </p:tgtEl>
+                                        <p:attrNameLst>
+                                          <p:attrName>style.visibility</p:attrName>
+                                        </p:attrNameLst>
+                                      </p:cBhvr>
+                                      <p:tavLst>
+                                        <p:tav tm="0">
+                                          <p:val>
+                                            <p:strVal val="hidden"/>
+                                          </p:val>
+                                        </p:tav>
+                                        <p:tav tm="50000">
+                                          <p:val>
+                                            <p:strVal val="visible"/>
+                                          </p:val>
+                                        </p:tav>
+                                      </p:tavLst>
+                                    </p:anim>
+                                  </p:childTnLst>
+                                </p:cTn>
+                              </p:par>
+                              <p:par>
+                                <p:cTn id="7" presetID="35" presetClass="emph" presetSubtype="0" repeatCount="indefinite" fill="hold" nodeType="withEffect">
+                                  <p:stCondLst>
+                                    <p:cond delay="0"/>
+                                  </p:stCondLst>
+                                  <p:childTnLst>
+                                    <p:anim calcmode="discrete" valueType="str">
+                                      <p:cBhvr>
+                                        <p:cTn id="8" dur="1000" fill="hold"/>
+                                        <p:tgtEl>
+                                          <p:spTgt spid="8"/>
+                                        </p:tgtEl>
+                                        <p:attrNameLst>
+                                          <p:attrName>style.visibility</p:attrName>
+                                        </p:attrNameLst>
+                                      </p:cBhvr>
+                                      <p:tavLst>
+                                        <p:tav tm="0">
+                                          <p:val>
+                                            <p:strVal val="hidden"/>
+                                          </p:val>
+                                        </p:tav>
+                                        <p:tav tm="50000">
+                                          <p:val>
+                                            <p:strVal val="visible"/>
+                                          </p:val>
+                                        </p:tav>
+                                      </p:tavLst>
+                                    </p:anim>
+                                  </p:childTnLst>
+                                </p:cTn>
+                              </p:par>
+                              <p:par>
+                                <p:cTn id="9" presetID="35" presetClass="emph" presetSubtype="0" repeatCount="indefinite" fill="hold" nodeType="withEffect">
+                                  <p:stCondLst>
+                                    <p:cond delay="0"/>
+                                  </p:stCondLst>
+                                  <p:childTnLst>
+                                    <p:anim calcmode="discrete" valueType="str">
+                                      <p:cBhvr>
+                                        <p:cTn id="10" dur="1000" fill="hold"/>
+                                        <p:tgtEl>
+                                          <p:spTgt spid="11"/>
+                                        </p:tgtEl>
+                                        <p:attrNameLst>
+                                          <p:attrName>style.visibility</p:attrName>
+                                        </p:attrNameLst>
+                                      </p:cBhvr>
+                                      <p:tavLst>
+                                        <p:tav tm="0">
+                                          <p:val>
+                                            <p:strVal val="hidden"/>
+                                          </p:val>
+                                        </p:tav>
+                                        <p:tav tm="50000">
+                                          <p:val>
+                                            <p:strVal val="visible"/>
+                                          </p:val>
+                                        </p:tav>
+                                      </p:tavLst>
+                                    </p:anim>
+                                  </p:childTnLst>
+                                </p:cTn>
+                              </p:par>
+                            </p:childTnLst>
+                          </p:cTn>
+                        </p:par>
+                      </p:childTnLst>
+                    </p:cTn>
+                  </p:par>
+                </p:childTnLst>
+              </p:cTn>
+              <p:prevCondLst>
+                <p:cond evt="onPrev" delay="0">
+                  <p:tgtEl>
+                    <p:sldTgt/>
+                  </p:tgtEl>
+                </p:cond>
+              </p:prevCondLst>
+              <p:nextCondLst>
+                <p:cond evt="onNext" delay="0">
+                  <p:tgtEl>
+                    <p:sldTgt/>
+                  </p:tgtEl>
+                </p:cond>
+              </p:nextCondLst>
+            </p:seq>
+          </p:childTnLst>
+        </p:cTn>
+      </p:par>
+    </p:tnLst>
   </p:timing>
 </p:sld>
 </file>
@@ -9253,385 +9290,6 @@
           <a:chExt cx="0" cy="0"/>
         </a:xfrm>
       </p:grpSpPr>
-      <p:sp>
-        <p:nvSpPr>
-          <p:cNvPr id="2" name="标题 1">
-            <a:extLst>
-              <a:ext uri="{FF2B5EF4-FFF2-40B4-BE49-F238E27FC236}">
-                <a16:creationId xmlns:a16="http://schemas.microsoft.com/office/drawing/2014/main" id="{3061673D-2885-437B-83A2-28895595C479}"/>
-              </a:ext>
-            </a:extLst>
-          </p:cNvPr>
-          <p:cNvSpPr>
-            <a:spLocks noGrp="1"/>
-          </p:cNvSpPr>
-          <p:nvPr>
-            <p:ph type="title"/>
-          </p:nvPr>
-        </p:nvSpPr>
-        <p:spPr/>
-        <p:txBody>
-          <a:bodyPr/>
-          <a:lstStyle/>
-          <a:p>
-            <a:r>
-              <a:rPr lang="zh-CN" altLang="en-US" dirty="0"/>
-              <a:t>网络流（</a:t>
-            </a:r>
-            <a:r>
-              <a:rPr lang="en-US" altLang="zh-CN" dirty="0"/>
-              <a:t>Network flow</a:t>
-            </a:r>
-            <a:r>
-              <a:rPr lang="zh-CN" altLang="en-US"/>
-              <a:t>）动画</a:t>
-            </a:r>
-            <a:endParaRPr lang="zh-CN" altLang="en-US" dirty="0"/>
-          </a:p>
-        </p:txBody>
-      </p:sp>
-      <p:pic>
-        <p:nvPicPr>
-          <p:cNvPr id="5" name="内容占位符 4">
-            <a:extLst>
-              <a:ext uri="{FF2B5EF4-FFF2-40B4-BE49-F238E27FC236}">
-                <a16:creationId xmlns:a16="http://schemas.microsoft.com/office/drawing/2014/main" id="{B3B14AAC-1940-4B5E-B0F8-A22A3D81CDF5}"/>
-              </a:ext>
-            </a:extLst>
-          </p:cNvPr>
-          <p:cNvPicPr>
-            <a:picLocks noGrp="1" noChangeAspect="1"/>
-          </p:cNvPicPr>
-          <p:nvPr>
-            <p:ph idx="1"/>
-          </p:nvPr>
-        </p:nvPicPr>
-        <p:blipFill>
-          <a:blip r:embed="rId2"/>
-          <a:stretch>
-            <a:fillRect/>
-          </a:stretch>
-        </p:blipFill>
-        <p:spPr>
-          <a:xfrm>
-            <a:off x="849979" y="2190488"/>
-            <a:ext cx="10004981" cy="3501185"/>
-          </a:xfrm>
-          <a:prstGeom prst="rect">
-            <a:avLst/>
-          </a:prstGeom>
-        </p:spPr>
-      </p:pic>
-      <p:cxnSp>
-        <p:nvCxnSpPr>
-          <p:cNvPr id="7" name="直接连接符 6">
-            <a:extLst>
-              <a:ext uri="{FF2B5EF4-FFF2-40B4-BE49-F238E27FC236}">
-                <a16:creationId xmlns:a16="http://schemas.microsoft.com/office/drawing/2014/main" id="{64CB563F-0622-4770-9C58-E9221700CBA7}"/>
-              </a:ext>
-            </a:extLst>
-          </p:cNvPr>
-          <p:cNvCxnSpPr/>
-          <p:nvPr/>
-        </p:nvCxnSpPr>
-        <p:spPr>
-          <a:xfrm flipV="1">
-            <a:off x="1545869" y="2862113"/>
-            <a:ext cx="1312144" cy="984108"/>
-          </a:xfrm>
-          <a:prstGeom prst="line">
-            <a:avLst/>
-          </a:prstGeom>
-          <a:ln w="127000">
-            <a:solidFill>
-              <a:schemeClr val="accent1">
-                <a:alpha val="46000"/>
-              </a:schemeClr>
-            </a:solidFill>
-          </a:ln>
-        </p:spPr>
-        <p:style>
-          <a:lnRef idx="1">
-            <a:schemeClr val="accent1"/>
-          </a:lnRef>
-          <a:fillRef idx="0">
-            <a:schemeClr val="accent1"/>
-          </a:fillRef>
-          <a:effectRef idx="0">
-            <a:schemeClr val="accent1"/>
-          </a:effectRef>
-          <a:fontRef idx="minor">
-            <a:schemeClr val="tx1"/>
-          </a:fontRef>
-        </p:style>
-      </p:cxnSp>
-      <p:cxnSp>
-        <p:nvCxnSpPr>
-          <p:cNvPr id="8" name="直接连接符 7">
-            <a:extLst>
-              <a:ext uri="{FF2B5EF4-FFF2-40B4-BE49-F238E27FC236}">
-                <a16:creationId xmlns:a16="http://schemas.microsoft.com/office/drawing/2014/main" id="{007BB3A0-CA45-4223-A414-84E6C7F6DF34}"/>
-              </a:ext>
-            </a:extLst>
-          </p:cNvPr>
-          <p:cNvCxnSpPr>
-            <a:cxnSpLocks/>
-          </p:cNvCxnSpPr>
-          <p:nvPr/>
-        </p:nvCxnSpPr>
-        <p:spPr>
-          <a:xfrm>
-            <a:off x="3619144" y="2862113"/>
-            <a:ext cx="1811708" cy="0"/>
-          </a:xfrm>
-          <a:prstGeom prst="line">
-            <a:avLst/>
-          </a:prstGeom>
-          <a:ln w="127000">
-            <a:solidFill>
-              <a:schemeClr val="accent1">
-                <a:alpha val="46000"/>
-              </a:schemeClr>
-            </a:solidFill>
-          </a:ln>
-        </p:spPr>
-        <p:style>
-          <a:lnRef idx="1">
-            <a:schemeClr val="accent1"/>
-          </a:lnRef>
-          <a:fillRef idx="0">
-            <a:schemeClr val="accent1"/>
-          </a:fillRef>
-          <a:effectRef idx="0">
-            <a:schemeClr val="accent1"/>
-          </a:effectRef>
-          <a:fontRef idx="minor">
-            <a:schemeClr val="tx1"/>
-          </a:fontRef>
-        </p:style>
-      </p:cxnSp>
-      <p:cxnSp>
-        <p:nvCxnSpPr>
-          <p:cNvPr id="11" name="直接连接符 10">
-            <a:extLst>
-              <a:ext uri="{FF2B5EF4-FFF2-40B4-BE49-F238E27FC236}">
-                <a16:creationId xmlns:a16="http://schemas.microsoft.com/office/drawing/2014/main" id="{5F311483-DBC2-476D-B79C-757A18CEB6C9}"/>
-              </a:ext>
-            </a:extLst>
-          </p:cNvPr>
-          <p:cNvCxnSpPr>
-            <a:cxnSpLocks/>
-          </p:cNvCxnSpPr>
-          <p:nvPr/>
-        </p:nvCxnSpPr>
-        <p:spPr>
-          <a:xfrm>
-            <a:off x="6168639" y="2862113"/>
-            <a:ext cx="4017948" cy="984108"/>
-          </a:xfrm>
-          <a:prstGeom prst="line">
-            <a:avLst/>
-          </a:prstGeom>
-          <a:ln w="127000">
-            <a:solidFill>
-              <a:schemeClr val="accent1">
-                <a:alpha val="46000"/>
-              </a:schemeClr>
-            </a:solidFill>
-          </a:ln>
-        </p:spPr>
-        <p:style>
-          <a:lnRef idx="1">
-            <a:schemeClr val="accent1"/>
-          </a:lnRef>
-          <a:fillRef idx="0">
-            <a:schemeClr val="accent1"/>
-          </a:fillRef>
-          <a:effectRef idx="0">
-            <a:schemeClr val="accent1"/>
-          </a:effectRef>
-          <a:fontRef idx="minor">
-            <a:schemeClr val="tx1"/>
-          </a:fontRef>
-        </p:style>
-      </p:cxnSp>
-    </p:spTree>
-    <p:extLst>
-      <p:ext uri="{BB962C8B-B14F-4D97-AF65-F5344CB8AC3E}">
-        <p14:creationId xmlns:p14="http://schemas.microsoft.com/office/powerpoint/2010/main" val="3595132019"/>
-      </p:ext>
-    </p:extLst>
-  </p:cSld>
-  <p:clrMapOvr>
-    <a:masterClrMapping/>
-  </p:clrMapOvr>
-  <p:timing>
-    <p:tnLst>
-      <p:par>
-        <p:cTn id="1" dur="indefinite" restart="never" nodeType="tmRoot">
-          <p:childTnLst>
-            <p:seq concurrent="1" nextAc="seek">
-              <p:cTn id="2" dur="indefinite" nodeType="mainSeq">
-                <p:childTnLst>
-                  <p:par>
-                    <p:cTn id="3" fill="hold">
-                      <p:stCondLst>
-                        <p:cond delay="indefinite"/>
-                        <p:cond evt="onBegin" delay="0">
-                          <p:tn val="2"/>
-                        </p:cond>
-                      </p:stCondLst>
-                      <p:childTnLst>
-                        <p:par>
-                          <p:cTn id="4" fill="hold">
-                            <p:stCondLst>
-                              <p:cond delay="0"/>
-                            </p:stCondLst>
-                            <p:childTnLst>
-                              <p:par>
-                                <p:cTn id="5" presetID="35" presetClass="emph" presetSubtype="0" repeatCount="indefinite" fill="hold" nodeType="withEffect">
-                                  <p:stCondLst>
-                                    <p:cond delay="0"/>
-                                  </p:stCondLst>
-                                  <p:childTnLst>
-                                    <p:anim calcmode="discrete" valueType="str">
-                                      <p:cBhvr>
-                                        <p:cTn id="6" dur="1000" fill="hold"/>
-                                        <p:tgtEl>
-                                          <p:spTgt spid="7"/>
-                                        </p:tgtEl>
-                                        <p:attrNameLst>
-                                          <p:attrName>style.visibility</p:attrName>
-                                        </p:attrNameLst>
-                                      </p:cBhvr>
-                                      <p:tavLst>
-                                        <p:tav tm="0">
-                                          <p:val>
-                                            <p:strVal val="hidden"/>
-                                          </p:val>
-                                        </p:tav>
-                                        <p:tav tm="50000">
-                                          <p:val>
-                                            <p:strVal val="visible"/>
-                                          </p:val>
-                                        </p:tav>
-                                      </p:tavLst>
-                                    </p:anim>
-                                  </p:childTnLst>
-                                </p:cTn>
-                              </p:par>
-                              <p:par>
-                                <p:cTn id="7" presetID="35" presetClass="emph" presetSubtype="0" repeatCount="indefinite" fill="hold" nodeType="withEffect">
-                                  <p:stCondLst>
-                                    <p:cond delay="0"/>
-                                  </p:stCondLst>
-                                  <p:childTnLst>
-                                    <p:anim calcmode="discrete" valueType="str">
-                                      <p:cBhvr>
-                                        <p:cTn id="8" dur="1000" fill="hold"/>
-                                        <p:tgtEl>
-                                          <p:spTgt spid="8"/>
-                                        </p:tgtEl>
-                                        <p:attrNameLst>
-                                          <p:attrName>style.visibility</p:attrName>
-                                        </p:attrNameLst>
-                                      </p:cBhvr>
-                                      <p:tavLst>
-                                        <p:tav tm="0">
-                                          <p:val>
-                                            <p:strVal val="hidden"/>
-                                          </p:val>
-                                        </p:tav>
-                                        <p:tav tm="50000">
-                                          <p:val>
-                                            <p:strVal val="visible"/>
-                                          </p:val>
-                                        </p:tav>
-                                      </p:tavLst>
-                                    </p:anim>
-                                  </p:childTnLst>
-                                </p:cTn>
-                              </p:par>
-                              <p:par>
-                                <p:cTn id="9" presetID="35" presetClass="emph" presetSubtype="0" repeatCount="indefinite" fill="hold" nodeType="withEffect">
-                                  <p:stCondLst>
-                                    <p:cond delay="0"/>
-                                  </p:stCondLst>
-                                  <p:childTnLst>
-                                    <p:anim calcmode="discrete" valueType="str">
-                                      <p:cBhvr>
-                                        <p:cTn id="10" dur="1000" fill="hold"/>
-                                        <p:tgtEl>
-                                          <p:spTgt spid="11"/>
-                                        </p:tgtEl>
-                                        <p:attrNameLst>
-                                          <p:attrName>style.visibility</p:attrName>
-                                        </p:attrNameLst>
-                                      </p:cBhvr>
-                                      <p:tavLst>
-                                        <p:tav tm="0">
-                                          <p:val>
-                                            <p:strVal val="hidden"/>
-                                          </p:val>
-                                        </p:tav>
-                                        <p:tav tm="50000">
-                                          <p:val>
-                                            <p:strVal val="visible"/>
-                                          </p:val>
-                                        </p:tav>
-                                      </p:tavLst>
-                                    </p:anim>
-                                  </p:childTnLst>
-                                </p:cTn>
-                              </p:par>
-                            </p:childTnLst>
-                          </p:cTn>
-                        </p:par>
-                      </p:childTnLst>
-                    </p:cTn>
-                  </p:par>
-                </p:childTnLst>
-              </p:cTn>
-              <p:prevCondLst>
-                <p:cond evt="onPrev" delay="0">
-                  <p:tgtEl>
-                    <p:sldTgt/>
-                  </p:tgtEl>
-                </p:cond>
-              </p:prevCondLst>
-              <p:nextCondLst>
-                <p:cond evt="onNext" delay="0">
-                  <p:tgtEl>
-                    <p:sldTgt/>
-                  </p:tgtEl>
-                </p:cond>
-              </p:nextCondLst>
-            </p:seq>
-          </p:childTnLst>
-        </p:cTn>
-      </p:par>
-    </p:tnLst>
-  </p:timing>
-</p:sld>
-</file>
-
-<file path=ppt/slides/slide6.xml><?xml version="1.0" encoding="utf-8"?>
-<p:sld xmlns:a="http://schemas.openxmlformats.org/drawingml/2006/main" xmlns:r="http://schemas.openxmlformats.org/officeDocument/2006/relationships" xmlns:p="http://schemas.openxmlformats.org/presentationml/2006/main">
-  <p:cSld>
-    <p:spTree>
-      <p:nvGrpSpPr>
-        <p:cNvPr id="1" name=""/>
-        <p:cNvGrpSpPr/>
-        <p:nvPr/>
-      </p:nvGrpSpPr>
-      <p:grpSpPr>
-        <a:xfrm>
-          <a:off x="0" y="0"/>
-          <a:ext cx="0" cy="0"/>
-          <a:chOff x="0" y="0"/>
-          <a:chExt cx="0" cy="0"/>
-        </a:xfrm>
-      </p:grpSpPr>
       <p:cxnSp>
         <p:nvCxnSpPr>
           <p:cNvPr id="13" name="直接连接符 12">
@@ -10096,7 +9754,7 @@
 </p:sld>
 </file>
 
-<file path=ppt/slides/slide7.xml><?xml version="1.0" encoding="utf-8"?>
+<file path=ppt/slides/slide6.xml><?xml version="1.0" encoding="utf-8"?>
 <p:sld xmlns:a="http://schemas.openxmlformats.org/drawingml/2006/main" xmlns:r="http://schemas.openxmlformats.org/officeDocument/2006/relationships" xmlns:p="http://schemas.openxmlformats.org/presentationml/2006/main">
   <p:cSld>
     <p:spTree>
@@ -10800,7 +10458,7 @@
 </p:sld>
 </file>
 
-<file path=ppt/slides/slide8.xml><?xml version="1.0" encoding="utf-8"?>
+<file path=ppt/slides/slide7.xml><?xml version="1.0" encoding="utf-8"?>
 <p:sld xmlns:a="http://schemas.openxmlformats.org/drawingml/2006/main" xmlns:r="http://schemas.openxmlformats.org/officeDocument/2006/relationships" xmlns:p="http://schemas.openxmlformats.org/presentationml/2006/main">
   <p:cSld>
     <p:spTree>
@@ -11945,7 +11603,7 @@
 </p:sld>
 </file>
 
-<file path=ppt/slides/slide9.xml><?xml version="1.0" encoding="utf-8"?>
+<file path=ppt/slides/slide8.xml><?xml version="1.0" encoding="utf-8"?>
 <p:sld xmlns:a="http://schemas.openxmlformats.org/drawingml/2006/main" xmlns:r="http://schemas.openxmlformats.org/officeDocument/2006/relationships" xmlns:p="http://schemas.openxmlformats.org/presentationml/2006/main">
   <p:cSld>
     <p:spTree>
@@ -12925,6 +12583,382 @@
 </p:sld>
 </file>
 
+<file path=ppt/slides/slide9.xml><?xml version="1.0" encoding="utf-8"?>
+<p:sld xmlns:a="http://schemas.openxmlformats.org/drawingml/2006/main" xmlns:r="http://schemas.openxmlformats.org/officeDocument/2006/relationships" xmlns:p="http://schemas.openxmlformats.org/presentationml/2006/main">
+  <p:cSld>
+    <p:spTree>
+      <p:nvGrpSpPr>
+        <p:cNvPr id="1" name=""/>
+        <p:cNvGrpSpPr/>
+        <p:nvPr/>
+      </p:nvGrpSpPr>
+      <p:grpSpPr>
+        <a:xfrm>
+          <a:off x="0" y="0"/>
+          <a:ext cx="0" cy="0"/>
+          <a:chOff x="0" y="0"/>
+          <a:chExt cx="0" cy="0"/>
+        </a:xfrm>
+      </p:grpSpPr>
+      <p:sp>
+        <p:nvSpPr>
+          <p:cNvPr id="2" name="标题 1">
+            <a:extLst>
+              <a:ext uri="{FF2B5EF4-FFF2-40B4-BE49-F238E27FC236}">
+                <a16:creationId xmlns:a16="http://schemas.microsoft.com/office/drawing/2014/main" id="{EE7A450F-735B-4E5F-93E7-63C477A2E1AC}"/>
+              </a:ext>
+            </a:extLst>
+          </p:cNvPr>
+          <p:cNvSpPr>
+            <a:spLocks noGrp="1"/>
+          </p:cNvSpPr>
+          <p:nvPr>
+            <p:ph type="title"/>
+          </p:nvPr>
+        </p:nvSpPr>
+        <p:spPr/>
+        <p:txBody>
+          <a:bodyPr/>
+          <a:lstStyle/>
+          <a:p>
+            <a:r>
+              <a:rPr lang="zh-CN" altLang="en-US" dirty="0"/>
+              <a:t>最大流</a:t>
+            </a:r>
+            <a:r>
+              <a:rPr lang="en-US" altLang="zh-CN" dirty="0"/>
+              <a:t>Max-flow</a:t>
+            </a:r>
+            <a:r>
+              <a:rPr lang="zh-CN" altLang="en-US" dirty="0"/>
+              <a:t>算法</a:t>
+            </a:r>
+          </a:p>
+        </p:txBody>
+      </p:sp>
+      <mc:AlternateContent xmlns:mc="http://schemas.openxmlformats.org/markup-compatibility/2006" xmlns:a14="http://schemas.microsoft.com/office/drawing/2010/main">
+        <mc:Choice Requires="a14">
+          <p:sp>
+            <p:nvSpPr>
+              <p:cNvPr id="3" name="内容占位符 2">
+                <a:extLst>
+                  <a:ext uri="{FF2B5EF4-FFF2-40B4-BE49-F238E27FC236}">
+                    <a16:creationId xmlns:a16="http://schemas.microsoft.com/office/drawing/2014/main" id="{438F22C9-43D7-4C72-A447-A0B5D988EE07}"/>
+                  </a:ext>
+                </a:extLst>
+              </p:cNvPr>
+              <p:cNvSpPr>
+                <a:spLocks noGrp="1"/>
+              </p:cNvSpPr>
+              <p:nvPr>
+                <p:ph idx="1"/>
+              </p:nvPr>
+            </p:nvSpPr>
+            <p:spPr>
+              <a:xfrm>
+                <a:off x="1024128" y="1860125"/>
+                <a:ext cx="9720071" cy="4023360"/>
+              </a:xfrm>
+            </p:spPr>
+            <p:txBody>
+              <a:bodyPr/>
+              <a:lstStyle/>
+              <a:p>
+                <a:pPr marL="457200" indent="-457200">
+                  <a:buFont typeface="+mj-lt"/>
+                  <a:buAutoNum type="arabicPeriod"/>
+                </a:pPr>
+                <a:r>
+                  <a:rPr lang="en-US" altLang="zh-CN" dirty="0"/>
+                  <a:t>Ford–Fulkerson algorithm (DFS)</a:t>
+                </a:r>
+                <a:r>
+                  <a:rPr lang="zh-CN" altLang="en-US" dirty="0"/>
+                  <a:t>，</a:t>
+                </a:r>
+                <a14:m>
+                  <m:oMath xmlns:m="http://schemas.openxmlformats.org/officeDocument/2006/math">
+                    <m:r>
+                      <a:rPr lang="en-US" altLang="zh-CN" b="0" i="1" smtClean="0">
+                        <a:latin typeface="Cambria Math" panose="02040503050406030204" pitchFamily="18" charset="0"/>
+                      </a:rPr>
+                      <m:t>𝑂</m:t>
+                    </m:r>
+                    <m:r>
+                      <a:rPr lang="en-US" altLang="zh-CN" b="0" i="1" smtClean="0">
+                        <a:latin typeface="Cambria Math" panose="02040503050406030204" pitchFamily="18" charset="0"/>
+                      </a:rPr>
+                      <m:t>(</m:t>
+                    </m:r>
+                    <m:r>
+                      <a:rPr lang="en-US" altLang="zh-CN" b="0" i="1" smtClean="0">
+                        <a:latin typeface="Cambria Math" panose="02040503050406030204" pitchFamily="18" charset="0"/>
+                      </a:rPr>
+                      <m:t>𝐸</m:t>
+                    </m:r>
+                    <m:r>
+                      <a:rPr lang="en-US" altLang="zh-CN" b="0" i="1" smtClean="0">
+                        <a:latin typeface="Cambria Math" panose="02040503050406030204" pitchFamily="18" charset="0"/>
+                        <a:ea typeface="Cambria Math" panose="02040503050406030204" pitchFamily="18" charset="0"/>
+                      </a:rPr>
+                      <m:t>×</m:t>
+                    </m:r>
+                    <m:r>
+                      <a:rPr lang="en-US" altLang="zh-CN" b="0" i="1" smtClean="0">
+                        <a:latin typeface="Cambria Math" panose="02040503050406030204" pitchFamily="18" charset="0"/>
+                        <a:ea typeface="Cambria Math" panose="02040503050406030204" pitchFamily="18" charset="0"/>
+                      </a:rPr>
+                      <m:t>𝑓</m:t>
+                    </m:r>
+                    <m:r>
+                      <a:rPr lang="en-US" altLang="zh-CN" b="0" i="1" smtClean="0">
+                        <a:latin typeface="Cambria Math" panose="02040503050406030204" pitchFamily="18" charset="0"/>
+                      </a:rPr>
+                      <m:t>)</m:t>
+                    </m:r>
+                  </m:oMath>
+                </a14:m>
+                <a:r>
+                  <a:rPr lang="en-US" altLang="zh-CN" i="1" dirty="0"/>
+                  <a:t> </a:t>
+                </a:r>
+                <a:r>
+                  <a:rPr lang="zh-CN" altLang="en-US" dirty="0"/>
+                  <a:t>。</a:t>
+                </a:r>
+                <a:br>
+                  <a:rPr lang="en-US" altLang="zh-CN" dirty="0"/>
+                </a:br>
+                <a:r>
+                  <a:rPr lang="en-US" altLang="zh-CN" dirty="0"/>
+                  <a:t>E</a:t>
+                </a:r>
+                <a:r>
+                  <a:rPr lang="zh-CN" altLang="en-US" dirty="0"/>
+                  <a:t>为边的数量，</a:t>
+                </a:r>
+                <a:r>
+                  <a:rPr lang="en-US" altLang="zh-CN" dirty="0"/>
+                  <a:t>f</a:t>
+                </a:r>
+                <a:r>
+                  <a:rPr lang="zh-CN" altLang="en-US" dirty="0"/>
+                  <a:t>为</a:t>
+                </a:r>
+                <a:r>
+                  <a:rPr lang="en-US" altLang="zh-CN" dirty="0"/>
+                  <a:t>max-flow</a:t>
+                </a:r>
+                <a:r>
+                  <a:rPr lang="zh-CN" altLang="en-US" dirty="0"/>
+                  <a:t>的值，</a:t>
+                </a:r>
+                <a:r>
+                  <a:rPr lang="en-US" altLang="zh-CN" dirty="0"/>
+                  <a:t>f</a:t>
+                </a:r>
+                <a:r>
+                  <a:rPr lang="zh-CN" altLang="en-US" dirty="0"/>
+                  <a:t>可能很大，性能可能会很慢，如下图</a:t>
+                </a:r>
+                <a:endParaRPr lang="en-US" altLang="zh-CN" dirty="0"/>
+              </a:p>
+            </p:txBody>
+          </p:sp>
+        </mc:Choice>
+        <mc:Fallback xmlns="">
+          <p:sp>
+            <p:nvSpPr>
+              <p:cNvPr id="3" name="内容占位符 2">
+                <a:extLst>
+                  <a:ext uri="{FF2B5EF4-FFF2-40B4-BE49-F238E27FC236}">
+                    <a16:creationId xmlns:a16="http://schemas.microsoft.com/office/drawing/2014/main" id="{438F22C9-43D7-4C72-A447-A0B5D988EE07}"/>
+                  </a:ext>
+                </a:extLst>
+              </p:cNvPr>
+              <p:cNvSpPr>
+                <a:spLocks noGrp="1" noRot="1" noChangeAspect="1" noMove="1" noResize="1" noEditPoints="1" noAdjustHandles="1" noChangeArrowheads="1" noChangeShapeType="1" noTextEdit="1"/>
+              </p:cNvSpPr>
+              <p:nvPr>
+                <p:ph idx="1"/>
+              </p:nvPr>
+            </p:nvSpPr>
+            <p:spPr>
+              <a:xfrm>
+                <a:off x="1024128" y="1860125"/>
+                <a:ext cx="9720071" cy="4023360"/>
+              </a:xfrm>
+              <a:blipFill>
+                <a:blip r:embed="rId2"/>
+                <a:stretch>
+                  <a:fillRect l="-1129" t="-1970"/>
+                </a:stretch>
+              </a:blipFill>
+            </p:spPr>
+            <p:txBody>
+              <a:bodyPr/>
+              <a:lstStyle/>
+              <a:p>
+                <a:r>
+                  <a:rPr lang="zh-CN" altLang="en-US">
+                    <a:noFill/>
+                  </a:rPr>
+                  <a:t> </a:t>
+                </a:r>
+              </a:p>
+            </p:txBody>
+          </p:sp>
+        </mc:Fallback>
+      </mc:AlternateContent>
+      <p:pic>
+        <p:nvPicPr>
+          <p:cNvPr id="6" name="图片 5">
+            <a:extLst>
+              <a:ext uri="{FF2B5EF4-FFF2-40B4-BE49-F238E27FC236}">
+                <a16:creationId xmlns:a16="http://schemas.microsoft.com/office/drawing/2014/main" id="{76166CD0-B709-4066-B5A5-0BBCFEF8D393}"/>
+              </a:ext>
+            </a:extLst>
+          </p:cNvPr>
+          <p:cNvPicPr>
+            <a:picLocks noChangeAspect="1"/>
+          </p:cNvPicPr>
+          <p:nvPr/>
+        </p:nvPicPr>
+        <p:blipFill>
+          <a:blip r:embed="rId3"/>
+          <a:stretch>
+            <a:fillRect/>
+          </a:stretch>
+        </p:blipFill>
+        <p:spPr>
+          <a:xfrm>
+            <a:off x="897379" y="2695996"/>
+            <a:ext cx="10143745" cy="1802522"/>
+          </a:xfrm>
+          <a:prstGeom prst="rect">
+            <a:avLst/>
+          </a:prstGeom>
+        </p:spPr>
+      </p:pic>
+    </p:spTree>
+    <p:extLst>
+      <p:ext uri="{BB962C8B-B14F-4D97-AF65-F5344CB8AC3E}">
+        <p14:creationId xmlns:p14="http://schemas.microsoft.com/office/powerpoint/2010/main" val="685290226"/>
+      </p:ext>
+    </p:extLst>
+  </p:cSld>
+  <p:clrMapOvr>
+    <a:masterClrMapping/>
+  </p:clrMapOvr>
+  <p:timing>
+    <p:tnLst>
+      <p:par>
+        <p:cTn id="1" dur="indefinite" restart="never" nodeType="tmRoot">
+          <p:childTnLst>
+            <p:seq concurrent="1" nextAc="seek">
+              <p:cTn id="2" dur="indefinite" nodeType="mainSeq">
+                <p:childTnLst>
+                  <p:par>
+                    <p:cTn id="3" fill="hold">
+                      <p:stCondLst>
+                        <p:cond delay="indefinite"/>
+                      </p:stCondLst>
+                      <p:childTnLst>
+                        <p:par>
+                          <p:cTn id="4" fill="hold">
+                            <p:stCondLst>
+                              <p:cond delay="0"/>
+                            </p:stCondLst>
+                            <p:childTnLst>
+                              <p:par>
+                                <p:cTn id="5" presetID="1" presetClass="entr" presetSubtype="0" fill="hold" nodeType="clickEffect">
+                                  <p:stCondLst>
+                                    <p:cond delay="0"/>
+                                  </p:stCondLst>
+                                  <p:childTnLst>
+                                    <p:set>
+                                      <p:cBhvr>
+                                        <p:cTn id="6" dur="1" fill="hold">
+                                          <p:stCondLst>
+                                            <p:cond delay="0"/>
+                                          </p:stCondLst>
+                                        </p:cTn>
+                                        <p:tgtEl>
+                                          <p:spTgt spid="3">
+                                            <p:txEl>
+                                              <p:pRg st="0" end="0"/>
+                                            </p:txEl>
+                                          </p:spTgt>
+                                        </p:tgtEl>
+                                        <p:attrNameLst>
+                                          <p:attrName>style.visibility</p:attrName>
+                                        </p:attrNameLst>
+                                      </p:cBhvr>
+                                      <p:to>
+                                        <p:strVal val="visible"/>
+                                      </p:to>
+                                    </p:set>
+                                  </p:childTnLst>
+                                </p:cTn>
+                              </p:par>
+                              <p:par>
+                                <p:cTn id="7" presetID="1" presetClass="entr" presetSubtype="0" fill="hold" nodeType="withEffect">
+                                  <p:stCondLst>
+                                    <p:cond delay="0"/>
+                                  </p:stCondLst>
+                                  <p:childTnLst>
+                                    <p:set>
+                                      <p:cBhvr>
+                                        <p:cTn id="8" dur="1" fill="hold">
+                                          <p:stCondLst>
+                                            <p:cond delay="0"/>
+                                          </p:stCondLst>
+                                        </p:cTn>
+                                        <p:tgtEl>
+                                          <p:spTgt spid="6"/>
+                                        </p:tgtEl>
+                                        <p:attrNameLst>
+                                          <p:attrName>style.visibility</p:attrName>
+                                        </p:attrNameLst>
+                                      </p:cBhvr>
+                                      <p:to>
+                                        <p:strVal val="visible"/>
+                                      </p:to>
+                                    </p:set>
+                                  </p:childTnLst>
+                                </p:cTn>
+                              </p:par>
+                            </p:childTnLst>
+                          </p:cTn>
+                        </p:par>
+                      </p:childTnLst>
+                    </p:cTn>
+                  </p:par>
+                </p:childTnLst>
+              </p:cTn>
+              <p:prevCondLst>
+                <p:cond evt="onPrev" delay="0">
+                  <p:tgtEl>
+                    <p:sldTgt/>
+                  </p:tgtEl>
+                </p:cond>
+              </p:prevCondLst>
+              <p:nextCondLst>
+                <p:cond evt="onNext" delay="0">
+                  <p:tgtEl>
+                    <p:sldTgt/>
+                  </p:tgtEl>
+                </p:cond>
+              </p:nextCondLst>
+            </p:seq>
+          </p:childTnLst>
+        </p:cTn>
+      </p:par>
+    </p:tnLst>
+  </p:timing>
+</p:sld>
+</file>
+
 <file path=ppt/theme/theme1.xml><?xml version="1.0" encoding="utf-8"?>
 <a:theme xmlns:a="http://schemas.openxmlformats.org/drawingml/2006/main" name="积分">
   <a:themeElements>

--- a/doc/NetworkFlow/网络流.pptx
+++ b/doc/NetworkFlow/网络流.pptx
@@ -19,6 +19,10 @@
     <p:sldId id="265" r:id="rId13"/>
     <p:sldId id="269" r:id="rId14"/>
     <p:sldId id="267" r:id="rId15"/>
+    <p:sldId id="270" r:id="rId16"/>
+    <p:sldId id="271" r:id="rId17"/>
+    <p:sldId id="272" r:id="rId18"/>
+    <p:sldId id="273" r:id="rId19"/>
   </p:sldIdLst>
   <p:sldSz cx="12192000" cy="6858000"/>
   <p:notesSz cx="6858000" cy="9144000"/>
@@ -316,7 +320,7 @@
             <a:fld id="{96DFF08F-DC6B-4601-B491-B0F83F6DD2DA}" type="datetimeFigureOut">
               <a:rPr lang="en-US" dirty="0"/>
               <a:pPr/>
-              <a:t>4/4/2019</a:t>
+              <a:t>4/9/2019</a:t>
             </a:fld>
             <a:endParaRPr lang="en-US" dirty="0"/>
           </a:p>
@@ -516,7 +520,7 @@
           <a:p>
             <a:fld id="{96DFF08F-DC6B-4601-B491-B0F83F6DD2DA}" type="datetimeFigureOut">
               <a:rPr lang="en-US" dirty="0"/>
-              <a:t>4/4/2019</a:t>
+              <a:t>4/9/2019</a:t>
             </a:fld>
             <a:endParaRPr lang="en-US" dirty="0"/>
           </a:p>
@@ -691,7 +695,7 @@
           <a:p>
             <a:fld id="{96DFF08F-DC6B-4601-B491-B0F83F6DD2DA}" type="datetimeFigureOut">
               <a:rPr lang="en-US" dirty="0"/>
-              <a:t>4/4/2019</a:t>
+              <a:t>4/9/2019</a:t>
             </a:fld>
             <a:endParaRPr lang="en-US" dirty="0"/>
           </a:p>
@@ -891,7 +895,7 @@
           <a:p>
             <a:fld id="{96DFF08F-DC6B-4601-B491-B0F83F6DD2DA}" type="datetimeFigureOut">
               <a:rPr lang="en-US" dirty="0"/>
-              <a:t>4/4/2019</a:t>
+              <a:t>4/9/2019</a:t>
             </a:fld>
             <a:endParaRPr lang="en-US" dirty="0"/>
           </a:p>
@@ -1181,7 +1185,7 @@
           <a:p>
             <a:fld id="{96DFF08F-DC6B-4601-B491-B0F83F6DD2DA}" type="datetimeFigureOut">
               <a:rPr lang="en-US" dirty="0"/>
-              <a:t>4/4/2019</a:t>
+              <a:t>4/9/2019</a:t>
             </a:fld>
             <a:endParaRPr lang="en-US" dirty="0"/>
           </a:p>
@@ -1448,7 +1452,7 @@
           <a:p>
             <a:fld id="{96DFF08F-DC6B-4601-B491-B0F83F6DD2DA}" type="datetimeFigureOut">
               <a:rPr lang="en-US" dirty="0"/>
-              <a:t>4/4/2019</a:t>
+              <a:t>4/9/2019</a:t>
             </a:fld>
             <a:endParaRPr lang="en-US" dirty="0"/>
           </a:p>
@@ -1850,7 +1854,7 @@
           <a:p>
             <a:fld id="{96DFF08F-DC6B-4601-B491-B0F83F6DD2DA}" type="datetimeFigureOut">
               <a:rPr lang="en-US" dirty="0"/>
-              <a:t>4/4/2019</a:t>
+              <a:t>4/9/2019</a:t>
             </a:fld>
             <a:endParaRPr lang="en-US" dirty="0"/>
           </a:p>
@@ -1963,7 +1967,7 @@
           <a:p>
             <a:fld id="{96DFF08F-DC6B-4601-B491-B0F83F6DD2DA}" type="datetimeFigureOut">
               <a:rPr lang="en-US" dirty="0"/>
-              <a:t>4/4/2019</a:t>
+              <a:t>4/9/2019</a:t>
             </a:fld>
             <a:endParaRPr lang="en-US" dirty="0"/>
           </a:p>
@@ -2053,7 +2057,7 @@
           <a:p>
             <a:fld id="{96DFF08F-DC6B-4601-B491-B0F83F6DD2DA}" type="datetimeFigureOut">
               <a:rPr lang="en-US" dirty="0"/>
-              <a:t>4/4/2019</a:t>
+              <a:t>4/9/2019</a:t>
             </a:fld>
             <a:endParaRPr lang="en-US" dirty="0"/>
           </a:p>
@@ -2338,7 +2342,7 @@
           <a:p>
             <a:fld id="{96DFF08F-DC6B-4601-B491-B0F83F6DD2DA}" type="datetimeFigureOut">
               <a:rPr lang="en-US" dirty="0"/>
-              <a:t>4/4/2019</a:t>
+              <a:t>4/9/2019</a:t>
             </a:fld>
             <a:endParaRPr lang="en-US" dirty="0"/>
           </a:p>
@@ -2613,7 +2617,7 @@
           <a:p>
             <a:fld id="{C7616CA0-919D-4A49-9C8A-62FDFB3A5183}" type="datetimeFigureOut">
               <a:rPr lang="en-US" dirty="0"/>
-              <a:t>4/4/2019</a:t>
+              <a:t>4/9/2019</a:t>
             </a:fld>
             <a:endParaRPr lang="en-US" dirty="0"/>
           </a:p>
@@ -2859,7 +2863,7 @@
             <a:fld id="{96DFF08F-DC6B-4601-B491-B0F83F6DD2DA}" type="datetimeFigureOut">
               <a:rPr lang="en-US" dirty="0"/>
               <a:pPr/>
-              <a:t>4/4/2019</a:t>
+              <a:t>4/9/2019</a:t>
             </a:fld>
             <a:endParaRPr lang="en-US" dirty="0"/>
           </a:p>
@@ -3696,7 +3700,71 @@
                 </a:r>
                 <a:r>
                   <a:rPr lang="zh-CN" altLang="en-US" dirty="0"/>
-                  <a:t>每次跑最短路径。</a:t>
+                  <a:t>每次跑最短路径。（能够处理</a:t>
+                </a:r>
+                <a14:m>
+                  <m:oMath xmlns:m="http://schemas.openxmlformats.org/officeDocument/2006/math">
+                    <m:sSup>
+                      <m:sSupPr>
+                        <m:ctrlPr>
+                          <a:rPr lang="en-US" altLang="zh-CN" i="1" smtClean="0">
+                            <a:latin typeface="Cambria Math" panose="02040503050406030204" pitchFamily="18" charset="0"/>
+                          </a:rPr>
+                        </m:ctrlPr>
+                      </m:sSupPr>
+                      <m:e>
+                        <m:r>
+                          <a:rPr lang="en-US" altLang="zh-CN" b="0" i="1" smtClean="0">
+                            <a:latin typeface="Cambria Math" panose="02040503050406030204" pitchFamily="18" charset="0"/>
+                          </a:rPr>
+                          <m:t>10</m:t>
+                        </m:r>
+                      </m:e>
+                      <m:sup>
+                        <m:r>
+                          <a:rPr lang="en-US" altLang="zh-CN" b="0" i="1" smtClean="0">
+                            <a:latin typeface="Cambria Math" panose="02040503050406030204" pitchFamily="18" charset="0"/>
+                          </a:rPr>
+                          <m:t>3</m:t>
+                        </m:r>
+                      </m:sup>
+                    </m:sSup>
+                    <m:r>
+                      <a:rPr lang="en-US" altLang="zh-CN" i="1">
+                        <a:latin typeface="Cambria Math" panose="02040503050406030204" pitchFamily="18" charset="0"/>
+                      </a:rPr>
+                      <m:t>~</m:t>
+                    </m:r>
+                    <m:sSup>
+                      <m:sSupPr>
+                        <m:ctrlPr>
+                          <a:rPr lang="en-US" altLang="zh-CN" i="1">
+                            <a:latin typeface="Cambria Math" panose="02040503050406030204" pitchFamily="18" charset="0"/>
+                          </a:rPr>
+                        </m:ctrlPr>
+                      </m:sSupPr>
+                      <m:e>
+                        <m:r>
+                          <a:rPr lang="en-US" altLang="zh-CN" i="1">
+                            <a:latin typeface="Cambria Math" panose="02040503050406030204" pitchFamily="18" charset="0"/>
+                          </a:rPr>
+                          <m:t>10</m:t>
+                        </m:r>
+                      </m:e>
+                      <m:sup>
+                        <m:r>
+                          <a:rPr lang="en-US" altLang="zh-CN" b="0" i="1" smtClean="0">
+                            <a:latin typeface="Cambria Math" panose="02040503050406030204" pitchFamily="18" charset="0"/>
+                          </a:rPr>
+                          <m:t>4</m:t>
+                        </m:r>
+                      </m:sup>
+                    </m:sSup>
+                  </m:oMath>
+                </a14:m>
+                <a:r>
+                  <a:rPr lang="zh-CN" altLang="en-US" dirty="0"/>
+                  <a:t>规模的网络）</a:t>
                 </a:r>
                 <a:endParaRPr lang="en-US" altLang="zh-CN" dirty="0"/>
               </a:p>
@@ -3793,6 +3861,74 @@
                   <a:rPr lang="zh-CN" altLang="en-US" i="1" dirty="0"/>
                   <a:t>。</a:t>
                 </a:r>
+                <a:r>
+                  <a:rPr lang="zh-CN" altLang="en-US" dirty="0"/>
+                  <a:t>（能够处理</a:t>
+                </a:r>
+                <a14:m>
+                  <m:oMath xmlns:m="http://schemas.openxmlformats.org/officeDocument/2006/math">
+                    <m:sSup>
+                      <m:sSupPr>
+                        <m:ctrlPr>
+                          <a:rPr lang="en-US" altLang="zh-CN" i="1">
+                            <a:latin typeface="Cambria Math" panose="02040503050406030204" pitchFamily="18" charset="0"/>
+                          </a:rPr>
+                        </m:ctrlPr>
+                      </m:sSupPr>
+                      <m:e>
+                        <m:r>
+                          <a:rPr lang="en-US" altLang="zh-CN" i="1">
+                            <a:latin typeface="Cambria Math" panose="02040503050406030204" pitchFamily="18" charset="0"/>
+                          </a:rPr>
+                          <m:t>10</m:t>
+                        </m:r>
+                      </m:e>
+                      <m:sup>
+                        <m:r>
+                          <a:rPr lang="en-US" altLang="zh-CN" b="0" i="1" smtClean="0">
+                            <a:latin typeface="Cambria Math" panose="02040503050406030204" pitchFamily="18" charset="0"/>
+                          </a:rPr>
+                          <m:t>4</m:t>
+                        </m:r>
+                      </m:sup>
+                    </m:sSup>
+                    <m:r>
+                      <a:rPr lang="en-US" altLang="zh-CN" i="1">
+                        <a:latin typeface="Cambria Math" panose="02040503050406030204" pitchFamily="18" charset="0"/>
+                      </a:rPr>
+                      <m:t>~</m:t>
+                    </m:r>
+                    <m:sSup>
+                      <m:sSupPr>
+                        <m:ctrlPr>
+                          <a:rPr lang="en-US" altLang="zh-CN" i="1">
+                            <a:latin typeface="Cambria Math" panose="02040503050406030204" pitchFamily="18" charset="0"/>
+                          </a:rPr>
+                        </m:ctrlPr>
+                      </m:sSupPr>
+                      <m:e>
+                        <m:r>
+                          <a:rPr lang="en-US" altLang="zh-CN" i="1">
+                            <a:latin typeface="Cambria Math" panose="02040503050406030204" pitchFamily="18" charset="0"/>
+                          </a:rPr>
+                          <m:t>10</m:t>
+                        </m:r>
+                      </m:e>
+                      <m:sup>
+                        <m:r>
+                          <a:rPr lang="en-US" altLang="zh-CN" b="0" i="1" smtClean="0">
+                            <a:latin typeface="Cambria Math" panose="02040503050406030204" pitchFamily="18" charset="0"/>
+                          </a:rPr>
+                          <m:t>5</m:t>
+                        </m:r>
+                      </m:sup>
+                    </m:sSup>
+                  </m:oMath>
+                </a14:m>
+                <a:r>
+                  <a:rPr lang="zh-CN" altLang="en-US" dirty="0"/>
+                  <a:t>规模的网络）</a:t>
+                </a:r>
                 <a:endParaRPr lang="en-US" altLang="zh-CN" i="1" dirty="0"/>
               </a:p>
               <a:p>
@@ -3869,183 +4005,6 @@
   <p:clrMapOvr>
     <a:masterClrMapping/>
   </p:clrMapOvr>
-  <p:timing>
-    <p:tnLst>
-      <p:par>
-        <p:cTn id="1" dur="indefinite" restart="never" nodeType="tmRoot">
-          <p:childTnLst>
-            <p:seq concurrent="1" nextAc="seek">
-              <p:cTn id="2" dur="indefinite" nodeType="mainSeq">
-                <p:childTnLst>
-                  <p:par>
-                    <p:cTn id="3" fill="hold">
-                      <p:stCondLst>
-                        <p:cond delay="indefinite"/>
-                      </p:stCondLst>
-                      <p:childTnLst>
-                        <p:par>
-                          <p:cTn id="4" fill="hold">
-                            <p:stCondLst>
-                              <p:cond delay="0"/>
-                            </p:stCondLst>
-                            <p:childTnLst>
-                              <p:par>
-                                <p:cTn id="5" presetID="1" presetClass="entr" presetSubtype="0" fill="hold" nodeType="clickEffect">
-                                  <p:stCondLst>
-                                    <p:cond delay="0"/>
-                                  </p:stCondLst>
-                                  <p:childTnLst>
-                                    <p:set>
-                                      <p:cBhvr>
-                                        <p:cTn id="6" dur="1" fill="hold">
-                                          <p:stCondLst>
-                                            <p:cond delay="0"/>
-                                          </p:stCondLst>
-                                        </p:cTn>
-                                        <p:tgtEl>
-                                          <p:spTgt spid="3">
-                                            <p:txEl>
-                                              <p:pRg st="1" end="1"/>
-                                            </p:txEl>
-                                          </p:spTgt>
-                                        </p:tgtEl>
-                                        <p:attrNameLst>
-                                          <p:attrName>style.visibility</p:attrName>
-                                        </p:attrNameLst>
-                                      </p:cBhvr>
-                                      <p:to>
-                                        <p:strVal val="visible"/>
-                                      </p:to>
-                                    </p:set>
-                                  </p:childTnLst>
-                                </p:cTn>
-                              </p:par>
-                            </p:childTnLst>
-                          </p:cTn>
-                        </p:par>
-                      </p:childTnLst>
-                    </p:cTn>
-                  </p:par>
-                  <p:par>
-                    <p:cTn id="7" fill="hold">
-                      <p:stCondLst>
-                        <p:cond delay="indefinite"/>
-                      </p:stCondLst>
-                      <p:childTnLst>
-                        <p:par>
-                          <p:cTn id="8" fill="hold">
-                            <p:stCondLst>
-                              <p:cond delay="0"/>
-                            </p:stCondLst>
-                            <p:childTnLst>
-                              <p:par>
-                                <p:cTn id="9" presetID="1" presetClass="entr" presetSubtype="0" fill="hold" nodeType="clickEffect">
-                                  <p:stCondLst>
-                                    <p:cond delay="0"/>
-                                  </p:stCondLst>
-                                  <p:childTnLst>
-                                    <p:set>
-                                      <p:cBhvr>
-                                        <p:cTn id="10" dur="1" fill="hold">
-                                          <p:stCondLst>
-                                            <p:cond delay="0"/>
-                                          </p:stCondLst>
-                                        </p:cTn>
-                                        <p:tgtEl>
-                                          <p:spTgt spid="3">
-                                            <p:txEl>
-                                              <p:pRg st="2" end="2"/>
-                                            </p:txEl>
-                                          </p:spTgt>
-                                        </p:tgtEl>
-                                        <p:attrNameLst>
-                                          <p:attrName>style.visibility</p:attrName>
-                                        </p:attrNameLst>
-                                      </p:cBhvr>
-                                      <p:to>
-                                        <p:strVal val="visible"/>
-                                      </p:to>
-                                    </p:set>
-                                  </p:childTnLst>
-                                </p:cTn>
-                              </p:par>
-                            </p:childTnLst>
-                          </p:cTn>
-                        </p:par>
-                      </p:childTnLst>
-                    </p:cTn>
-                  </p:par>
-                  <p:par>
-                    <p:cTn id="11" fill="hold">
-                      <p:stCondLst>
-                        <p:cond delay="indefinite"/>
-                      </p:stCondLst>
-                      <p:childTnLst>
-                        <p:par>
-                          <p:cTn id="12" fill="hold">
-                            <p:stCondLst>
-                              <p:cond delay="0"/>
-                            </p:stCondLst>
-                            <p:childTnLst>
-                              <p:par>
-                                <p:cTn id="13" presetID="1" presetClass="entr" presetSubtype="0" fill="hold" nodeType="clickEffect">
-                                  <p:stCondLst>
-                                    <p:cond delay="0"/>
-                                  </p:stCondLst>
-                                  <p:childTnLst>
-                                    <p:set>
-                                      <p:cBhvr>
-                                        <p:cTn id="14" dur="1" fill="hold">
-                                          <p:stCondLst>
-                                            <p:cond delay="0"/>
-                                          </p:stCondLst>
-                                        </p:cTn>
-                                        <p:tgtEl>
-                                          <p:spTgt spid="3">
-                                            <p:txEl>
-                                              <p:pRg st="3" end="3"/>
-                                            </p:txEl>
-                                          </p:spTgt>
-                                        </p:tgtEl>
-                                        <p:attrNameLst>
-                                          <p:attrName>style.visibility</p:attrName>
-                                        </p:attrNameLst>
-                                      </p:cBhvr>
-                                      <p:to>
-                                        <p:strVal val="visible"/>
-                                      </p:to>
-                                    </p:set>
-                                  </p:childTnLst>
-                                </p:cTn>
-                              </p:par>
-                            </p:childTnLst>
-                          </p:cTn>
-                        </p:par>
-                      </p:childTnLst>
-                    </p:cTn>
-                  </p:par>
-                </p:childTnLst>
-              </p:cTn>
-              <p:prevCondLst>
-                <p:cond evt="onPrev" delay="0">
-                  <p:tgtEl>
-                    <p:sldTgt/>
-                  </p:tgtEl>
-                </p:cond>
-              </p:prevCondLst>
-              <p:nextCondLst>
-                <p:cond evt="onNext" delay="0">
-                  <p:tgtEl>
-                    <p:sldTgt/>
-                  </p:tgtEl>
-                </p:cond>
-              </p:nextCondLst>
-            </p:seq>
-          </p:childTnLst>
-        </p:cTn>
-      </p:par>
-    </p:tnLst>
-  </p:timing>
 </p:sld>
 </file>
 
@@ -6018,6 +5977,8616 @@
       </p:par>
     </p:tnLst>
   </p:timing>
+</p:sld>
+</file>
+
+<file path=ppt/slides/slide15.xml><?xml version="1.0" encoding="utf-8"?>
+<p:sld xmlns:a="http://schemas.openxmlformats.org/drawingml/2006/main" xmlns:r="http://schemas.openxmlformats.org/officeDocument/2006/relationships" xmlns:p="http://schemas.openxmlformats.org/presentationml/2006/main">
+  <p:cSld>
+    <p:spTree>
+      <p:nvGrpSpPr>
+        <p:cNvPr id="1" name=""/>
+        <p:cNvGrpSpPr/>
+        <p:nvPr/>
+      </p:nvGrpSpPr>
+      <p:grpSpPr>
+        <a:xfrm>
+          <a:off x="0" y="0"/>
+          <a:ext cx="0" cy="0"/>
+          <a:chOff x="0" y="0"/>
+          <a:chExt cx="0" cy="0"/>
+        </a:xfrm>
+      </p:grpSpPr>
+      <mc:AlternateContent xmlns:mc="http://schemas.openxmlformats.org/markup-compatibility/2006">
+        <mc:Choice xmlns:a14="http://schemas.microsoft.com/office/drawing/2010/main" Requires="a14">
+          <p:sp>
+            <p:nvSpPr>
+              <p:cNvPr id="2" name="标题 1">
+                <a:extLst>
+                  <a:ext uri="{FF2B5EF4-FFF2-40B4-BE49-F238E27FC236}">
+                    <a16:creationId xmlns:a16="http://schemas.microsoft.com/office/drawing/2014/main" id="{9307D14A-75DA-4BC2-9B47-C6954F3E489B}"/>
+                  </a:ext>
+                </a:extLst>
+              </p:cNvPr>
+              <p:cNvSpPr>
+                <a:spLocks noGrp="1"/>
+              </p:cNvSpPr>
+              <p:nvPr>
+                <p:ph type="title"/>
+              </p:nvPr>
+            </p:nvSpPr>
+            <p:spPr>
+              <a:xfrm>
+                <a:off x="1024128" y="585216"/>
+                <a:ext cx="10678552" cy="1499616"/>
+              </a:xfrm>
+            </p:spPr>
+            <p:txBody>
+              <a:bodyPr>
+                <a:normAutofit/>
+              </a:bodyPr>
+              <a:lstStyle/>
+              <a:p>
+                <a:r>
+                  <a:rPr lang="en-US" altLang="zh-CN" dirty="0" err="1"/>
+                  <a:t>Dinic</a:t>
+                </a:r>
+                <a:r>
+                  <a:rPr lang="en-US" altLang="zh-CN" dirty="0"/>
+                  <a:t> </a:t>
+                </a:r>
+                <a:r>
+                  <a:rPr lang="zh-CN" altLang="en-US" dirty="0"/>
+                  <a:t>算法，</a:t>
+                </a:r>
+                <a:r>
+                  <a:rPr lang="en-US" altLang="zh-CN" dirty="0"/>
+                  <a:t> </a:t>
+                </a:r>
+                <a14:m>
+                  <m:oMath xmlns:m="http://schemas.openxmlformats.org/officeDocument/2006/math">
+                    <m:r>
+                      <a:rPr lang="en-US" altLang="zh-CN" i="1">
+                        <a:latin typeface="Cambria Math" panose="02040503050406030204" pitchFamily="18" charset="0"/>
+                      </a:rPr>
+                      <m:t>𝑂</m:t>
+                    </m:r>
+                    <m:r>
+                      <a:rPr lang="en-US" altLang="zh-CN" i="1">
+                        <a:latin typeface="Cambria Math" panose="02040503050406030204" pitchFamily="18" charset="0"/>
+                      </a:rPr>
+                      <m:t>(</m:t>
+                    </m:r>
+                    <m:sSup>
+                      <m:sSupPr>
+                        <m:ctrlPr>
+                          <a:rPr lang="en-US" altLang="zh-CN" i="1">
+                            <a:latin typeface="Cambria Math" panose="02040503050406030204" pitchFamily="18" charset="0"/>
+                            <a:ea typeface="Cambria Math" panose="02040503050406030204" pitchFamily="18" charset="0"/>
+                          </a:rPr>
+                        </m:ctrlPr>
+                      </m:sSupPr>
+                      <m:e>
+                        <m:r>
+                          <a:rPr lang="en-US" altLang="zh-CN" i="1">
+                            <a:latin typeface="Cambria Math" panose="02040503050406030204" pitchFamily="18" charset="0"/>
+                            <a:ea typeface="Cambria Math" panose="02040503050406030204" pitchFamily="18" charset="0"/>
+                          </a:rPr>
+                          <m:t>𝑉</m:t>
+                        </m:r>
+                      </m:e>
+                      <m:sup>
+                        <m:r>
+                          <a:rPr lang="en-US" altLang="zh-CN" i="1">
+                            <a:latin typeface="Cambria Math" panose="02040503050406030204" pitchFamily="18" charset="0"/>
+                            <a:ea typeface="Cambria Math" panose="02040503050406030204" pitchFamily="18" charset="0"/>
+                          </a:rPr>
+                          <m:t>2</m:t>
+                        </m:r>
+                      </m:sup>
+                    </m:sSup>
+                    <m:r>
+                      <a:rPr lang="en-US" altLang="zh-CN" i="1">
+                        <a:latin typeface="Cambria Math" panose="02040503050406030204" pitchFamily="18" charset="0"/>
+                        <a:ea typeface="Cambria Math" panose="02040503050406030204" pitchFamily="18" charset="0"/>
+                      </a:rPr>
+                      <m:t>×</m:t>
+                    </m:r>
+                    <m:r>
+                      <a:rPr lang="en-US" altLang="zh-CN" i="1">
+                        <a:latin typeface="Cambria Math" panose="02040503050406030204" pitchFamily="18" charset="0"/>
+                        <a:ea typeface="Cambria Math" panose="02040503050406030204" pitchFamily="18" charset="0"/>
+                      </a:rPr>
+                      <m:t>𝐸</m:t>
+                    </m:r>
+                    <m:r>
+                      <a:rPr lang="en-US" altLang="zh-CN" i="1">
+                        <a:latin typeface="Cambria Math" panose="02040503050406030204" pitchFamily="18" charset="0"/>
+                      </a:rPr>
+                      <m:t>)</m:t>
+                    </m:r>
+                  </m:oMath>
+                </a14:m>
+                <a:br>
+                  <a:rPr lang="en-US" altLang="zh-CN" i="1" dirty="0"/>
+                </a:br>
+                <a:endParaRPr lang="zh-CN" altLang="en-US" dirty="0"/>
+              </a:p>
+            </p:txBody>
+          </p:sp>
+        </mc:Choice>
+        <mc:Fallback>
+          <p:sp>
+            <p:nvSpPr>
+              <p:cNvPr id="2" name="标题 1">
+                <a:extLst>
+                  <a:ext uri="{FF2B5EF4-FFF2-40B4-BE49-F238E27FC236}">
+                    <a16:creationId xmlns:a16="http://schemas.microsoft.com/office/drawing/2014/main" id="{9307D14A-75DA-4BC2-9B47-C6954F3E489B}"/>
+                  </a:ext>
+                </a:extLst>
+              </p:cNvPr>
+              <p:cNvSpPr>
+                <a:spLocks noGrp="1" noRot="1" noChangeAspect="1" noMove="1" noResize="1" noEditPoints="1" noAdjustHandles="1" noChangeArrowheads="1" noChangeShapeType="1" noTextEdit="1"/>
+              </p:cNvSpPr>
+              <p:nvPr>
+                <p:ph type="title"/>
+              </p:nvPr>
+            </p:nvSpPr>
+            <p:spPr>
+              <a:xfrm>
+                <a:off x="1024128" y="585216"/>
+                <a:ext cx="10678552" cy="1499616"/>
+              </a:xfrm>
+              <a:blipFill>
+                <a:blip r:embed="rId2"/>
+                <a:stretch>
+                  <a:fillRect l="-2740" t="-13008"/>
+                </a:stretch>
+              </a:blipFill>
+            </p:spPr>
+            <p:txBody>
+              <a:bodyPr/>
+              <a:lstStyle/>
+              <a:p>
+                <a:r>
+                  <a:rPr lang="zh-CN" altLang="en-US">
+                    <a:noFill/>
+                  </a:rPr>
+                  <a:t> </a:t>
+                </a:r>
+              </a:p>
+            </p:txBody>
+          </p:sp>
+        </mc:Fallback>
+      </mc:AlternateContent>
+      <p:sp>
+        <p:nvSpPr>
+          <p:cNvPr id="5" name="矩形 4">
+            <a:extLst>
+              <a:ext uri="{FF2B5EF4-FFF2-40B4-BE49-F238E27FC236}">
+                <a16:creationId xmlns:a16="http://schemas.microsoft.com/office/drawing/2014/main" id="{B087E51C-9E17-4346-88AF-2653C76C2B62}"/>
+              </a:ext>
+            </a:extLst>
+          </p:cNvPr>
+          <p:cNvSpPr/>
+          <p:nvPr/>
+        </p:nvSpPr>
+        <p:spPr>
+          <a:xfrm>
+            <a:off x="2771356" y="4335585"/>
+            <a:ext cx="1415772" cy="769441"/>
+          </a:xfrm>
+          <a:prstGeom prst="rect">
+            <a:avLst/>
+          </a:prstGeom>
+        </p:spPr>
+        <p:txBody>
+          <a:bodyPr wrap="none">
+            <a:spAutoFit/>
+          </a:bodyPr>
+          <a:lstStyle/>
+          <a:p>
+            <a:r>
+              <a:rPr lang="zh-CN" altLang="en-US" sz="2400" dirty="0"/>
+              <a:t>层次网络</a:t>
+            </a:r>
+            <a:endParaRPr lang="en-US" altLang="zh-CN" sz="2400" dirty="0"/>
+          </a:p>
+          <a:p>
+            <a:pPr algn="ctr"/>
+            <a:r>
+              <a:rPr lang="en-US" altLang="zh-CN" sz="2000" dirty="0"/>
+              <a:t>level graph</a:t>
+            </a:r>
+            <a:endParaRPr lang="zh-CN" altLang="en-US" sz="2000" dirty="0"/>
+          </a:p>
+        </p:txBody>
+      </p:sp>
+      <p:sp>
+        <p:nvSpPr>
+          <p:cNvPr id="6" name="椭圆 5">
+            <a:extLst>
+              <a:ext uri="{FF2B5EF4-FFF2-40B4-BE49-F238E27FC236}">
+                <a16:creationId xmlns:a16="http://schemas.microsoft.com/office/drawing/2014/main" id="{A5BFA7AC-A920-484B-B113-BB535F48BF21}"/>
+              </a:ext>
+            </a:extLst>
+          </p:cNvPr>
+          <p:cNvSpPr/>
+          <p:nvPr/>
+        </p:nvSpPr>
+        <p:spPr>
+          <a:xfrm>
+            <a:off x="1227631" y="2512178"/>
+            <a:ext cx="405945" cy="410045"/>
+          </a:xfrm>
+          <a:prstGeom prst="ellipse">
+            <a:avLst/>
+          </a:prstGeom>
+        </p:spPr>
+        <p:style>
+          <a:lnRef idx="1">
+            <a:schemeClr val="accent5"/>
+          </a:lnRef>
+          <a:fillRef idx="3">
+            <a:schemeClr val="accent5"/>
+          </a:fillRef>
+          <a:effectRef idx="2">
+            <a:schemeClr val="accent5"/>
+          </a:effectRef>
+          <a:fontRef idx="minor">
+            <a:schemeClr val="lt1"/>
+          </a:fontRef>
+        </p:style>
+        <p:txBody>
+          <a:bodyPr rtlCol="0" anchor="ctr"/>
+          <a:lstStyle/>
+          <a:p>
+            <a:pPr algn="ctr"/>
+            <a:r>
+              <a:rPr lang="en-US" altLang="zh-CN" dirty="0"/>
+              <a:t>S</a:t>
+            </a:r>
+            <a:endParaRPr lang="zh-CN" altLang="en-US" dirty="0"/>
+          </a:p>
+        </p:txBody>
+      </p:sp>
+      <p:sp>
+        <p:nvSpPr>
+          <p:cNvPr id="7" name="椭圆 6">
+            <a:extLst>
+              <a:ext uri="{FF2B5EF4-FFF2-40B4-BE49-F238E27FC236}">
+                <a16:creationId xmlns:a16="http://schemas.microsoft.com/office/drawing/2014/main" id="{8D779EDD-5561-4995-B2F8-80B541A6C403}"/>
+              </a:ext>
+            </a:extLst>
+          </p:cNvPr>
+          <p:cNvSpPr/>
+          <p:nvPr/>
+        </p:nvSpPr>
+        <p:spPr>
+          <a:xfrm>
+            <a:off x="2437265" y="1955667"/>
+            <a:ext cx="405945" cy="410045"/>
+          </a:xfrm>
+          <a:prstGeom prst="ellipse">
+            <a:avLst/>
+          </a:prstGeom>
+        </p:spPr>
+        <p:style>
+          <a:lnRef idx="2">
+            <a:schemeClr val="accent1">
+              <a:shade val="50000"/>
+            </a:schemeClr>
+          </a:lnRef>
+          <a:fillRef idx="1">
+            <a:schemeClr val="accent1"/>
+          </a:fillRef>
+          <a:effectRef idx="0">
+            <a:schemeClr val="accent1"/>
+          </a:effectRef>
+          <a:fontRef idx="minor">
+            <a:schemeClr val="lt1"/>
+          </a:fontRef>
+        </p:style>
+        <p:txBody>
+          <a:bodyPr rtlCol="0" anchor="ctr"/>
+          <a:lstStyle/>
+          <a:p>
+            <a:pPr algn="ctr"/>
+            <a:r>
+              <a:rPr lang="en-US" altLang="zh-CN" dirty="0"/>
+              <a:t>A</a:t>
+            </a:r>
+            <a:endParaRPr lang="zh-CN" altLang="en-US" dirty="0"/>
+          </a:p>
+        </p:txBody>
+      </p:sp>
+      <p:cxnSp>
+        <p:nvCxnSpPr>
+          <p:cNvPr id="9" name="直接连接符 8">
+            <a:extLst>
+              <a:ext uri="{FF2B5EF4-FFF2-40B4-BE49-F238E27FC236}">
+                <a16:creationId xmlns:a16="http://schemas.microsoft.com/office/drawing/2014/main" id="{397DEE2D-B8D7-43E9-9847-3F3BF11BF7C3}"/>
+              </a:ext>
+            </a:extLst>
+          </p:cNvPr>
+          <p:cNvCxnSpPr>
+            <a:cxnSpLocks/>
+            <a:stCxn id="6" idx="7"/>
+            <a:endCxn id="7" idx="2"/>
+          </p:cNvCxnSpPr>
+          <p:nvPr/>
+        </p:nvCxnSpPr>
+        <p:spPr>
+          <a:xfrm flipV="1">
+            <a:off x="1574127" y="2160690"/>
+            <a:ext cx="863138" cy="411538"/>
+          </a:xfrm>
+          <a:prstGeom prst="line">
+            <a:avLst/>
+          </a:prstGeom>
+          <a:ln>
+            <a:headEnd type="none" w="med" len="med"/>
+            <a:tailEnd type="triangle" w="med" len="med"/>
+          </a:ln>
+        </p:spPr>
+        <p:style>
+          <a:lnRef idx="2">
+            <a:schemeClr val="accent1"/>
+          </a:lnRef>
+          <a:fillRef idx="0">
+            <a:schemeClr val="accent1"/>
+          </a:fillRef>
+          <a:effectRef idx="1">
+            <a:schemeClr val="accent1"/>
+          </a:effectRef>
+          <a:fontRef idx="minor">
+            <a:schemeClr val="tx1"/>
+          </a:fontRef>
+        </p:style>
+      </p:cxnSp>
+      <p:sp>
+        <p:nvSpPr>
+          <p:cNvPr id="13" name="椭圆 12">
+            <a:extLst>
+              <a:ext uri="{FF2B5EF4-FFF2-40B4-BE49-F238E27FC236}">
+                <a16:creationId xmlns:a16="http://schemas.microsoft.com/office/drawing/2014/main" id="{823C234E-1AB2-40E0-9C7B-D03837EDE79E}"/>
+              </a:ext>
+            </a:extLst>
+          </p:cNvPr>
+          <p:cNvSpPr/>
+          <p:nvPr/>
+        </p:nvSpPr>
+        <p:spPr>
+          <a:xfrm>
+            <a:off x="2437266" y="3174403"/>
+            <a:ext cx="405945" cy="410045"/>
+          </a:xfrm>
+          <a:prstGeom prst="ellipse">
+            <a:avLst/>
+          </a:prstGeom>
+        </p:spPr>
+        <p:style>
+          <a:lnRef idx="2">
+            <a:schemeClr val="accent1">
+              <a:shade val="50000"/>
+            </a:schemeClr>
+          </a:lnRef>
+          <a:fillRef idx="1">
+            <a:schemeClr val="accent1"/>
+          </a:fillRef>
+          <a:effectRef idx="0">
+            <a:schemeClr val="accent1"/>
+          </a:effectRef>
+          <a:fontRef idx="minor">
+            <a:schemeClr val="lt1"/>
+          </a:fontRef>
+        </p:style>
+        <p:txBody>
+          <a:bodyPr rtlCol="0" anchor="ctr"/>
+          <a:lstStyle/>
+          <a:p>
+            <a:pPr algn="ctr"/>
+            <a:r>
+              <a:rPr lang="en-US" altLang="zh-CN" dirty="0"/>
+              <a:t>B</a:t>
+            </a:r>
+            <a:endParaRPr lang="zh-CN" altLang="en-US" dirty="0"/>
+          </a:p>
+        </p:txBody>
+      </p:sp>
+      <p:cxnSp>
+        <p:nvCxnSpPr>
+          <p:cNvPr id="14" name="直接连接符 13">
+            <a:extLst>
+              <a:ext uri="{FF2B5EF4-FFF2-40B4-BE49-F238E27FC236}">
+                <a16:creationId xmlns:a16="http://schemas.microsoft.com/office/drawing/2014/main" id="{79F4D8FA-61C8-4A4E-B6CD-AD873D2E5F1C}"/>
+              </a:ext>
+            </a:extLst>
+          </p:cNvPr>
+          <p:cNvCxnSpPr>
+            <a:cxnSpLocks/>
+            <a:stCxn id="6" idx="5"/>
+            <a:endCxn id="13" idx="2"/>
+          </p:cNvCxnSpPr>
+          <p:nvPr/>
+        </p:nvCxnSpPr>
+        <p:spPr>
+          <a:xfrm>
+            <a:off x="1574127" y="2862173"/>
+            <a:ext cx="863139" cy="517253"/>
+          </a:xfrm>
+          <a:prstGeom prst="line">
+            <a:avLst/>
+          </a:prstGeom>
+          <a:ln>
+            <a:headEnd type="none" w="med" len="med"/>
+            <a:tailEnd type="triangle" w="med" len="med"/>
+          </a:ln>
+        </p:spPr>
+        <p:style>
+          <a:lnRef idx="2">
+            <a:schemeClr val="accent1"/>
+          </a:lnRef>
+          <a:fillRef idx="0">
+            <a:schemeClr val="accent1"/>
+          </a:fillRef>
+          <a:effectRef idx="1">
+            <a:schemeClr val="accent1"/>
+          </a:effectRef>
+          <a:fontRef idx="minor">
+            <a:schemeClr val="tx1"/>
+          </a:fontRef>
+        </p:style>
+      </p:cxnSp>
+      <p:sp>
+        <p:nvSpPr>
+          <p:cNvPr id="23" name="椭圆 22">
+            <a:extLst>
+              <a:ext uri="{FF2B5EF4-FFF2-40B4-BE49-F238E27FC236}">
+                <a16:creationId xmlns:a16="http://schemas.microsoft.com/office/drawing/2014/main" id="{8BACB408-2EA7-4603-BF0B-15B87A072522}"/>
+              </a:ext>
+            </a:extLst>
+          </p:cNvPr>
+          <p:cNvSpPr/>
+          <p:nvPr/>
+        </p:nvSpPr>
+        <p:spPr>
+          <a:xfrm>
+            <a:off x="4130749" y="3174402"/>
+            <a:ext cx="405945" cy="410045"/>
+          </a:xfrm>
+          <a:prstGeom prst="ellipse">
+            <a:avLst/>
+          </a:prstGeom>
+        </p:spPr>
+        <p:style>
+          <a:lnRef idx="2">
+            <a:schemeClr val="accent1">
+              <a:shade val="50000"/>
+            </a:schemeClr>
+          </a:lnRef>
+          <a:fillRef idx="1">
+            <a:schemeClr val="accent1"/>
+          </a:fillRef>
+          <a:effectRef idx="0">
+            <a:schemeClr val="accent1"/>
+          </a:effectRef>
+          <a:fontRef idx="minor">
+            <a:schemeClr val="lt1"/>
+          </a:fontRef>
+        </p:style>
+        <p:txBody>
+          <a:bodyPr rtlCol="0" anchor="ctr"/>
+          <a:lstStyle/>
+          <a:p>
+            <a:pPr algn="ctr"/>
+            <a:r>
+              <a:rPr lang="en-US" altLang="zh-CN" dirty="0"/>
+              <a:t>D</a:t>
+            </a:r>
+            <a:endParaRPr lang="zh-CN" altLang="en-US" dirty="0"/>
+          </a:p>
+        </p:txBody>
+      </p:sp>
+      <p:sp>
+        <p:nvSpPr>
+          <p:cNvPr id="26" name="椭圆 25">
+            <a:extLst>
+              <a:ext uri="{FF2B5EF4-FFF2-40B4-BE49-F238E27FC236}">
+                <a16:creationId xmlns:a16="http://schemas.microsoft.com/office/drawing/2014/main" id="{99DBED6D-BC53-4C31-B9EE-F9681DE8CA8A}"/>
+              </a:ext>
+            </a:extLst>
+          </p:cNvPr>
+          <p:cNvSpPr/>
+          <p:nvPr/>
+        </p:nvSpPr>
+        <p:spPr>
+          <a:xfrm>
+            <a:off x="4130748" y="1955667"/>
+            <a:ext cx="405945" cy="410045"/>
+          </a:xfrm>
+          <a:prstGeom prst="ellipse">
+            <a:avLst/>
+          </a:prstGeom>
+        </p:spPr>
+        <p:style>
+          <a:lnRef idx="2">
+            <a:schemeClr val="accent1">
+              <a:shade val="50000"/>
+            </a:schemeClr>
+          </a:lnRef>
+          <a:fillRef idx="1">
+            <a:schemeClr val="accent1"/>
+          </a:fillRef>
+          <a:effectRef idx="0">
+            <a:schemeClr val="accent1"/>
+          </a:effectRef>
+          <a:fontRef idx="minor">
+            <a:schemeClr val="lt1"/>
+          </a:fontRef>
+        </p:style>
+        <p:txBody>
+          <a:bodyPr rtlCol="0" anchor="ctr"/>
+          <a:lstStyle/>
+          <a:p>
+            <a:pPr algn="ctr"/>
+            <a:r>
+              <a:rPr lang="en-US" altLang="zh-CN" dirty="0"/>
+              <a:t>C</a:t>
+            </a:r>
+            <a:endParaRPr lang="zh-CN" altLang="en-US" dirty="0"/>
+          </a:p>
+        </p:txBody>
+      </p:sp>
+      <p:cxnSp>
+        <p:nvCxnSpPr>
+          <p:cNvPr id="28" name="直接连接符 27">
+            <a:extLst>
+              <a:ext uri="{FF2B5EF4-FFF2-40B4-BE49-F238E27FC236}">
+                <a16:creationId xmlns:a16="http://schemas.microsoft.com/office/drawing/2014/main" id="{BA56E647-B660-4797-B215-2909647FB8E2}"/>
+              </a:ext>
+            </a:extLst>
+          </p:cNvPr>
+          <p:cNvCxnSpPr>
+            <a:stCxn id="7" idx="6"/>
+            <a:endCxn id="26" idx="2"/>
+          </p:cNvCxnSpPr>
+          <p:nvPr/>
+        </p:nvCxnSpPr>
+        <p:spPr>
+          <a:xfrm>
+            <a:off x="2843210" y="2160690"/>
+            <a:ext cx="1287538" cy="0"/>
+          </a:xfrm>
+          <a:prstGeom prst="line">
+            <a:avLst/>
+          </a:prstGeom>
+          <a:ln>
+            <a:headEnd type="none" w="med" len="med"/>
+            <a:tailEnd type="triangle" w="med" len="med"/>
+          </a:ln>
+        </p:spPr>
+        <p:style>
+          <a:lnRef idx="2">
+            <a:schemeClr val="accent1"/>
+          </a:lnRef>
+          <a:fillRef idx="0">
+            <a:schemeClr val="accent1"/>
+          </a:fillRef>
+          <a:effectRef idx="1">
+            <a:schemeClr val="accent1"/>
+          </a:effectRef>
+          <a:fontRef idx="minor">
+            <a:schemeClr val="tx1"/>
+          </a:fontRef>
+        </p:style>
+      </p:cxnSp>
+      <p:cxnSp>
+        <p:nvCxnSpPr>
+          <p:cNvPr id="29" name="直接连接符 28">
+            <a:extLst>
+              <a:ext uri="{FF2B5EF4-FFF2-40B4-BE49-F238E27FC236}">
+                <a16:creationId xmlns:a16="http://schemas.microsoft.com/office/drawing/2014/main" id="{EB31B330-DF01-4292-A477-A0A526139CC8}"/>
+              </a:ext>
+            </a:extLst>
+          </p:cNvPr>
+          <p:cNvCxnSpPr>
+            <a:cxnSpLocks/>
+            <a:stCxn id="7" idx="4"/>
+            <a:endCxn id="13" idx="0"/>
+          </p:cNvCxnSpPr>
+          <p:nvPr/>
+        </p:nvCxnSpPr>
+        <p:spPr>
+          <a:xfrm>
+            <a:off x="2640238" y="2365712"/>
+            <a:ext cx="1" cy="808691"/>
+          </a:xfrm>
+          <a:prstGeom prst="line">
+            <a:avLst/>
+          </a:prstGeom>
+          <a:ln>
+            <a:headEnd type="none" w="med" len="med"/>
+            <a:tailEnd type="triangle" w="med" len="med"/>
+          </a:ln>
+        </p:spPr>
+        <p:style>
+          <a:lnRef idx="2">
+            <a:schemeClr val="accent1"/>
+          </a:lnRef>
+          <a:fillRef idx="0">
+            <a:schemeClr val="accent1"/>
+          </a:fillRef>
+          <a:effectRef idx="1">
+            <a:schemeClr val="accent1"/>
+          </a:effectRef>
+          <a:fontRef idx="minor">
+            <a:schemeClr val="tx1"/>
+          </a:fontRef>
+        </p:style>
+      </p:cxnSp>
+      <p:cxnSp>
+        <p:nvCxnSpPr>
+          <p:cNvPr id="32" name="直接连接符 31">
+            <a:extLst>
+              <a:ext uri="{FF2B5EF4-FFF2-40B4-BE49-F238E27FC236}">
+                <a16:creationId xmlns:a16="http://schemas.microsoft.com/office/drawing/2014/main" id="{CF7D3C98-CA06-4982-ABBF-FC9B6232DC73}"/>
+              </a:ext>
+            </a:extLst>
+          </p:cNvPr>
+          <p:cNvCxnSpPr>
+            <a:cxnSpLocks/>
+            <a:stCxn id="13" idx="6"/>
+            <a:endCxn id="23" idx="2"/>
+          </p:cNvCxnSpPr>
+          <p:nvPr/>
+        </p:nvCxnSpPr>
+        <p:spPr>
+          <a:xfrm flipV="1">
+            <a:off x="2843211" y="3379425"/>
+            <a:ext cx="1287538" cy="1"/>
+          </a:xfrm>
+          <a:prstGeom prst="line">
+            <a:avLst/>
+          </a:prstGeom>
+          <a:ln>
+            <a:headEnd type="none" w="med" len="med"/>
+            <a:tailEnd type="triangle" w="med" len="med"/>
+          </a:ln>
+        </p:spPr>
+        <p:style>
+          <a:lnRef idx="2">
+            <a:schemeClr val="accent1"/>
+          </a:lnRef>
+          <a:fillRef idx="0">
+            <a:schemeClr val="accent1"/>
+          </a:fillRef>
+          <a:effectRef idx="1">
+            <a:schemeClr val="accent1"/>
+          </a:effectRef>
+          <a:fontRef idx="minor">
+            <a:schemeClr val="tx1"/>
+          </a:fontRef>
+        </p:style>
+      </p:cxnSp>
+      <p:sp>
+        <p:nvSpPr>
+          <p:cNvPr id="35" name="椭圆 34">
+            <a:extLst>
+              <a:ext uri="{FF2B5EF4-FFF2-40B4-BE49-F238E27FC236}">
+                <a16:creationId xmlns:a16="http://schemas.microsoft.com/office/drawing/2014/main" id="{8C58CAED-B270-4550-A106-B75789614B71}"/>
+              </a:ext>
+            </a:extLst>
+          </p:cNvPr>
+          <p:cNvSpPr/>
+          <p:nvPr/>
+        </p:nvSpPr>
+        <p:spPr>
+          <a:xfrm>
+            <a:off x="5297127" y="2512177"/>
+            <a:ext cx="405945" cy="410045"/>
+          </a:xfrm>
+          <a:prstGeom prst="ellipse">
+            <a:avLst/>
+          </a:prstGeom>
+        </p:spPr>
+        <p:style>
+          <a:lnRef idx="1">
+            <a:schemeClr val="accent5"/>
+          </a:lnRef>
+          <a:fillRef idx="3">
+            <a:schemeClr val="accent5"/>
+          </a:fillRef>
+          <a:effectRef idx="2">
+            <a:schemeClr val="accent5"/>
+          </a:effectRef>
+          <a:fontRef idx="minor">
+            <a:schemeClr val="lt1"/>
+          </a:fontRef>
+        </p:style>
+        <p:txBody>
+          <a:bodyPr rtlCol="0" anchor="ctr"/>
+          <a:lstStyle/>
+          <a:p>
+            <a:pPr algn="ctr"/>
+            <a:r>
+              <a:rPr lang="en-US" altLang="zh-CN" dirty="0"/>
+              <a:t>T</a:t>
+            </a:r>
+            <a:endParaRPr lang="zh-CN" altLang="en-US" dirty="0"/>
+          </a:p>
+        </p:txBody>
+      </p:sp>
+      <p:cxnSp>
+        <p:nvCxnSpPr>
+          <p:cNvPr id="36" name="直接连接符 35">
+            <a:extLst>
+              <a:ext uri="{FF2B5EF4-FFF2-40B4-BE49-F238E27FC236}">
+                <a16:creationId xmlns:a16="http://schemas.microsoft.com/office/drawing/2014/main" id="{0D52F8A3-3961-4F25-91C2-604025F9EEF1}"/>
+              </a:ext>
+            </a:extLst>
+          </p:cNvPr>
+          <p:cNvCxnSpPr>
+            <a:cxnSpLocks/>
+            <a:stCxn id="23" idx="6"/>
+            <a:endCxn id="35" idx="3"/>
+          </p:cNvCxnSpPr>
+          <p:nvPr/>
+        </p:nvCxnSpPr>
+        <p:spPr>
+          <a:xfrm flipV="1">
+            <a:off x="4536694" y="2862172"/>
+            <a:ext cx="819882" cy="517253"/>
+          </a:xfrm>
+          <a:prstGeom prst="line">
+            <a:avLst/>
+          </a:prstGeom>
+          <a:ln>
+            <a:headEnd type="none" w="med" len="med"/>
+            <a:tailEnd type="triangle" w="med" len="med"/>
+          </a:ln>
+        </p:spPr>
+        <p:style>
+          <a:lnRef idx="2">
+            <a:schemeClr val="accent1"/>
+          </a:lnRef>
+          <a:fillRef idx="0">
+            <a:schemeClr val="accent1"/>
+          </a:fillRef>
+          <a:effectRef idx="1">
+            <a:schemeClr val="accent1"/>
+          </a:effectRef>
+          <a:fontRef idx="minor">
+            <a:schemeClr val="tx1"/>
+          </a:fontRef>
+        </p:style>
+      </p:cxnSp>
+      <p:cxnSp>
+        <p:nvCxnSpPr>
+          <p:cNvPr id="37" name="直接连接符 36">
+            <a:extLst>
+              <a:ext uri="{FF2B5EF4-FFF2-40B4-BE49-F238E27FC236}">
+                <a16:creationId xmlns:a16="http://schemas.microsoft.com/office/drawing/2014/main" id="{CD019B8F-F3D2-40D0-ADD3-0081A89AD4CC}"/>
+              </a:ext>
+            </a:extLst>
+          </p:cNvPr>
+          <p:cNvCxnSpPr>
+            <a:cxnSpLocks/>
+            <a:stCxn id="26" idx="6"/>
+            <a:endCxn id="35" idx="1"/>
+          </p:cNvCxnSpPr>
+          <p:nvPr/>
+        </p:nvCxnSpPr>
+        <p:spPr>
+          <a:xfrm>
+            <a:off x="4536693" y="2160690"/>
+            <a:ext cx="819883" cy="411537"/>
+          </a:xfrm>
+          <a:prstGeom prst="line">
+            <a:avLst/>
+          </a:prstGeom>
+          <a:ln>
+            <a:headEnd type="none" w="med" len="med"/>
+            <a:tailEnd type="triangle" w="med" len="med"/>
+          </a:ln>
+        </p:spPr>
+        <p:style>
+          <a:lnRef idx="2">
+            <a:schemeClr val="accent1"/>
+          </a:lnRef>
+          <a:fillRef idx="0">
+            <a:schemeClr val="accent1"/>
+          </a:fillRef>
+          <a:effectRef idx="1">
+            <a:schemeClr val="accent1"/>
+          </a:effectRef>
+          <a:fontRef idx="minor">
+            <a:schemeClr val="tx1"/>
+          </a:fontRef>
+        </p:style>
+      </p:cxnSp>
+      <p:cxnSp>
+        <p:nvCxnSpPr>
+          <p:cNvPr id="42" name="直接连接符 41">
+            <a:extLst>
+              <a:ext uri="{FF2B5EF4-FFF2-40B4-BE49-F238E27FC236}">
+                <a16:creationId xmlns:a16="http://schemas.microsoft.com/office/drawing/2014/main" id="{8E1EFF17-B431-4783-9518-21B5EDE769AF}"/>
+              </a:ext>
+            </a:extLst>
+          </p:cNvPr>
+          <p:cNvCxnSpPr>
+            <a:cxnSpLocks/>
+            <a:stCxn id="7" idx="6"/>
+            <a:endCxn id="23" idx="1"/>
+          </p:cNvCxnSpPr>
+          <p:nvPr/>
+        </p:nvCxnSpPr>
+        <p:spPr>
+          <a:xfrm>
+            <a:off x="2843210" y="2160690"/>
+            <a:ext cx="1346988" cy="1073762"/>
+          </a:xfrm>
+          <a:prstGeom prst="line">
+            <a:avLst/>
+          </a:prstGeom>
+          <a:ln>
+            <a:headEnd type="none" w="med" len="med"/>
+            <a:tailEnd type="triangle" w="med" len="med"/>
+          </a:ln>
+        </p:spPr>
+        <p:style>
+          <a:lnRef idx="2">
+            <a:schemeClr val="accent1"/>
+          </a:lnRef>
+          <a:fillRef idx="0">
+            <a:schemeClr val="accent1"/>
+          </a:fillRef>
+          <a:effectRef idx="1">
+            <a:schemeClr val="accent1"/>
+          </a:effectRef>
+          <a:fontRef idx="minor">
+            <a:schemeClr val="tx1"/>
+          </a:fontRef>
+        </p:style>
+      </p:cxnSp>
+      <p:cxnSp>
+        <p:nvCxnSpPr>
+          <p:cNvPr id="45" name="直接连接符 44">
+            <a:extLst>
+              <a:ext uri="{FF2B5EF4-FFF2-40B4-BE49-F238E27FC236}">
+                <a16:creationId xmlns:a16="http://schemas.microsoft.com/office/drawing/2014/main" id="{8A6CB361-A5A5-4E2A-B126-F332C4254B2A}"/>
+              </a:ext>
+            </a:extLst>
+          </p:cNvPr>
+          <p:cNvCxnSpPr>
+            <a:cxnSpLocks/>
+            <a:stCxn id="26" idx="4"/>
+            <a:endCxn id="23" idx="0"/>
+          </p:cNvCxnSpPr>
+          <p:nvPr/>
+        </p:nvCxnSpPr>
+        <p:spPr>
+          <a:xfrm>
+            <a:off x="4333721" y="2365712"/>
+            <a:ext cx="1" cy="808690"/>
+          </a:xfrm>
+          <a:prstGeom prst="line">
+            <a:avLst/>
+          </a:prstGeom>
+          <a:ln>
+            <a:headEnd type="none" w="med" len="med"/>
+            <a:tailEnd type="triangle" w="med" len="med"/>
+          </a:ln>
+        </p:spPr>
+        <p:style>
+          <a:lnRef idx="2">
+            <a:schemeClr val="accent1"/>
+          </a:lnRef>
+          <a:fillRef idx="0">
+            <a:schemeClr val="accent1"/>
+          </a:fillRef>
+          <a:effectRef idx="1">
+            <a:schemeClr val="accent1"/>
+          </a:effectRef>
+          <a:fontRef idx="minor">
+            <a:schemeClr val="tx1"/>
+          </a:fontRef>
+        </p:style>
+      </p:cxnSp>
+      <p:sp>
+        <p:nvSpPr>
+          <p:cNvPr id="48" name="文本框 47">
+            <a:extLst>
+              <a:ext uri="{FF2B5EF4-FFF2-40B4-BE49-F238E27FC236}">
+                <a16:creationId xmlns:a16="http://schemas.microsoft.com/office/drawing/2014/main" id="{B2874242-92F3-4B6F-9C18-6B92A9559A30}"/>
+              </a:ext>
+            </a:extLst>
+          </p:cNvPr>
+          <p:cNvSpPr txBox="1"/>
+          <p:nvPr/>
+        </p:nvSpPr>
+        <p:spPr>
+          <a:xfrm>
+            <a:off x="3276263" y="1910343"/>
+            <a:ext cx="258324" cy="276999"/>
+          </a:xfrm>
+          <a:prstGeom prst="rect">
+            <a:avLst/>
+          </a:prstGeom>
+          <a:noFill/>
+        </p:spPr>
+        <p:txBody>
+          <a:bodyPr wrap="square" rtlCol="0">
+            <a:spAutoFit/>
+          </a:bodyPr>
+          <a:lstStyle/>
+          <a:p>
+            <a:r>
+              <a:rPr lang="en-US" altLang="zh-CN" sz="1200" dirty="0"/>
+              <a:t>4</a:t>
+            </a:r>
+            <a:endParaRPr lang="zh-CN" altLang="en-US" sz="1200" dirty="0"/>
+          </a:p>
+        </p:txBody>
+      </p:sp>
+      <p:sp>
+        <p:nvSpPr>
+          <p:cNvPr id="49" name="文本框 48">
+            <a:extLst>
+              <a:ext uri="{FF2B5EF4-FFF2-40B4-BE49-F238E27FC236}">
+                <a16:creationId xmlns:a16="http://schemas.microsoft.com/office/drawing/2014/main" id="{614BF044-9757-4575-B284-629F9DECFDD8}"/>
+              </a:ext>
+            </a:extLst>
+          </p:cNvPr>
+          <p:cNvSpPr txBox="1"/>
+          <p:nvPr/>
+        </p:nvSpPr>
+        <p:spPr>
+          <a:xfrm>
+            <a:off x="1757275" y="2112774"/>
+            <a:ext cx="448540" cy="276999"/>
+          </a:xfrm>
+          <a:prstGeom prst="rect">
+            <a:avLst/>
+          </a:prstGeom>
+          <a:noFill/>
+        </p:spPr>
+        <p:txBody>
+          <a:bodyPr wrap="square" rtlCol="0">
+            <a:spAutoFit/>
+          </a:bodyPr>
+          <a:lstStyle/>
+          <a:p>
+            <a:r>
+              <a:rPr lang="en-US" altLang="zh-CN" sz="1200" dirty="0"/>
+              <a:t>10</a:t>
+            </a:r>
+            <a:endParaRPr lang="zh-CN" altLang="en-US" sz="1200" dirty="0"/>
+          </a:p>
+        </p:txBody>
+      </p:sp>
+      <p:sp>
+        <p:nvSpPr>
+          <p:cNvPr id="50" name="文本框 49">
+            <a:extLst>
+              <a:ext uri="{FF2B5EF4-FFF2-40B4-BE49-F238E27FC236}">
+                <a16:creationId xmlns:a16="http://schemas.microsoft.com/office/drawing/2014/main" id="{F5E12275-63F0-46DB-B387-7F4F4A51A6BD}"/>
+              </a:ext>
+            </a:extLst>
+          </p:cNvPr>
+          <p:cNvSpPr txBox="1"/>
+          <p:nvPr/>
+        </p:nvSpPr>
+        <p:spPr>
+          <a:xfrm>
+            <a:off x="4829115" y="2108920"/>
+            <a:ext cx="448540" cy="276999"/>
+          </a:xfrm>
+          <a:prstGeom prst="rect">
+            <a:avLst/>
+          </a:prstGeom>
+          <a:noFill/>
+        </p:spPr>
+        <p:txBody>
+          <a:bodyPr wrap="square" rtlCol="0">
+            <a:spAutoFit/>
+          </a:bodyPr>
+          <a:lstStyle/>
+          <a:p>
+            <a:r>
+              <a:rPr lang="en-US" altLang="zh-CN" sz="1200" dirty="0"/>
+              <a:t>10</a:t>
+            </a:r>
+            <a:endParaRPr lang="zh-CN" altLang="en-US" sz="1200" dirty="0"/>
+          </a:p>
+        </p:txBody>
+      </p:sp>
+      <p:sp>
+        <p:nvSpPr>
+          <p:cNvPr id="51" name="文本框 50">
+            <a:extLst>
+              <a:ext uri="{FF2B5EF4-FFF2-40B4-BE49-F238E27FC236}">
+                <a16:creationId xmlns:a16="http://schemas.microsoft.com/office/drawing/2014/main" id="{1DFB79F7-906E-485A-9E4B-E287CC13D828}"/>
+              </a:ext>
+            </a:extLst>
+          </p:cNvPr>
+          <p:cNvSpPr txBox="1"/>
+          <p:nvPr/>
+        </p:nvSpPr>
+        <p:spPr>
+          <a:xfrm>
+            <a:off x="1823351" y="3020211"/>
+            <a:ext cx="376089" cy="276999"/>
+          </a:xfrm>
+          <a:prstGeom prst="rect">
+            <a:avLst/>
+          </a:prstGeom>
+          <a:noFill/>
+        </p:spPr>
+        <p:txBody>
+          <a:bodyPr wrap="square" rtlCol="0">
+            <a:spAutoFit/>
+          </a:bodyPr>
+          <a:lstStyle/>
+          <a:p>
+            <a:r>
+              <a:rPr lang="en-US" altLang="zh-CN" sz="1200" dirty="0"/>
+              <a:t>15</a:t>
+            </a:r>
+            <a:endParaRPr lang="zh-CN" altLang="en-US" sz="1200" dirty="0"/>
+          </a:p>
+        </p:txBody>
+      </p:sp>
+      <p:sp>
+        <p:nvSpPr>
+          <p:cNvPr id="52" name="文本框 51">
+            <a:extLst>
+              <a:ext uri="{FF2B5EF4-FFF2-40B4-BE49-F238E27FC236}">
+                <a16:creationId xmlns:a16="http://schemas.microsoft.com/office/drawing/2014/main" id="{B11EEB17-01AD-4DBF-B5E1-D0774A0C5AFE}"/>
+              </a:ext>
+            </a:extLst>
+          </p:cNvPr>
+          <p:cNvSpPr txBox="1"/>
+          <p:nvPr/>
+        </p:nvSpPr>
+        <p:spPr>
+          <a:xfrm>
+            <a:off x="3410780" y="3284850"/>
+            <a:ext cx="258324" cy="276999"/>
+          </a:xfrm>
+          <a:prstGeom prst="rect">
+            <a:avLst/>
+          </a:prstGeom>
+          <a:noFill/>
+        </p:spPr>
+        <p:txBody>
+          <a:bodyPr wrap="square" rtlCol="0">
+            <a:spAutoFit/>
+          </a:bodyPr>
+          <a:lstStyle/>
+          <a:p>
+            <a:r>
+              <a:rPr lang="en-US" altLang="zh-CN" sz="1200" dirty="0"/>
+              <a:t>8</a:t>
+            </a:r>
+            <a:endParaRPr lang="zh-CN" altLang="en-US" sz="1200" dirty="0"/>
+          </a:p>
+        </p:txBody>
+      </p:sp>
+      <p:sp>
+        <p:nvSpPr>
+          <p:cNvPr id="53" name="文本框 52">
+            <a:extLst>
+              <a:ext uri="{FF2B5EF4-FFF2-40B4-BE49-F238E27FC236}">
+                <a16:creationId xmlns:a16="http://schemas.microsoft.com/office/drawing/2014/main" id="{AB652C87-1276-4593-AA39-892787417610}"/>
+              </a:ext>
+            </a:extLst>
+          </p:cNvPr>
+          <p:cNvSpPr txBox="1"/>
+          <p:nvPr/>
+        </p:nvSpPr>
+        <p:spPr>
+          <a:xfrm>
+            <a:off x="3212625" y="2628590"/>
+            <a:ext cx="376089" cy="276999"/>
+          </a:xfrm>
+          <a:prstGeom prst="rect">
+            <a:avLst/>
+          </a:prstGeom>
+          <a:noFill/>
+        </p:spPr>
+        <p:txBody>
+          <a:bodyPr wrap="square" rtlCol="0">
+            <a:spAutoFit/>
+          </a:bodyPr>
+          <a:lstStyle/>
+          <a:p>
+            <a:r>
+              <a:rPr lang="en-US" altLang="zh-CN" sz="1200" dirty="0"/>
+              <a:t>5</a:t>
+            </a:r>
+            <a:endParaRPr lang="zh-CN" altLang="en-US" sz="1200" dirty="0"/>
+          </a:p>
+        </p:txBody>
+      </p:sp>
+      <p:sp>
+        <p:nvSpPr>
+          <p:cNvPr id="54" name="文本框 53">
+            <a:extLst>
+              <a:ext uri="{FF2B5EF4-FFF2-40B4-BE49-F238E27FC236}">
+                <a16:creationId xmlns:a16="http://schemas.microsoft.com/office/drawing/2014/main" id="{884AF378-443E-4A9D-B03C-E3C3F1C692C5}"/>
+              </a:ext>
+            </a:extLst>
+          </p:cNvPr>
+          <p:cNvSpPr txBox="1"/>
+          <p:nvPr/>
+        </p:nvSpPr>
+        <p:spPr>
+          <a:xfrm>
+            <a:off x="4074744" y="2545372"/>
+            <a:ext cx="376089" cy="276999"/>
+          </a:xfrm>
+          <a:prstGeom prst="rect">
+            <a:avLst/>
+          </a:prstGeom>
+          <a:noFill/>
+        </p:spPr>
+        <p:txBody>
+          <a:bodyPr wrap="square" rtlCol="0">
+            <a:spAutoFit/>
+          </a:bodyPr>
+          <a:lstStyle/>
+          <a:p>
+            <a:r>
+              <a:rPr lang="en-US" altLang="zh-CN" sz="1200" dirty="0"/>
+              <a:t>3</a:t>
+            </a:r>
+            <a:endParaRPr lang="zh-CN" altLang="en-US" sz="1200" dirty="0"/>
+          </a:p>
+        </p:txBody>
+      </p:sp>
+      <p:sp>
+        <p:nvSpPr>
+          <p:cNvPr id="55" name="文本框 54">
+            <a:extLst>
+              <a:ext uri="{FF2B5EF4-FFF2-40B4-BE49-F238E27FC236}">
+                <a16:creationId xmlns:a16="http://schemas.microsoft.com/office/drawing/2014/main" id="{D7B7B25D-CC30-44FE-94E9-AFB6B87F6F73}"/>
+              </a:ext>
+            </a:extLst>
+          </p:cNvPr>
+          <p:cNvSpPr txBox="1"/>
+          <p:nvPr/>
+        </p:nvSpPr>
+        <p:spPr>
+          <a:xfrm>
+            <a:off x="4718066" y="2882060"/>
+            <a:ext cx="376089" cy="276999"/>
+          </a:xfrm>
+          <a:prstGeom prst="rect">
+            <a:avLst/>
+          </a:prstGeom>
+          <a:noFill/>
+        </p:spPr>
+        <p:txBody>
+          <a:bodyPr wrap="square" rtlCol="0">
+            <a:spAutoFit/>
+          </a:bodyPr>
+          <a:lstStyle/>
+          <a:p>
+            <a:r>
+              <a:rPr lang="en-US" altLang="zh-CN" sz="1200" dirty="0"/>
+              <a:t>4</a:t>
+            </a:r>
+            <a:endParaRPr lang="zh-CN" altLang="en-US" sz="1200" dirty="0"/>
+          </a:p>
+        </p:txBody>
+      </p:sp>
+      <p:sp>
+        <p:nvSpPr>
+          <p:cNvPr id="58" name="矩形: 圆角 57">
+            <a:extLst>
+              <a:ext uri="{FF2B5EF4-FFF2-40B4-BE49-F238E27FC236}">
+                <a16:creationId xmlns:a16="http://schemas.microsoft.com/office/drawing/2014/main" id="{D5C2DD12-F31A-4E09-A198-0BFD7E387792}"/>
+              </a:ext>
+            </a:extLst>
+          </p:cNvPr>
+          <p:cNvSpPr/>
+          <p:nvPr/>
+        </p:nvSpPr>
+        <p:spPr>
+          <a:xfrm>
+            <a:off x="1168182" y="1759094"/>
+            <a:ext cx="508647" cy="2025620"/>
+          </a:xfrm>
+          <a:prstGeom prst="roundRect">
+            <a:avLst/>
+          </a:prstGeom>
+          <a:noFill/>
+          <a:ln>
+            <a:prstDash val="sysDot"/>
+          </a:ln>
+        </p:spPr>
+        <p:style>
+          <a:lnRef idx="2">
+            <a:schemeClr val="accent1">
+              <a:shade val="50000"/>
+            </a:schemeClr>
+          </a:lnRef>
+          <a:fillRef idx="1">
+            <a:schemeClr val="accent1"/>
+          </a:fillRef>
+          <a:effectRef idx="0">
+            <a:schemeClr val="accent1"/>
+          </a:effectRef>
+          <a:fontRef idx="minor">
+            <a:schemeClr val="lt1"/>
+          </a:fontRef>
+        </p:style>
+        <p:txBody>
+          <a:bodyPr rtlCol="0" anchor="ctr"/>
+          <a:lstStyle/>
+          <a:p>
+            <a:pPr algn="ctr"/>
+            <a:endParaRPr lang="zh-CN" altLang="en-US"/>
+          </a:p>
+        </p:txBody>
+      </p:sp>
+      <p:sp>
+        <p:nvSpPr>
+          <p:cNvPr id="59" name="文本框 58">
+            <a:extLst>
+              <a:ext uri="{FF2B5EF4-FFF2-40B4-BE49-F238E27FC236}">
+                <a16:creationId xmlns:a16="http://schemas.microsoft.com/office/drawing/2014/main" id="{8726A586-E790-4CF4-9D86-AFD063FA7974}"/>
+              </a:ext>
+            </a:extLst>
+          </p:cNvPr>
+          <p:cNvSpPr txBox="1"/>
+          <p:nvPr/>
+        </p:nvSpPr>
+        <p:spPr>
+          <a:xfrm>
+            <a:off x="1041618" y="3830927"/>
+            <a:ext cx="780983" cy="307777"/>
+          </a:xfrm>
+          <a:prstGeom prst="rect">
+            <a:avLst/>
+          </a:prstGeom>
+          <a:noFill/>
+        </p:spPr>
+        <p:txBody>
+          <a:bodyPr wrap="none" rtlCol="0">
+            <a:spAutoFit/>
+          </a:bodyPr>
+          <a:lstStyle/>
+          <a:p>
+            <a:r>
+              <a:rPr lang="en-US" altLang="zh-CN" sz="1400" dirty="0">
+                <a:latin typeface="Consolas" panose="020B0609020204030204" pitchFamily="49" charset="0"/>
+              </a:rPr>
+              <a:t>Level0</a:t>
+            </a:r>
+            <a:endParaRPr lang="zh-CN" altLang="en-US" sz="1400" dirty="0">
+              <a:latin typeface="Consolas" panose="020B0609020204030204" pitchFamily="49" charset="0"/>
+            </a:endParaRPr>
+          </a:p>
+        </p:txBody>
+      </p:sp>
+      <p:sp>
+        <p:nvSpPr>
+          <p:cNvPr id="60" name="矩形: 圆角 59">
+            <a:extLst>
+              <a:ext uri="{FF2B5EF4-FFF2-40B4-BE49-F238E27FC236}">
+                <a16:creationId xmlns:a16="http://schemas.microsoft.com/office/drawing/2014/main" id="{7A827E1D-233A-4CAA-B0E3-6E286E3EAB37}"/>
+              </a:ext>
+            </a:extLst>
+          </p:cNvPr>
+          <p:cNvSpPr/>
+          <p:nvPr/>
+        </p:nvSpPr>
+        <p:spPr>
+          <a:xfrm>
+            <a:off x="2395141" y="1759093"/>
+            <a:ext cx="508647" cy="2025620"/>
+          </a:xfrm>
+          <a:prstGeom prst="roundRect">
+            <a:avLst/>
+          </a:prstGeom>
+          <a:noFill/>
+          <a:ln>
+            <a:prstDash val="sysDot"/>
+          </a:ln>
+        </p:spPr>
+        <p:style>
+          <a:lnRef idx="2">
+            <a:schemeClr val="accent1">
+              <a:shade val="50000"/>
+            </a:schemeClr>
+          </a:lnRef>
+          <a:fillRef idx="1">
+            <a:schemeClr val="accent1"/>
+          </a:fillRef>
+          <a:effectRef idx="0">
+            <a:schemeClr val="accent1"/>
+          </a:effectRef>
+          <a:fontRef idx="minor">
+            <a:schemeClr val="lt1"/>
+          </a:fontRef>
+        </p:style>
+        <p:txBody>
+          <a:bodyPr rtlCol="0" anchor="ctr"/>
+          <a:lstStyle/>
+          <a:p>
+            <a:pPr algn="ctr"/>
+            <a:endParaRPr lang="zh-CN" altLang="en-US"/>
+          </a:p>
+        </p:txBody>
+      </p:sp>
+      <p:sp>
+        <p:nvSpPr>
+          <p:cNvPr id="61" name="文本框 60">
+            <a:extLst>
+              <a:ext uri="{FF2B5EF4-FFF2-40B4-BE49-F238E27FC236}">
+                <a16:creationId xmlns:a16="http://schemas.microsoft.com/office/drawing/2014/main" id="{AC157A2D-CC0A-453A-B1F4-FE49982DD6F2}"/>
+              </a:ext>
+            </a:extLst>
+          </p:cNvPr>
+          <p:cNvSpPr txBox="1"/>
+          <p:nvPr/>
+        </p:nvSpPr>
+        <p:spPr>
+          <a:xfrm>
+            <a:off x="2249745" y="3830927"/>
+            <a:ext cx="780983" cy="307777"/>
+          </a:xfrm>
+          <a:prstGeom prst="rect">
+            <a:avLst/>
+          </a:prstGeom>
+          <a:noFill/>
+        </p:spPr>
+        <p:txBody>
+          <a:bodyPr wrap="none" rtlCol="0">
+            <a:spAutoFit/>
+          </a:bodyPr>
+          <a:lstStyle/>
+          <a:p>
+            <a:r>
+              <a:rPr lang="en-US" altLang="zh-CN" sz="1400" dirty="0">
+                <a:latin typeface="Consolas" panose="020B0609020204030204" pitchFamily="49" charset="0"/>
+              </a:rPr>
+              <a:t>Level1</a:t>
+            </a:r>
+            <a:endParaRPr lang="zh-CN" altLang="en-US" sz="1400" dirty="0">
+              <a:latin typeface="Consolas" panose="020B0609020204030204" pitchFamily="49" charset="0"/>
+            </a:endParaRPr>
+          </a:p>
+        </p:txBody>
+      </p:sp>
+      <p:sp>
+        <p:nvSpPr>
+          <p:cNvPr id="62" name="文本框 61">
+            <a:extLst>
+              <a:ext uri="{FF2B5EF4-FFF2-40B4-BE49-F238E27FC236}">
+                <a16:creationId xmlns:a16="http://schemas.microsoft.com/office/drawing/2014/main" id="{EA2EF2CD-35D1-47C2-8CDC-DAC5FAE6239B}"/>
+              </a:ext>
+            </a:extLst>
+          </p:cNvPr>
+          <p:cNvSpPr txBox="1"/>
+          <p:nvPr/>
+        </p:nvSpPr>
+        <p:spPr>
+          <a:xfrm>
+            <a:off x="3973417" y="3826247"/>
+            <a:ext cx="780983" cy="307777"/>
+          </a:xfrm>
+          <a:prstGeom prst="rect">
+            <a:avLst/>
+          </a:prstGeom>
+          <a:noFill/>
+        </p:spPr>
+        <p:txBody>
+          <a:bodyPr wrap="none" rtlCol="0">
+            <a:spAutoFit/>
+          </a:bodyPr>
+          <a:lstStyle/>
+          <a:p>
+            <a:r>
+              <a:rPr lang="en-US" altLang="zh-CN" sz="1400" dirty="0">
+                <a:latin typeface="Consolas" panose="020B0609020204030204" pitchFamily="49" charset="0"/>
+              </a:rPr>
+              <a:t>Level2</a:t>
+            </a:r>
+            <a:endParaRPr lang="zh-CN" altLang="en-US" sz="1400" dirty="0">
+              <a:latin typeface="Consolas" panose="020B0609020204030204" pitchFamily="49" charset="0"/>
+            </a:endParaRPr>
+          </a:p>
+        </p:txBody>
+      </p:sp>
+      <p:sp>
+        <p:nvSpPr>
+          <p:cNvPr id="63" name="矩形: 圆角 62">
+            <a:extLst>
+              <a:ext uri="{FF2B5EF4-FFF2-40B4-BE49-F238E27FC236}">
+                <a16:creationId xmlns:a16="http://schemas.microsoft.com/office/drawing/2014/main" id="{883133DF-0856-4301-AB86-7EC3F5DDA78B}"/>
+              </a:ext>
+            </a:extLst>
+          </p:cNvPr>
+          <p:cNvSpPr/>
+          <p:nvPr/>
+        </p:nvSpPr>
+        <p:spPr>
+          <a:xfrm>
+            <a:off x="4077805" y="1754279"/>
+            <a:ext cx="508647" cy="2025620"/>
+          </a:xfrm>
+          <a:prstGeom prst="roundRect">
+            <a:avLst/>
+          </a:prstGeom>
+          <a:noFill/>
+          <a:ln>
+            <a:prstDash val="sysDot"/>
+          </a:ln>
+        </p:spPr>
+        <p:style>
+          <a:lnRef idx="2">
+            <a:schemeClr val="accent1">
+              <a:shade val="50000"/>
+            </a:schemeClr>
+          </a:lnRef>
+          <a:fillRef idx="1">
+            <a:schemeClr val="accent1"/>
+          </a:fillRef>
+          <a:effectRef idx="0">
+            <a:schemeClr val="accent1"/>
+          </a:effectRef>
+          <a:fontRef idx="minor">
+            <a:schemeClr val="lt1"/>
+          </a:fontRef>
+        </p:style>
+        <p:txBody>
+          <a:bodyPr rtlCol="0" anchor="ctr"/>
+          <a:lstStyle/>
+          <a:p>
+            <a:pPr algn="ctr"/>
+            <a:endParaRPr lang="zh-CN" altLang="en-US"/>
+          </a:p>
+        </p:txBody>
+      </p:sp>
+      <p:sp>
+        <p:nvSpPr>
+          <p:cNvPr id="64" name="矩形: 圆角 63">
+            <a:extLst>
+              <a:ext uri="{FF2B5EF4-FFF2-40B4-BE49-F238E27FC236}">
+                <a16:creationId xmlns:a16="http://schemas.microsoft.com/office/drawing/2014/main" id="{2380FD9E-D9B6-4353-90E7-39C1E1ACBE2B}"/>
+              </a:ext>
+            </a:extLst>
+          </p:cNvPr>
+          <p:cNvSpPr/>
+          <p:nvPr/>
+        </p:nvSpPr>
+        <p:spPr>
+          <a:xfrm>
+            <a:off x="5245775" y="1759093"/>
+            <a:ext cx="508647" cy="2025620"/>
+          </a:xfrm>
+          <a:prstGeom prst="roundRect">
+            <a:avLst/>
+          </a:prstGeom>
+          <a:noFill/>
+          <a:ln>
+            <a:prstDash val="sysDot"/>
+          </a:ln>
+        </p:spPr>
+        <p:style>
+          <a:lnRef idx="2">
+            <a:schemeClr val="accent1">
+              <a:shade val="50000"/>
+            </a:schemeClr>
+          </a:lnRef>
+          <a:fillRef idx="1">
+            <a:schemeClr val="accent1"/>
+          </a:fillRef>
+          <a:effectRef idx="0">
+            <a:schemeClr val="accent1"/>
+          </a:effectRef>
+          <a:fontRef idx="minor">
+            <a:schemeClr val="lt1"/>
+          </a:fontRef>
+        </p:style>
+        <p:txBody>
+          <a:bodyPr rtlCol="0" anchor="ctr"/>
+          <a:lstStyle/>
+          <a:p>
+            <a:pPr algn="ctr"/>
+            <a:endParaRPr lang="zh-CN" altLang="en-US"/>
+          </a:p>
+        </p:txBody>
+      </p:sp>
+      <p:sp>
+        <p:nvSpPr>
+          <p:cNvPr id="65" name="文本框 64">
+            <a:extLst>
+              <a:ext uri="{FF2B5EF4-FFF2-40B4-BE49-F238E27FC236}">
+                <a16:creationId xmlns:a16="http://schemas.microsoft.com/office/drawing/2014/main" id="{04351B3D-E553-49B2-9AEF-F147DEBB0C20}"/>
+              </a:ext>
+            </a:extLst>
+          </p:cNvPr>
+          <p:cNvSpPr txBox="1"/>
+          <p:nvPr/>
+        </p:nvSpPr>
+        <p:spPr>
+          <a:xfrm>
+            <a:off x="5094155" y="3836083"/>
+            <a:ext cx="780983" cy="307777"/>
+          </a:xfrm>
+          <a:prstGeom prst="rect">
+            <a:avLst/>
+          </a:prstGeom>
+          <a:noFill/>
+        </p:spPr>
+        <p:txBody>
+          <a:bodyPr wrap="none" rtlCol="0">
+            <a:spAutoFit/>
+          </a:bodyPr>
+          <a:lstStyle/>
+          <a:p>
+            <a:r>
+              <a:rPr lang="en-US" altLang="zh-CN" sz="1400" dirty="0">
+                <a:latin typeface="Consolas" panose="020B0609020204030204" pitchFamily="49" charset="0"/>
+              </a:rPr>
+              <a:t>Level3</a:t>
+            </a:r>
+            <a:endParaRPr lang="zh-CN" altLang="en-US" sz="1400" dirty="0">
+              <a:latin typeface="Consolas" panose="020B0609020204030204" pitchFamily="49" charset="0"/>
+            </a:endParaRPr>
+          </a:p>
+        </p:txBody>
+      </p:sp>
+      <p:grpSp>
+        <p:nvGrpSpPr>
+          <p:cNvPr id="90" name="组合 89">
+            <a:extLst>
+              <a:ext uri="{FF2B5EF4-FFF2-40B4-BE49-F238E27FC236}">
+                <a16:creationId xmlns:a16="http://schemas.microsoft.com/office/drawing/2014/main" id="{59DBD904-13B4-4A39-B075-8AAB8556AD43}"/>
+              </a:ext>
+            </a:extLst>
+          </p:cNvPr>
+          <p:cNvGrpSpPr/>
+          <p:nvPr/>
+        </p:nvGrpSpPr>
+        <p:grpSpPr>
+          <a:xfrm>
+            <a:off x="6683174" y="1911633"/>
+            <a:ext cx="4475441" cy="1674105"/>
+            <a:chOff x="6683174" y="1911633"/>
+            <a:chExt cx="4475441" cy="1674105"/>
+          </a:xfrm>
+        </p:grpSpPr>
+        <p:sp>
+          <p:nvSpPr>
+            <p:cNvPr id="66" name="椭圆 65">
+              <a:extLst>
+                <a:ext uri="{FF2B5EF4-FFF2-40B4-BE49-F238E27FC236}">
+                  <a16:creationId xmlns:a16="http://schemas.microsoft.com/office/drawing/2014/main" id="{F58691BF-45FA-4B9B-8D0D-A0419CF4213F}"/>
+                </a:ext>
+              </a:extLst>
+            </p:cNvPr>
+            <p:cNvSpPr/>
+            <p:nvPr/>
+          </p:nvSpPr>
+          <p:spPr>
+            <a:xfrm>
+              <a:off x="6683174" y="2513468"/>
+              <a:ext cx="405945" cy="410045"/>
+            </a:xfrm>
+            <a:prstGeom prst="ellipse">
+              <a:avLst/>
+            </a:prstGeom>
+          </p:spPr>
+          <p:style>
+            <a:lnRef idx="1">
+              <a:schemeClr val="accent5"/>
+            </a:lnRef>
+            <a:fillRef idx="3">
+              <a:schemeClr val="accent5"/>
+            </a:fillRef>
+            <a:effectRef idx="2">
+              <a:schemeClr val="accent5"/>
+            </a:effectRef>
+            <a:fontRef idx="minor">
+              <a:schemeClr val="lt1"/>
+            </a:fontRef>
+          </p:style>
+          <p:txBody>
+            <a:bodyPr rtlCol="0" anchor="ctr"/>
+            <a:lstStyle/>
+            <a:p>
+              <a:pPr algn="ctr"/>
+              <a:r>
+                <a:rPr lang="en-US" altLang="zh-CN" dirty="0"/>
+                <a:t>S</a:t>
+              </a:r>
+              <a:endParaRPr lang="zh-CN" altLang="en-US" dirty="0"/>
+            </a:p>
+          </p:txBody>
+        </p:sp>
+        <p:sp>
+          <p:nvSpPr>
+            <p:cNvPr id="67" name="椭圆 66">
+              <a:extLst>
+                <a:ext uri="{FF2B5EF4-FFF2-40B4-BE49-F238E27FC236}">
+                  <a16:creationId xmlns:a16="http://schemas.microsoft.com/office/drawing/2014/main" id="{A9A82FA9-936E-4535-9137-33416D84EEA2}"/>
+                </a:ext>
+              </a:extLst>
+            </p:cNvPr>
+            <p:cNvSpPr/>
+            <p:nvPr/>
+          </p:nvSpPr>
+          <p:spPr>
+            <a:xfrm>
+              <a:off x="7892808" y="1956957"/>
+              <a:ext cx="405945" cy="410045"/>
+            </a:xfrm>
+            <a:prstGeom prst="ellipse">
+              <a:avLst/>
+            </a:prstGeom>
+          </p:spPr>
+          <p:style>
+            <a:lnRef idx="2">
+              <a:schemeClr val="accent1">
+                <a:shade val="50000"/>
+              </a:schemeClr>
+            </a:lnRef>
+            <a:fillRef idx="1">
+              <a:schemeClr val="accent1"/>
+            </a:fillRef>
+            <a:effectRef idx="0">
+              <a:schemeClr val="accent1"/>
+            </a:effectRef>
+            <a:fontRef idx="minor">
+              <a:schemeClr val="lt1"/>
+            </a:fontRef>
+          </p:style>
+          <p:txBody>
+            <a:bodyPr rtlCol="0" anchor="ctr"/>
+            <a:lstStyle/>
+            <a:p>
+              <a:pPr algn="ctr"/>
+              <a:r>
+                <a:rPr lang="en-US" altLang="zh-CN" dirty="0"/>
+                <a:t>A</a:t>
+              </a:r>
+              <a:endParaRPr lang="zh-CN" altLang="en-US" dirty="0"/>
+            </a:p>
+          </p:txBody>
+        </p:sp>
+        <p:cxnSp>
+          <p:nvCxnSpPr>
+            <p:cNvPr id="68" name="直接连接符 67">
+              <a:extLst>
+                <a:ext uri="{FF2B5EF4-FFF2-40B4-BE49-F238E27FC236}">
+                  <a16:creationId xmlns:a16="http://schemas.microsoft.com/office/drawing/2014/main" id="{1DBD073F-AA0A-4744-B642-88DDBF6FB095}"/>
+                </a:ext>
+              </a:extLst>
+            </p:cNvPr>
+            <p:cNvCxnSpPr>
+              <a:cxnSpLocks/>
+              <a:stCxn id="66" idx="7"/>
+              <a:endCxn id="67" idx="2"/>
+            </p:cNvCxnSpPr>
+            <p:nvPr/>
+          </p:nvCxnSpPr>
+          <p:spPr>
+            <a:xfrm flipV="1">
+              <a:off x="7029670" y="2161980"/>
+              <a:ext cx="863138" cy="411538"/>
+            </a:xfrm>
+            <a:prstGeom prst="line">
+              <a:avLst/>
+            </a:prstGeom>
+            <a:ln>
+              <a:headEnd type="none" w="med" len="med"/>
+              <a:tailEnd type="triangle" w="med" len="med"/>
+            </a:ln>
+          </p:spPr>
+          <p:style>
+            <a:lnRef idx="2">
+              <a:schemeClr val="accent1"/>
+            </a:lnRef>
+            <a:fillRef idx="0">
+              <a:schemeClr val="accent1"/>
+            </a:fillRef>
+            <a:effectRef idx="1">
+              <a:schemeClr val="accent1"/>
+            </a:effectRef>
+            <a:fontRef idx="minor">
+              <a:schemeClr val="tx1"/>
+            </a:fontRef>
+          </p:style>
+        </p:cxnSp>
+        <p:sp>
+          <p:nvSpPr>
+            <p:cNvPr id="69" name="椭圆 68">
+              <a:extLst>
+                <a:ext uri="{FF2B5EF4-FFF2-40B4-BE49-F238E27FC236}">
+                  <a16:creationId xmlns:a16="http://schemas.microsoft.com/office/drawing/2014/main" id="{596324EB-979F-4419-A228-671F668EE99E}"/>
+                </a:ext>
+              </a:extLst>
+            </p:cNvPr>
+            <p:cNvSpPr/>
+            <p:nvPr/>
+          </p:nvSpPr>
+          <p:spPr>
+            <a:xfrm>
+              <a:off x="7892809" y="3175693"/>
+              <a:ext cx="405945" cy="410045"/>
+            </a:xfrm>
+            <a:prstGeom prst="ellipse">
+              <a:avLst/>
+            </a:prstGeom>
+          </p:spPr>
+          <p:style>
+            <a:lnRef idx="2">
+              <a:schemeClr val="accent1">
+                <a:shade val="50000"/>
+              </a:schemeClr>
+            </a:lnRef>
+            <a:fillRef idx="1">
+              <a:schemeClr val="accent1"/>
+            </a:fillRef>
+            <a:effectRef idx="0">
+              <a:schemeClr val="accent1"/>
+            </a:effectRef>
+            <a:fontRef idx="minor">
+              <a:schemeClr val="lt1"/>
+            </a:fontRef>
+          </p:style>
+          <p:txBody>
+            <a:bodyPr rtlCol="0" anchor="ctr"/>
+            <a:lstStyle/>
+            <a:p>
+              <a:pPr algn="ctr"/>
+              <a:r>
+                <a:rPr lang="en-US" altLang="zh-CN" dirty="0"/>
+                <a:t>B</a:t>
+              </a:r>
+              <a:endParaRPr lang="zh-CN" altLang="en-US" dirty="0"/>
+            </a:p>
+          </p:txBody>
+        </p:sp>
+        <p:cxnSp>
+          <p:nvCxnSpPr>
+            <p:cNvPr id="70" name="直接连接符 69">
+              <a:extLst>
+                <a:ext uri="{FF2B5EF4-FFF2-40B4-BE49-F238E27FC236}">
+                  <a16:creationId xmlns:a16="http://schemas.microsoft.com/office/drawing/2014/main" id="{6CD06B4C-EDD9-4CC8-82F6-C0F57525DE3F}"/>
+                </a:ext>
+              </a:extLst>
+            </p:cNvPr>
+            <p:cNvCxnSpPr>
+              <a:cxnSpLocks/>
+              <a:stCxn id="66" idx="5"/>
+              <a:endCxn id="69" idx="2"/>
+            </p:cNvCxnSpPr>
+            <p:nvPr/>
+          </p:nvCxnSpPr>
+          <p:spPr>
+            <a:xfrm>
+              <a:off x="7029670" y="2863463"/>
+              <a:ext cx="863139" cy="517253"/>
+            </a:xfrm>
+            <a:prstGeom prst="line">
+              <a:avLst/>
+            </a:prstGeom>
+            <a:ln>
+              <a:headEnd type="none" w="med" len="med"/>
+              <a:tailEnd type="triangle" w="med" len="med"/>
+            </a:ln>
+          </p:spPr>
+          <p:style>
+            <a:lnRef idx="2">
+              <a:schemeClr val="accent1"/>
+            </a:lnRef>
+            <a:fillRef idx="0">
+              <a:schemeClr val="accent1"/>
+            </a:fillRef>
+            <a:effectRef idx="1">
+              <a:schemeClr val="accent1"/>
+            </a:effectRef>
+            <a:fontRef idx="minor">
+              <a:schemeClr val="tx1"/>
+            </a:fontRef>
+          </p:style>
+        </p:cxnSp>
+        <p:sp>
+          <p:nvSpPr>
+            <p:cNvPr id="71" name="椭圆 70">
+              <a:extLst>
+                <a:ext uri="{FF2B5EF4-FFF2-40B4-BE49-F238E27FC236}">
+                  <a16:creationId xmlns:a16="http://schemas.microsoft.com/office/drawing/2014/main" id="{C23268CD-A4DF-4039-9546-2942EC0A2538}"/>
+                </a:ext>
+              </a:extLst>
+            </p:cNvPr>
+            <p:cNvSpPr/>
+            <p:nvPr/>
+          </p:nvSpPr>
+          <p:spPr>
+            <a:xfrm>
+              <a:off x="9586292" y="3175692"/>
+              <a:ext cx="405945" cy="410045"/>
+            </a:xfrm>
+            <a:prstGeom prst="ellipse">
+              <a:avLst/>
+            </a:prstGeom>
+          </p:spPr>
+          <p:style>
+            <a:lnRef idx="2">
+              <a:schemeClr val="accent1">
+                <a:shade val="50000"/>
+              </a:schemeClr>
+            </a:lnRef>
+            <a:fillRef idx="1">
+              <a:schemeClr val="accent1"/>
+            </a:fillRef>
+            <a:effectRef idx="0">
+              <a:schemeClr val="accent1"/>
+            </a:effectRef>
+            <a:fontRef idx="minor">
+              <a:schemeClr val="lt1"/>
+            </a:fontRef>
+          </p:style>
+          <p:txBody>
+            <a:bodyPr rtlCol="0" anchor="ctr"/>
+            <a:lstStyle/>
+            <a:p>
+              <a:pPr algn="ctr"/>
+              <a:r>
+                <a:rPr lang="en-US" altLang="zh-CN" dirty="0"/>
+                <a:t>D</a:t>
+              </a:r>
+              <a:endParaRPr lang="zh-CN" altLang="en-US" dirty="0"/>
+            </a:p>
+          </p:txBody>
+        </p:sp>
+        <p:sp>
+          <p:nvSpPr>
+            <p:cNvPr id="72" name="椭圆 71">
+              <a:extLst>
+                <a:ext uri="{FF2B5EF4-FFF2-40B4-BE49-F238E27FC236}">
+                  <a16:creationId xmlns:a16="http://schemas.microsoft.com/office/drawing/2014/main" id="{7E2C9356-F67F-4D4E-9E5C-BFB791A916C0}"/>
+                </a:ext>
+              </a:extLst>
+            </p:cNvPr>
+            <p:cNvSpPr/>
+            <p:nvPr/>
+          </p:nvSpPr>
+          <p:spPr>
+            <a:xfrm>
+              <a:off x="9586291" y="1956957"/>
+              <a:ext cx="405945" cy="410045"/>
+            </a:xfrm>
+            <a:prstGeom prst="ellipse">
+              <a:avLst/>
+            </a:prstGeom>
+          </p:spPr>
+          <p:style>
+            <a:lnRef idx="2">
+              <a:schemeClr val="accent1">
+                <a:shade val="50000"/>
+              </a:schemeClr>
+            </a:lnRef>
+            <a:fillRef idx="1">
+              <a:schemeClr val="accent1"/>
+            </a:fillRef>
+            <a:effectRef idx="0">
+              <a:schemeClr val="accent1"/>
+            </a:effectRef>
+            <a:fontRef idx="minor">
+              <a:schemeClr val="lt1"/>
+            </a:fontRef>
+          </p:style>
+          <p:txBody>
+            <a:bodyPr rtlCol="0" anchor="ctr"/>
+            <a:lstStyle/>
+            <a:p>
+              <a:pPr algn="ctr"/>
+              <a:r>
+                <a:rPr lang="en-US" altLang="zh-CN" dirty="0"/>
+                <a:t>C</a:t>
+              </a:r>
+              <a:endParaRPr lang="zh-CN" altLang="en-US" dirty="0"/>
+            </a:p>
+          </p:txBody>
+        </p:sp>
+        <p:cxnSp>
+          <p:nvCxnSpPr>
+            <p:cNvPr id="73" name="直接连接符 72">
+              <a:extLst>
+                <a:ext uri="{FF2B5EF4-FFF2-40B4-BE49-F238E27FC236}">
+                  <a16:creationId xmlns:a16="http://schemas.microsoft.com/office/drawing/2014/main" id="{9059C139-8C17-42B9-A495-6D05D6F8885F}"/>
+                </a:ext>
+              </a:extLst>
+            </p:cNvPr>
+            <p:cNvCxnSpPr>
+              <a:stCxn id="67" idx="6"/>
+              <a:endCxn id="72" idx="2"/>
+            </p:cNvCxnSpPr>
+            <p:nvPr/>
+          </p:nvCxnSpPr>
+          <p:spPr>
+            <a:xfrm>
+              <a:off x="8298753" y="2161980"/>
+              <a:ext cx="1287538" cy="0"/>
+            </a:xfrm>
+            <a:prstGeom prst="line">
+              <a:avLst/>
+            </a:prstGeom>
+            <a:ln>
+              <a:headEnd type="none" w="med" len="med"/>
+              <a:tailEnd type="triangle" w="med" len="med"/>
+            </a:ln>
+          </p:spPr>
+          <p:style>
+            <a:lnRef idx="2">
+              <a:schemeClr val="accent1"/>
+            </a:lnRef>
+            <a:fillRef idx="0">
+              <a:schemeClr val="accent1"/>
+            </a:fillRef>
+            <a:effectRef idx="1">
+              <a:schemeClr val="accent1"/>
+            </a:effectRef>
+            <a:fontRef idx="minor">
+              <a:schemeClr val="tx1"/>
+            </a:fontRef>
+          </p:style>
+        </p:cxnSp>
+        <p:cxnSp>
+          <p:nvCxnSpPr>
+            <p:cNvPr id="75" name="直接连接符 74">
+              <a:extLst>
+                <a:ext uri="{FF2B5EF4-FFF2-40B4-BE49-F238E27FC236}">
+                  <a16:creationId xmlns:a16="http://schemas.microsoft.com/office/drawing/2014/main" id="{9A794A59-5ABE-4425-8A8D-8157026AD374}"/>
+                </a:ext>
+              </a:extLst>
+            </p:cNvPr>
+            <p:cNvCxnSpPr>
+              <a:cxnSpLocks/>
+              <a:stCxn id="69" idx="6"/>
+              <a:endCxn id="71" idx="2"/>
+            </p:cNvCxnSpPr>
+            <p:nvPr/>
+          </p:nvCxnSpPr>
+          <p:spPr>
+            <a:xfrm flipV="1">
+              <a:off x="8298754" y="3380715"/>
+              <a:ext cx="1287538" cy="1"/>
+            </a:xfrm>
+            <a:prstGeom prst="line">
+              <a:avLst/>
+            </a:prstGeom>
+            <a:ln>
+              <a:headEnd type="none" w="med" len="med"/>
+              <a:tailEnd type="triangle" w="med" len="med"/>
+            </a:ln>
+          </p:spPr>
+          <p:style>
+            <a:lnRef idx="2">
+              <a:schemeClr val="accent1"/>
+            </a:lnRef>
+            <a:fillRef idx="0">
+              <a:schemeClr val="accent1"/>
+            </a:fillRef>
+            <a:effectRef idx="1">
+              <a:schemeClr val="accent1"/>
+            </a:effectRef>
+            <a:fontRef idx="minor">
+              <a:schemeClr val="tx1"/>
+            </a:fontRef>
+          </p:style>
+        </p:cxnSp>
+        <p:sp>
+          <p:nvSpPr>
+            <p:cNvPr id="76" name="椭圆 75">
+              <a:extLst>
+                <a:ext uri="{FF2B5EF4-FFF2-40B4-BE49-F238E27FC236}">
+                  <a16:creationId xmlns:a16="http://schemas.microsoft.com/office/drawing/2014/main" id="{B8041B80-8FB5-4B6C-B98D-21E677411AC0}"/>
+                </a:ext>
+              </a:extLst>
+            </p:cNvPr>
+            <p:cNvSpPr/>
+            <p:nvPr/>
+          </p:nvSpPr>
+          <p:spPr>
+            <a:xfrm>
+              <a:off x="10752670" y="2513467"/>
+              <a:ext cx="405945" cy="410045"/>
+            </a:xfrm>
+            <a:prstGeom prst="ellipse">
+              <a:avLst/>
+            </a:prstGeom>
+          </p:spPr>
+          <p:style>
+            <a:lnRef idx="1">
+              <a:schemeClr val="accent5"/>
+            </a:lnRef>
+            <a:fillRef idx="3">
+              <a:schemeClr val="accent5"/>
+            </a:fillRef>
+            <a:effectRef idx="2">
+              <a:schemeClr val="accent5"/>
+            </a:effectRef>
+            <a:fontRef idx="minor">
+              <a:schemeClr val="lt1"/>
+            </a:fontRef>
+          </p:style>
+          <p:txBody>
+            <a:bodyPr rtlCol="0" anchor="ctr"/>
+            <a:lstStyle/>
+            <a:p>
+              <a:pPr algn="ctr"/>
+              <a:r>
+                <a:rPr lang="en-US" altLang="zh-CN" dirty="0"/>
+                <a:t>T</a:t>
+              </a:r>
+              <a:endParaRPr lang="zh-CN" altLang="en-US" dirty="0"/>
+            </a:p>
+          </p:txBody>
+        </p:sp>
+        <p:cxnSp>
+          <p:nvCxnSpPr>
+            <p:cNvPr id="77" name="直接连接符 76">
+              <a:extLst>
+                <a:ext uri="{FF2B5EF4-FFF2-40B4-BE49-F238E27FC236}">
+                  <a16:creationId xmlns:a16="http://schemas.microsoft.com/office/drawing/2014/main" id="{F6AEA7EA-AD14-4B42-8E3B-EDF60366BAE5}"/>
+                </a:ext>
+              </a:extLst>
+            </p:cNvPr>
+            <p:cNvCxnSpPr>
+              <a:cxnSpLocks/>
+              <a:stCxn id="71" idx="6"/>
+              <a:endCxn id="76" idx="3"/>
+            </p:cNvCxnSpPr>
+            <p:nvPr/>
+          </p:nvCxnSpPr>
+          <p:spPr>
+            <a:xfrm flipV="1">
+              <a:off x="9992237" y="2863462"/>
+              <a:ext cx="819882" cy="517253"/>
+            </a:xfrm>
+            <a:prstGeom prst="line">
+              <a:avLst/>
+            </a:prstGeom>
+            <a:ln>
+              <a:headEnd type="none" w="med" len="med"/>
+              <a:tailEnd type="triangle" w="med" len="med"/>
+            </a:ln>
+          </p:spPr>
+          <p:style>
+            <a:lnRef idx="2">
+              <a:schemeClr val="accent1"/>
+            </a:lnRef>
+            <a:fillRef idx="0">
+              <a:schemeClr val="accent1"/>
+            </a:fillRef>
+            <a:effectRef idx="1">
+              <a:schemeClr val="accent1"/>
+            </a:effectRef>
+            <a:fontRef idx="minor">
+              <a:schemeClr val="tx1"/>
+            </a:fontRef>
+          </p:style>
+        </p:cxnSp>
+        <p:cxnSp>
+          <p:nvCxnSpPr>
+            <p:cNvPr id="78" name="直接连接符 77">
+              <a:extLst>
+                <a:ext uri="{FF2B5EF4-FFF2-40B4-BE49-F238E27FC236}">
+                  <a16:creationId xmlns:a16="http://schemas.microsoft.com/office/drawing/2014/main" id="{FD32AC1F-3BC2-42B7-9EAC-5EC43CDC1C52}"/>
+                </a:ext>
+              </a:extLst>
+            </p:cNvPr>
+            <p:cNvCxnSpPr>
+              <a:cxnSpLocks/>
+              <a:stCxn id="72" idx="6"/>
+              <a:endCxn id="76" idx="1"/>
+            </p:cNvCxnSpPr>
+            <p:nvPr/>
+          </p:nvCxnSpPr>
+          <p:spPr>
+            <a:xfrm>
+              <a:off x="9992236" y="2161980"/>
+              <a:ext cx="819883" cy="411537"/>
+            </a:xfrm>
+            <a:prstGeom prst="line">
+              <a:avLst/>
+            </a:prstGeom>
+            <a:ln>
+              <a:headEnd type="none" w="med" len="med"/>
+              <a:tailEnd type="triangle" w="med" len="med"/>
+            </a:ln>
+          </p:spPr>
+          <p:style>
+            <a:lnRef idx="2">
+              <a:schemeClr val="accent1"/>
+            </a:lnRef>
+            <a:fillRef idx="0">
+              <a:schemeClr val="accent1"/>
+            </a:fillRef>
+            <a:effectRef idx="1">
+              <a:schemeClr val="accent1"/>
+            </a:effectRef>
+            <a:fontRef idx="minor">
+              <a:schemeClr val="tx1"/>
+            </a:fontRef>
+          </p:style>
+        </p:cxnSp>
+        <p:cxnSp>
+          <p:nvCxnSpPr>
+            <p:cNvPr id="79" name="直接连接符 78">
+              <a:extLst>
+                <a:ext uri="{FF2B5EF4-FFF2-40B4-BE49-F238E27FC236}">
+                  <a16:creationId xmlns:a16="http://schemas.microsoft.com/office/drawing/2014/main" id="{729EA69B-9DC2-4964-A512-CFE5CD30C884}"/>
+                </a:ext>
+              </a:extLst>
+            </p:cNvPr>
+            <p:cNvCxnSpPr>
+              <a:cxnSpLocks/>
+              <a:stCxn id="67" idx="6"/>
+              <a:endCxn id="71" idx="1"/>
+            </p:cNvCxnSpPr>
+            <p:nvPr/>
+          </p:nvCxnSpPr>
+          <p:spPr>
+            <a:xfrm>
+              <a:off x="8298753" y="2161980"/>
+              <a:ext cx="1346988" cy="1073762"/>
+            </a:xfrm>
+            <a:prstGeom prst="line">
+              <a:avLst/>
+            </a:prstGeom>
+            <a:ln>
+              <a:headEnd type="none" w="med" len="med"/>
+              <a:tailEnd type="triangle" w="med" len="med"/>
+            </a:ln>
+          </p:spPr>
+          <p:style>
+            <a:lnRef idx="2">
+              <a:schemeClr val="accent1"/>
+            </a:lnRef>
+            <a:fillRef idx="0">
+              <a:schemeClr val="accent1"/>
+            </a:fillRef>
+            <a:effectRef idx="1">
+              <a:schemeClr val="accent1"/>
+            </a:effectRef>
+            <a:fontRef idx="minor">
+              <a:schemeClr val="tx1"/>
+            </a:fontRef>
+          </p:style>
+        </p:cxnSp>
+        <p:sp>
+          <p:nvSpPr>
+            <p:cNvPr id="81" name="文本框 80">
+              <a:extLst>
+                <a:ext uri="{FF2B5EF4-FFF2-40B4-BE49-F238E27FC236}">
+                  <a16:creationId xmlns:a16="http://schemas.microsoft.com/office/drawing/2014/main" id="{EEA3E3EC-B3C4-40E5-AE98-8396FC0B2AE3}"/>
+                </a:ext>
+              </a:extLst>
+            </p:cNvPr>
+            <p:cNvSpPr txBox="1"/>
+            <p:nvPr/>
+          </p:nvSpPr>
+          <p:spPr>
+            <a:xfrm>
+              <a:off x="8731806" y="1911633"/>
+              <a:ext cx="258324" cy="276999"/>
+            </a:xfrm>
+            <a:prstGeom prst="rect">
+              <a:avLst/>
+            </a:prstGeom>
+            <a:noFill/>
+          </p:spPr>
+          <p:txBody>
+            <a:bodyPr wrap="square" rtlCol="0">
+              <a:spAutoFit/>
+            </a:bodyPr>
+            <a:lstStyle/>
+            <a:p>
+              <a:r>
+                <a:rPr lang="en-US" altLang="zh-CN" sz="1200" dirty="0"/>
+                <a:t>4</a:t>
+              </a:r>
+              <a:endParaRPr lang="zh-CN" altLang="en-US" sz="1200" dirty="0"/>
+            </a:p>
+          </p:txBody>
+        </p:sp>
+        <p:sp>
+          <p:nvSpPr>
+            <p:cNvPr id="82" name="文本框 81">
+              <a:extLst>
+                <a:ext uri="{FF2B5EF4-FFF2-40B4-BE49-F238E27FC236}">
+                  <a16:creationId xmlns:a16="http://schemas.microsoft.com/office/drawing/2014/main" id="{6ECAB725-6296-4EE9-9939-40A20E7A89DA}"/>
+                </a:ext>
+              </a:extLst>
+            </p:cNvPr>
+            <p:cNvSpPr txBox="1"/>
+            <p:nvPr/>
+          </p:nvSpPr>
+          <p:spPr>
+            <a:xfrm>
+              <a:off x="7140341" y="2160005"/>
+              <a:ext cx="448540" cy="276999"/>
+            </a:xfrm>
+            <a:prstGeom prst="rect">
+              <a:avLst/>
+            </a:prstGeom>
+            <a:noFill/>
+          </p:spPr>
+          <p:txBody>
+            <a:bodyPr wrap="square" rtlCol="0">
+              <a:spAutoFit/>
+            </a:bodyPr>
+            <a:lstStyle/>
+            <a:p>
+              <a:r>
+                <a:rPr lang="en-US" altLang="zh-CN" sz="1200" dirty="0"/>
+                <a:t>10</a:t>
+              </a:r>
+              <a:endParaRPr lang="zh-CN" altLang="en-US" sz="1200" dirty="0"/>
+            </a:p>
+          </p:txBody>
+        </p:sp>
+        <p:sp>
+          <p:nvSpPr>
+            <p:cNvPr id="83" name="文本框 82">
+              <a:extLst>
+                <a:ext uri="{FF2B5EF4-FFF2-40B4-BE49-F238E27FC236}">
+                  <a16:creationId xmlns:a16="http://schemas.microsoft.com/office/drawing/2014/main" id="{12706EFA-D711-4D24-9E9B-540D3DDFE82C}"/>
+                </a:ext>
+              </a:extLst>
+            </p:cNvPr>
+            <p:cNvSpPr txBox="1"/>
+            <p:nvPr/>
+          </p:nvSpPr>
+          <p:spPr>
+            <a:xfrm>
+              <a:off x="10284658" y="2110210"/>
+              <a:ext cx="448540" cy="276999"/>
+            </a:xfrm>
+            <a:prstGeom prst="rect">
+              <a:avLst/>
+            </a:prstGeom>
+            <a:noFill/>
+          </p:spPr>
+          <p:txBody>
+            <a:bodyPr wrap="square" rtlCol="0">
+              <a:spAutoFit/>
+            </a:bodyPr>
+            <a:lstStyle/>
+            <a:p>
+              <a:r>
+                <a:rPr lang="en-US" altLang="zh-CN" sz="1200" dirty="0"/>
+                <a:t>10</a:t>
+              </a:r>
+              <a:endParaRPr lang="zh-CN" altLang="en-US" sz="1200" dirty="0"/>
+            </a:p>
+          </p:txBody>
+        </p:sp>
+        <p:sp>
+          <p:nvSpPr>
+            <p:cNvPr id="84" name="文本框 83">
+              <a:extLst>
+                <a:ext uri="{FF2B5EF4-FFF2-40B4-BE49-F238E27FC236}">
+                  <a16:creationId xmlns:a16="http://schemas.microsoft.com/office/drawing/2014/main" id="{32AB6848-9C4B-4F5D-8592-0054B21E7EEF}"/>
+                </a:ext>
+              </a:extLst>
+            </p:cNvPr>
+            <p:cNvSpPr txBox="1"/>
+            <p:nvPr/>
+          </p:nvSpPr>
+          <p:spPr>
+            <a:xfrm>
+              <a:off x="7278894" y="3021501"/>
+              <a:ext cx="376089" cy="276999"/>
+            </a:xfrm>
+            <a:prstGeom prst="rect">
+              <a:avLst/>
+            </a:prstGeom>
+            <a:noFill/>
+          </p:spPr>
+          <p:txBody>
+            <a:bodyPr wrap="square" rtlCol="0">
+              <a:spAutoFit/>
+            </a:bodyPr>
+            <a:lstStyle/>
+            <a:p>
+              <a:r>
+                <a:rPr lang="en-US" altLang="zh-CN" sz="1200" dirty="0"/>
+                <a:t>15</a:t>
+              </a:r>
+              <a:endParaRPr lang="zh-CN" altLang="en-US" sz="1200" dirty="0"/>
+            </a:p>
+          </p:txBody>
+        </p:sp>
+        <p:sp>
+          <p:nvSpPr>
+            <p:cNvPr id="85" name="文本框 84">
+              <a:extLst>
+                <a:ext uri="{FF2B5EF4-FFF2-40B4-BE49-F238E27FC236}">
+                  <a16:creationId xmlns:a16="http://schemas.microsoft.com/office/drawing/2014/main" id="{DC20EDD4-C687-4742-85F4-4F56B30720A9}"/>
+                </a:ext>
+              </a:extLst>
+            </p:cNvPr>
+            <p:cNvSpPr txBox="1"/>
+            <p:nvPr/>
+          </p:nvSpPr>
+          <p:spPr>
+            <a:xfrm>
+              <a:off x="8866323" y="3286140"/>
+              <a:ext cx="258324" cy="276999"/>
+            </a:xfrm>
+            <a:prstGeom prst="rect">
+              <a:avLst/>
+            </a:prstGeom>
+            <a:noFill/>
+          </p:spPr>
+          <p:txBody>
+            <a:bodyPr wrap="square" rtlCol="0">
+              <a:spAutoFit/>
+            </a:bodyPr>
+            <a:lstStyle/>
+            <a:p>
+              <a:r>
+                <a:rPr lang="en-US" altLang="zh-CN" sz="1200" dirty="0"/>
+                <a:t>8</a:t>
+              </a:r>
+              <a:endParaRPr lang="zh-CN" altLang="en-US" sz="1200" dirty="0"/>
+            </a:p>
+          </p:txBody>
+        </p:sp>
+        <p:sp>
+          <p:nvSpPr>
+            <p:cNvPr id="86" name="文本框 85">
+              <a:extLst>
+                <a:ext uri="{FF2B5EF4-FFF2-40B4-BE49-F238E27FC236}">
+                  <a16:creationId xmlns:a16="http://schemas.microsoft.com/office/drawing/2014/main" id="{12F8F6F7-CED4-489D-A0FF-D8A933813960}"/>
+                </a:ext>
+              </a:extLst>
+            </p:cNvPr>
+            <p:cNvSpPr txBox="1"/>
+            <p:nvPr/>
+          </p:nvSpPr>
+          <p:spPr>
+            <a:xfrm>
+              <a:off x="8668168" y="2629880"/>
+              <a:ext cx="376089" cy="276999"/>
+            </a:xfrm>
+            <a:prstGeom prst="rect">
+              <a:avLst/>
+            </a:prstGeom>
+            <a:noFill/>
+          </p:spPr>
+          <p:txBody>
+            <a:bodyPr wrap="square" rtlCol="0">
+              <a:spAutoFit/>
+            </a:bodyPr>
+            <a:lstStyle/>
+            <a:p>
+              <a:r>
+                <a:rPr lang="en-US" altLang="zh-CN" sz="1200" dirty="0"/>
+                <a:t>5</a:t>
+              </a:r>
+              <a:endParaRPr lang="zh-CN" altLang="en-US" sz="1200" dirty="0"/>
+            </a:p>
+          </p:txBody>
+        </p:sp>
+        <p:sp>
+          <p:nvSpPr>
+            <p:cNvPr id="88" name="文本框 87">
+              <a:extLst>
+                <a:ext uri="{FF2B5EF4-FFF2-40B4-BE49-F238E27FC236}">
+                  <a16:creationId xmlns:a16="http://schemas.microsoft.com/office/drawing/2014/main" id="{456BBBBE-2FAB-4B18-95F5-24E10BECD566}"/>
+                </a:ext>
+              </a:extLst>
+            </p:cNvPr>
+            <p:cNvSpPr txBox="1"/>
+            <p:nvPr/>
+          </p:nvSpPr>
+          <p:spPr>
+            <a:xfrm>
+              <a:off x="10173609" y="2883350"/>
+              <a:ext cx="376089" cy="276999"/>
+            </a:xfrm>
+            <a:prstGeom prst="rect">
+              <a:avLst/>
+            </a:prstGeom>
+            <a:noFill/>
+          </p:spPr>
+          <p:txBody>
+            <a:bodyPr wrap="square" rtlCol="0">
+              <a:spAutoFit/>
+            </a:bodyPr>
+            <a:lstStyle/>
+            <a:p>
+              <a:r>
+                <a:rPr lang="en-US" altLang="zh-CN" sz="1200" dirty="0"/>
+                <a:t>4</a:t>
+              </a:r>
+              <a:endParaRPr lang="zh-CN" altLang="en-US" sz="1200" dirty="0"/>
+            </a:p>
+          </p:txBody>
+        </p:sp>
+      </p:grpSp>
+      <p:sp>
+        <p:nvSpPr>
+          <p:cNvPr id="89" name="文本框 88">
+            <a:extLst>
+              <a:ext uri="{FF2B5EF4-FFF2-40B4-BE49-F238E27FC236}">
+                <a16:creationId xmlns:a16="http://schemas.microsoft.com/office/drawing/2014/main" id="{38A76378-578C-4698-B199-365671CECB7F}"/>
+              </a:ext>
+            </a:extLst>
+          </p:cNvPr>
+          <p:cNvSpPr txBox="1"/>
+          <p:nvPr/>
+        </p:nvSpPr>
+        <p:spPr>
+          <a:xfrm>
+            <a:off x="2431662" y="2585173"/>
+            <a:ext cx="376089" cy="276999"/>
+          </a:xfrm>
+          <a:prstGeom prst="rect">
+            <a:avLst/>
+          </a:prstGeom>
+          <a:noFill/>
+        </p:spPr>
+        <p:txBody>
+          <a:bodyPr wrap="square" rtlCol="0">
+            <a:spAutoFit/>
+          </a:bodyPr>
+          <a:lstStyle/>
+          <a:p>
+            <a:r>
+              <a:rPr lang="en-US" altLang="zh-CN" sz="1200" dirty="0"/>
+              <a:t>6</a:t>
+            </a:r>
+            <a:endParaRPr lang="zh-CN" altLang="en-US" sz="1200" dirty="0"/>
+          </a:p>
+        </p:txBody>
+      </p:sp>
+    </p:spTree>
+    <p:extLst>
+      <p:ext uri="{BB962C8B-B14F-4D97-AF65-F5344CB8AC3E}">
+        <p14:creationId xmlns:p14="http://schemas.microsoft.com/office/powerpoint/2010/main" val="3719486653"/>
+      </p:ext>
+    </p:extLst>
+  </p:cSld>
+  <p:clrMapOvr>
+    <a:masterClrMapping/>
+  </p:clrMapOvr>
+  <p:timing>
+    <p:tnLst>
+      <p:par>
+        <p:cTn id="1" dur="indefinite" restart="never" nodeType="tmRoot">
+          <p:childTnLst>
+            <p:seq concurrent="1" nextAc="seek">
+              <p:cTn id="2" dur="indefinite" nodeType="mainSeq">
+                <p:childTnLst>
+                  <p:par>
+                    <p:cTn id="3" fill="hold">
+                      <p:stCondLst>
+                        <p:cond delay="indefinite"/>
+                      </p:stCondLst>
+                      <p:childTnLst>
+                        <p:par>
+                          <p:cTn id="4" fill="hold">
+                            <p:stCondLst>
+                              <p:cond delay="0"/>
+                            </p:stCondLst>
+                            <p:childTnLst>
+                              <p:par>
+                                <p:cTn id="5" presetID="1" presetClass="entr" presetSubtype="0" fill="hold" grpId="0" nodeType="clickEffect">
+                                  <p:stCondLst>
+                                    <p:cond delay="0"/>
+                                  </p:stCondLst>
+                                  <p:childTnLst>
+                                    <p:set>
+                                      <p:cBhvr>
+                                        <p:cTn id="6" dur="1" fill="hold">
+                                          <p:stCondLst>
+                                            <p:cond delay="0"/>
+                                          </p:stCondLst>
+                                        </p:cTn>
+                                        <p:tgtEl>
+                                          <p:spTgt spid="59"/>
+                                        </p:tgtEl>
+                                        <p:attrNameLst>
+                                          <p:attrName>style.visibility</p:attrName>
+                                        </p:attrNameLst>
+                                      </p:cBhvr>
+                                      <p:to>
+                                        <p:strVal val="visible"/>
+                                      </p:to>
+                                    </p:set>
+                                  </p:childTnLst>
+                                </p:cTn>
+                              </p:par>
+                              <p:par>
+                                <p:cTn id="7" presetID="1" presetClass="entr" presetSubtype="0" fill="hold" grpId="0" nodeType="withEffect">
+                                  <p:stCondLst>
+                                    <p:cond delay="0"/>
+                                  </p:stCondLst>
+                                  <p:childTnLst>
+                                    <p:set>
+                                      <p:cBhvr>
+                                        <p:cTn id="8" dur="1" fill="hold">
+                                          <p:stCondLst>
+                                            <p:cond delay="0"/>
+                                          </p:stCondLst>
+                                        </p:cTn>
+                                        <p:tgtEl>
+                                          <p:spTgt spid="58"/>
+                                        </p:tgtEl>
+                                        <p:attrNameLst>
+                                          <p:attrName>style.visibility</p:attrName>
+                                        </p:attrNameLst>
+                                      </p:cBhvr>
+                                      <p:to>
+                                        <p:strVal val="visible"/>
+                                      </p:to>
+                                    </p:set>
+                                  </p:childTnLst>
+                                </p:cTn>
+                              </p:par>
+                              <p:par>
+                                <p:cTn id="9" presetID="1" presetClass="entr" presetSubtype="0" fill="hold" grpId="0" nodeType="withEffect">
+                                  <p:stCondLst>
+                                    <p:cond delay="0"/>
+                                  </p:stCondLst>
+                                  <p:childTnLst>
+                                    <p:set>
+                                      <p:cBhvr>
+                                        <p:cTn id="10" dur="1" fill="hold">
+                                          <p:stCondLst>
+                                            <p:cond delay="0"/>
+                                          </p:stCondLst>
+                                        </p:cTn>
+                                        <p:tgtEl>
+                                          <p:spTgt spid="61"/>
+                                        </p:tgtEl>
+                                        <p:attrNameLst>
+                                          <p:attrName>style.visibility</p:attrName>
+                                        </p:attrNameLst>
+                                      </p:cBhvr>
+                                      <p:to>
+                                        <p:strVal val="visible"/>
+                                      </p:to>
+                                    </p:set>
+                                  </p:childTnLst>
+                                </p:cTn>
+                              </p:par>
+                              <p:par>
+                                <p:cTn id="11" presetID="1" presetClass="entr" presetSubtype="0" fill="hold" grpId="0" nodeType="withEffect">
+                                  <p:stCondLst>
+                                    <p:cond delay="0"/>
+                                  </p:stCondLst>
+                                  <p:childTnLst>
+                                    <p:set>
+                                      <p:cBhvr>
+                                        <p:cTn id="12" dur="1" fill="hold">
+                                          <p:stCondLst>
+                                            <p:cond delay="0"/>
+                                          </p:stCondLst>
+                                        </p:cTn>
+                                        <p:tgtEl>
+                                          <p:spTgt spid="60"/>
+                                        </p:tgtEl>
+                                        <p:attrNameLst>
+                                          <p:attrName>style.visibility</p:attrName>
+                                        </p:attrNameLst>
+                                      </p:cBhvr>
+                                      <p:to>
+                                        <p:strVal val="visible"/>
+                                      </p:to>
+                                    </p:set>
+                                  </p:childTnLst>
+                                </p:cTn>
+                              </p:par>
+                              <p:par>
+                                <p:cTn id="13" presetID="1" presetClass="entr" presetSubtype="0" fill="hold" grpId="0" nodeType="withEffect">
+                                  <p:stCondLst>
+                                    <p:cond delay="0"/>
+                                  </p:stCondLst>
+                                  <p:childTnLst>
+                                    <p:set>
+                                      <p:cBhvr>
+                                        <p:cTn id="14" dur="1" fill="hold">
+                                          <p:stCondLst>
+                                            <p:cond delay="0"/>
+                                          </p:stCondLst>
+                                        </p:cTn>
+                                        <p:tgtEl>
+                                          <p:spTgt spid="62"/>
+                                        </p:tgtEl>
+                                        <p:attrNameLst>
+                                          <p:attrName>style.visibility</p:attrName>
+                                        </p:attrNameLst>
+                                      </p:cBhvr>
+                                      <p:to>
+                                        <p:strVal val="visible"/>
+                                      </p:to>
+                                    </p:set>
+                                  </p:childTnLst>
+                                </p:cTn>
+                              </p:par>
+                              <p:par>
+                                <p:cTn id="15" presetID="1" presetClass="entr" presetSubtype="0" fill="hold" grpId="0" nodeType="withEffect">
+                                  <p:stCondLst>
+                                    <p:cond delay="0"/>
+                                  </p:stCondLst>
+                                  <p:childTnLst>
+                                    <p:set>
+                                      <p:cBhvr>
+                                        <p:cTn id="16" dur="1" fill="hold">
+                                          <p:stCondLst>
+                                            <p:cond delay="0"/>
+                                          </p:stCondLst>
+                                        </p:cTn>
+                                        <p:tgtEl>
+                                          <p:spTgt spid="63"/>
+                                        </p:tgtEl>
+                                        <p:attrNameLst>
+                                          <p:attrName>style.visibility</p:attrName>
+                                        </p:attrNameLst>
+                                      </p:cBhvr>
+                                      <p:to>
+                                        <p:strVal val="visible"/>
+                                      </p:to>
+                                    </p:set>
+                                  </p:childTnLst>
+                                </p:cTn>
+                              </p:par>
+                              <p:par>
+                                <p:cTn id="17" presetID="1" presetClass="entr" presetSubtype="0" fill="hold" grpId="0" nodeType="withEffect">
+                                  <p:stCondLst>
+                                    <p:cond delay="0"/>
+                                  </p:stCondLst>
+                                  <p:childTnLst>
+                                    <p:set>
+                                      <p:cBhvr>
+                                        <p:cTn id="18" dur="1" fill="hold">
+                                          <p:stCondLst>
+                                            <p:cond delay="0"/>
+                                          </p:stCondLst>
+                                        </p:cTn>
+                                        <p:tgtEl>
+                                          <p:spTgt spid="64"/>
+                                        </p:tgtEl>
+                                        <p:attrNameLst>
+                                          <p:attrName>style.visibility</p:attrName>
+                                        </p:attrNameLst>
+                                      </p:cBhvr>
+                                      <p:to>
+                                        <p:strVal val="visible"/>
+                                      </p:to>
+                                    </p:set>
+                                  </p:childTnLst>
+                                </p:cTn>
+                              </p:par>
+                              <p:par>
+                                <p:cTn id="19" presetID="1" presetClass="entr" presetSubtype="0" fill="hold" grpId="0" nodeType="withEffect">
+                                  <p:stCondLst>
+                                    <p:cond delay="0"/>
+                                  </p:stCondLst>
+                                  <p:childTnLst>
+                                    <p:set>
+                                      <p:cBhvr>
+                                        <p:cTn id="20" dur="1" fill="hold">
+                                          <p:stCondLst>
+                                            <p:cond delay="0"/>
+                                          </p:stCondLst>
+                                        </p:cTn>
+                                        <p:tgtEl>
+                                          <p:spTgt spid="65"/>
+                                        </p:tgtEl>
+                                        <p:attrNameLst>
+                                          <p:attrName>style.visibility</p:attrName>
+                                        </p:attrNameLst>
+                                      </p:cBhvr>
+                                      <p:to>
+                                        <p:strVal val="visible"/>
+                                      </p:to>
+                                    </p:set>
+                                  </p:childTnLst>
+                                </p:cTn>
+                              </p:par>
+                            </p:childTnLst>
+                          </p:cTn>
+                        </p:par>
+                      </p:childTnLst>
+                    </p:cTn>
+                  </p:par>
+                </p:childTnLst>
+              </p:cTn>
+              <p:prevCondLst>
+                <p:cond evt="onPrev" delay="0">
+                  <p:tgtEl>
+                    <p:sldTgt/>
+                  </p:tgtEl>
+                </p:cond>
+              </p:prevCondLst>
+              <p:nextCondLst>
+                <p:cond evt="onNext" delay="0">
+                  <p:tgtEl>
+                    <p:sldTgt/>
+                  </p:tgtEl>
+                </p:cond>
+              </p:nextCondLst>
+            </p:seq>
+          </p:childTnLst>
+        </p:cTn>
+      </p:par>
+    </p:tnLst>
+    <p:bldLst>
+      <p:bldP spid="58" grpId="0" animBg="1"/>
+      <p:bldP spid="59" grpId="0"/>
+      <p:bldP spid="60" grpId="0" animBg="1"/>
+      <p:bldP spid="61" grpId="0"/>
+      <p:bldP spid="62" grpId="0"/>
+      <p:bldP spid="63" grpId="0" animBg="1"/>
+      <p:bldP spid="64" grpId="0" animBg="1"/>
+      <p:bldP spid="65" grpId="0"/>
+    </p:bldLst>
+  </p:timing>
+</p:sld>
+</file>
+
+<file path=ppt/slides/slide16.xml><?xml version="1.0" encoding="utf-8"?>
+<p:sld xmlns:a="http://schemas.openxmlformats.org/drawingml/2006/main" xmlns:r="http://schemas.openxmlformats.org/officeDocument/2006/relationships" xmlns:p="http://schemas.openxmlformats.org/presentationml/2006/main">
+  <p:cSld>
+    <p:spTree>
+      <p:nvGrpSpPr>
+        <p:cNvPr id="1" name=""/>
+        <p:cNvGrpSpPr/>
+        <p:nvPr/>
+      </p:nvGrpSpPr>
+      <p:grpSpPr>
+        <a:xfrm>
+          <a:off x="0" y="0"/>
+          <a:ext cx="0" cy="0"/>
+          <a:chOff x="0" y="0"/>
+          <a:chExt cx="0" cy="0"/>
+        </a:xfrm>
+      </p:grpSpPr>
+      <mc:AlternateContent xmlns:mc="http://schemas.openxmlformats.org/markup-compatibility/2006">
+        <mc:Choice xmlns:a14="http://schemas.microsoft.com/office/drawing/2010/main" Requires="a14">
+          <p:sp>
+            <p:nvSpPr>
+              <p:cNvPr id="4" name="标题 1">
+                <a:extLst>
+                  <a:ext uri="{FF2B5EF4-FFF2-40B4-BE49-F238E27FC236}">
+                    <a16:creationId xmlns:a16="http://schemas.microsoft.com/office/drawing/2014/main" id="{416833A7-138B-4975-A37F-1FC866885CEF}"/>
+                  </a:ext>
+                </a:extLst>
+              </p:cNvPr>
+              <p:cNvSpPr>
+                <a:spLocks noGrp="1"/>
+              </p:cNvSpPr>
+              <p:nvPr>
+                <p:ph type="title"/>
+              </p:nvPr>
+            </p:nvSpPr>
+            <p:spPr>
+              <a:xfrm>
+                <a:off x="1024128" y="585216"/>
+                <a:ext cx="10678552" cy="1499616"/>
+              </a:xfrm>
+            </p:spPr>
+            <p:txBody>
+              <a:bodyPr>
+                <a:normAutofit/>
+              </a:bodyPr>
+              <a:lstStyle/>
+              <a:p>
+                <a:r>
+                  <a:rPr lang="en-US" altLang="zh-CN" dirty="0" err="1"/>
+                  <a:t>Dinic</a:t>
+                </a:r>
+                <a:r>
+                  <a:rPr lang="en-US" altLang="zh-CN" dirty="0"/>
+                  <a:t> </a:t>
+                </a:r>
+                <a:r>
+                  <a:rPr lang="zh-CN" altLang="en-US" dirty="0"/>
+                  <a:t>算法，</a:t>
+                </a:r>
+                <a:r>
+                  <a:rPr lang="en-US" altLang="zh-CN" dirty="0"/>
+                  <a:t> </a:t>
+                </a:r>
+                <a14:m>
+                  <m:oMath xmlns:m="http://schemas.openxmlformats.org/officeDocument/2006/math">
+                    <m:r>
+                      <a:rPr lang="en-US" altLang="zh-CN" i="1">
+                        <a:latin typeface="Cambria Math" panose="02040503050406030204" pitchFamily="18" charset="0"/>
+                      </a:rPr>
+                      <m:t>𝑂</m:t>
+                    </m:r>
+                    <m:r>
+                      <a:rPr lang="en-US" altLang="zh-CN" i="1">
+                        <a:latin typeface="Cambria Math" panose="02040503050406030204" pitchFamily="18" charset="0"/>
+                      </a:rPr>
+                      <m:t>(</m:t>
+                    </m:r>
+                    <m:sSup>
+                      <m:sSupPr>
+                        <m:ctrlPr>
+                          <a:rPr lang="en-US" altLang="zh-CN" i="1">
+                            <a:latin typeface="Cambria Math" panose="02040503050406030204" pitchFamily="18" charset="0"/>
+                            <a:ea typeface="Cambria Math" panose="02040503050406030204" pitchFamily="18" charset="0"/>
+                          </a:rPr>
+                        </m:ctrlPr>
+                      </m:sSupPr>
+                      <m:e>
+                        <m:r>
+                          <a:rPr lang="en-US" altLang="zh-CN" i="1">
+                            <a:latin typeface="Cambria Math" panose="02040503050406030204" pitchFamily="18" charset="0"/>
+                            <a:ea typeface="Cambria Math" panose="02040503050406030204" pitchFamily="18" charset="0"/>
+                          </a:rPr>
+                          <m:t>𝑉</m:t>
+                        </m:r>
+                      </m:e>
+                      <m:sup>
+                        <m:r>
+                          <a:rPr lang="en-US" altLang="zh-CN" i="1">
+                            <a:latin typeface="Cambria Math" panose="02040503050406030204" pitchFamily="18" charset="0"/>
+                            <a:ea typeface="Cambria Math" panose="02040503050406030204" pitchFamily="18" charset="0"/>
+                          </a:rPr>
+                          <m:t>2</m:t>
+                        </m:r>
+                      </m:sup>
+                    </m:sSup>
+                    <m:r>
+                      <a:rPr lang="en-US" altLang="zh-CN" i="1">
+                        <a:latin typeface="Cambria Math" panose="02040503050406030204" pitchFamily="18" charset="0"/>
+                        <a:ea typeface="Cambria Math" panose="02040503050406030204" pitchFamily="18" charset="0"/>
+                      </a:rPr>
+                      <m:t>×</m:t>
+                    </m:r>
+                    <m:r>
+                      <a:rPr lang="en-US" altLang="zh-CN" i="1">
+                        <a:latin typeface="Cambria Math" panose="02040503050406030204" pitchFamily="18" charset="0"/>
+                        <a:ea typeface="Cambria Math" panose="02040503050406030204" pitchFamily="18" charset="0"/>
+                      </a:rPr>
+                      <m:t>𝐸</m:t>
+                    </m:r>
+                    <m:r>
+                      <a:rPr lang="en-US" altLang="zh-CN" i="1">
+                        <a:latin typeface="Cambria Math" panose="02040503050406030204" pitchFamily="18" charset="0"/>
+                      </a:rPr>
+                      <m:t>)</m:t>
+                    </m:r>
+                  </m:oMath>
+                </a14:m>
+                <a:br>
+                  <a:rPr lang="en-US" altLang="zh-CN" i="1" dirty="0"/>
+                </a:br>
+                <a:endParaRPr lang="zh-CN" altLang="en-US" dirty="0"/>
+              </a:p>
+            </p:txBody>
+          </p:sp>
+        </mc:Choice>
+        <mc:Fallback>
+          <p:sp>
+            <p:nvSpPr>
+              <p:cNvPr id="4" name="标题 1">
+                <a:extLst>
+                  <a:ext uri="{FF2B5EF4-FFF2-40B4-BE49-F238E27FC236}">
+                    <a16:creationId xmlns:a16="http://schemas.microsoft.com/office/drawing/2014/main" id="{416833A7-138B-4975-A37F-1FC866885CEF}"/>
+                  </a:ext>
+                </a:extLst>
+              </p:cNvPr>
+              <p:cNvSpPr>
+                <a:spLocks noGrp="1" noRot="1" noChangeAspect="1" noMove="1" noResize="1" noEditPoints="1" noAdjustHandles="1" noChangeArrowheads="1" noChangeShapeType="1" noTextEdit="1"/>
+              </p:cNvSpPr>
+              <p:nvPr>
+                <p:ph type="title"/>
+              </p:nvPr>
+            </p:nvSpPr>
+            <p:spPr>
+              <a:xfrm>
+                <a:off x="1024128" y="585216"/>
+                <a:ext cx="10678552" cy="1499616"/>
+              </a:xfrm>
+              <a:blipFill>
+                <a:blip r:embed="rId2"/>
+                <a:stretch>
+                  <a:fillRect l="-2740" t="-13008"/>
+                </a:stretch>
+              </a:blipFill>
+            </p:spPr>
+            <p:txBody>
+              <a:bodyPr/>
+              <a:lstStyle/>
+              <a:p>
+                <a:r>
+                  <a:rPr lang="zh-CN" altLang="en-US">
+                    <a:noFill/>
+                  </a:rPr>
+                  <a:t> </a:t>
+                </a:r>
+              </a:p>
+            </p:txBody>
+          </p:sp>
+        </mc:Fallback>
+      </mc:AlternateContent>
+      <p:grpSp>
+        <p:nvGrpSpPr>
+          <p:cNvPr id="5" name="组合 4">
+            <a:extLst>
+              <a:ext uri="{FF2B5EF4-FFF2-40B4-BE49-F238E27FC236}">
+                <a16:creationId xmlns:a16="http://schemas.microsoft.com/office/drawing/2014/main" id="{54AC2361-0988-480F-9445-8A7B13143817}"/>
+              </a:ext>
+            </a:extLst>
+          </p:cNvPr>
+          <p:cNvGrpSpPr/>
+          <p:nvPr/>
+        </p:nvGrpSpPr>
+        <p:grpSpPr>
+          <a:xfrm>
+            <a:off x="1024128" y="1665607"/>
+            <a:ext cx="4475441" cy="1674105"/>
+            <a:chOff x="6683174" y="1911633"/>
+            <a:chExt cx="4475441" cy="1674105"/>
+          </a:xfrm>
+        </p:grpSpPr>
+        <p:sp>
+          <p:nvSpPr>
+            <p:cNvPr id="6" name="椭圆 5">
+              <a:extLst>
+                <a:ext uri="{FF2B5EF4-FFF2-40B4-BE49-F238E27FC236}">
+                  <a16:creationId xmlns:a16="http://schemas.microsoft.com/office/drawing/2014/main" id="{18BF36CA-D483-47FF-95F4-9EE893CA6D90}"/>
+                </a:ext>
+              </a:extLst>
+            </p:cNvPr>
+            <p:cNvSpPr/>
+            <p:nvPr/>
+          </p:nvSpPr>
+          <p:spPr>
+            <a:xfrm>
+              <a:off x="6683174" y="2513468"/>
+              <a:ext cx="405945" cy="410045"/>
+            </a:xfrm>
+            <a:prstGeom prst="ellipse">
+              <a:avLst/>
+            </a:prstGeom>
+          </p:spPr>
+          <p:style>
+            <a:lnRef idx="1">
+              <a:schemeClr val="accent5"/>
+            </a:lnRef>
+            <a:fillRef idx="3">
+              <a:schemeClr val="accent5"/>
+            </a:fillRef>
+            <a:effectRef idx="2">
+              <a:schemeClr val="accent5"/>
+            </a:effectRef>
+            <a:fontRef idx="minor">
+              <a:schemeClr val="lt1"/>
+            </a:fontRef>
+          </p:style>
+          <p:txBody>
+            <a:bodyPr rtlCol="0" anchor="ctr"/>
+            <a:lstStyle/>
+            <a:p>
+              <a:pPr algn="ctr"/>
+              <a:r>
+                <a:rPr lang="en-US" altLang="zh-CN" dirty="0"/>
+                <a:t>S</a:t>
+              </a:r>
+              <a:endParaRPr lang="zh-CN" altLang="en-US" dirty="0"/>
+            </a:p>
+          </p:txBody>
+        </p:sp>
+        <p:sp>
+          <p:nvSpPr>
+            <p:cNvPr id="7" name="椭圆 6">
+              <a:extLst>
+                <a:ext uri="{FF2B5EF4-FFF2-40B4-BE49-F238E27FC236}">
+                  <a16:creationId xmlns:a16="http://schemas.microsoft.com/office/drawing/2014/main" id="{1931050E-3296-4A4C-9212-92942FFAF774}"/>
+                </a:ext>
+              </a:extLst>
+            </p:cNvPr>
+            <p:cNvSpPr/>
+            <p:nvPr/>
+          </p:nvSpPr>
+          <p:spPr>
+            <a:xfrm>
+              <a:off x="7892808" y="1956957"/>
+              <a:ext cx="405945" cy="410045"/>
+            </a:xfrm>
+            <a:prstGeom prst="ellipse">
+              <a:avLst/>
+            </a:prstGeom>
+          </p:spPr>
+          <p:style>
+            <a:lnRef idx="2">
+              <a:schemeClr val="accent1">
+                <a:shade val="50000"/>
+              </a:schemeClr>
+            </a:lnRef>
+            <a:fillRef idx="1">
+              <a:schemeClr val="accent1"/>
+            </a:fillRef>
+            <a:effectRef idx="0">
+              <a:schemeClr val="accent1"/>
+            </a:effectRef>
+            <a:fontRef idx="minor">
+              <a:schemeClr val="lt1"/>
+            </a:fontRef>
+          </p:style>
+          <p:txBody>
+            <a:bodyPr rtlCol="0" anchor="ctr"/>
+            <a:lstStyle/>
+            <a:p>
+              <a:pPr algn="ctr"/>
+              <a:r>
+                <a:rPr lang="en-US" altLang="zh-CN" dirty="0"/>
+                <a:t>A</a:t>
+              </a:r>
+              <a:endParaRPr lang="zh-CN" altLang="en-US" dirty="0"/>
+            </a:p>
+          </p:txBody>
+        </p:sp>
+        <p:cxnSp>
+          <p:nvCxnSpPr>
+            <p:cNvPr id="8" name="直接连接符 7">
+              <a:extLst>
+                <a:ext uri="{FF2B5EF4-FFF2-40B4-BE49-F238E27FC236}">
+                  <a16:creationId xmlns:a16="http://schemas.microsoft.com/office/drawing/2014/main" id="{D8A22314-B896-4189-B00A-FFB638985391}"/>
+                </a:ext>
+              </a:extLst>
+            </p:cNvPr>
+            <p:cNvCxnSpPr>
+              <a:cxnSpLocks/>
+              <a:stCxn id="6" idx="7"/>
+              <a:endCxn id="7" idx="2"/>
+            </p:cNvCxnSpPr>
+            <p:nvPr/>
+          </p:nvCxnSpPr>
+          <p:spPr>
+            <a:xfrm flipV="1">
+              <a:off x="7029670" y="2161980"/>
+              <a:ext cx="863138" cy="411538"/>
+            </a:xfrm>
+            <a:prstGeom prst="line">
+              <a:avLst/>
+            </a:prstGeom>
+            <a:ln>
+              <a:headEnd type="none" w="med" len="med"/>
+              <a:tailEnd type="triangle" w="med" len="med"/>
+            </a:ln>
+          </p:spPr>
+          <p:style>
+            <a:lnRef idx="2">
+              <a:schemeClr val="accent1"/>
+            </a:lnRef>
+            <a:fillRef idx="0">
+              <a:schemeClr val="accent1"/>
+            </a:fillRef>
+            <a:effectRef idx="1">
+              <a:schemeClr val="accent1"/>
+            </a:effectRef>
+            <a:fontRef idx="minor">
+              <a:schemeClr val="tx1"/>
+            </a:fontRef>
+          </p:style>
+        </p:cxnSp>
+        <p:sp>
+          <p:nvSpPr>
+            <p:cNvPr id="9" name="椭圆 8">
+              <a:extLst>
+                <a:ext uri="{FF2B5EF4-FFF2-40B4-BE49-F238E27FC236}">
+                  <a16:creationId xmlns:a16="http://schemas.microsoft.com/office/drawing/2014/main" id="{341FF7FD-66AF-4F7F-921A-59AF9A12D83C}"/>
+                </a:ext>
+              </a:extLst>
+            </p:cNvPr>
+            <p:cNvSpPr/>
+            <p:nvPr/>
+          </p:nvSpPr>
+          <p:spPr>
+            <a:xfrm>
+              <a:off x="7892809" y="3175693"/>
+              <a:ext cx="405945" cy="410045"/>
+            </a:xfrm>
+            <a:prstGeom prst="ellipse">
+              <a:avLst/>
+            </a:prstGeom>
+          </p:spPr>
+          <p:style>
+            <a:lnRef idx="2">
+              <a:schemeClr val="accent1">
+                <a:shade val="50000"/>
+              </a:schemeClr>
+            </a:lnRef>
+            <a:fillRef idx="1">
+              <a:schemeClr val="accent1"/>
+            </a:fillRef>
+            <a:effectRef idx="0">
+              <a:schemeClr val="accent1"/>
+            </a:effectRef>
+            <a:fontRef idx="minor">
+              <a:schemeClr val="lt1"/>
+            </a:fontRef>
+          </p:style>
+          <p:txBody>
+            <a:bodyPr rtlCol="0" anchor="ctr"/>
+            <a:lstStyle/>
+            <a:p>
+              <a:pPr algn="ctr"/>
+              <a:r>
+                <a:rPr lang="en-US" altLang="zh-CN" dirty="0"/>
+                <a:t>B</a:t>
+              </a:r>
+              <a:endParaRPr lang="zh-CN" altLang="en-US" dirty="0"/>
+            </a:p>
+          </p:txBody>
+        </p:sp>
+        <p:cxnSp>
+          <p:nvCxnSpPr>
+            <p:cNvPr id="10" name="直接连接符 9">
+              <a:extLst>
+                <a:ext uri="{FF2B5EF4-FFF2-40B4-BE49-F238E27FC236}">
+                  <a16:creationId xmlns:a16="http://schemas.microsoft.com/office/drawing/2014/main" id="{1CA0F039-688C-4673-9C51-3AAD7E76CB8B}"/>
+                </a:ext>
+              </a:extLst>
+            </p:cNvPr>
+            <p:cNvCxnSpPr>
+              <a:cxnSpLocks/>
+              <a:stCxn id="6" idx="5"/>
+              <a:endCxn id="9" idx="2"/>
+            </p:cNvCxnSpPr>
+            <p:nvPr/>
+          </p:nvCxnSpPr>
+          <p:spPr>
+            <a:xfrm>
+              <a:off x="7029670" y="2863463"/>
+              <a:ext cx="863139" cy="517253"/>
+            </a:xfrm>
+            <a:prstGeom prst="line">
+              <a:avLst/>
+            </a:prstGeom>
+            <a:ln>
+              <a:headEnd type="none" w="med" len="med"/>
+              <a:tailEnd type="triangle" w="med" len="med"/>
+            </a:ln>
+          </p:spPr>
+          <p:style>
+            <a:lnRef idx="2">
+              <a:schemeClr val="accent1"/>
+            </a:lnRef>
+            <a:fillRef idx="0">
+              <a:schemeClr val="accent1"/>
+            </a:fillRef>
+            <a:effectRef idx="1">
+              <a:schemeClr val="accent1"/>
+            </a:effectRef>
+            <a:fontRef idx="minor">
+              <a:schemeClr val="tx1"/>
+            </a:fontRef>
+          </p:style>
+        </p:cxnSp>
+        <p:sp>
+          <p:nvSpPr>
+            <p:cNvPr id="11" name="椭圆 10">
+              <a:extLst>
+                <a:ext uri="{FF2B5EF4-FFF2-40B4-BE49-F238E27FC236}">
+                  <a16:creationId xmlns:a16="http://schemas.microsoft.com/office/drawing/2014/main" id="{0601D6EE-BE0C-49BC-B467-2E5CF9E870FA}"/>
+                </a:ext>
+              </a:extLst>
+            </p:cNvPr>
+            <p:cNvSpPr/>
+            <p:nvPr/>
+          </p:nvSpPr>
+          <p:spPr>
+            <a:xfrm>
+              <a:off x="9586292" y="3175692"/>
+              <a:ext cx="405945" cy="410045"/>
+            </a:xfrm>
+            <a:prstGeom prst="ellipse">
+              <a:avLst/>
+            </a:prstGeom>
+            <a:solidFill>
+              <a:srgbClr val="FF0000"/>
+            </a:solidFill>
+          </p:spPr>
+          <p:style>
+            <a:lnRef idx="2">
+              <a:schemeClr val="accent1">
+                <a:shade val="50000"/>
+              </a:schemeClr>
+            </a:lnRef>
+            <a:fillRef idx="1">
+              <a:schemeClr val="accent1"/>
+            </a:fillRef>
+            <a:effectRef idx="0">
+              <a:schemeClr val="accent1"/>
+            </a:effectRef>
+            <a:fontRef idx="minor">
+              <a:schemeClr val="lt1"/>
+            </a:fontRef>
+          </p:style>
+          <p:txBody>
+            <a:bodyPr rtlCol="0" anchor="ctr"/>
+            <a:lstStyle/>
+            <a:p>
+              <a:pPr algn="ctr"/>
+              <a:r>
+                <a:rPr lang="en-US" altLang="zh-CN" dirty="0"/>
+                <a:t>D</a:t>
+              </a:r>
+              <a:endParaRPr lang="zh-CN" altLang="en-US" dirty="0"/>
+            </a:p>
+          </p:txBody>
+        </p:sp>
+        <p:sp>
+          <p:nvSpPr>
+            <p:cNvPr id="12" name="椭圆 11">
+              <a:extLst>
+                <a:ext uri="{FF2B5EF4-FFF2-40B4-BE49-F238E27FC236}">
+                  <a16:creationId xmlns:a16="http://schemas.microsoft.com/office/drawing/2014/main" id="{63AE3B7B-D7AB-4149-A483-1B0FB6205E40}"/>
+                </a:ext>
+              </a:extLst>
+            </p:cNvPr>
+            <p:cNvSpPr/>
+            <p:nvPr/>
+          </p:nvSpPr>
+          <p:spPr>
+            <a:xfrm>
+              <a:off x="9586291" y="1956957"/>
+              <a:ext cx="405945" cy="410045"/>
+            </a:xfrm>
+            <a:prstGeom prst="ellipse">
+              <a:avLst/>
+            </a:prstGeom>
+          </p:spPr>
+          <p:style>
+            <a:lnRef idx="2">
+              <a:schemeClr val="accent1">
+                <a:shade val="50000"/>
+              </a:schemeClr>
+            </a:lnRef>
+            <a:fillRef idx="1">
+              <a:schemeClr val="accent1"/>
+            </a:fillRef>
+            <a:effectRef idx="0">
+              <a:schemeClr val="accent1"/>
+            </a:effectRef>
+            <a:fontRef idx="minor">
+              <a:schemeClr val="lt1"/>
+            </a:fontRef>
+          </p:style>
+          <p:txBody>
+            <a:bodyPr rtlCol="0" anchor="ctr"/>
+            <a:lstStyle/>
+            <a:p>
+              <a:pPr algn="ctr"/>
+              <a:r>
+                <a:rPr lang="en-US" altLang="zh-CN" dirty="0"/>
+                <a:t>C</a:t>
+              </a:r>
+              <a:endParaRPr lang="zh-CN" altLang="en-US" dirty="0"/>
+            </a:p>
+          </p:txBody>
+        </p:sp>
+        <p:cxnSp>
+          <p:nvCxnSpPr>
+            <p:cNvPr id="13" name="直接连接符 12">
+              <a:extLst>
+                <a:ext uri="{FF2B5EF4-FFF2-40B4-BE49-F238E27FC236}">
+                  <a16:creationId xmlns:a16="http://schemas.microsoft.com/office/drawing/2014/main" id="{1C0762D8-26DD-4B21-B3DE-AC6E9F8FF74D}"/>
+                </a:ext>
+              </a:extLst>
+            </p:cNvPr>
+            <p:cNvCxnSpPr>
+              <a:stCxn id="7" idx="6"/>
+              <a:endCxn id="12" idx="2"/>
+            </p:cNvCxnSpPr>
+            <p:nvPr/>
+          </p:nvCxnSpPr>
+          <p:spPr>
+            <a:xfrm>
+              <a:off x="8298753" y="2161980"/>
+              <a:ext cx="1287538" cy="0"/>
+            </a:xfrm>
+            <a:prstGeom prst="line">
+              <a:avLst/>
+            </a:prstGeom>
+            <a:ln>
+              <a:headEnd type="none" w="med" len="med"/>
+              <a:tailEnd type="triangle" w="med" len="med"/>
+            </a:ln>
+          </p:spPr>
+          <p:style>
+            <a:lnRef idx="2">
+              <a:schemeClr val="accent1"/>
+            </a:lnRef>
+            <a:fillRef idx="0">
+              <a:schemeClr val="accent1"/>
+            </a:fillRef>
+            <a:effectRef idx="1">
+              <a:schemeClr val="accent1"/>
+            </a:effectRef>
+            <a:fontRef idx="minor">
+              <a:schemeClr val="tx1"/>
+            </a:fontRef>
+          </p:style>
+        </p:cxnSp>
+        <p:cxnSp>
+          <p:nvCxnSpPr>
+            <p:cNvPr id="14" name="直接连接符 13">
+              <a:extLst>
+                <a:ext uri="{FF2B5EF4-FFF2-40B4-BE49-F238E27FC236}">
+                  <a16:creationId xmlns:a16="http://schemas.microsoft.com/office/drawing/2014/main" id="{12B75691-472C-4206-B797-F9076E9A12EC}"/>
+                </a:ext>
+              </a:extLst>
+            </p:cNvPr>
+            <p:cNvCxnSpPr>
+              <a:cxnSpLocks/>
+              <a:stCxn id="9" idx="6"/>
+              <a:endCxn id="11" idx="2"/>
+            </p:cNvCxnSpPr>
+            <p:nvPr/>
+          </p:nvCxnSpPr>
+          <p:spPr>
+            <a:xfrm flipV="1">
+              <a:off x="8298754" y="3380715"/>
+              <a:ext cx="1287538" cy="1"/>
+            </a:xfrm>
+            <a:prstGeom prst="line">
+              <a:avLst/>
+            </a:prstGeom>
+            <a:ln>
+              <a:headEnd type="none" w="med" len="med"/>
+              <a:tailEnd type="triangle" w="med" len="med"/>
+            </a:ln>
+          </p:spPr>
+          <p:style>
+            <a:lnRef idx="2">
+              <a:schemeClr val="accent1"/>
+            </a:lnRef>
+            <a:fillRef idx="0">
+              <a:schemeClr val="accent1"/>
+            </a:fillRef>
+            <a:effectRef idx="1">
+              <a:schemeClr val="accent1"/>
+            </a:effectRef>
+            <a:fontRef idx="minor">
+              <a:schemeClr val="tx1"/>
+            </a:fontRef>
+          </p:style>
+        </p:cxnSp>
+        <p:sp>
+          <p:nvSpPr>
+            <p:cNvPr id="15" name="椭圆 14">
+              <a:extLst>
+                <a:ext uri="{FF2B5EF4-FFF2-40B4-BE49-F238E27FC236}">
+                  <a16:creationId xmlns:a16="http://schemas.microsoft.com/office/drawing/2014/main" id="{10D108FD-13EA-4126-9D1E-F0F48875B15E}"/>
+                </a:ext>
+              </a:extLst>
+            </p:cNvPr>
+            <p:cNvSpPr/>
+            <p:nvPr/>
+          </p:nvSpPr>
+          <p:spPr>
+            <a:xfrm>
+              <a:off x="10752670" y="2513467"/>
+              <a:ext cx="405945" cy="410045"/>
+            </a:xfrm>
+            <a:prstGeom prst="ellipse">
+              <a:avLst/>
+            </a:prstGeom>
+          </p:spPr>
+          <p:style>
+            <a:lnRef idx="1">
+              <a:schemeClr val="accent5"/>
+            </a:lnRef>
+            <a:fillRef idx="3">
+              <a:schemeClr val="accent5"/>
+            </a:fillRef>
+            <a:effectRef idx="2">
+              <a:schemeClr val="accent5"/>
+            </a:effectRef>
+            <a:fontRef idx="minor">
+              <a:schemeClr val="lt1"/>
+            </a:fontRef>
+          </p:style>
+          <p:txBody>
+            <a:bodyPr rtlCol="0" anchor="ctr"/>
+            <a:lstStyle/>
+            <a:p>
+              <a:pPr algn="ctr"/>
+              <a:r>
+                <a:rPr lang="en-US" altLang="zh-CN" dirty="0"/>
+                <a:t>T</a:t>
+              </a:r>
+              <a:endParaRPr lang="zh-CN" altLang="en-US" dirty="0"/>
+            </a:p>
+          </p:txBody>
+        </p:sp>
+        <p:cxnSp>
+          <p:nvCxnSpPr>
+            <p:cNvPr id="16" name="直接连接符 15">
+              <a:extLst>
+                <a:ext uri="{FF2B5EF4-FFF2-40B4-BE49-F238E27FC236}">
+                  <a16:creationId xmlns:a16="http://schemas.microsoft.com/office/drawing/2014/main" id="{367F9FC6-58F8-412D-B17F-B4FA5A976CAC}"/>
+                </a:ext>
+              </a:extLst>
+            </p:cNvPr>
+            <p:cNvCxnSpPr>
+              <a:cxnSpLocks/>
+              <a:stCxn id="11" idx="6"/>
+              <a:endCxn id="15" idx="3"/>
+            </p:cNvCxnSpPr>
+            <p:nvPr/>
+          </p:nvCxnSpPr>
+          <p:spPr>
+            <a:xfrm flipV="1">
+              <a:off x="9992237" y="2863462"/>
+              <a:ext cx="819882" cy="517253"/>
+            </a:xfrm>
+            <a:prstGeom prst="line">
+              <a:avLst/>
+            </a:prstGeom>
+            <a:ln>
+              <a:solidFill>
+                <a:srgbClr val="FF0000"/>
+              </a:solidFill>
+              <a:headEnd type="none" w="med" len="med"/>
+              <a:tailEnd type="triangle" w="med" len="med"/>
+            </a:ln>
+          </p:spPr>
+          <p:style>
+            <a:lnRef idx="2">
+              <a:schemeClr val="accent1"/>
+            </a:lnRef>
+            <a:fillRef idx="0">
+              <a:schemeClr val="accent1"/>
+            </a:fillRef>
+            <a:effectRef idx="1">
+              <a:schemeClr val="accent1"/>
+            </a:effectRef>
+            <a:fontRef idx="minor">
+              <a:schemeClr val="tx1"/>
+            </a:fontRef>
+          </p:style>
+        </p:cxnSp>
+        <p:cxnSp>
+          <p:nvCxnSpPr>
+            <p:cNvPr id="17" name="直接连接符 16">
+              <a:extLst>
+                <a:ext uri="{FF2B5EF4-FFF2-40B4-BE49-F238E27FC236}">
+                  <a16:creationId xmlns:a16="http://schemas.microsoft.com/office/drawing/2014/main" id="{6BE22450-BC42-477B-B2ED-97C18527D347}"/>
+                </a:ext>
+              </a:extLst>
+            </p:cNvPr>
+            <p:cNvCxnSpPr>
+              <a:cxnSpLocks/>
+              <a:stCxn id="12" idx="6"/>
+              <a:endCxn id="15" idx="1"/>
+            </p:cNvCxnSpPr>
+            <p:nvPr/>
+          </p:nvCxnSpPr>
+          <p:spPr>
+            <a:xfrm>
+              <a:off x="9992236" y="2161980"/>
+              <a:ext cx="819883" cy="411537"/>
+            </a:xfrm>
+            <a:prstGeom prst="line">
+              <a:avLst/>
+            </a:prstGeom>
+            <a:ln>
+              <a:headEnd type="none" w="med" len="med"/>
+              <a:tailEnd type="triangle" w="med" len="med"/>
+            </a:ln>
+          </p:spPr>
+          <p:style>
+            <a:lnRef idx="2">
+              <a:schemeClr val="accent1"/>
+            </a:lnRef>
+            <a:fillRef idx="0">
+              <a:schemeClr val="accent1"/>
+            </a:fillRef>
+            <a:effectRef idx="1">
+              <a:schemeClr val="accent1"/>
+            </a:effectRef>
+            <a:fontRef idx="minor">
+              <a:schemeClr val="tx1"/>
+            </a:fontRef>
+          </p:style>
+        </p:cxnSp>
+        <p:cxnSp>
+          <p:nvCxnSpPr>
+            <p:cNvPr id="18" name="直接连接符 17">
+              <a:extLst>
+                <a:ext uri="{FF2B5EF4-FFF2-40B4-BE49-F238E27FC236}">
+                  <a16:creationId xmlns:a16="http://schemas.microsoft.com/office/drawing/2014/main" id="{6D568D01-74C4-4CF6-83DA-CF986A54E56F}"/>
+                </a:ext>
+              </a:extLst>
+            </p:cNvPr>
+            <p:cNvCxnSpPr>
+              <a:cxnSpLocks/>
+              <a:stCxn id="7" idx="6"/>
+              <a:endCxn id="11" idx="1"/>
+            </p:cNvCxnSpPr>
+            <p:nvPr/>
+          </p:nvCxnSpPr>
+          <p:spPr>
+            <a:xfrm>
+              <a:off x="8298753" y="2161980"/>
+              <a:ext cx="1346988" cy="1073762"/>
+            </a:xfrm>
+            <a:prstGeom prst="line">
+              <a:avLst/>
+            </a:prstGeom>
+            <a:ln>
+              <a:headEnd type="none" w="med" len="med"/>
+              <a:tailEnd type="triangle" w="med" len="med"/>
+            </a:ln>
+          </p:spPr>
+          <p:style>
+            <a:lnRef idx="2">
+              <a:schemeClr val="accent1"/>
+            </a:lnRef>
+            <a:fillRef idx="0">
+              <a:schemeClr val="accent1"/>
+            </a:fillRef>
+            <a:effectRef idx="1">
+              <a:schemeClr val="accent1"/>
+            </a:effectRef>
+            <a:fontRef idx="minor">
+              <a:schemeClr val="tx1"/>
+            </a:fontRef>
+          </p:style>
+        </p:cxnSp>
+        <p:sp>
+          <p:nvSpPr>
+            <p:cNvPr id="19" name="文本框 18">
+              <a:extLst>
+                <a:ext uri="{FF2B5EF4-FFF2-40B4-BE49-F238E27FC236}">
+                  <a16:creationId xmlns:a16="http://schemas.microsoft.com/office/drawing/2014/main" id="{B124309F-C808-4303-BF5D-AE7530D60CD1}"/>
+                </a:ext>
+              </a:extLst>
+            </p:cNvPr>
+            <p:cNvSpPr txBox="1"/>
+            <p:nvPr/>
+          </p:nvSpPr>
+          <p:spPr>
+            <a:xfrm>
+              <a:off x="8731806" y="1911633"/>
+              <a:ext cx="258324" cy="276999"/>
+            </a:xfrm>
+            <a:prstGeom prst="rect">
+              <a:avLst/>
+            </a:prstGeom>
+            <a:noFill/>
+          </p:spPr>
+          <p:txBody>
+            <a:bodyPr wrap="square" rtlCol="0">
+              <a:spAutoFit/>
+            </a:bodyPr>
+            <a:lstStyle/>
+            <a:p>
+              <a:r>
+                <a:rPr lang="en-US" altLang="zh-CN" sz="1200" dirty="0"/>
+                <a:t>4</a:t>
+              </a:r>
+              <a:endParaRPr lang="zh-CN" altLang="en-US" sz="1200" dirty="0"/>
+            </a:p>
+          </p:txBody>
+        </p:sp>
+        <p:sp>
+          <p:nvSpPr>
+            <p:cNvPr id="20" name="文本框 19">
+              <a:extLst>
+                <a:ext uri="{FF2B5EF4-FFF2-40B4-BE49-F238E27FC236}">
+                  <a16:creationId xmlns:a16="http://schemas.microsoft.com/office/drawing/2014/main" id="{70CCAB84-F4C9-4F6D-99A6-78B6E52FCD36}"/>
+                </a:ext>
+              </a:extLst>
+            </p:cNvPr>
+            <p:cNvSpPr txBox="1"/>
+            <p:nvPr/>
+          </p:nvSpPr>
+          <p:spPr>
+            <a:xfrm>
+              <a:off x="7140341" y="2160005"/>
+              <a:ext cx="448540" cy="276999"/>
+            </a:xfrm>
+            <a:prstGeom prst="rect">
+              <a:avLst/>
+            </a:prstGeom>
+            <a:noFill/>
+          </p:spPr>
+          <p:txBody>
+            <a:bodyPr wrap="square" rtlCol="0">
+              <a:spAutoFit/>
+            </a:bodyPr>
+            <a:lstStyle/>
+            <a:p>
+              <a:r>
+                <a:rPr lang="en-US" altLang="zh-CN" sz="1200" dirty="0"/>
+                <a:t>10</a:t>
+              </a:r>
+              <a:endParaRPr lang="zh-CN" altLang="en-US" sz="1200" dirty="0"/>
+            </a:p>
+          </p:txBody>
+        </p:sp>
+        <p:sp>
+          <p:nvSpPr>
+            <p:cNvPr id="21" name="文本框 20">
+              <a:extLst>
+                <a:ext uri="{FF2B5EF4-FFF2-40B4-BE49-F238E27FC236}">
+                  <a16:creationId xmlns:a16="http://schemas.microsoft.com/office/drawing/2014/main" id="{6A4D6A93-7394-4FFA-8E67-F944E0ABB1CB}"/>
+                </a:ext>
+              </a:extLst>
+            </p:cNvPr>
+            <p:cNvSpPr txBox="1"/>
+            <p:nvPr/>
+          </p:nvSpPr>
+          <p:spPr>
+            <a:xfrm>
+              <a:off x="10284658" y="2110210"/>
+              <a:ext cx="448540" cy="276999"/>
+            </a:xfrm>
+            <a:prstGeom prst="rect">
+              <a:avLst/>
+            </a:prstGeom>
+            <a:noFill/>
+          </p:spPr>
+          <p:txBody>
+            <a:bodyPr wrap="square" rtlCol="0">
+              <a:spAutoFit/>
+            </a:bodyPr>
+            <a:lstStyle/>
+            <a:p>
+              <a:r>
+                <a:rPr lang="en-US" altLang="zh-CN" sz="1200" dirty="0"/>
+                <a:t>10</a:t>
+              </a:r>
+              <a:endParaRPr lang="zh-CN" altLang="en-US" sz="1200" dirty="0"/>
+            </a:p>
+          </p:txBody>
+        </p:sp>
+        <p:sp>
+          <p:nvSpPr>
+            <p:cNvPr id="22" name="文本框 21">
+              <a:extLst>
+                <a:ext uri="{FF2B5EF4-FFF2-40B4-BE49-F238E27FC236}">
+                  <a16:creationId xmlns:a16="http://schemas.microsoft.com/office/drawing/2014/main" id="{F8CF22ED-3CE6-45D9-A625-226B9062A703}"/>
+                </a:ext>
+              </a:extLst>
+            </p:cNvPr>
+            <p:cNvSpPr txBox="1"/>
+            <p:nvPr/>
+          </p:nvSpPr>
+          <p:spPr>
+            <a:xfrm>
+              <a:off x="7278894" y="3021501"/>
+              <a:ext cx="376089" cy="276999"/>
+            </a:xfrm>
+            <a:prstGeom prst="rect">
+              <a:avLst/>
+            </a:prstGeom>
+            <a:noFill/>
+          </p:spPr>
+          <p:txBody>
+            <a:bodyPr wrap="square" rtlCol="0">
+              <a:spAutoFit/>
+            </a:bodyPr>
+            <a:lstStyle/>
+            <a:p>
+              <a:r>
+                <a:rPr lang="en-US" altLang="zh-CN" sz="1200" dirty="0"/>
+                <a:t>15</a:t>
+              </a:r>
+              <a:endParaRPr lang="zh-CN" altLang="en-US" sz="1200" dirty="0"/>
+            </a:p>
+          </p:txBody>
+        </p:sp>
+        <p:sp>
+          <p:nvSpPr>
+            <p:cNvPr id="23" name="文本框 22">
+              <a:extLst>
+                <a:ext uri="{FF2B5EF4-FFF2-40B4-BE49-F238E27FC236}">
+                  <a16:creationId xmlns:a16="http://schemas.microsoft.com/office/drawing/2014/main" id="{4C6364E1-70DA-4BCC-8168-241A6BFEAE8E}"/>
+                </a:ext>
+              </a:extLst>
+            </p:cNvPr>
+            <p:cNvSpPr txBox="1"/>
+            <p:nvPr/>
+          </p:nvSpPr>
+          <p:spPr>
+            <a:xfrm>
+              <a:off x="8866323" y="3286140"/>
+              <a:ext cx="258324" cy="276999"/>
+            </a:xfrm>
+            <a:prstGeom prst="rect">
+              <a:avLst/>
+            </a:prstGeom>
+            <a:noFill/>
+          </p:spPr>
+          <p:txBody>
+            <a:bodyPr wrap="square" rtlCol="0">
+              <a:spAutoFit/>
+            </a:bodyPr>
+            <a:lstStyle/>
+            <a:p>
+              <a:r>
+                <a:rPr lang="en-US" altLang="zh-CN" sz="1200" dirty="0"/>
+                <a:t>8</a:t>
+              </a:r>
+              <a:endParaRPr lang="zh-CN" altLang="en-US" sz="1200" dirty="0"/>
+            </a:p>
+          </p:txBody>
+        </p:sp>
+        <p:sp>
+          <p:nvSpPr>
+            <p:cNvPr id="24" name="文本框 23">
+              <a:extLst>
+                <a:ext uri="{FF2B5EF4-FFF2-40B4-BE49-F238E27FC236}">
+                  <a16:creationId xmlns:a16="http://schemas.microsoft.com/office/drawing/2014/main" id="{DB8B07AA-A90F-45C9-8BD4-17E91A96ACD0}"/>
+                </a:ext>
+              </a:extLst>
+            </p:cNvPr>
+            <p:cNvSpPr txBox="1"/>
+            <p:nvPr/>
+          </p:nvSpPr>
+          <p:spPr>
+            <a:xfrm>
+              <a:off x="8668168" y="2629880"/>
+              <a:ext cx="376089" cy="276999"/>
+            </a:xfrm>
+            <a:prstGeom prst="rect">
+              <a:avLst/>
+            </a:prstGeom>
+            <a:noFill/>
+          </p:spPr>
+          <p:txBody>
+            <a:bodyPr wrap="square" rtlCol="0">
+              <a:spAutoFit/>
+            </a:bodyPr>
+            <a:lstStyle/>
+            <a:p>
+              <a:r>
+                <a:rPr lang="en-US" altLang="zh-CN" sz="1200" dirty="0"/>
+                <a:t>5</a:t>
+              </a:r>
+              <a:endParaRPr lang="zh-CN" altLang="en-US" sz="1200" dirty="0"/>
+            </a:p>
+          </p:txBody>
+        </p:sp>
+        <p:sp>
+          <p:nvSpPr>
+            <p:cNvPr id="25" name="文本框 24">
+              <a:extLst>
+                <a:ext uri="{FF2B5EF4-FFF2-40B4-BE49-F238E27FC236}">
+                  <a16:creationId xmlns:a16="http://schemas.microsoft.com/office/drawing/2014/main" id="{134CDCD9-58D9-4AAD-A3C6-2D283DD44A04}"/>
+                </a:ext>
+              </a:extLst>
+            </p:cNvPr>
+            <p:cNvSpPr txBox="1"/>
+            <p:nvPr/>
+          </p:nvSpPr>
+          <p:spPr>
+            <a:xfrm>
+              <a:off x="10173609" y="2883350"/>
+              <a:ext cx="376089" cy="276999"/>
+            </a:xfrm>
+            <a:prstGeom prst="rect">
+              <a:avLst/>
+            </a:prstGeom>
+            <a:noFill/>
+          </p:spPr>
+          <p:txBody>
+            <a:bodyPr wrap="square" rtlCol="0">
+              <a:spAutoFit/>
+            </a:bodyPr>
+            <a:lstStyle/>
+            <a:p>
+              <a:r>
+                <a:rPr lang="en-US" altLang="zh-CN" sz="1200" dirty="0"/>
+                <a:t>4</a:t>
+              </a:r>
+              <a:endParaRPr lang="zh-CN" altLang="en-US" sz="1200" dirty="0"/>
+            </a:p>
+          </p:txBody>
+        </p:sp>
+      </p:grpSp>
+      <p:grpSp>
+        <p:nvGrpSpPr>
+          <p:cNvPr id="26" name="组合 25">
+            <a:extLst>
+              <a:ext uri="{FF2B5EF4-FFF2-40B4-BE49-F238E27FC236}">
+                <a16:creationId xmlns:a16="http://schemas.microsoft.com/office/drawing/2014/main" id="{B01031A0-0A84-42E4-B7E2-81B25022837F}"/>
+              </a:ext>
+            </a:extLst>
+          </p:cNvPr>
+          <p:cNvGrpSpPr/>
+          <p:nvPr/>
+        </p:nvGrpSpPr>
+        <p:grpSpPr>
+          <a:xfrm>
+            <a:off x="6302089" y="1615782"/>
+            <a:ext cx="4475441" cy="1674105"/>
+            <a:chOff x="6683174" y="1911633"/>
+            <a:chExt cx="4475441" cy="1674105"/>
+          </a:xfrm>
+        </p:grpSpPr>
+        <p:sp>
+          <p:nvSpPr>
+            <p:cNvPr id="27" name="椭圆 26">
+              <a:extLst>
+                <a:ext uri="{FF2B5EF4-FFF2-40B4-BE49-F238E27FC236}">
+                  <a16:creationId xmlns:a16="http://schemas.microsoft.com/office/drawing/2014/main" id="{681160D0-431D-4217-A1EE-E2AE629065C0}"/>
+                </a:ext>
+              </a:extLst>
+            </p:cNvPr>
+            <p:cNvSpPr/>
+            <p:nvPr/>
+          </p:nvSpPr>
+          <p:spPr>
+            <a:xfrm>
+              <a:off x="6683174" y="2513468"/>
+              <a:ext cx="405945" cy="410045"/>
+            </a:xfrm>
+            <a:prstGeom prst="ellipse">
+              <a:avLst/>
+            </a:prstGeom>
+          </p:spPr>
+          <p:style>
+            <a:lnRef idx="1">
+              <a:schemeClr val="accent5"/>
+            </a:lnRef>
+            <a:fillRef idx="3">
+              <a:schemeClr val="accent5"/>
+            </a:fillRef>
+            <a:effectRef idx="2">
+              <a:schemeClr val="accent5"/>
+            </a:effectRef>
+            <a:fontRef idx="minor">
+              <a:schemeClr val="lt1"/>
+            </a:fontRef>
+          </p:style>
+          <p:txBody>
+            <a:bodyPr rtlCol="0" anchor="ctr"/>
+            <a:lstStyle/>
+            <a:p>
+              <a:pPr algn="ctr"/>
+              <a:r>
+                <a:rPr lang="en-US" altLang="zh-CN" dirty="0"/>
+                <a:t>S</a:t>
+              </a:r>
+              <a:endParaRPr lang="zh-CN" altLang="en-US" dirty="0"/>
+            </a:p>
+          </p:txBody>
+        </p:sp>
+        <p:sp>
+          <p:nvSpPr>
+            <p:cNvPr id="28" name="椭圆 27">
+              <a:extLst>
+                <a:ext uri="{FF2B5EF4-FFF2-40B4-BE49-F238E27FC236}">
+                  <a16:creationId xmlns:a16="http://schemas.microsoft.com/office/drawing/2014/main" id="{0B587F28-F643-4D2D-A958-072BFDAAF4B0}"/>
+                </a:ext>
+              </a:extLst>
+            </p:cNvPr>
+            <p:cNvSpPr/>
+            <p:nvPr/>
+          </p:nvSpPr>
+          <p:spPr>
+            <a:xfrm>
+              <a:off x="7892808" y="1956957"/>
+              <a:ext cx="405945" cy="410045"/>
+            </a:xfrm>
+            <a:prstGeom prst="ellipse">
+              <a:avLst/>
+            </a:prstGeom>
+          </p:spPr>
+          <p:style>
+            <a:lnRef idx="2">
+              <a:schemeClr val="accent1">
+                <a:shade val="50000"/>
+              </a:schemeClr>
+            </a:lnRef>
+            <a:fillRef idx="1">
+              <a:schemeClr val="accent1"/>
+            </a:fillRef>
+            <a:effectRef idx="0">
+              <a:schemeClr val="accent1"/>
+            </a:effectRef>
+            <a:fontRef idx="minor">
+              <a:schemeClr val="lt1"/>
+            </a:fontRef>
+          </p:style>
+          <p:txBody>
+            <a:bodyPr rtlCol="0" anchor="ctr"/>
+            <a:lstStyle/>
+            <a:p>
+              <a:pPr algn="ctr"/>
+              <a:r>
+                <a:rPr lang="en-US" altLang="zh-CN" dirty="0"/>
+                <a:t>A</a:t>
+              </a:r>
+              <a:endParaRPr lang="zh-CN" altLang="en-US" dirty="0"/>
+            </a:p>
+          </p:txBody>
+        </p:sp>
+        <p:cxnSp>
+          <p:nvCxnSpPr>
+            <p:cNvPr id="29" name="直接连接符 28">
+              <a:extLst>
+                <a:ext uri="{FF2B5EF4-FFF2-40B4-BE49-F238E27FC236}">
+                  <a16:creationId xmlns:a16="http://schemas.microsoft.com/office/drawing/2014/main" id="{ABEE8289-9AE8-4327-9E61-999B4D094779}"/>
+                </a:ext>
+              </a:extLst>
+            </p:cNvPr>
+            <p:cNvCxnSpPr>
+              <a:cxnSpLocks/>
+              <a:stCxn id="27" idx="7"/>
+              <a:endCxn id="28" idx="2"/>
+            </p:cNvCxnSpPr>
+            <p:nvPr/>
+          </p:nvCxnSpPr>
+          <p:spPr>
+            <a:xfrm flipV="1">
+              <a:off x="7029670" y="2161980"/>
+              <a:ext cx="863138" cy="411538"/>
+            </a:xfrm>
+            <a:prstGeom prst="line">
+              <a:avLst/>
+            </a:prstGeom>
+            <a:ln>
+              <a:solidFill>
+                <a:srgbClr val="FF0000"/>
+              </a:solidFill>
+              <a:headEnd type="none" w="med" len="med"/>
+              <a:tailEnd type="triangle" w="med" len="med"/>
+            </a:ln>
+          </p:spPr>
+          <p:style>
+            <a:lnRef idx="2">
+              <a:schemeClr val="accent1"/>
+            </a:lnRef>
+            <a:fillRef idx="0">
+              <a:schemeClr val="accent1"/>
+            </a:fillRef>
+            <a:effectRef idx="1">
+              <a:schemeClr val="accent1"/>
+            </a:effectRef>
+            <a:fontRef idx="minor">
+              <a:schemeClr val="tx1"/>
+            </a:fontRef>
+          </p:style>
+        </p:cxnSp>
+        <p:sp>
+          <p:nvSpPr>
+            <p:cNvPr id="30" name="椭圆 29">
+              <a:extLst>
+                <a:ext uri="{FF2B5EF4-FFF2-40B4-BE49-F238E27FC236}">
+                  <a16:creationId xmlns:a16="http://schemas.microsoft.com/office/drawing/2014/main" id="{29A81C03-DBA1-49C2-A48F-86E2723D0F90}"/>
+                </a:ext>
+              </a:extLst>
+            </p:cNvPr>
+            <p:cNvSpPr/>
+            <p:nvPr/>
+          </p:nvSpPr>
+          <p:spPr>
+            <a:xfrm>
+              <a:off x="7892809" y="3175693"/>
+              <a:ext cx="405945" cy="410045"/>
+            </a:xfrm>
+            <a:prstGeom prst="ellipse">
+              <a:avLst/>
+            </a:prstGeom>
+          </p:spPr>
+          <p:style>
+            <a:lnRef idx="2">
+              <a:schemeClr val="accent1">
+                <a:shade val="50000"/>
+              </a:schemeClr>
+            </a:lnRef>
+            <a:fillRef idx="1">
+              <a:schemeClr val="accent1"/>
+            </a:fillRef>
+            <a:effectRef idx="0">
+              <a:schemeClr val="accent1"/>
+            </a:effectRef>
+            <a:fontRef idx="minor">
+              <a:schemeClr val="lt1"/>
+            </a:fontRef>
+          </p:style>
+          <p:txBody>
+            <a:bodyPr rtlCol="0" anchor="ctr"/>
+            <a:lstStyle/>
+            <a:p>
+              <a:pPr algn="ctr"/>
+              <a:r>
+                <a:rPr lang="en-US" altLang="zh-CN" dirty="0"/>
+                <a:t>B</a:t>
+              </a:r>
+              <a:endParaRPr lang="zh-CN" altLang="en-US" dirty="0"/>
+            </a:p>
+          </p:txBody>
+        </p:sp>
+        <p:cxnSp>
+          <p:nvCxnSpPr>
+            <p:cNvPr id="31" name="直接连接符 30">
+              <a:extLst>
+                <a:ext uri="{FF2B5EF4-FFF2-40B4-BE49-F238E27FC236}">
+                  <a16:creationId xmlns:a16="http://schemas.microsoft.com/office/drawing/2014/main" id="{F42B47C3-5AC5-4306-A4F8-8459DC901118}"/>
+                </a:ext>
+              </a:extLst>
+            </p:cNvPr>
+            <p:cNvCxnSpPr>
+              <a:cxnSpLocks/>
+              <a:stCxn id="27" idx="5"/>
+              <a:endCxn id="30" idx="2"/>
+            </p:cNvCxnSpPr>
+            <p:nvPr/>
+          </p:nvCxnSpPr>
+          <p:spPr>
+            <a:xfrm>
+              <a:off x="7029670" y="2863463"/>
+              <a:ext cx="863139" cy="517253"/>
+            </a:xfrm>
+            <a:prstGeom prst="line">
+              <a:avLst/>
+            </a:prstGeom>
+            <a:ln>
+              <a:headEnd type="none" w="med" len="med"/>
+              <a:tailEnd type="triangle" w="med" len="med"/>
+            </a:ln>
+          </p:spPr>
+          <p:style>
+            <a:lnRef idx="2">
+              <a:schemeClr val="accent1"/>
+            </a:lnRef>
+            <a:fillRef idx="0">
+              <a:schemeClr val="accent1"/>
+            </a:fillRef>
+            <a:effectRef idx="1">
+              <a:schemeClr val="accent1"/>
+            </a:effectRef>
+            <a:fontRef idx="minor">
+              <a:schemeClr val="tx1"/>
+            </a:fontRef>
+          </p:style>
+        </p:cxnSp>
+        <p:sp>
+          <p:nvSpPr>
+            <p:cNvPr id="32" name="椭圆 31">
+              <a:extLst>
+                <a:ext uri="{FF2B5EF4-FFF2-40B4-BE49-F238E27FC236}">
+                  <a16:creationId xmlns:a16="http://schemas.microsoft.com/office/drawing/2014/main" id="{E145B0C9-2663-441C-AFF5-3352210CF3D7}"/>
+                </a:ext>
+              </a:extLst>
+            </p:cNvPr>
+            <p:cNvSpPr/>
+            <p:nvPr/>
+          </p:nvSpPr>
+          <p:spPr>
+            <a:xfrm>
+              <a:off x="9586292" y="3175692"/>
+              <a:ext cx="405945" cy="410045"/>
+            </a:xfrm>
+            <a:prstGeom prst="ellipse">
+              <a:avLst/>
+            </a:prstGeom>
+            <a:solidFill>
+              <a:srgbClr val="FF0000"/>
+            </a:solidFill>
+          </p:spPr>
+          <p:style>
+            <a:lnRef idx="2">
+              <a:schemeClr val="accent1">
+                <a:shade val="50000"/>
+              </a:schemeClr>
+            </a:lnRef>
+            <a:fillRef idx="1">
+              <a:schemeClr val="accent1"/>
+            </a:fillRef>
+            <a:effectRef idx="0">
+              <a:schemeClr val="accent1"/>
+            </a:effectRef>
+            <a:fontRef idx="minor">
+              <a:schemeClr val="lt1"/>
+            </a:fontRef>
+          </p:style>
+          <p:txBody>
+            <a:bodyPr rtlCol="0" anchor="ctr"/>
+            <a:lstStyle/>
+            <a:p>
+              <a:pPr algn="ctr"/>
+              <a:r>
+                <a:rPr lang="en-US" altLang="zh-CN" dirty="0"/>
+                <a:t>D</a:t>
+              </a:r>
+              <a:endParaRPr lang="zh-CN" altLang="en-US" dirty="0"/>
+            </a:p>
+          </p:txBody>
+        </p:sp>
+        <p:sp>
+          <p:nvSpPr>
+            <p:cNvPr id="33" name="椭圆 32">
+              <a:extLst>
+                <a:ext uri="{FF2B5EF4-FFF2-40B4-BE49-F238E27FC236}">
+                  <a16:creationId xmlns:a16="http://schemas.microsoft.com/office/drawing/2014/main" id="{4AC0CC0A-9F4C-4226-82AA-4AF317576DB7}"/>
+                </a:ext>
+              </a:extLst>
+            </p:cNvPr>
+            <p:cNvSpPr/>
+            <p:nvPr/>
+          </p:nvSpPr>
+          <p:spPr>
+            <a:xfrm>
+              <a:off x="9586291" y="1956957"/>
+              <a:ext cx="405945" cy="410045"/>
+            </a:xfrm>
+            <a:prstGeom prst="ellipse">
+              <a:avLst/>
+            </a:prstGeom>
+          </p:spPr>
+          <p:style>
+            <a:lnRef idx="2">
+              <a:schemeClr val="accent1">
+                <a:shade val="50000"/>
+              </a:schemeClr>
+            </a:lnRef>
+            <a:fillRef idx="1">
+              <a:schemeClr val="accent1"/>
+            </a:fillRef>
+            <a:effectRef idx="0">
+              <a:schemeClr val="accent1"/>
+            </a:effectRef>
+            <a:fontRef idx="minor">
+              <a:schemeClr val="lt1"/>
+            </a:fontRef>
+          </p:style>
+          <p:txBody>
+            <a:bodyPr rtlCol="0" anchor="ctr"/>
+            <a:lstStyle/>
+            <a:p>
+              <a:pPr algn="ctr"/>
+              <a:r>
+                <a:rPr lang="en-US" altLang="zh-CN" dirty="0"/>
+                <a:t>C</a:t>
+              </a:r>
+              <a:endParaRPr lang="zh-CN" altLang="en-US" dirty="0"/>
+            </a:p>
+          </p:txBody>
+        </p:sp>
+        <p:cxnSp>
+          <p:nvCxnSpPr>
+            <p:cNvPr id="34" name="直接连接符 33">
+              <a:extLst>
+                <a:ext uri="{FF2B5EF4-FFF2-40B4-BE49-F238E27FC236}">
+                  <a16:creationId xmlns:a16="http://schemas.microsoft.com/office/drawing/2014/main" id="{A90829A4-7AFE-44B4-AA63-B3C6DCF03B0B}"/>
+                </a:ext>
+              </a:extLst>
+            </p:cNvPr>
+            <p:cNvCxnSpPr>
+              <a:stCxn id="28" idx="6"/>
+              <a:endCxn id="33" idx="2"/>
+            </p:cNvCxnSpPr>
+            <p:nvPr/>
+          </p:nvCxnSpPr>
+          <p:spPr>
+            <a:xfrm>
+              <a:off x="8298753" y="2161980"/>
+              <a:ext cx="1287538" cy="0"/>
+            </a:xfrm>
+            <a:prstGeom prst="line">
+              <a:avLst/>
+            </a:prstGeom>
+            <a:ln>
+              <a:headEnd type="none" w="med" len="med"/>
+              <a:tailEnd type="triangle" w="med" len="med"/>
+            </a:ln>
+          </p:spPr>
+          <p:style>
+            <a:lnRef idx="2">
+              <a:schemeClr val="accent1"/>
+            </a:lnRef>
+            <a:fillRef idx="0">
+              <a:schemeClr val="accent1"/>
+            </a:fillRef>
+            <a:effectRef idx="1">
+              <a:schemeClr val="accent1"/>
+            </a:effectRef>
+            <a:fontRef idx="minor">
+              <a:schemeClr val="tx1"/>
+            </a:fontRef>
+          </p:style>
+        </p:cxnSp>
+        <p:cxnSp>
+          <p:nvCxnSpPr>
+            <p:cNvPr id="35" name="直接连接符 34">
+              <a:extLst>
+                <a:ext uri="{FF2B5EF4-FFF2-40B4-BE49-F238E27FC236}">
+                  <a16:creationId xmlns:a16="http://schemas.microsoft.com/office/drawing/2014/main" id="{C2D0F24F-2A22-4C20-AA38-AD3D28E0975C}"/>
+                </a:ext>
+              </a:extLst>
+            </p:cNvPr>
+            <p:cNvCxnSpPr>
+              <a:cxnSpLocks/>
+              <a:stCxn id="30" idx="6"/>
+              <a:endCxn id="32" idx="2"/>
+            </p:cNvCxnSpPr>
+            <p:nvPr/>
+          </p:nvCxnSpPr>
+          <p:spPr>
+            <a:xfrm flipV="1">
+              <a:off x="8298754" y="3380715"/>
+              <a:ext cx="1287538" cy="1"/>
+            </a:xfrm>
+            <a:prstGeom prst="line">
+              <a:avLst/>
+            </a:prstGeom>
+            <a:ln>
+              <a:headEnd type="none" w="med" len="med"/>
+              <a:tailEnd type="triangle" w="med" len="med"/>
+            </a:ln>
+          </p:spPr>
+          <p:style>
+            <a:lnRef idx="2">
+              <a:schemeClr val="accent1"/>
+            </a:lnRef>
+            <a:fillRef idx="0">
+              <a:schemeClr val="accent1"/>
+            </a:fillRef>
+            <a:effectRef idx="1">
+              <a:schemeClr val="accent1"/>
+            </a:effectRef>
+            <a:fontRef idx="minor">
+              <a:schemeClr val="tx1"/>
+            </a:fontRef>
+          </p:style>
+        </p:cxnSp>
+        <p:sp>
+          <p:nvSpPr>
+            <p:cNvPr id="36" name="椭圆 35">
+              <a:extLst>
+                <a:ext uri="{FF2B5EF4-FFF2-40B4-BE49-F238E27FC236}">
+                  <a16:creationId xmlns:a16="http://schemas.microsoft.com/office/drawing/2014/main" id="{56C2CB21-461C-4031-9771-7ED7F9F48DD4}"/>
+                </a:ext>
+              </a:extLst>
+            </p:cNvPr>
+            <p:cNvSpPr/>
+            <p:nvPr/>
+          </p:nvSpPr>
+          <p:spPr>
+            <a:xfrm>
+              <a:off x="10752670" y="2513467"/>
+              <a:ext cx="405945" cy="410045"/>
+            </a:xfrm>
+            <a:prstGeom prst="ellipse">
+              <a:avLst/>
+            </a:prstGeom>
+          </p:spPr>
+          <p:style>
+            <a:lnRef idx="1">
+              <a:schemeClr val="accent5"/>
+            </a:lnRef>
+            <a:fillRef idx="3">
+              <a:schemeClr val="accent5"/>
+            </a:fillRef>
+            <a:effectRef idx="2">
+              <a:schemeClr val="accent5"/>
+            </a:effectRef>
+            <a:fontRef idx="minor">
+              <a:schemeClr val="lt1"/>
+            </a:fontRef>
+          </p:style>
+          <p:txBody>
+            <a:bodyPr rtlCol="0" anchor="ctr"/>
+            <a:lstStyle/>
+            <a:p>
+              <a:pPr algn="ctr"/>
+              <a:r>
+                <a:rPr lang="en-US" altLang="zh-CN" dirty="0"/>
+                <a:t>T</a:t>
+              </a:r>
+              <a:endParaRPr lang="zh-CN" altLang="en-US" dirty="0"/>
+            </a:p>
+          </p:txBody>
+        </p:sp>
+        <p:cxnSp>
+          <p:nvCxnSpPr>
+            <p:cNvPr id="37" name="直接连接符 36">
+              <a:extLst>
+                <a:ext uri="{FF2B5EF4-FFF2-40B4-BE49-F238E27FC236}">
+                  <a16:creationId xmlns:a16="http://schemas.microsoft.com/office/drawing/2014/main" id="{C873EFBE-1296-4BB8-9B1B-ABA28436D357}"/>
+                </a:ext>
+              </a:extLst>
+            </p:cNvPr>
+            <p:cNvCxnSpPr>
+              <a:cxnSpLocks/>
+              <a:stCxn id="32" idx="6"/>
+              <a:endCxn id="36" idx="3"/>
+            </p:cNvCxnSpPr>
+            <p:nvPr/>
+          </p:nvCxnSpPr>
+          <p:spPr>
+            <a:xfrm flipV="1">
+              <a:off x="9992237" y="2863462"/>
+              <a:ext cx="819882" cy="517253"/>
+            </a:xfrm>
+            <a:prstGeom prst="line">
+              <a:avLst/>
+            </a:prstGeom>
+            <a:ln>
+              <a:solidFill>
+                <a:srgbClr val="FF0000"/>
+              </a:solidFill>
+              <a:headEnd type="none" w="med" len="med"/>
+              <a:tailEnd type="triangle" w="med" len="med"/>
+            </a:ln>
+          </p:spPr>
+          <p:style>
+            <a:lnRef idx="2">
+              <a:schemeClr val="accent1"/>
+            </a:lnRef>
+            <a:fillRef idx="0">
+              <a:schemeClr val="accent1"/>
+            </a:fillRef>
+            <a:effectRef idx="1">
+              <a:schemeClr val="accent1"/>
+            </a:effectRef>
+            <a:fontRef idx="minor">
+              <a:schemeClr val="tx1"/>
+            </a:fontRef>
+          </p:style>
+        </p:cxnSp>
+        <p:cxnSp>
+          <p:nvCxnSpPr>
+            <p:cNvPr id="38" name="直接连接符 37">
+              <a:extLst>
+                <a:ext uri="{FF2B5EF4-FFF2-40B4-BE49-F238E27FC236}">
+                  <a16:creationId xmlns:a16="http://schemas.microsoft.com/office/drawing/2014/main" id="{0B6432A7-148D-41AD-A949-55C57E74C5A8}"/>
+                </a:ext>
+              </a:extLst>
+            </p:cNvPr>
+            <p:cNvCxnSpPr>
+              <a:cxnSpLocks/>
+              <a:stCxn id="33" idx="6"/>
+              <a:endCxn id="36" idx="1"/>
+            </p:cNvCxnSpPr>
+            <p:nvPr/>
+          </p:nvCxnSpPr>
+          <p:spPr>
+            <a:xfrm>
+              <a:off x="9992236" y="2161980"/>
+              <a:ext cx="819883" cy="411537"/>
+            </a:xfrm>
+            <a:prstGeom prst="line">
+              <a:avLst/>
+            </a:prstGeom>
+            <a:ln>
+              <a:headEnd type="none" w="med" len="med"/>
+              <a:tailEnd type="triangle" w="med" len="med"/>
+            </a:ln>
+          </p:spPr>
+          <p:style>
+            <a:lnRef idx="2">
+              <a:schemeClr val="accent1"/>
+            </a:lnRef>
+            <a:fillRef idx="0">
+              <a:schemeClr val="accent1"/>
+            </a:fillRef>
+            <a:effectRef idx="1">
+              <a:schemeClr val="accent1"/>
+            </a:effectRef>
+            <a:fontRef idx="minor">
+              <a:schemeClr val="tx1"/>
+            </a:fontRef>
+          </p:style>
+        </p:cxnSp>
+        <p:cxnSp>
+          <p:nvCxnSpPr>
+            <p:cNvPr id="39" name="直接连接符 38">
+              <a:extLst>
+                <a:ext uri="{FF2B5EF4-FFF2-40B4-BE49-F238E27FC236}">
+                  <a16:creationId xmlns:a16="http://schemas.microsoft.com/office/drawing/2014/main" id="{909E8676-664C-433B-98C3-2672D50389D3}"/>
+                </a:ext>
+              </a:extLst>
+            </p:cNvPr>
+            <p:cNvCxnSpPr>
+              <a:cxnSpLocks/>
+              <a:stCxn id="28" idx="6"/>
+              <a:endCxn id="32" idx="1"/>
+            </p:cNvCxnSpPr>
+            <p:nvPr/>
+          </p:nvCxnSpPr>
+          <p:spPr>
+            <a:xfrm>
+              <a:off x="8298753" y="2161980"/>
+              <a:ext cx="1346988" cy="1073762"/>
+            </a:xfrm>
+            <a:prstGeom prst="line">
+              <a:avLst/>
+            </a:prstGeom>
+            <a:ln>
+              <a:solidFill>
+                <a:srgbClr val="FF0000"/>
+              </a:solidFill>
+              <a:headEnd type="none" w="med" len="med"/>
+              <a:tailEnd type="triangle" w="med" len="med"/>
+            </a:ln>
+          </p:spPr>
+          <p:style>
+            <a:lnRef idx="2">
+              <a:schemeClr val="accent1"/>
+            </a:lnRef>
+            <a:fillRef idx="0">
+              <a:schemeClr val="accent1"/>
+            </a:fillRef>
+            <a:effectRef idx="1">
+              <a:schemeClr val="accent1"/>
+            </a:effectRef>
+            <a:fontRef idx="minor">
+              <a:schemeClr val="tx1"/>
+            </a:fontRef>
+          </p:style>
+        </p:cxnSp>
+        <p:sp>
+          <p:nvSpPr>
+            <p:cNvPr id="40" name="文本框 39">
+              <a:extLst>
+                <a:ext uri="{FF2B5EF4-FFF2-40B4-BE49-F238E27FC236}">
+                  <a16:creationId xmlns:a16="http://schemas.microsoft.com/office/drawing/2014/main" id="{03ED4846-8FB2-460F-964D-F60A8E6E32DB}"/>
+                </a:ext>
+              </a:extLst>
+            </p:cNvPr>
+            <p:cNvSpPr txBox="1"/>
+            <p:nvPr/>
+          </p:nvSpPr>
+          <p:spPr>
+            <a:xfrm>
+              <a:off x="8731806" y="1911633"/>
+              <a:ext cx="258324" cy="276999"/>
+            </a:xfrm>
+            <a:prstGeom prst="rect">
+              <a:avLst/>
+            </a:prstGeom>
+            <a:noFill/>
+          </p:spPr>
+          <p:txBody>
+            <a:bodyPr wrap="square" rtlCol="0">
+              <a:spAutoFit/>
+            </a:bodyPr>
+            <a:lstStyle/>
+            <a:p>
+              <a:r>
+                <a:rPr lang="en-US" altLang="zh-CN" sz="1200" dirty="0"/>
+                <a:t>4</a:t>
+              </a:r>
+              <a:endParaRPr lang="zh-CN" altLang="en-US" sz="1200" dirty="0"/>
+            </a:p>
+          </p:txBody>
+        </p:sp>
+        <p:sp>
+          <p:nvSpPr>
+            <p:cNvPr id="41" name="文本框 40">
+              <a:extLst>
+                <a:ext uri="{FF2B5EF4-FFF2-40B4-BE49-F238E27FC236}">
+                  <a16:creationId xmlns:a16="http://schemas.microsoft.com/office/drawing/2014/main" id="{CFA7E9BD-138C-45AB-BAE1-7E9F331C53ED}"/>
+                </a:ext>
+              </a:extLst>
+            </p:cNvPr>
+            <p:cNvSpPr txBox="1"/>
+            <p:nvPr/>
+          </p:nvSpPr>
+          <p:spPr>
+            <a:xfrm>
+              <a:off x="7140341" y="2160005"/>
+              <a:ext cx="448540" cy="276999"/>
+            </a:xfrm>
+            <a:prstGeom prst="rect">
+              <a:avLst/>
+            </a:prstGeom>
+            <a:noFill/>
+          </p:spPr>
+          <p:txBody>
+            <a:bodyPr wrap="square" rtlCol="0">
+              <a:spAutoFit/>
+            </a:bodyPr>
+            <a:lstStyle/>
+            <a:p>
+              <a:r>
+                <a:rPr lang="en-US" altLang="zh-CN" sz="1200" dirty="0"/>
+                <a:t>6</a:t>
+              </a:r>
+              <a:endParaRPr lang="zh-CN" altLang="en-US" sz="1200" dirty="0"/>
+            </a:p>
+          </p:txBody>
+        </p:sp>
+        <p:sp>
+          <p:nvSpPr>
+            <p:cNvPr id="42" name="文本框 41">
+              <a:extLst>
+                <a:ext uri="{FF2B5EF4-FFF2-40B4-BE49-F238E27FC236}">
+                  <a16:creationId xmlns:a16="http://schemas.microsoft.com/office/drawing/2014/main" id="{16A38FFE-D2A9-4863-AA6D-4730A9E5A20D}"/>
+                </a:ext>
+              </a:extLst>
+            </p:cNvPr>
+            <p:cNvSpPr txBox="1"/>
+            <p:nvPr/>
+          </p:nvSpPr>
+          <p:spPr>
+            <a:xfrm>
+              <a:off x="10284658" y="2110210"/>
+              <a:ext cx="448540" cy="276999"/>
+            </a:xfrm>
+            <a:prstGeom prst="rect">
+              <a:avLst/>
+            </a:prstGeom>
+            <a:noFill/>
+          </p:spPr>
+          <p:txBody>
+            <a:bodyPr wrap="square" rtlCol="0">
+              <a:spAutoFit/>
+            </a:bodyPr>
+            <a:lstStyle/>
+            <a:p>
+              <a:r>
+                <a:rPr lang="en-US" altLang="zh-CN" sz="1200" dirty="0"/>
+                <a:t>10</a:t>
+              </a:r>
+              <a:endParaRPr lang="zh-CN" altLang="en-US" sz="1200" dirty="0"/>
+            </a:p>
+          </p:txBody>
+        </p:sp>
+        <p:sp>
+          <p:nvSpPr>
+            <p:cNvPr id="43" name="文本框 42">
+              <a:extLst>
+                <a:ext uri="{FF2B5EF4-FFF2-40B4-BE49-F238E27FC236}">
+                  <a16:creationId xmlns:a16="http://schemas.microsoft.com/office/drawing/2014/main" id="{9823EA1C-836D-4E29-B7AE-ED80AA971729}"/>
+                </a:ext>
+              </a:extLst>
+            </p:cNvPr>
+            <p:cNvSpPr txBox="1"/>
+            <p:nvPr/>
+          </p:nvSpPr>
+          <p:spPr>
+            <a:xfrm>
+              <a:off x="7237990" y="3087017"/>
+              <a:ext cx="376089" cy="276999"/>
+            </a:xfrm>
+            <a:prstGeom prst="rect">
+              <a:avLst/>
+            </a:prstGeom>
+            <a:noFill/>
+          </p:spPr>
+          <p:txBody>
+            <a:bodyPr wrap="square" rtlCol="0">
+              <a:spAutoFit/>
+            </a:bodyPr>
+            <a:lstStyle/>
+            <a:p>
+              <a:r>
+                <a:rPr lang="en-US" altLang="zh-CN" sz="1200" dirty="0"/>
+                <a:t>15</a:t>
+              </a:r>
+              <a:endParaRPr lang="zh-CN" altLang="en-US" sz="1200" dirty="0"/>
+            </a:p>
+          </p:txBody>
+        </p:sp>
+        <p:sp>
+          <p:nvSpPr>
+            <p:cNvPr id="44" name="文本框 43">
+              <a:extLst>
+                <a:ext uri="{FF2B5EF4-FFF2-40B4-BE49-F238E27FC236}">
+                  <a16:creationId xmlns:a16="http://schemas.microsoft.com/office/drawing/2014/main" id="{1A2170A6-2B16-41C0-A2C2-B32032ECB872}"/>
+                </a:ext>
+              </a:extLst>
+            </p:cNvPr>
+            <p:cNvSpPr txBox="1"/>
+            <p:nvPr/>
+          </p:nvSpPr>
+          <p:spPr>
+            <a:xfrm>
+              <a:off x="8843085" y="3308738"/>
+              <a:ext cx="258324" cy="276999"/>
+            </a:xfrm>
+            <a:prstGeom prst="rect">
+              <a:avLst/>
+            </a:prstGeom>
+            <a:noFill/>
+          </p:spPr>
+          <p:txBody>
+            <a:bodyPr wrap="square" rtlCol="0">
+              <a:spAutoFit/>
+            </a:bodyPr>
+            <a:lstStyle/>
+            <a:p>
+              <a:r>
+                <a:rPr lang="en-US" altLang="zh-CN" sz="1200" dirty="0"/>
+                <a:t>8</a:t>
+              </a:r>
+              <a:endParaRPr lang="zh-CN" altLang="en-US" sz="1200" dirty="0"/>
+            </a:p>
+          </p:txBody>
+        </p:sp>
+        <p:sp>
+          <p:nvSpPr>
+            <p:cNvPr id="45" name="文本框 44">
+              <a:extLst>
+                <a:ext uri="{FF2B5EF4-FFF2-40B4-BE49-F238E27FC236}">
+                  <a16:creationId xmlns:a16="http://schemas.microsoft.com/office/drawing/2014/main" id="{F9F98DC9-2A3A-4596-94D2-3FBE6A6791AD}"/>
+                </a:ext>
+              </a:extLst>
+            </p:cNvPr>
+            <p:cNvSpPr txBox="1"/>
+            <p:nvPr/>
+          </p:nvSpPr>
+          <p:spPr>
+            <a:xfrm>
+              <a:off x="8668168" y="2629880"/>
+              <a:ext cx="376089" cy="276999"/>
+            </a:xfrm>
+            <a:prstGeom prst="rect">
+              <a:avLst/>
+            </a:prstGeom>
+            <a:noFill/>
+          </p:spPr>
+          <p:txBody>
+            <a:bodyPr wrap="square" rtlCol="0">
+              <a:spAutoFit/>
+            </a:bodyPr>
+            <a:lstStyle/>
+            <a:p>
+              <a:r>
+                <a:rPr lang="en-US" altLang="zh-CN" sz="1200" dirty="0"/>
+                <a:t>1</a:t>
+              </a:r>
+              <a:endParaRPr lang="zh-CN" altLang="en-US" sz="1200" dirty="0"/>
+            </a:p>
+          </p:txBody>
+        </p:sp>
+        <p:sp>
+          <p:nvSpPr>
+            <p:cNvPr id="46" name="文本框 45">
+              <a:extLst>
+                <a:ext uri="{FF2B5EF4-FFF2-40B4-BE49-F238E27FC236}">
+                  <a16:creationId xmlns:a16="http://schemas.microsoft.com/office/drawing/2014/main" id="{4BA0ADE1-B1B5-4D48-BA71-FF4025A80248}"/>
+                </a:ext>
+              </a:extLst>
+            </p:cNvPr>
+            <p:cNvSpPr txBox="1"/>
+            <p:nvPr/>
+          </p:nvSpPr>
+          <p:spPr>
+            <a:xfrm>
+              <a:off x="10173609" y="2883350"/>
+              <a:ext cx="376089" cy="276999"/>
+            </a:xfrm>
+            <a:prstGeom prst="rect">
+              <a:avLst/>
+            </a:prstGeom>
+            <a:noFill/>
+          </p:spPr>
+          <p:txBody>
+            <a:bodyPr wrap="square" rtlCol="0">
+              <a:spAutoFit/>
+            </a:bodyPr>
+            <a:lstStyle/>
+            <a:p>
+              <a:r>
+                <a:rPr lang="en-US" altLang="zh-CN" sz="1200" dirty="0"/>
+                <a:t>0</a:t>
+              </a:r>
+              <a:endParaRPr lang="zh-CN" altLang="en-US" sz="1200" dirty="0"/>
+            </a:p>
+          </p:txBody>
+        </p:sp>
+      </p:grpSp>
+      <p:sp>
+        <p:nvSpPr>
+          <p:cNvPr id="47" name="文本框 46">
+            <a:extLst>
+              <a:ext uri="{FF2B5EF4-FFF2-40B4-BE49-F238E27FC236}">
+                <a16:creationId xmlns:a16="http://schemas.microsoft.com/office/drawing/2014/main" id="{78B6612A-935C-41E8-9A77-F906316CBA21}"/>
+              </a:ext>
+            </a:extLst>
+          </p:cNvPr>
+          <p:cNvSpPr txBox="1"/>
+          <p:nvPr/>
+        </p:nvSpPr>
+        <p:spPr>
+          <a:xfrm>
+            <a:off x="8167334" y="3568114"/>
+            <a:ext cx="566181" cy="369332"/>
+          </a:xfrm>
+          <a:prstGeom prst="rect">
+            <a:avLst/>
+          </a:prstGeom>
+          <a:noFill/>
+        </p:spPr>
+        <p:txBody>
+          <a:bodyPr wrap="none" rtlCol="0">
+            <a:spAutoFit/>
+          </a:bodyPr>
+          <a:lstStyle/>
+          <a:p>
+            <a:r>
+              <a:rPr lang="en-US" altLang="zh-CN" dirty="0"/>
+              <a:t>F=4</a:t>
+            </a:r>
+            <a:endParaRPr lang="zh-CN" altLang="en-US" dirty="0"/>
+          </a:p>
+        </p:txBody>
+      </p:sp>
+      <p:grpSp>
+        <p:nvGrpSpPr>
+          <p:cNvPr id="48" name="组合 47">
+            <a:extLst>
+              <a:ext uri="{FF2B5EF4-FFF2-40B4-BE49-F238E27FC236}">
+                <a16:creationId xmlns:a16="http://schemas.microsoft.com/office/drawing/2014/main" id="{1F7A3336-A67D-4E51-AA1E-7D7B6E65DED1}"/>
+              </a:ext>
+            </a:extLst>
+          </p:cNvPr>
+          <p:cNvGrpSpPr/>
+          <p:nvPr/>
+        </p:nvGrpSpPr>
+        <p:grpSpPr>
+          <a:xfrm>
+            <a:off x="821155" y="4310016"/>
+            <a:ext cx="4475441" cy="1674105"/>
+            <a:chOff x="6683174" y="1911633"/>
+            <a:chExt cx="4475441" cy="1674105"/>
+          </a:xfrm>
+        </p:grpSpPr>
+        <p:sp>
+          <p:nvSpPr>
+            <p:cNvPr id="49" name="椭圆 48">
+              <a:extLst>
+                <a:ext uri="{FF2B5EF4-FFF2-40B4-BE49-F238E27FC236}">
+                  <a16:creationId xmlns:a16="http://schemas.microsoft.com/office/drawing/2014/main" id="{4B92ECA4-1910-45AB-A3D6-3C4790DD5B82}"/>
+                </a:ext>
+              </a:extLst>
+            </p:cNvPr>
+            <p:cNvSpPr/>
+            <p:nvPr/>
+          </p:nvSpPr>
+          <p:spPr>
+            <a:xfrm>
+              <a:off x="6683174" y="2513468"/>
+              <a:ext cx="405945" cy="410045"/>
+            </a:xfrm>
+            <a:prstGeom prst="ellipse">
+              <a:avLst/>
+            </a:prstGeom>
+          </p:spPr>
+          <p:style>
+            <a:lnRef idx="1">
+              <a:schemeClr val="accent5"/>
+            </a:lnRef>
+            <a:fillRef idx="3">
+              <a:schemeClr val="accent5"/>
+            </a:fillRef>
+            <a:effectRef idx="2">
+              <a:schemeClr val="accent5"/>
+            </a:effectRef>
+            <a:fontRef idx="minor">
+              <a:schemeClr val="lt1"/>
+            </a:fontRef>
+          </p:style>
+          <p:txBody>
+            <a:bodyPr rtlCol="0" anchor="ctr"/>
+            <a:lstStyle/>
+            <a:p>
+              <a:pPr algn="ctr"/>
+              <a:r>
+                <a:rPr lang="en-US" altLang="zh-CN" dirty="0"/>
+                <a:t>S</a:t>
+              </a:r>
+              <a:endParaRPr lang="zh-CN" altLang="en-US" dirty="0"/>
+            </a:p>
+          </p:txBody>
+        </p:sp>
+        <p:sp>
+          <p:nvSpPr>
+            <p:cNvPr id="50" name="椭圆 49">
+              <a:extLst>
+                <a:ext uri="{FF2B5EF4-FFF2-40B4-BE49-F238E27FC236}">
+                  <a16:creationId xmlns:a16="http://schemas.microsoft.com/office/drawing/2014/main" id="{FCC829BE-BF8A-43CC-AF4E-457D41F1FAE5}"/>
+                </a:ext>
+              </a:extLst>
+            </p:cNvPr>
+            <p:cNvSpPr/>
+            <p:nvPr/>
+          </p:nvSpPr>
+          <p:spPr>
+            <a:xfrm>
+              <a:off x="7892808" y="1956957"/>
+              <a:ext cx="405945" cy="410045"/>
+            </a:xfrm>
+            <a:prstGeom prst="ellipse">
+              <a:avLst/>
+            </a:prstGeom>
+          </p:spPr>
+          <p:style>
+            <a:lnRef idx="2">
+              <a:schemeClr val="accent1">
+                <a:shade val="50000"/>
+              </a:schemeClr>
+            </a:lnRef>
+            <a:fillRef idx="1">
+              <a:schemeClr val="accent1"/>
+            </a:fillRef>
+            <a:effectRef idx="0">
+              <a:schemeClr val="accent1"/>
+            </a:effectRef>
+            <a:fontRef idx="minor">
+              <a:schemeClr val="lt1"/>
+            </a:fontRef>
+          </p:style>
+          <p:txBody>
+            <a:bodyPr rtlCol="0" anchor="ctr"/>
+            <a:lstStyle/>
+            <a:p>
+              <a:pPr algn="ctr"/>
+              <a:r>
+                <a:rPr lang="en-US" altLang="zh-CN" dirty="0"/>
+                <a:t>A</a:t>
+              </a:r>
+              <a:endParaRPr lang="zh-CN" altLang="en-US" dirty="0"/>
+            </a:p>
+          </p:txBody>
+        </p:sp>
+        <p:cxnSp>
+          <p:nvCxnSpPr>
+            <p:cNvPr id="51" name="直接连接符 50">
+              <a:extLst>
+                <a:ext uri="{FF2B5EF4-FFF2-40B4-BE49-F238E27FC236}">
+                  <a16:creationId xmlns:a16="http://schemas.microsoft.com/office/drawing/2014/main" id="{46CDF02A-59DD-49FF-9C3E-5822D417582E}"/>
+                </a:ext>
+              </a:extLst>
+            </p:cNvPr>
+            <p:cNvCxnSpPr>
+              <a:cxnSpLocks/>
+              <a:stCxn id="49" idx="7"/>
+              <a:endCxn id="50" idx="2"/>
+            </p:cNvCxnSpPr>
+            <p:nvPr/>
+          </p:nvCxnSpPr>
+          <p:spPr>
+            <a:xfrm flipV="1">
+              <a:off x="7029670" y="2161980"/>
+              <a:ext cx="863138" cy="411538"/>
+            </a:xfrm>
+            <a:prstGeom prst="line">
+              <a:avLst/>
+            </a:prstGeom>
+            <a:ln>
+              <a:headEnd type="none" w="med" len="med"/>
+              <a:tailEnd type="triangle" w="med" len="med"/>
+            </a:ln>
+          </p:spPr>
+          <p:style>
+            <a:lnRef idx="2">
+              <a:schemeClr val="accent1"/>
+            </a:lnRef>
+            <a:fillRef idx="0">
+              <a:schemeClr val="accent1"/>
+            </a:fillRef>
+            <a:effectRef idx="1">
+              <a:schemeClr val="accent1"/>
+            </a:effectRef>
+            <a:fontRef idx="minor">
+              <a:schemeClr val="tx1"/>
+            </a:fontRef>
+          </p:style>
+        </p:cxnSp>
+        <p:sp>
+          <p:nvSpPr>
+            <p:cNvPr id="52" name="椭圆 51">
+              <a:extLst>
+                <a:ext uri="{FF2B5EF4-FFF2-40B4-BE49-F238E27FC236}">
+                  <a16:creationId xmlns:a16="http://schemas.microsoft.com/office/drawing/2014/main" id="{827DD8EB-91A7-4141-9299-BF7908912F84}"/>
+                </a:ext>
+              </a:extLst>
+            </p:cNvPr>
+            <p:cNvSpPr/>
+            <p:nvPr/>
+          </p:nvSpPr>
+          <p:spPr>
+            <a:xfrm>
+              <a:off x="7892809" y="3175693"/>
+              <a:ext cx="405945" cy="410045"/>
+            </a:xfrm>
+            <a:prstGeom prst="ellipse">
+              <a:avLst/>
+            </a:prstGeom>
+          </p:spPr>
+          <p:style>
+            <a:lnRef idx="2">
+              <a:schemeClr val="accent1">
+                <a:shade val="50000"/>
+              </a:schemeClr>
+            </a:lnRef>
+            <a:fillRef idx="1">
+              <a:schemeClr val="accent1"/>
+            </a:fillRef>
+            <a:effectRef idx="0">
+              <a:schemeClr val="accent1"/>
+            </a:effectRef>
+            <a:fontRef idx="minor">
+              <a:schemeClr val="lt1"/>
+            </a:fontRef>
+          </p:style>
+          <p:txBody>
+            <a:bodyPr rtlCol="0" anchor="ctr"/>
+            <a:lstStyle/>
+            <a:p>
+              <a:pPr algn="ctr"/>
+              <a:r>
+                <a:rPr lang="en-US" altLang="zh-CN" dirty="0"/>
+                <a:t>B</a:t>
+              </a:r>
+              <a:endParaRPr lang="zh-CN" altLang="en-US" dirty="0"/>
+            </a:p>
+          </p:txBody>
+        </p:sp>
+        <p:cxnSp>
+          <p:nvCxnSpPr>
+            <p:cNvPr id="53" name="直接连接符 52">
+              <a:extLst>
+                <a:ext uri="{FF2B5EF4-FFF2-40B4-BE49-F238E27FC236}">
+                  <a16:creationId xmlns:a16="http://schemas.microsoft.com/office/drawing/2014/main" id="{C541D135-00BB-4910-A4D4-00962081F26B}"/>
+                </a:ext>
+              </a:extLst>
+            </p:cNvPr>
+            <p:cNvCxnSpPr>
+              <a:cxnSpLocks/>
+              <a:stCxn id="49" idx="5"/>
+              <a:endCxn id="52" idx="2"/>
+            </p:cNvCxnSpPr>
+            <p:nvPr/>
+          </p:nvCxnSpPr>
+          <p:spPr>
+            <a:xfrm>
+              <a:off x="7029670" y="2863463"/>
+              <a:ext cx="863139" cy="517253"/>
+            </a:xfrm>
+            <a:prstGeom prst="line">
+              <a:avLst/>
+            </a:prstGeom>
+            <a:ln>
+              <a:headEnd type="none" w="med" len="med"/>
+              <a:tailEnd type="triangle" w="med" len="med"/>
+            </a:ln>
+          </p:spPr>
+          <p:style>
+            <a:lnRef idx="2">
+              <a:schemeClr val="accent1"/>
+            </a:lnRef>
+            <a:fillRef idx="0">
+              <a:schemeClr val="accent1"/>
+            </a:fillRef>
+            <a:effectRef idx="1">
+              <a:schemeClr val="accent1"/>
+            </a:effectRef>
+            <a:fontRef idx="minor">
+              <a:schemeClr val="tx1"/>
+            </a:fontRef>
+          </p:style>
+        </p:cxnSp>
+        <p:sp>
+          <p:nvSpPr>
+            <p:cNvPr id="54" name="椭圆 53">
+              <a:extLst>
+                <a:ext uri="{FF2B5EF4-FFF2-40B4-BE49-F238E27FC236}">
+                  <a16:creationId xmlns:a16="http://schemas.microsoft.com/office/drawing/2014/main" id="{0B33BC53-7FCF-4AD7-9590-17B4A5D660E2}"/>
+                </a:ext>
+              </a:extLst>
+            </p:cNvPr>
+            <p:cNvSpPr/>
+            <p:nvPr/>
+          </p:nvSpPr>
+          <p:spPr>
+            <a:xfrm>
+              <a:off x="9586292" y="3175692"/>
+              <a:ext cx="405945" cy="410045"/>
+            </a:xfrm>
+            <a:prstGeom prst="ellipse">
+              <a:avLst/>
+            </a:prstGeom>
+            <a:solidFill>
+              <a:srgbClr val="FF0000"/>
+            </a:solidFill>
+          </p:spPr>
+          <p:style>
+            <a:lnRef idx="2">
+              <a:schemeClr val="accent1">
+                <a:shade val="50000"/>
+              </a:schemeClr>
+            </a:lnRef>
+            <a:fillRef idx="1">
+              <a:schemeClr val="accent1"/>
+            </a:fillRef>
+            <a:effectRef idx="0">
+              <a:schemeClr val="accent1"/>
+            </a:effectRef>
+            <a:fontRef idx="minor">
+              <a:schemeClr val="lt1"/>
+            </a:fontRef>
+          </p:style>
+          <p:txBody>
+            <a:bodyPr rtlCol="0" anchor="ctr"/>
+            <a:lstStyle/>
+            <a:p>
+              <a:pPr algn="ctr"/>
+              <a:r>
+                <a:rPr lang="en-US" altLang="zh-CN" dirty="0"/>
+                <a:t>D</a:t>
+              </a:r>
+              <a:endParaRPr lang="zh-CN" altLang="en-US" dirty="0"/>
+            </a:p>
+          </p:txBody>
+        </p:sp>
+        <p:sp>
+          <p:nvSpPr>
+            <p:cNvPr id="55" name="椭圆 54">
+              <a:extLst>
+                <a:ext uri="{FF2B5EF4-FFF2-40B4-BE49-F238E27FC236}">
+                  <a16:creationId xmlns:a16="http://schemas.microsoft.com/office/drawing/2014/main" id="{15FEBD34-E7B1-4577-84C4-7FB2B403C991}"/>
+                </a:ext>
+              </a:extLst>
+            </p:cNvPr>
+            <p:cNvSpPr/>
+            <p:nvPr/>
+          </p:nvSpPr>
+          <p:spPr>
+            <a:xfrm>
+              <a:off x="9586291" y="1956957"/>
+              <a:ext cx="405945" cy="410045"/>
+            </a:xfrm>
+            <a:prstGeom prst="ellipse">
+              <a:avLst/>
+            </a:prstGeom>
+          </p:spPr>
+          <p:style>
+            <a:lnRef idx="2">
+              <a:schemeClr val="accent1">
+                <a:shade val="50000"/>
+              </a:schemeClr>
+            </a:lnRef>
+            <a:fillRef idx="1">
+              <a:schemeClr val="accent1"/>
+            </a:fillRef>
+            <a:effectRef idx="0">
+              <a:schemeClr val="accent1"/>
+            </a:effectRef>
+            <a:fontRef idx="minor">
+              <a:schemeClr val="lt1"/>
+            </a:fontRef>
+          </p:style>
+          <p:txBody>
+            <a:bodyPr rtlCol="0" anchor="ctr"/>
+            <a:lstStyle/>
+            <a:p>
+              <a:pPr algn="ctr"/>
+              <a:r>
+                <a:rPr lang="en-US" altLang="zh-CN" dirty="0"/>
+                <a:t>C</a:t>
+              </a:r>
+              <a:endParaRPr lang="zh-CN" altLang="en-US" dirty="0"/>
+            </a:p>
+          </p:txBody>
+        </p:sp>
+        <p:cxnSp>
+          <p:nvCxnSpPr>
+            <p:cNvPr id="56" name="直接连接符 55">
+              <a:extLst>
+                <a:ext uri="{FF2B5EF4-FFF2-40B4-BE49-F238E27FC236}">
+                  <a16:creationId xmlns:a16="http://schemas.microsoft.com/office/drawing/2014/main" id="{7AB41753-3F75-468C-A752-7E8FEF0335BD}"/>
+                </a:ext>
+              </a:extLst>
+            </p:cNvPr>
+            <p:cNvCxnSpPr>
+              <a:stCxn id="50" idx="6"/>
+              <a:endCxn id="55" idx="2"/>
+            </p:cNvCxnSpPr>
+            <p:nvPr/>
+          </p:nvCxnSpPr>
+          <p:spPr>
+            <a:xfrm>
+              <a:off x="8298753" y="2161980"/>
+              <a:ext cx="1287538" cy="0"/>
+            </a:xfrm>
+            <a:prstGeom prst="line">
+              <a:avLst/>
+            </a:prstGeom>
+            <a:ln>
+              <a:headEnd type="none" w="med" len="med"/>
+              <a:tailEnd type="triangle" w="med" len="med"/>
+            </a:ln>
+          </p:spPr>
+          <p:style>
+            <a:lnRef idx="2">
+              <a:schemeClr val="accent1"/>
+            </a:lnRef>
+            <a:fillRef idx="0">
+              <a:schemeClr val="accent1"/>
+            </a:fillRef>
+            <a:effectRef idx="1">
+              <a:schemeClr val="accent1"/>
+            </a:effectRef>
+            <a:fontRef idx="minor">
+              <a:schemeClr val="tx1"/>
+            </a:fontRef>
+          </p:style>
+        </p:cxnSp>
+        <p:cxnSp>
+          <p:nvCxnSpPr>
+            <p:cNvPr id="57" name="直接连接符 56">
+              <a:extLst>
+                <a:ext uri="{FF2B5EF4-FFF2-40B4-BE49-F238E27FC236}">
+                  <a16:creationId xmlns:a16="http://schemas.microsoft.com/office/drawing/2014/main" id="{AE75242E-1A76-4EBD-B7A2-BAD526282938}"/>
+                </a:ext>
+              </a:extLst>
+            </p:cNvPr>
+            <p:cNvCxnSpPr>
+              <a:cxnSpLocks/>
+              <a:stCxn id="52" idx="6"/>
+              <a:endCxn id="54" idx="2"/>
+            </p:cNvCxnSpPr>
+            <p:nvPr/>
+          </p:nvCxnSpPr>
+          <p:spPr>
+            <a:xfrm flipV="1">
+              <a:off x="8298754" y="3380715"/>
+              <a:ext cx="1287538" cy="1"/>
+            </a:xfrm>
+            <a:prstGeom prst="line">
+              <a:avLst/>
+            </a:prstGeom>
+            <a:ln>
+              <a:headEnd type="none" w="med" len="med"/>
+              <a:tailEnd type="triangle" w="med" len="med"/>
+            </a:ln>
+          </p:spPr>
+          <p:style>
+            <a:lnRef idx="2">
+              <a:schemeClr val="accent1"/>
+            </a:lnRef>
+            <a:fillRef idx="0">
+              <a:schemeClr val="accent1"/>
+            </a:fillRef>
+            <a:effectRef idx="1">
+              <a:schemeClr val="accent1"/>
+            </a:effectRef>
+            <a:fontRef idx="minor">
+              <a:schemeClr val="tx1"/>
+            </a:fontRef>
+          </p:style>
+        </p:cxnSp>
+        <p:sp>
+          <p:nvSpPr>
+            <p:cNvPr id="58" name="椭圆 57">
+              <a:extLst>
+                <a:ext uri="{FF2B5EF4-FFF2-40B4-BE49-F238E27FC236}">
+                  <a16:creationId xmlns:a16="http://schemas.microsoft.com/office/drawing/2014/main" id="{8995EB60-682C-4A8D-A1D6-50E3D68C0239}"/>
+                </a:ext>
+              </a:extLst>
+            </p:cNvPr>
+            <p:cNvSpPr/>
+            <p:nvPr/>
+          </p:nvSpPr>
+          <p:spPr>
+            <a:xfrm>
+              <a:off x="10752670" y="2513467"/>
+              <a:ext cx="405945" cy="410045"/>
+            </a:xfrm>
+            <a:prstGeom prst="ellipse">
+              <a:avLst/>
+            </a:prstGeom>
+          </p:spPr>
+          <p:style>
+            <a:lnRef idx="1">
+              <a:schemeClr val="accent5"/>
+            </a:lnRef>
+            <a:fillRef idx="3">
+              <a:schemeClr val="accent5"/>
+            </a:fillRef>
+            <a:effectRef idx="2">
+              <a:schemeClr val="accent5"/>
+            </a:effectRef>
+            <a:fontRef idx="minor">
+              <a:schemeClr val="lt1"/>
+            </a:fontRef>
+          </p:style>
+          <p:txBody>
+            <a:bodyPr rtlCol="0" anchor="ctr"/>
+            <a:lstStyle/>
+            <a:p>
+              <a:pPr algn="ctr"/>
+              <a:r>
+                <a:rPr lang="en-US" altLang="zh-CN" dirty="0"/>
+                <a:t>T</a:t>
+              </a:r>
+              <a:endParaRPr lang="zh-CN" altLang="en-US" dirty="0"/>
+            </a:p>
+          </p:txBody>
+        </p:sp>
+        <p:cxnSp>
+          <p:nvCxnSpPr>
+            <p:cNvPr id="60" name="直接连接符 59">
+              <a:extLst>
+                <a:ext uri="{FF2B5EF4-FFF2-40B4-BE49-F238E27FC236}">
+                  <a16:creationId xmlns:a16="http://schemas.microsoft.com/office/drawing/2014/main" id="{ACD2B7A7-C5CD-4924-BCCF-E55E0666EA78}"/>
+                </a:ext>
+              </a:extLst>
+            </p:cNvPr>
+            <p:cNvCxnSpPr>
+              <a:cxnSpLocks/>
+              <a:stCxn id="55" idx="6"/>
+              <a:endCxn id="58" idx="1"/>
+            </p:cNvCxnSpPr>
+            <p:nvPr/>
+          </p:nvCxnSpPr>
+          <p:spPr>
+            <a:xfrm>
+              <a:off x="9992236" y="2161980"/>
+              <a:ext cx="819883" cy="411537"/>
+            </a:xfrm>
+            <a:prstGeom prst="line">
+              <a:avLst/>
+            </a:prstGeom>
+            <a:ln>
+              <a:headEnd type="none" w="med" len="med"/>
+              <a:tailEnd type="triangle" w="med" len="med"/>
+            </a:ln>
+          </p:spPr>
+          <p:style>
+            <a:lnRef idx="2">
+              <a:schemeClr val="accent1"/>
+            </a:lnRef>
+            <a:fillRef idx="0">
+              <a:schemeClr val="accent1"/>
+            </a:fillRef>
+            <a:effectRef idx="1">
+              <a:schemeClr val="accent1"/>
+            </a:effectRef>
+            <a:fontRef idx="minor">
+              <a:schemeClr val="tx1"/>
+            </a:fontRef>
+          </p:style>
+        </p:cxnSp>
+        <p:cxnSp>
+          <p:nvCxnSpPr>
+            <p:cNvPr id="61" name="直接连接符 60">
+              <a:extLst>
+                <a:ext uri="{FF2B5EF4-FFF2-40B4-BE49-F238E27FC236}">
+                  <a16:creationId xmlns:a16="http://schemas.microsoft.com/office/drawing/2014/main" id="{B6887179-6E4F-4A01-A68F-FEDC4CFE1C41}"/>
+                </a:ext>
+              </a:extLst>
+            </p:cNvPr>
+            <p:cNvCxnSpPr>
+              <a:cxnSpLocks/>
+              <a:stCxn id="50" idx="6"/>
+              <a:endCxn id="54" idx="1"/>
+            </p:cNvCxnSpPr>
+            <p:nvPr/>
+          </p:nvCxnSpPr>
+          <p:spPr>
+            <a:xfrm>
+              <a:off x="8298753" y="2161980"/>
+              <a:ext cx="1346988" cy="1073762"/>
+            </a:xfrm>
+            <a:prstGeom prst="line">
+              <a:avLst/>
+            </a:prstGeom>
+            <a:ln>
+              <a:headEnd type="none" w="med" len="med"/>
+              <a:tailEnd type="triangle" w="med" len="med"/>
+            </a:ln>
+          </p:spPr>
+          <p:style>
+            <a:lnRef idx="2">
+              <a:schemeClr val="accent1"/>
+            </a:lnRef>
+            <a:fillRef idx="0">
+              <a:schemeClr val="accent1"/>
+            </a:fillRef>
+            <a:effectRef idx="1">
+              <a:schemeClr val="accent1"/>
+            </a:effectRef>
+            <a:fontRef idx="minor">
+              <a:schemeClr val="tx1"/>
+            </a:fontRef>
+          </p:style>
+        </p:cxnSp>
+        <p:sp>
+          <p:nvSpPr>
+            <p:cNvPr id="62" name="文本框 61">
+              <a:extLst>
+                <a:ext uri="{FF2B5EF4-FFF2-40B4-BE49-F238E27FC236}">
+                  <a16:creationId xmlns:a16="http://schemas.microsoft.com/office/drawing/2014/main" id="{702F794B-42CD-4250-9C3B-42A3C56979B2}"/>
+                </a:ext>
+              </a:extLst>
+            </p:cNvPr>
+            <p:cNvSpPr txBox="1"/>
+            <p:nvPr/>
+          </p:nvSpPr>
+          <p:spPr>
+            <a:xfrm>
+              <a:off x="8731806" y="1911633"/>
+              <a:ext cx="258324" cy="276999"/>
+            </a:xfrm>
+            <a:prstGeom prst="rect">
+              <a:avLst/>
+            </a:prstGeom>
+            <a:noFill/>
+          </p:spPr>
+          <p:txBody>
+            <a:bodyPr wrap="square" rtlCol="0">
+              <a:spAutoFit/>
+            </a:bodyPr>
+            <a:lstStyle/>
+            <a:p>
+              <a:r>
+                <a:rPr lang="en-US" altLang="zh-CN" sz="1200" dirty="0"/>
+                <a:t>4</a:t>
+              </a:r>
+              <a:endParaRPr lang="zh-CN" altLang="en-US" sz="1200" dirty="0"/>
+            </a:p>
+          </p:txBody>
+        </p:sp>
+        <p:sp>
+          <p:nvSpPr>
+            <p:cNvPr id="63" name="文本框 62">
+              <a:extLst>
+                <a:ext uri="{FF2B5EF4-FFF2-40B4-BE49-F238E27FC236}">
+                  <a16:creationId xmlns:a16="http://schemas.microsoft.com/office/drawing/2014/main" id="{DBACB70B-64D7-4944-8D9B-1B9A707527C4}"/>
+                </a:ext>
+              </a:extLst>
+            </p:cNvPr>
+            <p:cNvSpPr txBox="1"/>
+            <p:nvPr/>
+          </p:nvSpPr>
+          <p:spPr>
+            <a:xfrm>
+              <a:off x="7140341" y="2160005"/>
+              <a:ext cx="448540" cy="276999"/>
+            </a:xfrm>
+            <a:prstGeom prst="rect">
+              <a:avLst/>
+            </a:prstGeom>
+            <a:noFill/>
+          </p:spPr>
+          <p:txBody>
+            <a:bodyPr wrap="square" rtlCol="0">
+              <a:spAutoFit/>
+            </a:bodyPr>
+            <a:lstStyle/>
+            <a:p>
+              <a:r>
+                <a:rPr lang="en-US" altLang="zh-CN" sz="1200" dirty="0"/>
+                <a:t>6</a:t>
+              </a:r>
+              <a:endParaRPr lang="zh-CN" altLang="en-US" sz="1200" dirty="0"/>
+            </a:p>
+          </p:txBody>
+        </p:sp>
+        <p:sp>
+          <p:nvSpPr>
+            <p:cNvPr id="64" name="文本框 63">
+              <a:extLst>
+                <a:ext uri="{FF2B5EF4-FFF2-40B4-BE49-F238E27FC236}">
+                  <a16:creationId xmlns:a16="http://schemas.microsoft.com/office/drawing/2014/main" id="{6F4F5FA4-5997-4A0F-AE23-28863CC7D38A}"/>
+                </a:ext>
+              </a:extLst>
+            </p:cNvPr>
+            <p:cNvSpPr txBox="1"/>
+            <p:nvPr/>
+          </p:nvSpPr>
+          <p:spPr>
+            <a:xfrm>
+              <a:off x="10284658" y="2110210"/>
+              <a:ext cx="448540" cy="276999"/>
+            </a:xfrm>
+            <a:prstGeom prst="rect">
+              <a:avLst/>
+            </a:prstGeom>
+            <a:noFill/>
+          </p:spPr>
+          <p:txBody>
+            <a:bodyPr wrap="square" rtlCol="0">
+              <a:spAutoFit/>
+            </a:bodyPr>
+            <a:lstStyle/>
+            <a:p>
+              <a:r>
+                <a:rPr lang="en-US" altLang="zh-CN" sz="1200" dirty="0"/>
+                <a:t>10</a:t>
+              </a:r>
+              <a:endParaRPr lang="zh-CN" altLang="en-US" sz="1200" dirty="0"/>
+            </a:p>
+          </p:txBody>
+        </p:sp>
+        <p:sp>
+          <p:nvSpPr>
+            <p:cNvPr id="65" name="文本框 64">
+              <a:extLst>
+                <a:ext uri="{FF2B5EF4-FFF2-40B4-BE49-F238E27FC236}">
+                  <a16:creationId xmlns:a16="http://schemas.microsoft.com/office/drawing/2014/main" id="{D6A0EE75-A994-4D0A-AC4D-661B55CDAEBB}"/>
+                </a:ext>
+              </a:extLst>
+            </p:cNvPr>
+            <p:cNvSpPr txBox="1"/>
+            <p:nvPr/>
+          </p:nvSpPr>
+          <p:spPr>
+            <a:xfrm>
+              <a:off x="7237990" y="3087017"/>
+              <a:ext cx="376089" cy="276999"/>
+            </a:xfrm>
+            <a:prstGeom prst="rect">
+              <a:avLst/>
+            </a:prstGeom>
+            <a:noFill/>
+          </p:spPr>
+          <p:txBody>
+            <a:bodyPr wrap="square" rtlCol="0">
+              <a:spAutoFit/>
+            </a:bodyPr>
+            <a:lstStyle/>
+            <a:p>
+              <a:r>
+                <a:rPr lang="en-US" altLang="zh-CN" sz="1200" dirty="0"/>
+                <a:t>15</a:t>
+              </a:r>
+              <a:endParaRPr lang="zh-CN" altLang="en-US" sz="1200" dirty="0"/>
+            </a:p>
+          </p:txBody>
+        </p:sp>
+        <p:sp>
+          <p:nvSpPr>
+            <p:cNvPr id="66" name="文本框 65">
+              <a:extLst>
+                <a:ext uri="{FF2B5EF4-FFF2-40B4-BE49-F238E27FC236}">
+                  <a16:creationId xmlns:a16="http://schemas.microsoft.com/office/drawing/2014/main" id="{DE223A2F-DD8B-47EF-A420-B6ECD3DF6F67}"/>
+                </a:ext>
+              </a:extLst>
+            </p:cNvPr>
+            <p:cNvSpPr txBox="1"/>
+            <p:nvPr/>
+          </p:nvSpPr>
+          <p:spPr>
+            <a:xfrm>
+              <a:off x="8843085" y="3308738"/>
+              <a:ext cx="258324" cy="276999"/>
+            </a:xfrm>
+            <a:prstGeom prst="rect">
+              <a:avLst/>
+            </a:prstGeom>
+            <a:noFill/>
+          </p:spPr>
+          <p:txBody>
+            <a:bodyPr wrap="square" rtlCol="0">
+              <a:spAutoFit/>
+            </a:bodyPr>
+            <a:lstStyle/>
+            <a:p>
+              <a:r>
+                <a:rPr lang="en-US" altLang="zh-CN" sz="1200" dirty="0"/>
+                <a:t>8</a:t>
+              </a:r>
+              <a:endParaRPr lang="zh-CN" altLang="en-US" sz="1200" dirty="0"/>
+            </a:p>
+          </p:txBody>
+        </p:sp>
+        <p:sp>
+          <p:nvSpPr>
+            <p:cNvPr id="67" name="文本框 66">
+              <a:extLst>
+                <a:ext uri="{FF2B5EF4-FFF2-40B4-BE49-F238E27FC236}">
+                  <a16:creationId xmlns:a16="http://schemas.microsoft.com/office/drawing/2014/main" id="{8FF2591C-005B-4D85-B904-E25AE66F1BC4}"/>
+                </a:ext>
+              </a:extLst>
+            </p:cNvPr>
+            <p:cNvSpPr txBox="1"/>
+            <p:nvPr/>
+          </p:nvSpPr>
+          <p:spPr>
+            <a:xfrm>
+              <a:off x="8668168" y="2629880"/>
+              <a:ext cx="376089" cy="276999"/>
+            </a:xfrm>
+            <a:prstGeom prst="rect">
+              <a:avLst/>
+            </a:prstGeom>
+            <a:noFill/>
+          </p:spPr>
+          <p:txBody>
+            <a:bodyPr wrap="square" rtlCol="0">
+              <a:spAutoFit/>
+            </a:bodyPr>
+            <a:lstStyle/>
+            <a:p>
+              <a:r>
+                <a:rPr lang="en-US" altLang="zh-CN" sz="1200" dirty="0"/>
+                <a:t>1</a:t>
+              </a:r>
+              <a:endParaRPr lang="zh-CN" altLang="en-US" sz="1200" dirty="0"/>
+            </a:p>
+          </p:txBody>
+        </p:sp>
+      </p:grpSp>
+      <p:grpSp>
+        <p:nvGrpSpPr>
+          <p:cNvPr id="69" name="组合 68">
+            <a:extLst>
+              <a:ext uri="{FF2B5EF4-FFF2-40B4-BE49-F238E27FC236}">
+                <a16:creationId xmlns:a16="http://schemas.microsoft.com/office/drawing/2014/main" id="{8D343206-1F02-4D61-95DC-474D995BCCDC}"/>
+              </a:ext>
+            </a:extLst>
+          </p:cNvPr>
+          <p:cNvGrpSpPr/>
+          <p:nvPr/>
+        </p:nvGrpSpPr>
+        <p:grpSpPr>
+          <a:xfrm>
+            <a:off x="6237406" y="4424793"/>
+            <a:ext cx="4475441" cy="1674105"/>
+            <a:chOff x="6683174" y="1911633"/>
+            <a:chExt cx="4475441" cy="1674105"/>
+          </a:xfrm>
+        </p:grpSpPr>
+        <p:sp>
+          <p:nvSpPr>
+            <p:cNvPr id="70" name="椭圆 69">
+              <a:extLst>
+                <a:ext uri="{FF2B5EF4-FFF2-40B4-BE49-F238E27FC236}">
+                  <a16:creationId xmlns:a16="http://schemas.microsoft.com/office/drawing/2014/main" id="{E711F8FA-722B-41BE-B370-919D1D6C24FE}"/>
+                </a:ext>
+              </a:extLst>
+            </p:cNvPr>
+            <p:cNvSpPr/>
+            <p:nvPr/>
+          </p:nvSpPr>
+          <p:spPr>
+            <a:xfrm>
+              <a:off x="6683174" y="2513468"/>
+              <a:ext cx="405945" cy="410045"/>
+            </a:xfrm>
+            <a:prstGeom prst="ellipse">
+              <a:avLst/>
+            </a:prstGeom>
+          </p:spPr>
+          <p:style>
+            <a:lnRef idx="1">
+              <a:schemeClr val="accent5"/>
+            </a:lnRef>
+            <a:fillRef idx="3">
+              <a:schemeClr val="accent5"/>
+            </a:fillRef>
+            <a:effectRef idx="2">
+              <a:schemeClr val="accent5"/>
+            </a:effectRef>
+            <a:fontRef idx="minor">
+              <a:schemeClr val="lt1"/>
+            </a:fontRef>
+          </p:style>
+          <p:txBody>
+            <a:bodyPr rtlCol="0" anchor="ctr"/>
+            <a:lstStyle/>
+            <a:p>
+              <a:pPr algn="ctr"/>
+              <a:r>
+                <a:rPr lang="en-US" altLang="zh-CN" dirty="0"/>
+                <a:t>S</a:t>
+              </a:r>
+              <a:endParaRPr lang="zh-CN" altLang="en-US" dirty="0"/>
+            </a:p>
+          </p:txBody>
+        </p:sp>
+        <p:sp>
+          <p:nvSpPr>
+            <p:cNvPr id="71" name="椭圆 70">
+              <a:extLst>
+                <a:ext uri="{FF2B5EF4-FFF2-40B4-BE49-F238E27FC236}">
+                  <a16:creationId xmlns:a16="http://schemas.microsoft.com/office/drawing/2014/main" id="{BD26A16B-E308-4511-BEFC-97FDF48256FD}"/>
+                </a:ext>
+              </a:extLst>
+            </p:cNvPr>
+            <p:cNvSpPr/>
+            <p:nvPr/>
+          </p:nvSpPr>
+          <p:spPr>
+            <a:xfrm>
+              <a:off x="7892808" y="1956957"/>
+              <a:ext cx="405945" cy="410045"/>
+            </a:xfrm>
+            <a:prstGeom prst="ellipse">
+              <a:avLst/>
+            </a:prstGeom>
+          </p:spPr>
+          <p:style>
+            <a:lnRef idx="2">
+              <a:schemeClr val="accent1">
+                <a:shade val="50000"/>
+              </a:schemeClr>
+            </a:lnRef>
+            <a:fillRef idx="1">
+              <a:schemeClr val="accent1"/>
+            </a:fillRef>
+            <a:effectRef idx="0">
+              <a:schemeClr val="accent1"/>
+            </a:effectRef>
+            <a:fontRef idx="minor">
+              <a:schemeClr val="lt1"/>
+            </a:fontRef>
+          </p:style>
+          <p:txBody>
+            <a:bodyPr rtlCol="0" anchor="ctr"/>
+            <a:lstStyle/>
+            <a:p>
+              <a:pPr algn="ctr"/>
+              <a:r>
+                <a:rPr lang="en-US" altLang="zh-CN" dirty="0"/>
+                <a:t>A</a:t>
+              </a:r>
+              <a:endParaRPr lang="zh-CN" altLang="en-US" dirty="0"/>
+            </a:p>
+          </p:txBody>
+        </p:sp>
+        <p:cxnSp>
+          <p:nvCxnSpPr>
+            <p:cNvPr id="72" name="直接连接符 71">
+              <a:extLst>
+                <a:ext uri="{FF2B5EF4-FFF2-40B4-BE49-F238E27FC236}">
+                  <a16:creationId xmlns:a16="http://schemas.microsoft.com/office/drawing/2014/main" id="{41851CC0-8286-44C8-BDFB-0239F3AE44CD}"/>
+                </a:ext>
+              </a:extLst>
+            </p:cNvPr>
+            <p:cNvCxnSpPr>
+              <a:cxnSpLocks/>
+              <a:stCxn id="70" idx="7"/>
+              <a:endCxn id="71" idx="2"/>
+            </p:cNvCxnSpPr>
+            <p:nvPr/>
+          </p:nvCxnSpPr>
+          <p:spPr>
+            <a:xfrm flipV="1">
+              <a:off x="7029670" y="2161980"/>
+              <a:ext cx="863138" cy="411538"/>
+            </a:xfrm>
+            <a:prstGeom prst="line">
+              <a:avLst/>
+            </a:prstGeom>
+            <a:ln>
+              <a:headEnd type="none" w="med" len="med"/>
+              <a:tailEnd type="triangle" w="med" len="med"/>
+            </a:ln>
+          </p:spPr>
+          <p:style>
+            <a:lnRef idx="2">
+              <a:schemeClr val="accent1"/>
+            </a:lnRef>
+            <a:fillRef idx="0">
+              <a:schemeClr val="accent1"/>
+            </a:fillRef>
+            <a:effectRef idx="1">
+              <a:schemeClr val="accent1"/>
+            </a:effectRef>
+            <a:fontRef idx="minor">
+              <a:schemeClr val="tx1"/>
+            </a:fontRef>
+          </p:style>
+        </p:cxnSp>
+        <p:sp>
+          <p:nvSpPr>
+            <p:cNvPr id="73" name="椭圆 72">
+              <a:extLst>
+                <a:ext uri="{FF2B5EF4-FFF2-40B4-BE49-F238E27FC236}">
+                  <a16:creationId xmlns:a16="http://schemas.microsoft.com/office/drawing/2014/main" id="{C24432D8-0ED3-4622-9F96-893DE166EE15}"/>
+                </a:ext>
+              </a:extLst>
+            </p:cNvPr>
+            <p:cNvSpPr/>
+            <p:nvPr/>
+          </p:nvSpPr>
+          <p:spPr>
+            <a:xfrm>
+              <a:off x="7892809" y="3175693"/>
+              <a:ext cx="405945" cy="410045"/>
+            </a:xfrm>
+            <a:prstGeom prst="ellipse">
+              <a:avLst/>
+            </a:prstGeom>
+          </p:spPr>
+          <p:style>
+            <a:lnRef idx="2">
+              <a:schemeClr val="accent1">
+                <a:shade val="50000"/>
+              </a:schemeClr>
+            </a:lnRef>
+            <a:fillRef idx="1">
+              <a:schemeClr val="accent1"/>
+            </a:fillRef>
+            <a:effectRef idx="0">
+              <a:schemeClr val="accent1"/>
+            </a:effectRef>
+            <a:fontRef idx="minor">
+              <a:schemeClr val="lt1"/>
+            </a:fontRef>
+          </p:style>
+          <p:txBody>
+            <a:bodyPr rtlCol="0" anchor="ctr"/>
+            <a:lstStyle/>
+            <a:p>
+              <a:pPr algn="ctr"/>
+              <a:r>
+                <a:rPr lang="en-US" altLang="zh-CN" dirty="0"/>
+                <a:t>B</a:t>
+              </a:r>
+              <a:endParaRPr lang="zh-CN" altLang="en-US" dirty="0"/>
+            </a:p>
+          </p:txBody>
+        </p:sp>
+        <p:cxnSp>
+          <p:nvCxnSpPr>
+            <p:cNvPr id="74" name="直接连接符 73">
+              <a:extLst>
+                <a:ext uri="{FF2B5EF4-FFF2-40B4-BE49-F238E27FC236}">
+                  <a16:creationId xmlns:a16="http://schemas.microsoft.com/office/drawing/2014/main" id="{007987AE-85C9-4847-A91E-AFDC7280D4CD}"/>
+                </a:ext>
+              </a:extLst>
+            </p:cNvPr>
+            <p:cNvCxnSpPr>
+              <a:cxnSpLocks/>
+              <a:stCxn id="70" idx="5"/>
+              <a:endCxn id="73" idx="2"/>
+            </p:cNvCxnSpPr>
+            <p:nvPr/>
+          </p:nvCxnSpPr>
+          <p:spPr>
+            <a:xfrm>
+              <a:off x="7029670" y="2863463"/>
+              <a:ext cx="863139" cy="517253"/>
+            </a:xfrm>
+            <a:prstGeom prst="line">
+              <a:avLst/>
+            </a:prstGeom>
+            <a:ln>
+              <a:headEnd type="none" w="med" len="med"/>
+              <a:tailEnd type="triangle" w="med" len="med"/>
+            </a:ln>
+          </p:spPr>
+          <p:style>
+            <a:lnRef idx="2">
+              <a:schemeClr val="accent1"/>
+            </a:lnRef>
+            <a:fillRef idx="0">
+              <a:schemeClr val="accent1"/>
+            </a:fillRef>
+            <a:effectRef idx="1">
+              <a:schemeClr val="accent1"/>
+            </a:effectRef>
+            <a:fontRef idx="minor">
+              <a:schemeClr val="tx1"/>
+            </a:fontRef>
+          </p:style>
+        </p:cxnSp>
+        <p:sp>
+          <p:nvSpPr>
+            <p:cNvPr id="76" name="椭圆 75">
+              <a:extLst>
+                <a:ext uri="{FF2B5EF4-FFF2-40B4-BE49-F238E27FC236}">
+                  <a16:creationId xmlns:a16="http://schemas.microsoft.com/office/drawing/2014/main" id="{79C1A217-15A4-4AC7-8E1E-29C492AC0193}"/>
+                </a:ext>
+              </a:extLst>
+            </p:cNvPr>
+            <p:cNvSpPr/>
+            <p:nvPr/>
+          </p:nvSpPr>
+          <p:spPr>
+            <a:xfrm>
+              <a:off x="9586291" y="1956957"/>
+              <a:ext cx="405945" cy="410045"/>
+            </a:xfrm>
+            <a:prstGeom prst="ellipse">
+              <a:avLst/>
+            </a:prstGeom>
+          </p:spPr>
+          <p:style>
+            <a:lnRef idx="2">
+              <a:schemeClr val="accent1">
+                <a:shade val="50000"/>
+              </a:schemeClr>
+            </a:lnRef>
+            <a:fillRef idx="1">
+              <a:schemeClr val="accent1"/>
+            </a:fillRef>
+            <a:effectRef idx="0">
+              <a:schemeClr val="accent1"/>
+            </a:effectRef>
+            <a:fontRef idx="minor">
+              <a:schemeClr val="lt1"/>
+            </a:fontRef>
+          </p:style>
+          <p:txBody>
+            <a:bodyPr rtlCol="0" anchor="ctr"/>
+            <a:lstStyle/>
+            <a:p>
+              <a:pPr algn="ctr"/>
+              <a:r>
+                <a:rPr lang="en-US" altLang="zh-CN" dirty="0"/>
+                <a:t>C</a:t>
+              </a:r>
+              <a:endParaRPr lang="zh-CN" altLang="en-US" dirty="0"/>
+            </a:p>
+          </p:txBody>
+        </p:sp>
+        <p:cxnSp>
+          <p:nvCxnSpPr>
+            <p:cNvPr id="77" name="直接连接符 76">
+              <a:extLst>
+                <a:ext uri="{FF2B5EF4-FFF2-40B4-BE49-F238E27FC236}">
+                  <a16:creationId xmlns:a16="http://schemas.microsoft.com/office/drawing/2014/main" id="{BC7FADCA-9DCB-4E76-90B9-8D5B27F8B103}"/>
+                </a:ext>
+              </a:extLst>
+            </p:cNvPr>
+            <p:cNvCxnSpPr>
+              <a:stCxn id="71" idx="6"/>
+              <a:endCxn id="76" idx="2"/>
+            </p:cNvCxnSpPr>
+            <p:nvPr/>
+          </p:nvCxnSpPr>
+          <p:spPr>
+            <a:xfrm>
+              <a:off x="8298753" y="2161980"/>
+              <a:ext cx="1287538" cy="0"/>
+            </a:xfrm>
+            <a:prstGeom prst="line">
+              <a:avLst/>
+            </a:prstGeom>
+            <a:ln>
+              <a:headEnd type="none" w="med" len="med"/>
+              <a:tailEnd type="triangle" w="med" len="med"/>
+            </a:ln>
+          </p:spPr>
+          <p:style>
+            <a:lnRef idx="2">
+              <a:schemeClr val="accent1"/>
+            </a:lnRef>
+            <a:fillRef idx="0">
+              <a:schemeClr val="accent1"/>
+            </a:fillRef>
+            <a:effectRef idx="1">
+              <a:schemeClr val="accent1"/>
+            </a:effectRef>
+            <a:fontRef idx="minor">
+              <a:schemeClr val="tx1"/>
+            </a:fontRef>
+          </p:style>
+        </p:cxnSp>
+        <p:sp>
+          <p:nvSpPr>
+            <p:cNvPr id="79" name="椭圆 78">
+              <a:extLst>
+                <a:ext uri="{FF2B5EF4-FFF2-40B4-BE49-F238E27FC236}">
+                  <a16:creationId xmlns:a16="http://schemas.microsoft.com/office/drawing/2014/main" id="{DAAB58A7-77A0-400E-A07F-F7AE1AB1612A}"/>
+                </a:ext>
+              </a:extLst>
+            </p:cNvPr>
+            <p:cNvSpPr/>
+            <p:nvPr/>
+          </p:nvSpPr>
+          <p:spPr>
+            <a:xfrm>
+              <a:off x="10752670" y="2513467"/>
+              <a:ext cx="405945" cy="410045"/>
+            </a:xfrm>
+            <a:prstGeom prst="ellipse">
+              <a:avLst/>
+            </a:prstGeom>
+          </p:spPr>
+          <p:style>
+            <a:lnRef idx="1">
+              <a:schemeClr val="accent5"/>
+            </a:lnRef>
+            <a:fillRef idx="3">
+              <a:schemeClr val="accent5"/>
+            </a:fillRef>
+            <a:effectRef idx="2">
+              <a:schemeClr val="accent5"/>
+            </a:effectRef>
+            <a:fontRef idx="minor">
+              <a:schemeClr val="lt1"/>
+            </a:fontRef>
+          </p:style>
+          <p:txBody>
+            <a:bodyPr rtlCol="0" anchor="ctr"/>
+            <a:lstStyle/>
+            <a:p>
+              <a:pPr algn="ctr"/>
+              <a:r>
+                <a:rPr lang="en-US" altLang="zh-CN" dirty="0"/>
+                <a:t>T</a:t>
+              </a:r>
+              <a:endParaRPr lang="zh-CN" altLang="en-US" dirty="0"/>
+            </a:p>
+          </p:txBody>
+        </p:sp>
+        <p:cxnSp>
+          <p:nvCxnSpPr>
+            <p:cNvPr id="80" name="直接连接符 79">
+              <a:extLst>
+                <a:ext uri="{FF2B5EF4-FFF2-40B4-BE49-F238E27FC236}">
+                  <a16:creationId xmlns:a16="http://schemas.microsoft.com/office/drawing/2014/main" id="{FBFD81FC-6C49-455D-A3AC-CF3EC7B603AA}"/>
+                </a:ext>
+              </a:extLst>
+            </p:cNvPr>
+            <p:cNvCxnSpPr>
+              <a:cxnSpLocks/>
+              <a:stCxn id="76" idx="6"/>
+              <a:endCxn id="79" idx="1"/>
+            </p:cNvCxnSpPr>
+            <p:nvPr/>
+          </p:nvCxnSpPr>
+          <p:spPr>
+            <a:xfrm>
+              <a:off x="9992236" y="2161980"/>
+              <a:ext cx="819883" cy="411537"/>
+            </a:xfrm>
+            <a:prstGeom prst="line">
+              <a:avLst/>
+            </a:prstGeom>
+            <a:ln>
+              <a:headEnd type="none" w="med" len="med"/>
+              <a:tailEnd type="triangle" w="med" len="med"/>
+            </a:ln>
+          </p:spPr>
+          <p:style>
+            <a:lnRef idx="2">
+              <a:schemeClr val="accent1"/>
+            </a:lnRef>
+            <a:fillRef idx="0">
+              <a:schemeClr val="accent1"/>
+            </a:fillRef>
+            <a:effectRef idx="1">
+              <a:schemeClr val="accent1"/>
+            </a:effectRef>
+            <a:fontRef idx="minor">
+              <a:schemeClr val="tx1"/>
+            </a:fontRef>
+          </p:style>
+        </p:cxnSp>
+        <p:sp>
+          <p:nvSpPr>
+            <p:cNvPr id="82" name="文本框 81">
+              <a:extLst>
+                <a:ext uri="{FF2B5EF4-FFF2-40B4-BE49-F238E27FC236}">
+                  <a16:creationId xmlns:a16="http://schemas.microsoft.com/office/drawing/2014/main" id="{FD034759-C046-4B4C-BAE1-C172157EE41C}"/>
+                </a:ext>
+              </a:extLst>
+            </p:cNvPr>
+            <p:cNvSpPr txBox="1"/>
+            <p:nvPr/>
+          </p:nvSpPr>
+          <p:spPr>
+            <a:xfrm>
+              <a:off x="8731806" y="1911633"/>
+              <a:ext cx="258324" cy="276999"/>
+            </a:xfrm>
+            <a:prstGeom prst="rect">
+              <a:avLst/>
+            </a:prstGeom>
+            <a:noFill/>
+          </p:spPr>
+          <p:txBody>
+            <a:bodyPr wrap="square" rtlCol="0">
+              <a:spAutoFit/>
+            </a:bodyPr>
+            <a:lstStyle/>
+            <a:p>
+              <a:r>
+                <a:rPr lang="en-US" altLang="zh-CN" sz="1200" dirty="0"/>
+                <a:t>4</a:t>
+              </a:r>
+              <a:endParaRPr lang="zh-CN" altLang="en-US" sz="1200" dirty="0"/>
+            </a:p>
+          </p:txBody>
+        </p:sp>
+        <p:sp>
+          <p:nvSpPr>
+            <p:cNvPr id="83" name="文本框 82">
+              <a:extLst>
+                <a:ext uri="{FF2B5EF4-FFF2-40B4-BE49-F238E27FC236}">
+                  <a16:creationId xmlns:a16="http://schemas.microsoft.com/office/drawing/2014/main" id="{8913C4C1-3D5F-4E38-AB68-8B47136A851E}"/>
+                </a:ext>
+              </a:extLst>
+            </p:cNvPr>
+            <p:cNvSpPr txBox="1"/>
+            <p:nvPr/>
+          </p:nvSpPr>
+          <p:spPr>
+            <a:xfrm>
+              <a:off x="7140341" y="2160005"/>
+              <a:ext cx="448540" cy="276999"/>
+            </a:xfrm>
+            <a:prstGeom prst="rect">
+              <a:avLst/>
+            </a:prstGeom>
+            <a:noFill/>
+          </p:spPr>
+          <p:txBody>
+            <a:bodyPr wrap="square" rtlCol="0">
+              <a:spAutoFit/>
+            </a:bodyPr>
+            <a:lstStyle/>
+            <a:p>
+              <a:r>
+                <a:rPr lang="en-US" altLang="zh-CN" sz="1200" dirty="0"/>
+                <a:t>6</a:t>
+              </a:r>
+              <a:endParaRPr lang="zh-CN" altLang="en-US" sz="1200" dirty="0"/>
+            </a:p>
+          </p:txBody>
+        </p:sp>
+        <p:sp>
+          <p:nvSpPr>
+            <p:cNvPr id="84" name="文本框 83">
+              <a:extLst>
+                <a:ext uri="{FF2B5EF4-FFF2-40B4-BE49-F238E27FC236}">
+                  <a16:creationId xmlns:a16="http://schemas.microsoft.com/office/drawing/2014/main" id="{ECE383FA-D99F-4F27-A99D-8E745B077AEF}"/>
+                </a:ext>
+              </a:extLst>
+            </p:cNvPr>
+            <p:cNvSpPr txBox="1"/>
+            <p:nvPr/>
+          </p:nvSpPr>
+          <p:spPr>
+            <a:xfrm>
+              <a:off x="10284658" y="2110210"/>
+              <a:ext cx="448540" cy="276999"/>
+            </a:xfrm>
+            <a:prstGeom prst="rect">
+              <a:avLst/>
+            </a:prstGeom>
+            <a:noFill/>
+          </p:spPr>
+          <p:txBody>
+            <a:bodyPr wrap="square" rtlCol="0">
+              <a:spAutoFit/>
+            </a:bodyPr>
+            <a:lstStyle/>
+            <a:p>
+              <a:r>
+                <a:rPr lang="en-US" altLang="zh-CN" sz="1200" dirty="0"/>
+                <a:t>10</a:t>
+              </a:r>
+              <a:endParaRPr lang="zh-CN" altLang="en-US" sz="1200" dirty="0"/>
+            </a:p>
+          </p:txBody>
+        </p:sp>
+        <p:sp>
+          <p:nvSpPr>
+            <p:cNvPr id="85" name="文本框 84">
+              <a:extLst>
+                <a:ext uri="{FF2B5EF4-FFF2-40B4-BE49-F238E27FC236}">
+                  <a16:creationId xmlns:a16="http://schemas.microsoft.com/office/drawing/2014/main" id="{3C77A5DF-B913-4D07-87BD-FAE2F9D79C21}"/>
+                </a:ext>
+              </a:extLst>
+            </p:cNvPr>
+            <p:cNvSpPr txBox="1"/>
+            <p:nvPr/>
+          </p:nvSpPr>
+          <p:spPr>
+            <a:xfrm>
+              <a:off x="7237990" y="3087017"/>
+              <a:ext cx="376089" cy="276999"/>
+            </a:xfrm>
+            <a:prstGeom prst="rect">
+              <a:avLst/>
+            </a:prstGeom>
+            <a:noFill/>
+          </p:spPr>
+          <p:txBody>
+            <a:bodyPr wrap="square" rtlCol="0">
+              <a:spAutoFit/>
+            </a:bodyPr>
+            <a:lstStyle/>
+            <a:p>
+              <a:r>
+                <a:rPr lang="en-US" altLang="zh-CN" sz="1200" dirty="0"/>
+                <a:t>15</a:t>
+              </a:r>
+              <a:endParaRPr lang="zh-CN" altLang="en-US" sz="1200" dirty="0"/>
+            </a:p>
+          </p:txBody>
+        </p:sp>
+      </p:grpSp>
+    </p:spTree>
+    <p:extLst>
+      <p:ext uri="{BB962C8B-B14F-4D97-AF65-F5344CB8AC3E}">
+        <p14:creationId xmlns:p14="http://schemas.microsoft.com/office/powerpoint/2010/main" val="4056144983"/>
+      </p:ext>
+    </p:extLst>
+  </p:cSld>
+  <p:clrMapOvr>
+    <a:masterClrMapping/>
+  </p:clrMapOvr>
+</p:sld>
+</file>
+
+<file path=ppt/slides/slide17.xml><?xml version="1.0" encoding="utf-8"?>
+<p:sld xmlns:a="http://schemas.openxmlformats.org/drawingml/2006/main" xmlns:r="http://schemas.openxmlformats.org/officeDocument/2006/relationships" xmlns:p="http://schemas.openxmlformats.org/presentationml/2006/main">
+  <p:cSld>
+    <p:spTree>
+      <p:nvGrpSpPr>
+        <p:cNvPr id="1" name=""/>
+        <p:cNvGrpSpPr/>
+        <p:nvPr/>
+      </p:nvGrpSpPr>
+      <p:grpSpPr>
+        <a:xfrm>
+          <a:off x="0" y="0"/>
+          <a:ext cx="0" cy="0"/>
+          <a:chOff x="0" y="0"/>
+          <a:chExt cx="0" cy="0"/>
+        </a:xfrm>
+      </p:grpSpPr>
+      <mc:AlternateContent xmlns:mc="http://schemas.openxmlformats.org/markup-compatibility/2006">
+        <mc:Choice xmlns:a14="http://schemas.microsoft.com/office/drawing/2010/main" Requires="a14">
+          <p:sp>
+            <p:nvSpPr>
+              <p:cNvPr id="4" name="标题 1">
+                <a:extLst>
+                  <a:ext uri="{FF2B5EF4-FFF2-40B4-BE49-F238E27FC236}">
+                    <a16:creationId xmlns:a16="http://schemas.microsoft.com/office/drawing/2014/main" id="{416833A7-138B-4975-A37F-1FC866885CEF}"/>
+                  </a:ext>
+                </a:extLst>
+              </p:cNvPr>
+              <p:cNvSpPr>
+                <a:spLocks noGrp="1"/>
+              </p:cNvSpPr>
+              <p:nvPr>
+                <p:ph type="title"/>
+              </p:nvPr>
+            </p:nvSpPr>
+            <p:spPr>
+              <a:xfrm>
+                <a:off x="1024128" y="585216"/>
+                <a:ext cx="10678552" cy="1499616"/>
+              </a:xfrm>
+            </p:spPr>
+            <p:txBody>
+              <a:bodyPr>
+                <a:normAutofit/>
+              </a:bodyPr>
+              <a:lstStyle/>
+              <a:p>
+                <a:r>
+                  <a:rPr lang="en-US" altLang="zh-CN" dirty="0" err="1"/>
+                  <a:t>Dinic</a:t>
+                </a:r>
+                <a:r>
+                  <a:rPr lang="en-US" altLang="zh-CN" dirty="0"/>
+                  <a:t> </a:t>
+                </a:r>
+                <a:r>
+                  <a:rPr lang="zh-CN" altLang="en-US" dirty="0"/>
+                  <a:t>算法，</a:t>
+                </a:r>
+                <a:r>
+                  <a:rPr lang="en-US" altLang="zh-CN" dirty="0"/>
+                  <a:t> </a:t>
+                </a:r>
+                <a14:m>
+                  <m:oMath xmlns:m="http://schemas.openxmlformats.org/officeDocument/2006/math">
+                    <m:r>
+                      <a:rPr lang="en-US" altLang="zh-CN" i="1">
+                        <a:latin typeface="Cambria Math" panose="02040503050406030204" pitchFamily="18" charset="0"/>
+                      </a:rPr>
+                      <m:t>𝑂</m:t>
+                    </m:r>
+                    <m:r>
+                      <a:rPr lang="en-US" altLang="zh-CN" i="1">
+                        <a:latin typeface="Cambria Math" panose="02040503050406030204" pitchFamily="18" charset="0"/>
+                      </a:rPr>
+                      <m:t>(</m:t>
+                    </m:r>
+                    <m:sSup>
+                      <m:sSupPr>
+                        <m:ctrlPr>
+                          <a:rPr lang="en-US" altLang="zh-CN" i="1">
+                            <a:latin typeface="Cambria Math" panose="02040503050406030204" pitchFamily="18" charset="0"/>
+                            <a:ea typeface="Cambria Math" panose="02040503050406030204" pitchFamily="18" charset="0"/>
+                          </a:rPr>
+                        </m:ctrlPr>
+                      </m:sSupPr>
+                      <m:e>
+                        <m:r>
+                          <a:rPr lang="en-US" altLang="zh-CN" i="1">
+                            <a:latin typeface="Cambria Math" panose="02040503050406030204" pitchFamily="18" charset="0"/>
+                            <a:ea typeface="Cambria Math" panose="02040503050406030204" pitchFamily="18" charset="0"/>
+                          </a:rPr>
+                          <m:t>𝑉</m:t>
+                        </m:r>
+                      </m:e>
+                      <m:sup>
+                        <m:r>
+                          <a:rPr lang="en-US" altLang="zh-CN" i="1">
+                            <a:latin typeface="Cambria Math" panose="02040503050406030204" pitchFamily="18" charset="0"/>
+                            <a:ea typeface="Cambria Math" panose="02040503050406030204" pitchFamily="18" charset="0"/>
+                          </a:rPr>
+                          <m:t>2</m:t>
+                        </m:r>
+                      </m:sup>
+                    </m:sSup>
+                    <m:r>
+                      <a:rPr lang="en-US" altLang="zh-CN" i="1">
+                        <a:latin typeface="Cambria Math" panose="02040503050406030204" pitchFamily="18" charset="0"/>
+                        <a:ea typeface="Cambria Math" panose="02040503050406030204" pitchFamily="18" charset="0"/>
+                      </a:rPr>
+                      <m:t>×</m:t>
+                    </m:r>
+                    <m:r>
+                      <a:rPr lang="en-US" altLang="zh-CN" i="1">
+                        <a:latin typeface="Cambria Math" panose="02040503050406030204" pitchFamily="18" charset="0"/>
+                        <a:ea typeface="Cambria Math" panose="02040503050406030204" pitchFamily="18" charset="0"/>
+                      </a:rPr>
+                      <m:t>𝐸</m:t>
+                    </m:r>
+                    <m:r>
+                      <a:rPr lang="en-US" altLang="zh-CN" i="1">
+                        <a:latin typeface="Cambria Math" panose="02040503050406030204" pitchFamily="18" charset="0"/>
+                      </a:rPr>
+                      <m:t>)</m:t>
+                    </m:r>
+                  </m:oMath>
+                </a14:m>
+                <a:br>
+                  <a:rPr lang="en-US" altLang="zh-CN" i="1" dirty="0"/>
+                </a:br>
+                <a:endParaRPr lang="zh-CN" altLang="en-US" dirty="0"/>
+              </a:p>
+            </p:txBody>
+          </p:sp>
+        </mc:Choice>
+        <mc:Fallback>
+          <p:sp>
+            <p:nvSpPr>
+              <p:cNvPr id="4" name="标题 1">
+                <a:extLst>
+                  <a:ext uri="{FF2B5EF4-FFF2-40B4-BE49-F238E27FC236}">
+                    <a16:creationId xmlns:a16="http://schemas.microsoft.com/office/drawing/2014/main" id="{416833A7-138B-4975-A37F-1FC866885CEF}"/>
+                  </a:ext>
+                </a:extLst>
+              </p:cNvPr>
+              <p:cNvSpPr>
+                <a:spLocks noGrp="1" noRot="1" noChangeAspect="1" noMove="1" noResize="1" noEditPoints="1" noAdjustHandles="1" noChangeArrowheads="1" noChangeShapeType="1" noTextEdit="1"/>
+              </p:cNvSpPr>
+              <p:nvPr>
+                <p:ph type="title"/>
+              </p:nvPr>
+            </p:nvSpPr>
+            <p:spPr>
+              <a:xfrm>
+                <a:off x="1024128" y="585216"/>
+                <a:ext cx="10678552" cy="1499616"/>
+              </a:xfrm>
+              <a:blipFill>
+                <a:blip r:embed="rId2"/>
+                <a:stretch>
+                  <a:fillRect l="-2740" t="-13008"/>
+                </a:stretch>
+              </a:blipFill>
+            </p:spPr>
+            <p:txBody>
+              <a:bodyPr/>
+              <a:lstStyle/>
+              <a:p>
+                <a:r>
+                  <a:rPr lang="zh-CN" altLang="en-US">
+                    <a:noFill/>
+                  </a:rPr>
+                  <a:t> </a:t>
+                </a:r>
+              </a:p>
+            </p:txBody>
+          </p:sp>
+        </mc:Fallback>
+      </mc:AlternateContent>
+      <p:grpSp>
+        <p:nvGrpSpPr>
+          <p:cNvPr id="69" name="组合 68">
+            <a:extLst>
+              <a:ext uri="{FF2B5EF4-FFF2-40B4-BE49-F238E27FC236}">
+                <a16:creationId xmlns:a16="http://schemas.microsoft.com/office/drawing/2014/main" id="{8D343206-1F02-4D61-95DC-474D995BCCDC}"/>
+              </a:ext>
+            </a:extLst>
+          </p:cNvPr>
+          <p:cNvGrpSpPr/>
+          <p:nvPr/>
+        </p:nvGrpSpPr>
+        <p:grpSpPr>
+          <a:xfrm>
+            <a:off x="7215845" y="1739526"/>
+            <a:ext cx="4475441" cy="1011880"/>
+            <a:chOff x="6683174" y="1911633"/>
+            <a:chExt cx="4475441" cy="1011880"/>
+          </a:xfrm>
+        </p:grpSpPr>
+        <p:sp>
+          <p:nvSpPr>
+            <p:cNvPr id="70" name="椭圆 69">
+              <a:extLst>
+                <a:ext uri="{FF2B5EF4-FFF2-40B4-BE49-F238E27FC236}">
+                  <a16:creationId xmlns:a16="http://schemas.microsoft.com/office/drawing/2014/main" id="{E711F8FA-722B-41BE-B370-919D1D6C24FE}"/>
+                </a:ext>
+              </a:extLst>
+            </p:cNvPr>
+            <p:cNvSpPr/>
+            <p:nvPr/>
+          </p:nvSpPr>
+          <p:spPr>
+            <a:xfrm>
+              <a:off x="6683174" y="2513468"/>
+              <a:ext cx="405945" cy="410045"/>
+            </a:xfrm>
+            <a:prstGeom prst="ellipse">
+              <a:avLst/>
+            </a:prstGeom>
+          </p:spPr>
+          <p:style>
+            <a:lnRef idx="1">
+              <a:schemeClr val="accent5"/>
+            </a:lnRef>
+            <a:fillRef idx="3">
+              <a:schemeClr val="accent5"/>
+            </a:fillRef>
+            <a:effectRef idx="2">
+              <a:schemeClr val="accent5"/>
+            </a:effectRef>
+            <a:fontRef idx="minor">
+              <a:schemeClr val="lt1"/>
+            </a:fontRef>
+          </p:style>
+          <p:txBody>
+            <a:bodyPr rtlCol="0" anchor="ctr"/>
+            <a:lstStyle/>
+            <a:p>
+              <a:pPr algn="ctr"/>
+              <a:r>
+                <a:rPr lang="en-US" altLang="zh-CN" dirty="0"/>
+                <a:t>S</a:t>
+              </a:r>
+              <a:endParaRPr lang="zh-CN" altLang="en-US" dirty="0"/>
+            </a:p>
+          </p:txBody>
+        </p:sp>
+        <p:sp>
+          <p:nvSpPr>
+            <p:cNvPr id="71" name="椭圆 70">
+              <a:extLst>
+                <a:ext uri="{FF2B5EF4-FFF2-40B4-BE49-F238E27FC236}">
+                  <a16:creationId xmlns:a16="http://schemas.microsoft.com/office/drawing/2014/main" id="{BD26A16B-E308-4511-BEFC-97FDF48256FD}"/>
+                </a:ext>
+              </a:extLst>
+            </p:cNvPr>
+            <p:cNvSpPr/>
+            <p:nvPr/>
+          </p:nvSpPr>
+          <p:spPr>
+            <a:xfrm>
+              <a:off x="7892808" y="1956957"/>
+              <a:ext cx="405945" cy="410045"/>
+            </a:xfrm>
+            <a:prstGeom prst="ellipse">
+              <a:avLst/>
+            </a:prstGeom>
+            <a:solidFill>
+              <a:srgbClr val="FF0000"/>
+            </a:solidFill>
+          </p:spPr>
+          <p:style>
+            <a:lnRef idx="2">
+              <a:schemeClr val="accent1">
+                <a:shade val="50000"/>
+              </a:schemeClr>
+            </a:lnRef>
+            <a:fillRef idx="1">
+              <a:schemeClr val="accent1"/>
+            </a:fillRef>
+            <a:effectRef idx="0">
+              <a:schemeClr val="accent1"/>
+            </a:effectRef>
+            <a:fontRef idx="minor">
+              <a:schemeClr val="lt1"/>
+            </a:fontRef>
+          </p:style>
+          <p:txBody>
+            <a:bodyPr rtlCol="0" anchor="ctr"/>
+            <a:lstStyle/>
+            <a:p>
+              <a:pPr algn="ctr"/>
+              <a:r>
+                <a:rPr lang="en-US" altLang="zh-CN" dirty="0"/>
+                <a:t>A</a:t>
+              </a:r>
+              <a:endParaRPr lang="zh-CN" altLang="en-US" dirty="0"/>
+            </a:p>
+          </p:txBody>
+        </p:sp>
+        <p:cxnSp>
+          <p:nvCxnSpPr>
+            <p:cNvPr id="72" name="直接连接符 71">
+              <a:extLst>
+                <a:ext uri="{FF2B5EF4-FFF2-40B4-BE49-F238E27FC236}">
+                  <a16:creationId xmlns:a16="http://schemas.microsoft.com/office/drawing/2014/main" id="{41851CC0-8286-44C8-BDFB-0239F3AE44CD}"/>
+                </a:ext>
+              </a:extLst>
+            </p:cNvPr>
+            <p:cNvCxnSpPr>
+              <a:cxnSpLocks/>
+              <a:stCxn id="70" idx="7"/>
+              <a:endCxn id="71" idx="2"/>
+            </p:cNvCxnSpPr>
+            <p:nvPr/>
+          </p:nvCxnSpPr>
+          <p:spPr>
+            <a:xfrm flipV="1">
+              <a:off x="7029670" y="2161980"/>
+              <a:ext cx="863138" cy="411538"/>
+            </a:xfrm>
+            <a:prstGeom prst="line">
+              <a:avLst/>
+            </a:prstGeom>
+            <a:ln>
+              <a:headEnd type="none" w="med" len="med"/>
+              <a:tailEnd type="triangle" w="med" len="med"/>
+            </a:ln>
+          </p:spPr>
+          <p:style>
+            <a:lnRef idx="2">
+              <a:schemeClr val="accent1"/>
+            </a:lnRef>
+            <a:fillRef idx="0">
+              <a:schemeClr val="accent1"/>
+            </a:fillRef>
+            <a:effectRef idx="1">
+              <a:schemeClr val="accent1"/>
+            </a:effectRef>
+            <a:fontRef idx="minor">
+              <a:schemeClr val="tx1"/>
+            </a:fontRef>
+          </p:style>
+        </p:cxnSp>
+        <p:sp>
+          <p:nvSpPr>
+            <p:cNvPr id="76" name="椭圆 75">
+              <a:extLst>
+                <a:ext uri="{FF2B5EF4-FFF2-40B4-BE49-F238E27FC236}">
+                  <a16:creationId xmlns:a16="http://schemas.microsoft.com/office/drawing/2014/main" id="{79C1A217-15A4-4AC7-8E1E-29C492AC0193}"/>
+                </a:ext>
+              </a:extLst>
+            </p:cNvPr>
+            <p:cNvSpPr/>
+            <p:nvPr/>
+          </p:nvSpPr>
+          <p:spPr>
+            <a:xfrm>
+              <a:off x="9586291" y="1956957"/>
+              <a:ext cx="405945" cy="410045"/>
+            </a:xfrm>
+            <a:prstGeom prst="ellipse">
+              <a:avLst/>
+            </a:prstGeom>
+          </p:spPr>
+          <p:style>
+            <a:lnRef idx="2">
+              <a:schemeClr val="accent1">
+                <a:shade val="50000"/>
+              </a:schemeClr>
+            </a:lnRef>
+            <a:fillRef idx="1">
+              <a:schemeClr val="accent1"/>
+            </a:fillRef>
+            <a:effectRef idx="0">
+              <a:schemeClr val="accent1"/>
+            </a:effectRef>
+            <a:fontRef idx="minor">
+              <a:schemeClr val="lt1"/>
+            </a:fontRef>
+          </p:style>
+          <p:txBody>
+            <a:bodyPr rtlCol="0" anchor="ctr"/>
+            <a:lstStyle/>
+            <a:p>
+              <a:pPr algn="ctr"/>
+              <a:r>
+                <a:rPr lang="en-US" altLang="zh-CN" dirty="0"/>
+                <a:t>C</a:t>
+              </a:r>
+              <a:endParaRPr lang="zh-CN" altLang="en-US" dirty="0"/>
+            </a:p>
+          </p:txBody>
+        </p:sp>
+        <p:cxnSp>
+          <p:nvCxnSpPr>
+            <p:cNvPr id="77" name="直接连接符 76">
+              <a:extLst>
+                <a:ext uri="{FF2B5EF4-FFF2-40B4-BE49-F238E27FC236}">
+                  <a16:creationId xmlns:a16="http://schemas.microsoft.com/office/drawing/2014/main" id="{BC7FADCA-9DCB-4E76-90B9-8D5B27F8B103}"/>
+                </a:ext>
+              </a:extLst>
+            </p:cNvPr>
+            <p:cNvCxnSpPr>
+              <a:stCxn id="71" idx="6"/>
+              <a:endCxn id="76" idx="2"/>
+            </p:cNvCxnSpPr>
+            <p:nvPr/>
+          </p:nvCxnSpPr>
+          <p:spPr>
+            <a:xfrm>
+              <a:off x="8298753" y="2161980"/>
+              <a:ext cx="1287538" cy="0"/>
+            </a:xfrm>
+            <a:prstGeom prst="line">
+              <a:avLst/>
+            </a:prstGeom>
+            <a:ln>
+              <a:solidFill>
+                <a:srgbClr val="FF0000"/>
+              </a:solidFill>
+              <a:headEnd type="none" w="med" len="med"/>
+              <a:tailEnd type="triangle" w="med" len="med"/>
+            </a:ln>
+          </p:spPr>
+          <p:style>
+            <a:lnRef idx="2">
+              <a:schemeClr val="accent1"/>
+            </a:lnRef>
+            <a:fillRef idx="0">
+              <a:schemeClr val="accent1"/>
+            </a:fillRef>
+            <a:effectRef idx="1">
+              <a:schemeClr val="accent1"/>
+            </a:effectRef>
+            <a:fontRef idx="minor">
+              <a:schemeClr val="tx1"/>
+            </a:fontRef>
+          </p:style>
+        </p:cxnSp>
+        <p:sp>
+          <p:nvSpPr>
+            <p:cNvPr id="79" name="椭圆 78">
+              <a:extLst>
+                <a:ext uri="{FF2B5EF4-FFF2-40B4-BE49-F238E27FC236}">
+                  <a16:creationId xmlns:a16="http://schemas.microsoft.com/office/drawing/2014/main" id="{DAAB58A7-77A0-400E-A07F-F7AE1AB1612A}"/>
+                </a:ext>
+              </a:extLst>
+            </p:cNvPr>
+            <p:cNvSpPr/>
+            <p:nvPr/>
+          </p:nvSpPr>
+          <p:spPr>
+            <a:xfrm>
+              <a:off x="10752670" y="2513467"/>
+              <a:ext cx="405945" cy="410045"/>
+            </a:xfrm>
+            <a:prstGeom prst="ellipse">
+              <a:avLst/>
+            </a:prstGeom>
+          </p:spPr>
+          <p:style>
+            <a:lnRef idx="1">
+              <a:schemeClr val="accent5"/>
+            </a:lnRef>
+            <a:fillRef idx="3">
+              <a:schemeClr val="accent5"/>
+            </a:fillRef>
+            <a:effectRef idx="2">
+              <a:schemeClr val="accent5"/>
+            </a:effectRef>
+            <a:fontRef idx="minor">
+              <a:schemeClr val="lt1"/>
+            </a:fontRef>
+          </p:style>
+          <p:txBody>
+            <a:bodyPr rtlCol="0" anchor="ctr"/>
+            <a:lstStyle/>
+            <a:p>
+              <a:pPr algn="ctr"/>
+              <a:r>
+                <a:rPr lang="en-US" altLang="zh-CN" dirty="0"/>
+                <a:t>T</a:t>
+              </a:r>
+              <a:endParaRPr lang="zh-CN" altLang="en-US" dirty="0"/>
+            </a:p>
+          </p:txBody>
+        </p:sp>
+        <p:cxnSp>
+          <p:nvCxnSpPr>
+            <p:cNvPr id="80" name="直接连接符 79">
+              <a:extLst>
+                <a:ext uri="{FF2B5EF4-FFF2-40B4-BE49-F238E27FC236}">
+                  <a16:creationId xmlns:a16="http://schemas.microsoft.com/office/drawing/2014/main" id="{FBFD81FC-6C49-455D-A3AC-CF3EC7B603AA}"/>
+                </a:ext>
+              </a:extLst>
+            </p:cNvPr>
+            <p:cNvCxnSpPr>
+              <a:cxnSpLocks/>
+              <a:stCxn id="76" idx="6"/>
+              <a:endCxn id="79" idx="1"/>
+            </p:cNvCxnSpPr>
+            <p:nvPr/>
+          </p:nvCxnSpPr>
+          <p:spPr>
+            <a:xfrm>
+              <a:off x="9992236" y="2161980"/>
+              <a:ext cx="819883" cy="411537"/>
+            </a:xfrm>
+            <a:prstGeom prst="line">
+              <a:avLst/>
+            </a:prstGeom>
+            <a:ln>
+              <a:headEnd type="none" w="med" len="med"/>
+              <a:tailEnd type="triangle" w="med" len="med"/>
+            </a:ln>
+          </p:spPr>
+          <p:style>
+            <a:lnRef idx="2">
+              <a:schemeClr val="accent1"/>
+            </a:lnRef>
+            <a:fillRef idx="0">
+              <a:schemeClr val="accent1"/>
+            </a:fillRef>
+            <a:effectRef idx="1">
+              <a:schemeClr val="accent1"/>
+            </a:effectRef>
+            <a:fontRef idx="minor">
+              <a:schemeClr val="tx1"/>
+            </a:fontRef>
+          </p:style>
+        </p:cxnSp>
+        <p:sp>
+          <p:nvSpPr>
+            <p:cNvPr id="82" name="文本框 81">
+              <a:extLst>
+                <a:ext uri="{FF2B5EF4-FFF2-40B4-BE49-F238E27FC236}">
+                  <a16:creationId xmlns:a16="http://schemas.microsoft.com/office/drawing/2014/main" id="{FD034759-C046-4B4C-BAE1-C172157EE41C}"/>
+                </a:ext>
+              </a:extLst>
+            </p:cNvPr>
+            <p:cNvSpPr txBox="1"/>
+            <p:nvPr/>
+          </p:nvSpPr>
+          <p:spPr>
+            <a:xfrm>
+              <a:off x="8731806" y="1911633"/>
+              <a:ext cx="258324" cy="276999"/>
+            </a:xfrm>
+            <a:prstGeom prst="rect">
+              <a:avLst/>
+            </a:prstGeom>
+            <a:noFill/>
+          </p:spPr>
+          <p:txBody>
+            <a:bodyPr wrap="square" rtlCol="0">
+              <a:spAutoFit/>
+            </a:bodyPr>
+            <a:lstStyle/>
+            <a:p>
+              <a:r>
+                <a:rPr lang="en-US" altLang="zh-CN" sz="1200" dirty="0"/>
+                <a:t>4</a:t>
+              </a:r>
+              <a:endParaRPr lang="zh-CN" altLang="en-US" sz="1200" dirty="0"/>
+            </a:p>
+          </p:txBody>
+        </p:sp>
+        <p:sp>
+          <p:nvSpPr>
+            <p:cNvPr id="83" name="文本框 82">
+              <a:extLst>
+                <a:ext uri="{FF2B5EF4-FFF2-40B4-BE49-F238E27FC236}">
+                  <a16:creationId xmlns:a16="http://schemas.microsoft.com/office/drawing/2014/main" id="{8913C4C1-3D5F-4E38-AB68-8B47136A851E}"/>
+                </a:ext>
+              </a:extLst>
+            </p:cNvPr>
+            <p:cNvSpPr txBox="1"/>
+            <p:nvPr/>
+          </p:nvSpPr>
+          <p:spPr>
+            <a:xfrm>
+              <a:off x="7140341" y="2160005"/>
+              <a:ext cx="448540" cy="276999"/>
+            </a:xfrm>
+            <a:prstGeom prst="rect">
+              <a:avLst/>
+            </a:prstGeom>
+            <a:noFill/>
+          </p:spPr>
+          <p:txBody>
+            <a:bodyPr wrap="square" rtlCol="0">
+              <a:spAutoFit/>
+            </a:bodyPr>
+            <a:lstStyle/>
+            <a:p>
+              <a:r>
+                <a:rPr lang="en-US" altLang="zh-CN" sz="1200" dirty="0"/>
+                <a:t>6</a:t>
+              </a:r>
+              <a:endParaRPr lang="zh-CN" altLang="en-US" sz="1200" dirty="0"/>
+            </a:p>
+          </p:txBody>
+        </p:sp>
+        <p:sp>
+          <p:nvSpPr>
+            <p:cNvPr id="84" name="文本框 83">
+              <a:extLst>
+                <a:ext uri="{FF2B5EF4-FFF2-40B4-BE49-F238E27FC236}">
+                  <a16:creationId xmlns:a16="http://schemas.microsoft.com/office/drawing/2014/main" id="{ECE383FA-D99F-4F27-A99D-8E745B077AEF}"/>
+                </a:ext>
+              </a:extLst>
+            </p:cNvPr>
+            <p:cNvSpPr txBox="1"/>
+            <p:nvPr/>
+          </p:nvSpPr>
+          <p:spPr>
+            <a:xfrm>
+              <a:off x="10284658" y="2110210"/>
+              <a:ext cx="448540" cy="276999"/>
+            </a:xfrm>
+            <a:prstGeom prst="rect">
+              <a:avLst/>
+            </a:prstGeom>
+            <a:noFill/>
+          </p:spPr>
+          <p:txBody>
+            <a:bodyPr wrap="square" rtlCol="0">
+              <a:spAutoFit/>
+            </a:bodyPr>
+            <a:lstStyle/>
+            <a:p>
+              <a:r>
+                <a:rPr lang="en-US" altLang="zh-CN" sz="1200" dirty="0"/>
+                <a:t>10</a:t>
+              </a:r>
+              <a:endParaRPr lang="zh-CN" altLang="en-US" sz="1200" dirty="0"/>
+            </a:p>
+          </p:txBody>
+        </p:sp>
+      </p:grpSp>
+      <p:grpSp>
+        <p:nvGrpSpPr>
+          <p:cNvPr id="86" name="组合 85">
+            <a:extLst>
+              <a:ext uri="{FF2B5EF4-FFF2-40B4-BE49-F238E27FC236}">
+                <a16:creationId xmlns:a16="http://schemas.microsoft.com/office/drawing/2014/main" id="{1FB82A1D-F7E2-4D39-9D4E-713F6B58A3D5}"/>
+              </a:ext>
+            </a:extLst>
+          </p:cNvPr>
+          <p:cNvGrpSpPr/>
+          <p:nvPr/>
+        </p:nvGrpSpPr>
+        <p:grpSpPr>
+          <a:xfrm>
+            <a:off x="1452866" y="1858595"/>
+            <a:ext cx="4475441" cy="1011880"/>
+            <a:chOff x="6683174" y="1911633"/>
+            <a:chExt cx="4475441" cy="1011880"/>
+          </a:xfrm>
+        </p:grpSpPr>
+        <p:sp>
+          <p:nvSpPr>
+            <p:cNvPr id="87" name="椭圆 86">
+              <a:extLst>
+                <a:ext uri="{FF2B5EF4-FFF2-40B4-BE49-F238E27FC236}">
+                  <a16:creationId xmlns:a16="http://schemas.microsoft.com/office/drawing/2014/main" id="{C8480BD1-134D-4A8A-A494-DA0C73B925DB}"/>
+                </a:ext>
+              </a:extLst>
+            </p:cNvPr>
+            <p:cNvSpPr/>
+            <p:nvPr/>
+          </p:nvSpPr>
+          <p:spPr>
+            <a:xfrm>
+              <a:off x="6683174" y="2513468"/>
+              <a:ext cx="405945" cy="410045"/>
+            </a:xfrm>
+            <a:prstGeom prst="ellipse">
+              <a:avLst/>
+            </a:prstGeom>
+          </p:spPr>
+          <p:style>
+            <a:lnRef idx="1">
+              <a:schemeClr val="accent5"/>
+            </a:lnRef>
+            <a:fillRef idx="3">
+              <a:schemeClr val="accent5"/>
+            </a:fillRef>
+            <a:effectRef idx="2">
+              <a:schemeClr val="accent5"/>
+            </a:effectRef>
+            <a:fontRef idx="minor">
+              <a:schemeClr val="lt1"/>
+            </a:fontRef>
+          </p:style>
+          <p:txBody>
+            <a:bodyPr rtlCol="0" anchor="ctr"/>
+            <a:lstStyle/>
+            <a:p>
+              <a:pPr algn="ctr"/>
+              <a:r>
+                <a:rPr lang="en-US" altLang="zh-CN" dirty="0"/>
+                <a:t>S</a:t>
+              </a:r>
+              <a:endParaRPr lang="zh-CN" altLang="en-US" dirty="0"/>
+            </a:p>
+          </p:txBody>
+        </p:sp>
+        <p:sp>
+          <p:nvSpPr>
+            <p:cNvPr id="88" name="椭圆 87">
+              <a:extLst>
+                <a:ext uri="{FF2B5EF4-FFF2-40B4-BE49-F238E27FC236}">
+                  <a16:creationId xmlns:a16="http://schemas.microsoft.com/office/drawing/2014/main" id="{E0C9B7AF-E1F8-491A-A0AE-722EE5F70FA7}"/>
+                </a:ext>
+              </a:extLst>
+            </p:cNvPr>
+            <p:cNvSpPr/>
+            <p:nvPr/>
+          </p:nvSpPr>
+          <p:spPr>
+            <a:xfrm>
+              <a:off x="7892808" y="1956957"/>
+              <a:ext cx="405945" cy="410045"/>
+            </a:xfrm>
+            <a:prstGeom prst="ellipse">
+              <a:avLst/>
+            </a:prstGeom>
+          </p:spPr>
+          <p:style>
+            <a:lnRef idx="2">
+              <a:schemeClr val="accent1">
+                <a:shade val="50000"/>
+              </a:schemeClr>
+            </a:lnRef>
+            <a:fillRef idx="1">
+              <a:schemeClr val="accent1"/>
+            </a:fillRef>
+            <a:effectRef idx="0">
+              <a:schemeClr val="accent1"/>
+            </a:effectRef>
+            <a:fontRef idx="minor">
+              <a:schemeClr val="lt1"/>
+            </a:fontRef>
+          </p:style>
+          <p:txBody>
+            <a:bodyPr rtlCol="0" anchor="ctr"/>
+            <a:lstStyle/>
+            <a:p>
+              <a:pPr algn="ctr"/>
+              <a:r>
+                <a:rPr lang="en-US" altLang="zh-CN" dirty="0"/>
+                <a:t>A</a:t>
+              </a:r>
+              <a:endParaRPr lang="zh-CN" altLang="en-US" dirty="0"/>
+            </a:p>
+          </p:txBody>
+        </p:sp>
+        <p:cxnSp>
+          <p:nvCxnSpPr>
+            <p:cNvPr id="89" name="直接连接符 88">
+              <a:extLst>
+                <a:ext uri="{FF2B5EF4-FFF2-40B4-BE49-F238E27FC236}">
+                  <a16:creationId xmlns:a16="http://schemas.microsoft.com/office/drawing/2014/main" id="{2F1B6802-0E15-4587-AB1F-98AF0C2F70CD}"/>
+                </a:ext>
+              </a:extLst>
+            </p:cNvPr>
+            <p:cNvCxnSpPr>
+              <a:cxnSpLocks/>
+              <a:stCxn id="87" idx="7"/>
+              <a:endCxn id="88" idx="2"/>
+            </p:cNvCxnSpPr>
+            <p:nvPr/>
+          </p:nvCxnSpPr>
+          <p:spPr>
+            <a:xfrm flipV="1">
+              <a:off x="7029670" y="2161980"/>
+              <a:ext cx="863138" cy="411538"/>
+            </a:xfrm>
+            <a:prstGeom prst="line">
+              <a:avLst/>
+            </a:prstGeom>
+            <a:ln>
+              <a:headEnd type="none" w="med" len="med"/>
+              <a:tailEnd type="triangle" w="med" len="med"/>
+            </a:ln>
+          </p:spPr>
+          <p:style>
+            <a:lnRef idx="2">
+              <a:schemeClr val="accent1"/>
+            </a:lnRef>
+            <a:fillRef idx="0">
+              <a:schemeClr val="accent1"/>
+            </a:fillRef>
+            <a:effectRef idx="1">
+              <a:schemeClr val="accent1"/>
+            </a:effectRef>
+            <a:fontRef idx="minor">
+              <a:schemeClr val="tx1"/>
+            </a:fontRef>
+          </p:style>
+        </p:cxnSp>
+        <p:sp>
+          <p:nvSpPr>
+            <p:cNvPr id="90" name="椭圆 89">
+              <a:extLst>
+                <a:ext uri="{FF2B5EF4-FFF2-40B4-BE49-F238E27FC236}">
+                  <a16:creationId xmlns:a16="http://schemas.microsoft.com/office/drawing/2014/main" id="{02277BE1-AB36-4E05-A4CB-75CA268014FC}"/>
+                </a:ext>
+              </a:extLst>
+            </p:cNvPr>
+            <p:cNvSpPr/>
+            <p:nvPr/>
+          </p:nvSpPr>
+          <p:spPr>
+            <a:xfrm>
+              <a:off x="9586291" y="1956957"/>
+              <a:ext cx="405945" cy="410045"/>
+            </a:xfrm>
+            <a:prstGeom prst="ellipse">
+              <a:avLst/>
+            </a:prstGeom>
+          </p:spPr>
+          <p:style>
+            <a:lnRef idx="2">
+              <a:schemeClr val="accent1">
+                <a:shade val="50000"/>
+              </a:schemeClr>
+            </a:lnRef>
+            <a:fillRef idx="1">
+              <a:schemeClr val="accent1"/>
+            </a:fillRef>
+            <a:effectRef idx="0">
+              <a:schemeClr val="accent1"/>
+            </a:effectRef>
+            <a:fontRef idx="minor">
+              <a:schemeClr val="lt1"/>
+            </a:fontRef>
+          </p:style>
+          <p:txBody>
+            <a:bodyPr rtlCol="0" anchor="ctr"/>
+            <a:lstStyle/>
+            <a:p>
+              <a:pPr algn="ctr"/>
+              <a:r>
+                <a:rPr lang="en-US" altLang="zh-CN" dirty="0"/>
+                <a:t>C</a:t>
+              </a:r>
+              <a:endParaRPr lang="zh-CN" altLang="en-US" dirty="0"/>
+            </a:p>
+          </p:txBody>
+        </p:sp>
+        <p:cxnSp>
+          <p:nvCxnSpPr>
+            <p:cNvPr id="91" name="直接连接符 90">
+              <a:extLst>
+                <a:ext uri="{FF2B5EF4-FFF2-40B4-BE49-F238E27FC236}">
+                  <a16:creationId xmlns:a16="http://schemas.microsoft.com/office/drawing/2014/main" id="{F6A7F73E-E4EF-4F9B-B2ED-EF639E08DF21}"/>
+                </a:ext>
+              </a:extLst>
+            </p:cNvPr>
+            <p:cNvCxnSpPr>
+              <a:stCxn id="88" idx="6"/>
+              <a:endCxn id="90" idx="2"/>
+            </p:cNvCxnSpPr>
+            <p:nvPr/>
+          </p:nvCxnSpPr>
+          <p:spPr>
+            <a:xfrm>
+              <a:off x="8298753" y="2161980"/>
+              <a:ext cx="1287538" cy="0"/>
+            </a:xfrm>
+            <a:prstGeom prst="line">
+              <a:avLst/>
+            </a:prstGeom>
+            <a:ln>
+              <a:headEnd type="none" w="med" len="med"/>
+              <a:tailEnd type="triangle" w="med" len="med"/>
+            </a:ln>
+          </p:spPr>
+          <p:style>
+            <a:lnRef idx="2">
+              <a:schemeClr val="accent1"/>
+            </a:lnRef>
+            <a:fillRef idx="0">
+              <a:schemeClr val="accent1"/>
+            </a:fillRef>
+            <a:effectRef idx="1">
+              <a:schemeClr val="accent1"/>
+            </a:effectRef>
+            <a:fontRef idx="minor">
+              <a:schemeClr val="tx1"/>
+            </a:fontRef>
+          </p:style>
+        </p:cxnSp>
+        <p:sp>
+          <p:nvSpPr>
+            <p:cNvPr id="92" name="椭圆 91">
+              <a:extLst>
+                <a:ext uri="{FF2B5EF4-FFF2-40B4-BE49-F238E27FC236}">
+                  <a16:creationId xmlns:a16="http://schemas.microsoft.com/office/drawing/2014/main" id="{18F8949E-E274-405C-92ED-B79747EDF617}"/>
+                </a:ext>
+              </a:extLst>
+            </p:cNvPr>
+            <p:cNvSpPr/>
+            <p:nvPr/>
+          </p:nvSpPr>
+          <p:spPr>
+            <a:xfrm>
+              <a:off x="10752670" y="2513467"/>
+              <a:ext cx="405945" cy="410045"/>
+            </a:xfrm>
+            <a:prstGeom prst="ellipse">
+              <a:avLst/>
+            </a:prstGeom>
+          </p:spPr>
+          <p:style>
+            <a:lnRef idx="1">
+              <a:schemeClr val="accent5"/>
+            </a:lnRef>
+            <a:fillRef idx="3">
+              <a:schemeClr val="accent5"/>
+            </a:fillRef>
+            <a:effectRef idx="2">
+              <a:schemeClr val="accent5"/>
+            </a:effectRef>
+            <a:fontRef idx="minor">
+              <a:schemeClr val="lt1"/>
+            </a:fontRef>
+          </p:style>
+          <p:txBody>
+            <a:bodyPr rtlCol="0" anchor="ctr"/>
+            <a:lstStyle/>
+            <a:p>
+              <a:pPr algn="ctr"/>
+              <a:r>
+                <a:rPr lang="en-US" altLang="zh-CN" dirty="0"/>
+                <a:t>T</a:t>
+              </a:r>
+              <a:endParaRPr lang="zh-CN" altLang="en-US" dirty="0"/>
+            </a:p>
+          </p:txBody>
+        </p:sp>
+        <p:cxnSp>
+          <p:nvCxnSpPr>
+            <p:cNvPr id="93" name="直接连接符 92">
+              <a:extLst>
+                <a:ext uri="{FF2B5EF4-FFF2-40B4-BE49-F238E27FC236}">
+                  <a16:creationId xmlns:a16="http://schemas.microsoft.com/office/drawing/2014/main" id="{69389B3A-74AA-477B-BA95-CEA083598988}"/>
+                </a:ext>
+              </a:extLst>
+            </p:cNvPr>
+            <p:cNvCxnSpPr>
+              <a:cxnSpLocks/>
+              <a:stCxn id="90" idx="6"/>
+              <a:endCxn id="92" idx="1"/>
+            </p:cNvCxnSpPr>
+            <p:nvPr/>
+          </p:nvCxnSpPr>
+          <p:spPr>
+            <a:xfrm>
+              <a:off x="9992236" y="2161980"/>
+              <a:ext cx="819883" cy="411537"/>
+            </a:xfrm>
+            <a:prstGeom prst="line">
+              <a:avLst/>
+            </a:prstGeom>
+            <a:ln>
+              <a:headEnd type="none" w="med" len="med"/>
+              <a:tailEnd type="triangle" w="med" len="med"/>
+            </a:ln>
+          </p:spPr>
+          <p:style>
+            <a:lnRef idx="2">
+              <a:schemeClr val="accent1"/>
+            </a:lnRef>
+            <a:fillRef idx="0">
+              <a:schemeClr val="accent1"/>
+            </a:fillRef>
+            <a:effectRef idx="1">
+              <a:schemeClr val="accent1"/>
+            </a:effectRef>
+            <a:fontRef idx="minor">
+              <a:schemeClr val="tx1"/>
+            </a:fontRef>
+          </p:style>
+        </p:cxnSp>
+        <p:sp>
+          <p:nvSpPr>
+            <p:cNvPr id="94" name="文本框 93">
+              <a:extLst>
+                <a:ext uri="{FF2B5EF4-FFF2-40B4-BE49-F238E27FC236}">
+                  <a16:creationId xmlns:a16="http://schemas.microsoft.com/office/drawing/2014/main" id="{8DFE33C3-43D2-4854-8D1B-DA7A892EED1E}"/>
+                </a:ext>
+              </a:extLst>
+            </p:cNvPr>
+            <p:cNvSpPr txBox="1"/>
+            <p:nvPr/>
+          </p:nvSpPr>
+          <p:spPr>
+            <a:xfrm>
+              <a:off x="8731806" y="1911633"/>
+              <a:ext cx="258324" cy="276999"/>
+            </a:xfrm>
+            <a:prstGeom prst="rect">
+              <a:avLst/>
+            </a:prstGeom>
+            <a:noFill/>
+          </p:spPr>
+          <p:txBody>
+            <a:bodyPr wrap="square" rtlCol="0">
+              <a:spAutoFit/>
+            </a:bodyPr>
+            <a:lstStyle/>
+            <a:p>
+              <a:r>
+                <a:rPr lang="en-US" altLang="zh-CN" sz="1200" dirty="0"/>
+                <a:t>4</a:t>
+              </a:r>
+              <a:endParaRPr lang="zh-CN" altLang="en-US" sz="1200" dirty="0"/>
+            </a:p>
+          </p:txBody>
+        </p:sp>
+        <p:sp>
+          <p:nvSpPr>
+            <p:cNvPr id="95" name="文本框 94">
+              <a:extLst>
+                <a:ext uri="{FF2B5EF4-FFF2-40B4-BE49-F238E27FC236}">
+                  <a16:creationId xmlns:a16="http://schemas.microsoft.com/office/drawing/2014/main" id="{77649226-12D4-4086-97C9-9EB4BD733370}"/>
+                </a:ext>
+              </a:extLst>
+            </p:cNvPr>
+            <p:cNvSpPr txBox="1"/>
+            <p:nvPr/>
+          </p:nvSpPr>
+          <p:spPr>
+            <a:xfrm>
+              <a:off x="7140341" y="2160005"/>
+              <a:ext cx="448540" cy="276999"/>
+            </a:xfrm>
+            <a:prstGeom prst="rect">
+              <a:avLst/>
+            </a:prstGeom>
+            <a:noFill/>
+          </p:spPr>
+          <p:txBody>
+            <a:bodyPr wrap="square" rtlCol="0">
+              <a:spAutoFit/>
+            </a:bodyPr>
+            <a:lstStyle/>
+            <a:p>
+              <a:r>
+                <a:rPr lang="en-US" altLang="zh-CN" sz="1200" dirty="0"/>
+                <a:t>6</a:t>
+              </a:r>
+              <a:endParaRPr lang="zh-CN" altLang="en-US" sz="1200" dirty="0"/>
+            </a:p>
+          </p:txBody>
+        </p:sp>
+        <p:sp>
+          <p:nvSpPr>
+            <p:cNvPr id="96" name="文本框 95">
+              <a:extLst>
+                <a:ext uri="{FF2B5EF4-FFF2-40B4-BE49-F238E27FC236}">
+                  <a16:creationId xmlns:a16="http://schemas.microsoft.com/office/drawing/2014/main" id="{5F2B9BF6-63B7-4A05-B99F-153A82AC19B3}"/>
+                </a:ext>
+              </a:extLst>
+            </p:cNvPr>
+            <p:cNvSpPr txBox="1"/>
+            <p:nvPr/>
+          </p:nvSpPr>
+          <p:spPr>
+            <a:xfrm>
+              <a:off x="10284658" y="2110210"/>
+              <a:ext cx="448540" cy="276999"/>
+            </a:xfrm>
+            <a:prstGeom prst="rect">
+              <a:avLst/>
+            </a:prstGeom>
+            <a:noFill/>
+          </p:spPr>
+          <p:txBody>
+            <a:bodyPr wrap="square" rtlCol="0">
+              <a:spAutoFit/>
+            </a:bodyPr>
+            <a:lstStyle/>
+            <a:p>
+              <a:r>
+                <a:rPr lang="en-US" altLang="zh-CN" sz="1200" dirty="0"/>
+                <a:t>10</a:t>
+              </a:r>
+              <a:endParaRPr lang="zh-CN" altLang="en-US" sz="1200" dirty="0"/>
+            </a:p>
+          </p:txBody>
+        </p:sp>
+      </p:grpSp>
+      <p:grpSp>
+        <p:nvGrpSpPr>
+          <p:cNvPr id="97" name="组合 96">
+            <a:extLst>
+              <a:ext uri="{FF2B5EF4-FFF2-40B4-BE49-F238E27FC236}">
+                <a16:creationId xmlns:a16="http://schemas.microsoft.com/office/drawing/2014/main" id="{AD7B97BD-EE4B-42F4-9914-23A15583B3DF}"/>
+              </a:ext>
+            </a:extLst>
+          </p:cNvPr>
+          <p:cNvGrpSpPr/>
+          <p:nvPr/>
+        </p:nvGrpSpPr>
+        <p:grpSpPr>
+          <a:xfrm>
+            <a:off x="1356987" y="4337521"/>
+            <a:ext cx="4475441" cy="1011880"/>
+            <a:chOff x="6683174" y="1911633"/>
+            <a:chExt cx="4475441" cy="1011880"/>
+          </a:xfrm>
+        </p:grpSpPr>
+        <p:sp>
+          <p:nvSpPr>
+            <p:cNvPr id="98" name="椭圆 97">
+              <a:extLst>
+                <a:ext uri="{FF2B5EF4-FFF2-40B4-BE49-F238E27FC236}">
+                  <a16:creationId xmlns:a16="http://schemas.microsoft.com/office/drawing/2014/main" id="{9F3AE5DD-D7AD-4CE6-ADA4-2D94704687FC}"/>
+                </a:ext>
+              </a:extLst>
+            </p:cNvPr>
+            <p:cNvSpPr/>
+            <p:nvPr/>
+          </p:nvSpPr>
+          <p:spPr>
+            <a:xfrm>
+              <a:off x="6683174" y="2513468"/>
+              <a:ext cx="405945" cy="410045"/>
+            </a:xfrm>
+            <a:prstGeom prst="ellipse">
+              <a:avLst/>
+            </a:prstGeom>
+          </p:spPr>
+          <p:style>
+            <a:lnRef idx="1">
+              <a:schemeClr val="accent5"/>
+            </a:lnRef>
+            <a:fillRef idx="3">
+              <a:schemeClr val="accent5"/>
+            </a:fillRef>
+            <a:effectRef idx="2">
+              <a:schemeClr val="accent5"/>
+            </a:effectRef>
+            <a:fontRef idx="minor">
+              <a:schemeClr val="lt1"/>
+            </a:fontRef>
+          </p:style>
+          <p:txBody>
+            <a:bodyPr rtlCol="0" anchor="ctr"/>
+            <a:lstStyle/>
+            <a:p>
+              <a:pPr algn="ctr"/>
+              <a:r>
+                <a:rPr lang="en-US" altLang="zh-CN" dirty="0"/>
+                <a:t>S</a:t>
+              </a:r>
+              <a:endParaRPr lang="zh-CN" altLang="en-US" dirty="0"/>
+            </a:p>
+          </p:txBody>
+        </p:sp>
+        <p:sp>
+          <p:nvSpPr>
+            <p:cNvPr id="99" name="椭圆 98">
+              <a:extLst>
+                <a:ext uri="{FF2B5EF4-FFF2-40B4-BE49-F238E27FC236}">
+                  <a16:creationId xmlns:a16="http://schemas.microsoft.com/office/drawing/2014/main" id="{BF490EDA-76FD-4E8D-AB16-BD8692AD0D87}"/>
+                </a:ext>
+              </a:extLst>
+            </p:cNvPr>
+            <p:cNvSpPr/>
+            <p:nvPr/>
+          </p:nvSpPr>
+          <p:spPr>
+            <a:xfrm>
+              <a:off x="7892808" y="1956957"/>
+              <a:ext cx="405945" cy="410045"/>
+            </a:xfrm>
+            <a:prstGeom prst="ellipse">
+              <a:avLst/>
+            </a:prstGeom>
+            <a:solidFill>
+              <a:srgbClr val="FF0000"/>
+            </a:solidFill>
+          </p:spPr>
+          <p:style>
+            <a:lnRef idx="2">
+              <a:schemeClr val="accent1">
+                <a:shade val="50000"/>
+              </a:schemeClr>
+            </a:lnRef>
+            <a:fillRef idx="1">
+              <a:schemeClr val="accent1"/>
+            </a:fillRef>
+            <a:effectRef idx="0">
+              <a:schemeClr val="accent1"/>
+            </a:effectRef>
+            <a:fontRef idx="minor">
+              <a:schemeClr val="lt1"/>
+            </a:fontRef>
+          </p:style>
+          <p:txBody>
+            <a:bodyPr rtlCol="0" anchor="ctr"/>
+            <a:lstStyle/>
+            <a:p>
+              <a:pPr algn="ctr"/>
+              <a:r>
+                <a:rPr lang="en-US" altLang="zh-CN" dirty="0"/>
+                <a:t>A</a:t>
+              </a:r>
+              <a:endParaRPr lang="zh-CN" altLang="en-US" dirty="0"/>
+            </a:p>
+          </p:txBody>
+        </p:sp>
+        <p:cxnSp>
+          <p:nvCxnSpPr>
+            <p:cNvPr id="100" name="直接连接符 99">
+              <a:extLst>
+                <a:ext uri="{FF2B5EF4-FFF2-40B4-BE49-F238E27FC236}">
+                  <a16:creationId xmlns:a16="http://schemas.microsoft.com/office/drawing/2014/main" id="{27F77DB7-AA0B-4355-9489-97865E2A608E}"/>
+                </a:ext>
+              </a:extLst>
+            </p:cNvPr>
+            <p:cNvCxnSpPr>
+              <a:cxnSpLocks/>
+              <a:stCxn id="98" idx="7"/>
+              <a:endCxn id="99" idx="2"/>
+            </p:cNvCxnSpPr>
+            <p:nvPr/>
+          </p:nvCxnSpPr>
+          <p:spPr>
+            <a:xfrm flipV="1">
+              <a:off x="7029670" y="2161980"/>
+              <a:ext cx="863138" cy="411538"/>
+            </a:xfrm>
+            <a:prstGeom prst="line">
+              <a:avLst/>
+            </a:prstGeom>
+            <a:ln>
+              <a:headEnd type="none" w="med" len="med"/>
+              <a:tailEnd type="triangle" w="med" len="med"/>
+            </a:ln>
+          </p:spPr>
+          <p:style>
+            <a:lnRef idx="2">
+              <a:schemeClr val="accent1"/>
+            </a:lnRef>
+            <a:fillRef idx="0">
+              <a:schemeClr val="accent1"/>
+            </a:fillRef>
+            <a:effectRef idx="1">
+              <a:schemeClr val="accent1"/>
+            </a:effectRef>
+            <a:fontRef idx="minor">
+              <a:schemeClr val="tx1"/>
+            </a:fontRef>
+          </p:style>
+        </p:cxnSp>
+        <p:sp>
+          <p:nvSpPr>
+            <p:cNvPr id="101" name="椭圆 100">
+              <a:extLst>
+                <a:ext uri="{FF2B5EF4-FFF2-40B4-BE49-F238E27FC236}">
+                  <a16:creationId xmlns:a16="http://schemas.microsoft.com/office/drawing/2014/main" id="{5E1C40BB-0C90-48E4-9AA0-77D00844D8C3}"/>
+                </a:ext>
+              </a:extLst>
+            </p:cNvPr>
+            <p:cNvSpPr/>
+            <p:nvPr/>
+          </p:nvSpPr>
+          <p:spPr>
+            <a:xfrm>
+              <a:off x="9586291" y="1956957"/>
+              <a:ext cx="405945" cy="410045"/>
+            </a:xfrm>
+            <a:prstGeom prst="ellipse">
+              <a:avLst/>
+            </a:prstGeom>
+          </p:spPr>
+          <p:style>
+            <a:lnRef idx="2">
+              <a:schemeClr val="accent1">
+                <a:shade val="50000"/>
+              </a:schemeClr>
+            </a:lnRef>
+            <a:fillRef idx="1">
+              <a:schemeClr val="accent1"/>
+            </a:fillRef>
+            <a:effectRef idx="0">
+              <a:schemeClr val="accent1"/>
+            </a:effectRef>
+            <a:fontRef idx="minor">
+              <a:schemeClr val="lt1"/>
+            </a:fontRef>
+          </p:style>
+          <p:txBody>
+            <a:bodyPr rtlCol="0" anchor="ctr"/>
+            <a:lstStyle/>
+            <a:p>
+              <a:pPr algn="ctr"/>
+              <a:r>
+                <a:rPr lang="en-US" altLang="zh-CN" dirty="0"/>
+                <a:t>C</a:t>
+              </a:r>
+              <a:endParaRPr lang="zh-CN" altLang="en-US" dirty="0"/>
+            </a:p>
+          </p:txBody>
+        </p:sp>
+        <p:cxnSp>
+          <p:nvCxnSpPr>
+            <p:cNvPr id="102" name="直接连接符 101">
+              <a:extLst>
+                <a:ext uri="{FF2B5EF4-FFF2-40B4-BE49-F238E27FC236}">
+                  <a16:creationId xmlns:a16="http://schemas.microsoft.com/office/drawing/2014/main" id="{5AA242B8-2F79-4438-B2AE-B5ED72559B49}"/>
+                </a:ext>
+              </a:extLst>
+            </p:cNvPr>
+            <p:cNvCxnSpPr>
+              <a:stCxn id="99" idx="6"/>
+              <a:endCxn id="101" idx="2"/>
+            </p:cNvCxnSpPr>
+            <p:nvPr/>
+          </p:nvCxnSpPr>
+          <p:spPr>
+            <a:xfrm>
+              <a:off x="8298753" y="2161980"/>
+              <a:ext cx="1287538" cy="0"/>
+            </a:xfrm>
+            <a:prstGeom prst="line">
+              <a:avLst/>
+            </a:prstGeom>
+            <a:ln>
+              <a:solidFill>
+                <a:srgbClr val="FF0000"/>
+              </a:solidFill>
+              <a:headEnd type="none" w="med" len="med"/>
+              <a:tailEnd type="triangle" w="med" len="med"/>
+            </a:ln>
+          </p:spPr>
+          <p:style>
+            <a:lnRef idx="2">
+              <a:schemeClr val="accent1"/>
+            </a:lnRef>
+            <a:fillRef idx="0">
+              <a:schemeClr val="accent1"/>
+            </a:fillRef>
+            <a:effectRef idx="1">
+              <a:schemeClr val="accent1"/>
+            </a:effectRef>
+            <a:fontRef idx="minor">
+              <a:schemeClr val="tx1"/>
+            </a:fontRef>
+          </p:style>
+        </p:cxnSp>
+        <p:sp>
+          <p:nvSpPr>
+            <p:cNvPr id="103" name="椭圆 102">
+              <a:extLst>
+                <a:ext uri="{FF2B5EF4-FFF2-40B4-BE49-F238E27FC236}">
+                  <a16:creationId xmlns:a16="http://schemas.microsoft.com/office/drawing/2014/main" id="{3DC068F5-7B3C-4EBE-8098-721DA604738D}"/>
+                </a:ext>
+              </a:extLst>
+            </p:cNvPr>
+            <p:cNvSpPr/>
+            <p:nvPr/>
+          </p:nvSpPr>
+          <p:spPr>
+            <a:xfrm>
+              <a:off x="10752670" y="2513467"/>
+              <a:ext cx="405945" cy="410045"/>
+            </a:xfrm>
+            <a:prstGeom prst="ellipse">
+              <a:avLst/>
+            </a:prstGeom>
+          </p:spPr>
+          <p:style>
+            <a:lnRef idx="1">
+              <a:schemeClr val="accent5"/>
+            </a:lnRef>
+            <a:fillRef idx="3">
+              <a:schemeClr val="accent5"/>
+            </a:fillRef>
+            <a:effectRef idx="2">
+              <a:schemeClr val="accent5"/>
+            </a:effectRef>
+            <a:fontRef idx="minor">
+              <a:schemeClr val="lt1"/>
+            </a:fontRef>
+          </p:style>
+          <p:txBody>
+            <a:bodyPr rtlCol="0" anchor="ctr"/>
+            <a:lstStyle/>
+            <a:p>
+              <a:pPr algn="ctr"/>
+              <a:r>
+                <a:rPr lang="en-US" altLang="zh-CN" dirty="0"/>
+                <a:t>T</a:t>
+              </a:r>
+              <a:endParaRPr lang="zh-CN" altLang="en-US" dirty="0"/>
+            </a:p>
+          </p:txBody>
+        </p:sp>
+        <p:cxnSp>
+          <p:nvCxnSpPr>
+            <p:cNvPr id="104" name="直接连接符 103">
+              <a:extLst>
+                <a:ext uri="{FF2B5EF4-FFF2-40B4-BE49-F238E27FC236}">
+                  <a16:creationId xmlns:a16="http://schemas.microsoft.com/office/drawing/2014/main" id="{530AE832-224A-4711-BA24-CDB5999E6585}"/>
+                </a:ext>
+              </a:extLst>
+            </p:cNvPr>
+            <p:cNvCxnSpPr>
+              <a:cxnSpLocks/>
+              <a:stCxn id="101" idx="6"/>
+              <a:endCxn id="103" idx="1"/>
+            </p:cNvCxnSpPr>
+            <p:nvPr/>
+          </p:nvCxnSpPr>
+          <p:spPr>
+            <a:xfrm>
+              <a:off x="9992236" y="2161980"/>
+              <a:ext cx="819883" cy="411537"/>
+            </a:xfrm>
+            <a:prstGeom prst="line">
+              <a:avLst/>
+            </a:prstGeom>
+            <a:ln>
+              <a:headEnd type="none" w="med" len="med"/>
+              <a:tailEnd type="triangle" w="med" len="med"/>
+            </a:ln>
+          </p:spPr>
+          <p:style>
+            <a:lnRef idx="2">
+              <a:schemeClr val="accent1"/>
+            </a:lnRef>
+            <a:fillRef idx="0">
+              <a:schemeClr val="accent1"/>
+            </a:fillRef>
+            <a:effectRef idx="1">
+              <a:schemeClr val="accent1"/>
+            </a:effectRef>
+            <a:fontRef idx="minor">
+              <a:schemeClr val="tx1"/>
+            </a:fontRef>
+          </p:style>
+        </p:cxnSp>
+        <p:sp>
+          <p:nvSpPr>
+            <p:cNvPr id="105" name="文本框 104">
+              <a:extLst>
+                <a:ext uri="{FF2B5EF4-FFF2-40B4-BE49-F238E27FC236}">
+                  <a16:creationId xmlns:a16="http://schemas.microsoft.com/office/drawing/2014/main" id="{A3489F24-10B7-4204-8044-63C23C9E5F00}"/>
+                </a:ext>
+              </a:extLst>
+            </p:cNvPr>
+            <p:cNvSpPr txBox="1"/>
+            <p:nvPr/>
+          </p:nvSpPr>
+          <p:spPr>
+            <a:xfrm>
+              <a:off x="8731806" y="1911633"/>
+              <a:ext cx="258324" cy="276999"/>
+            </a:xfrm>
+            <a:prstGeom prst="rect">
+              <a:avLst/>
+            </a:prstGeom>
+            <a:noFill/>
+          </p:spPr>
+          <p:txBody>
+            <a:bodyPr wrap="square" rtlCol="0">
+              <a:spAutoFit/>
+            </a:bodyPr>
+            <a:lstStyle/>
+            <a:p>
+              <a:r>
+                <a:rPr lang="en-US" altLang="zh-CN" sz="1200" dirty="0"/>
+                <a:t>0</a:t>
+              </a:r>
+              <a:endParaRPr lang="zh-CN" altLang="en-US" sz="1200" dirty="0"/>
+            </a:p>
+          </p:txBody>
+        </p:sp>
+        <p:sp>
+          <p:nvSpPr>
+            <p:cNvPr id="106" name="文本框 105">
+              <a:extLst>
+                <a:ext uri="{FF2B5EF4-FFF2-40B4-BE49-F238E27FC236}">
+                  <a16:creationId xmlns:a16="http://schemas.microsoft.com/office/drawing/2014/main" id="{4C44A34E-C3A3-4FF8-A5CB-0B54D6557923}"/>
+                </a:ext>
+              </a:extLst>
+            </p:cNvPr>
+            <p:cNvSpPr txBox="1"/>
+            <p:nvPr/>
+          </p:nvSpPr>
+          <p:spPr>
+            <a:xfrm>
+              <a:off x="7140341" y="2160005"/>
+              <a:ext cx="448540" cy="276999"/>
+            </a:xfrm>
+            <a:prstGeom prst="rect">
+              <a:avLst/>
+            </a:prstGeom>
+            <a:noFill/>
+          </p:spPr>
+          <p:txBody>
+            <a:bodyPr wrap="square" rtlCol="0">
+              <a:spAutoFit/>
+            </a:bodyPr>
+            <a:lstStyle/>
+            <a:p>
+              <a:r>
+                <a:rPr lang="en-US" altLang="zh-CN" sz="1200" dirty="0"/>
+                <a:t>2</a:t>
+              </a:r>
+              <a:endParaRPr lang="zh-CN" altLang="en-US" sz="1200" dirty="0"/>
+            </a:p>
+          </p:txBody>
+        </p:sp>
+        <p:sp>
+          <p:nvSpPr>
+            <p:cNvPr id="107" name="文本框 106">
+              <a:extLst>
+                <a:ext uri="{FF2B5EF4-FFF2-40B4-BE49-F238E27FC236}">
+                  <a16:creationId xmlns:a16="http://schemas.microsoft.com/office/drawing/2014/main" id="{B6C2A2C4-1274-4A5A-ACBF-F484D7FEE9E7}"/>
+                </a:ext>
+              </a:extLst>
+            </p:cNvPr>
+            <p:cNvSpPr txBox="1"/>
+            <p:nvPr/>
+          </p:nvSpPr>
+          <p:spPr>
+            <a:xfrm>
+              <a:off x="10284658" y="2110210"/>
+              <a:ext cx="448540" cy="276999"/>
+            </a:xfrm>
+            <a:prstGeom prst="rect">
+              <a:avLst/>
+            </a:prstGeom>
+            <a:noFill/>
+          </p:spPr>
+          <p:txBody>
+            <a:bodyPr wrap="square" rtlCol="0">
+              <a:spAutoFit/>
+            </a:bodyPr>
+            <a:lstStyle/>
+            <a:p>
+              <a:r>
+                <a:rPr lang="en-US" altLang="zh-CN" sz="1200" dirty="0"/>
+                <a:t>6</a:t>
+              </a:r>
+              <a:endParaRPr lang="zh-CN" altLang="en-US" sz="1200" dirty="0"/>
+            </a:p>
+          </p:txBody>
+        </p:sp>
+      </p:grpSp>
+      <p:grpSp>
+        <p:nvGrpSpPr>
+          <p:cNvPr id="108" name="组合 107">
+            <a:extLst>
+              <a:ext uri="{FF2B5EF4-FFF2-40B4-BE49-F238E27FC236}">
+                <a16:creationId xmlns:a16="http://schemas.microsoft.com/office/drawing/2014/main" id="{46FE2C90-FD81-439C-A7AC-3E9F1563E30D}"/>
+              </a:ext>
+            </a:extLst>
+          </p:cNvPr>
+          <p:cNvGrpSpPr/>
+          <p:nvPr/>
+        </p:nvGrpSpPr>
+        <p:grpSpPr>
+          <a:xfrm>
+            <a:off x="7285080" y="4312553"/>
+            <a:ext cx="4475441" cy="966556"/>
+            <a:chOff x="6683174" y="1956957"/>
+            <a:chExt cx="4475441" cy="966556"/>
+          </a:xfrm>
+        </p:grpSpPr>
+        <p:sp>
+          <p:nvSpPr>
+            <p:cNvPr id="109" name="椭圆 108">
+              <a:extLst>
+                <a:ext uri="{FF2B5EF4-FFF2-40B4-BE49-F238E27FC236}">
+                  <a16:creationId xmlns:a16="http://schemas.microsoft.com/office/drawing/2014/main" id="{1DE3A736-9D5C-4229-847A-C282FBD61495}"/>
+                </a:ext>
+              </a:extLst>
+            </p:cNvPr>
+            <p:cNvSpPr/>
+            <p:nvPr/>
+          </p:nvSpPr>
+          <p:spPr>
+            <a:xfrm>
+              <a:off x="6683174" y="2513468"/>
+              <a:ext cx="405945" cy="410045"/>
+            </a:xfrm>
+            <a:prstGeom prst="ellipse">
+              <a:avLst/>
+            </a:prstGeom>
+          </p:spPr>
+          <p:style>
+            <a:lnRef idx="1">
+              <a:schemeClr val="accent5"/>
+            </a:lnRef>
+            <a:fillRef idx="3">
+              <a:schemeClr val="accent5"/>
+            </a:fillRef>
+            <a:effectRef idx="2">
+              <a:schemeClr val="accent5"/>
+            </a:effectRef>
+            <a:fontRef idx="minor">
+              <a:schemeClr val="lt1"/>
+            </a:fontRef>
+          </p:style>
+          <p:txBody>
+            <a:bodyPr rtlCol="0" anchor="ctr"/>
+            <a:lstStyle/>
+            <a:p>
+              <a:pPr algn="ctr"/>
+              <a:r>
+                <a:rPr lang="en-US" altLang="zh-CN" dirty="0"/>
+                <a:t>S</a:t>
+              </a:r>
+              <a:endParaRPr lang="zh-CN" altLang="en-US" dirty="0"/>
+            </a:p>
+          </p:txBody>
+        </p:sp>
+        <p:sp>
+          <p:nvSpPr>
+            <p:cNvPr id="110" name="椭圆 109">
+              <a:extLst>
+                <a:ext uri="{FF2B5EF4-FFF2-40B4-BE49-F238E27FC236}">
+                  <a16:creationId xmlns:a16="http://schemas.microsoft.com/office/drawing/2014/main" id="{AF20605B-56A7-4C2C-B514-2816801FEDF8}"/>
+                </a:ext>
+              </a:extLst>
+            </p:cNvPr>
+            <p:cNvSpPr/>
+            <p:nvPr/>
+          </p:nvSpPr>
+          <p:spPr>
+            <a:xfrm>
+              <a:off x="7892808" y="1956957"/>
+              <a:ext cx="405945" cy="410045"/>
+            </a:xfrm>
+            <a:prstGeom prst="ellipse">
+              <a:avLst/>
+            </a:prstGeom>
+            <a:solidFill>
+              <a:srgbClr val="FF0000"/>
+            </a:solidFill>
+          </p:spPr>
+          <p:style>
+            <a:lnRef idx="2">
+              <a:schemeClr val="accent1">
+                <a:shade val="50000"/>
+              </a:schemeClr>
+            </a:lnRef>
+            <a:fillRef idx="1">
+              <a:schemeClr val="accent1"/>
+            </a:fillRef>
+            <a:effectRef idx="0">
+              <a:schemeClr val="accent1"/>
+            </a:effectRef>
+            <a:fontRef idx="minor">
+              <a:schemeClr val="lt1"/>
+            </a:fontRef>
+          </p:style>
+          <p:txBody>
+            <a:bodyPr rtlCol="0" anchor="ctr"/>
+            <a:lstStyle/>
+            <a:p>
+              <a:pPr algn="ctr"/>
+              <a:r>
+                <a:rPr lang="en-US" altLang="zh-CN" dirty="0"/>
+                <a:t>A</a:t>
+              </a:r>
+              <a:endParaRPr lang="zh-CN" altLang="en-US" dirty="0"/>
+            </a:p>
+          </p:txBody>
+        </p:sp>
+        <p:cxnSp>
+          <p:nvCxnSpPr>
+            <p:cNvPr id="111" name="直接连接符 110">
+              <a:extLst>
+                <a:ext uri="{FF2B5EF4-FFF2-40B4-BE49-F238E27FC236}">
+                  <a16:creationId xmlns:a16="http://schemas.microsoft.com/office/drawing/2014/main" id="{20B01CD8-90CE-4D49-A2F8-F03A6442A6B0}"/>
+                </a:ext>
+              </a:extLst>
+            </p:cNvPr>
+            <p:cNvCxnSpPr>
+              <a:cxnSpLocks/>
+              <a:stCxn id="109" idx="7"/>
+              <a:endCxn id="110" idx="2"/>
+            </p:cNvCxnSpPr>
+            <p:nvPr/>
+          </p:nvCxnSpPr>
+          <p:spPr>
+            <a:xfrm flipV="1">
+              <a:off x="7029670" y="2161980"/>
+              <a:ext cx="863138" cy="411538"/>
+            </a:xfrm>
+            <a:prstGeom prst="line">
+              <a:avLst/>
+            </a:prstGeom>
+            <a:ln>
+              <a:headEnd type="none" w="med" len="med"/>
+              <a:tailEnd type="triangle" w="med" len="med"/>
+            </a:ln>
+          </p:spPr>
+          <p:style>
+            <a:lnRef idx="2">
+              <a:schemeClr val="accent1"/>
+            </a:lnRef>
+            <a:fillRef idx="0">
+              <a:schemeClr val="accent1"/>
+            </a:fillRef>
+            <a:effectRef idx="1">
+              <a:schemeClr val="accent1"/>
+            </a:effectRef>
+            <a:fontRef idx="minor">
+              <a:schemeClr val="tx1"/>
+            </a:fontRef>
+          </p:style>
+        </p:cxnSp>
+        <p:sp>
+          <p:nvSpPr>
+            <p:cNvPr id="112" name="椭圆 111">
+              <a:extLst>
+                <a:ext uri="{FF2B5EF4-FFF2-40B4-BE49-F238E27FC236}">
+                  <a16:creationId xmlns:a16="http://schemas.microsoft.com/office/drawing/2014/main" id="{1948B1FD-6D0E-4284-BFCD-D2C7ED45B252}"/>
+                </a:ext>
+              </a:extLst>
+            </p:cNvPr>
+            <p:cNvSpPr/>
+            <p:nvPr/>
+          </p:nvSpPr>
+          <p:spPr>
+            <a:xfrm>
+              <a:off x="9586291" y="1956957"/>
+              <a:ext cx="405945" cy="410045"/>
+            </a:xfrm>
+            <a:prstGeom prst="ellipse">
+              <a:avLst/>
+            </a:prstGeom>
+          </p:spPr>
+          <p:style>
+            <a:lnRef idx="2">
+              <a:schemeClr val="accent1">
+                <a:shade val="50000"/>
+              </a:schemeClr>
+            </a:lnRef>
+            <a:fillRef idx="1">
+              <a:schemeClr val="accent1"/>
+            </a:fillRef>
+            <a:effectRef idx="0">
+              <a:schemeClr val="accent1"/>
+            </a:effectRef>
+            <a:fontRef idx="minor">
+              <a:schemeClr val="lt1"/>
+            </a:fontRef>
+          </p:style>
+          <p:txBody>
+            <a:bodyPr rtlCol="0" anchor="ctr"/>
+            <a:lstStyle/>
+            <a:p>
+              <a:pPr algn="ctr"/>
+              <a:r>
+                <a:rPr lang="en-US" altLang="zh-CN" dirty="0"/>
+                <a:t>C</a:t>
+              </a:r>
+              <a:endParaRPr lang="zh-CN" altLang="en-US" dirty="0"/>
+            </a:p>
+          </p:txBody>
+        </p:sp>
+        <p:sp>
+          <p:nvSpPr>
+            <p:cNvPr id="114" name="椭圆 113">
+              <a:extLst>
+                <a:ext uri="{FF2B5EF4-FFF2-40B4-BE49-F238E27FC236}">
+                  <a16:creationId xmlns:a16="http://schemas.microsoft.com/office/drawing/2014/main" id="{C0AC873B-7351-4520-8EC3-F7F5E1F2FFEF}"/>
+                </a:ext>
+              </a:extLst>
+            </p:cNvPr>
+            <p:cNvSpPr/>
+            <p:nvPr/>
+          </p:nvSpPr>
+          <p:spPr>
+            <a:xfrm>
+              <a:off x="10752670" y="2513467"/>
+              <a:ext cx="405945" cy="410045"/>
+            </a:xfrm>
+            <a:prstGeom prst="ellipse">
+              <a:avLst/>
+            </a:prstGeom>
+          </p:spPr>
+          <p:style>
+            <a:lnRef idx="1">
+              <a:schemeClr val="accent5"/>
+            </a:lnRef>
+            <a:fillRef idx="3">
+              <a:schemeClr val="accent5"/>
+            </a:fillRef>
+            <a:effectRef idx="2">
+              <a:schemeClr val="accent5"/>
+            </a:effectRef>
+            <a:fontRef idx="minor">
+              <a:schemeClr val="lt1"/>
+            </a:fontRef>
+          </p:style>
+          <p:txBody>
+            <a:bodyPr rtlCol="0" anchor="ctr"/>
+            <a:lstStyle/>
+            <a:p>
+              <a:pPr algn="ctr"/>
+              <a:r>
+                <a:rPr lang="en-US" altLang="zh-CN" dirty="0"/>
+                <a:t>T</a:t>
+              </a:r>
+              <a:endParaRPr lang="zh-CN" altLang="en-US" dirty="0"/>
+            </a:p>
+          </p:txBody>
+        </p:sp>
+        <p:cxnSp>
+          <p:nvCxnSpPr>
+            <p:cNvPr id="115" name="直接连接符 114">
+              <a:extLst>
+                <a:ext uri="{FF2B5EF4-FFF2-40B4-BE49-F238E27FC236}">
+                  <a16:creationId xmlns:a16="http://schemas.microsoft.com/office/drawing/2014/main" id="{A1B2821E-E27D-4BEA-8751-11BF11487BD3}"/>
+                </a:ext>
+              </a:extLst>
+            </p:cNvPr>
+            <p:cNvCxnSpPr>
+              <a:cxnSpLocks/>
+              <a:stCxn id="112" idx="6"/>
+              <a:endCxn id="114" idx="1"/>
+            </p:cNvCxnSpPr>
+            <p:nvPr/>
+          </p:nvCxnSpPr>
+          <p:spPr>
+            <a:xfrm>
+              <a:off x="9992236" y="2161980"/>
+              <a:ext cx="819883" cy="411537"/>
+            </a:xfrm>
+            <a:prstGeom prst="line">
+              <a:avLst/>
+            </a:prstGeom>
+            <a:ln>
+              <a:headEnd type="none" w="med" len="med"/>
+              <a:tailEnd type="triangle" w="med" len="med"/>
+            </a:ln>
+          </p:spPr>
+          <p:style>
+            <a:lnRef idx="2">
+              <a:schemeClr val="accent1"/>
+            </a:lnRef>
+            <a:fillRef idx="0">
+              <a:schemeClr val="accent1"/>
+            </a:fillRef>
+            <a:effectRef idx="1">
+              <a:schemeClr val="accent1"/>
+            </a:effectRef>
+            <a:fontRef idx="minor">
+              <a:schemeClr val="tx1"/>
+            </a:fontRef>
+          </p:style>
+        </p:cxnSp>
+        <p:sp>
+          <p:nvSpPr>
+            <p:cNvPr id="117" name="文本框 116">
+              <a:extLst>
+                <a:ext uri="{FF2B5EF4-FFF2-40B4-BE49-F238E27FC236}">
+                  <a16:creationId xmlns:a16="http://schemas.microsoft.com/office/drawing/2014/main" id="{438F950E-BA47-4054-ACC1-C3B1C5A5344B}"/>
+                </a:ext>
+              </a:extLst>
+            </p:cNvPr>
+            <p:cNvSpPr txBox="1"/>
+            <p:nvPr/>
+          </p:nvSpPr>
+          <p:spPr>
+            <a:xfrm>
+              <a:off x="7140341" y="2160005"/>
+              <a:ext cx="448540" cy="276999"/>
+            </a:xfrm>
+            <a:prstGeom prst="rect">
+              <a:avLst/>
+            </a:prstGeom>
+            <a:noFill/>
+          </p:spPr>
+          <p:txBody>
+            <a:bodyPr wrap="square" rtlCol="0">
+              <a:spAutoFit/>
+            </a:bodyPr>
+            <a:lstStyle/>
+            <a:p>
+              <a:r>
+                <a:rPr lang="en-US" altLang="zh-CN" sz="1200" dirty="0"/>
+                <a:t>2</a:t>
+              </a:r>
+              <a:endParaRPr lang="zh-CN" altLang="en-US" sz="1200" dirty="0"/>
+            </a:p>
+          </p:txBody>
+        </p:sp>
+        <p:sp>
+          <p:nvSpPr>
+            <p:cNvPr id="118" name="文本框 117">
+              <a:extLst>
+                <a:ext uri="{FF2B5EF4-FFF2-40B4-BE49-F238E27FC236}">
+                  <a16:creationId xmlns:a16="http://schemas.microsoft.com/office/drawing/2014/main" id="{A4FCF05C-7D65-4E6F-A970-799097C8209C}"/>
+                </a:ext>
+              </a:extLst>
+            </p:cNvPr>
+            <p:cNvSpPr txBox="1"/>
+            <p:nvPr/>
+          </p:nvSpPr>
+          <p:spPr>
+            <a:xfrm>
+              <a:off x="10284658" y="2110210"/>
+              <a:ext cx="448540" cy="276999"/>
+            </a:xfrm>
+            <a:prstGeom prst="rect">
+              <a:avLst/>
+            </a:prstGeom>
+            <a:noFill/>
+          </p:spPr>
+          <p:txBody>
+            <a:bodyPr wrap="square" rtlCol="0">
+              <a:spAutoFit/>
+            </a:bodyPr>
+            <a:lstStyle/>
+            <a:p>
+              <a:r>
+                <a:rPr lang="en-US" altLang="zh-CN" sz="1200" dirty="0"/>
+                <a:t>4</a:t>
+              </a:r>
+              <a:endParaRPr lang="zh-CN" altLang="en-US" sz="1200" dirty="0"/>
+            </a:p>
+          </p:txBody>
+        </p:sp>
+      </p:grpSp>
+      <p:sp>
+        <p:nvSpPr>
+          <p:cNvPr id="119" name="文本框 118">
+            <a:extLst>
+              <a:ext uri="{FF2B5EF4-FFF2-40B4-BE49-F238E27FC236}">
+                <a16:creationId xmlns:a16="http://schemas.microsoft.com/office/drawing/2014/main" id="{EEF532C9-A400-42FA-A172-30533FE4A378}"/>
+              </a:ext>
+            </a:extLst>
+          </p:cNvPr>
+          <p:cNvSpPr txBox="1"/>
+          <p:nvPr/>
+        </p:nvSpPr>
+        <p:spPr>
+          <a:xfrm>
+            <a:off x="3146033" y="5903452"/>
+            <a:ext cx="566181" cy="369332"/>
+          </a:xfrm>
+          <a:prstGeom prst="rect">
+            <a:avLst/>
+          </a:prstGeom>
+          <a:noFill/>
+        </p:spPr>
+        <p:txBody>
+          <a:bodyPr wrap="none" rtlCol="0">
+            <a:spAutoFit/>
+          </a:bodyPr>
+          <a:lstStyle/>
+          <a:p>
+            <a:r>
+              <a:rPr lang="en-US" altLang="zh-CN" dirty="0"/>
+              <a:t>F=4</a:t>
+            </a:r>
+            <a:endParaRPr lang="zh-CN" altLang="en-US" dirty="0"/>
+          </a:p>
+        </p:txBody>
+      </p:sp>
+    </p:spTree>
+    <p:extLst>
+      <p:ext uri="{BB962C8B-B14F-4D97-AF65-F5344CB8AC3E}">
+        <p14:creationId xmlns:p14="http://schemas.microsoft.com/office/powerpoint/2010/main" val="3236316188"/>
+      </p:ext>
+    </p:extLst>
+  </p:cSld>
+  <p:clrMapOvr>
+    <a:masterClrMapping/>
+  </p:clrMapOvr>
+</p:sld>
+</file>
+
+<file path=ppt/slides/slide18.xml><?xml version="1.0" encoding="utf-8"?>
+<p:sld xmlns:a="http://schemas.openxmlformats.org/drawingml/2006/main" xmlns:r="http://schemas.openxmlformats.org/officeDocument/2006/relationships" xmlns:p="http://schemas.openxmlformats.org/presentationml/2006/main">
+  <p:cSld>
+    <p:spTree>
+      <p:nvGrpSpPr>
+        <p:cNvPr id="1" name=""/>
+        <p:cNvGrpSpPr/>
+        <p:nvPr/>
+      </p:nvGrpSpPr>
+      <p:grpSpPr>
+        <a:xfrm>
+          <a:off x="0" y="0"/>
+          <a:ext cx="0" cy="0"/>
+          <a:chOff x="0" y="0"/>
+          <a:chExt cx="0" cy="0"/>
+        </a:xfrm>
+      </p:grpSpPr>
+      <mc:AlternateContent xmlns:mc="http://schemas.openxmlformats.org/markup-compatibility/2006">
+        <mc:Choice xmlns:a14="http://schemas.microsoft.com/office/drawing/2010/main" Requires="a14">
+          <p:sp>
+            <p:nvSpPr>
+              <p:cNvPr id="4" name="标题 1">
+                <a:extLst>
+                  <a:ext uri="{FF2B5EF4-FFF2-40B4-BE49-F238E27FC236}">
+                    <a16:creationId xmlns:a16="http://schemas.microsoft.com/office/drawing/2014/main" id="{416833A7-138B-4975-A37F-1FC866885CEF}"/>
+                  </a:ext>
+                </a:extLst>
+              </p:cNvPr>
+              <p:cNvSpPr>
+                <a:spLocks noGrp="1"/>
+              </p:cNvSpPr>
+              <p:nvPr>
+                <p:ph type="title"/>
+              </p:nvPr>
+            </p:nvSpPr>
+            <p:spPr>
+              <a:xfrm>
+                <a:off x="1024128" y="585216"/>
+                <a:ext cx="10678552" cy="1499616"/>
+              </a:xfrm>
+            </p:spPr>
+            <p:txBody>
+              <a:bodyPr>
+                <a:normAutofit/>
+              </a:bodyPr>
+              <a:lstStyle/>
+              <a:p>
+                <a:r>
+                  <a:rPr lang="en-US" altLang="zh-CN" dirty="0" err="1"/>
+                  <a:t>Dinic</a:t>
+                </a:r>
+                <a:r>
+                  <a:rPr lang="en-US" altLang="zh-CN" dirty="0"/>
+                  <a:t> </a:t>
+                </a:r>
+                <a:r>
+                  <a:rPr lang="zh-CN" altLang="en-US" dirty="0"/>
+                  <a:t>算法，</a:t>
+                </a:r>
+                <a:r>
+                  <a:rPr lang="en-US" altLang="zh-CN" dirty="0"/>
+                  <a:t> </a:t>
+                </a:r>
+                <a14:m>
+                  <m:oMath xmlns:m="http://schemas.openxmlformats.org/officeDocument/2006/math">
+                    <m:r>
+                      <a:rPr lang="en-US" altLang="zh-CN" i="1">
+                        <a:latin typeface="Cambria Math" panose="02040503050406030204" pitchFamily="18" charset="0"/>
+                      </a:rPr>
+                      <m:t>𝑂</m:t>
+                    </m:r>
+                    <m:r>
+                      <a:rPr lang="en-US" altLang="zh-CN" i="1">
+                        <a:latin typeface="Cambria Math" panose="02040503050406030204" pitchFamily="18" charset="0"/>
+                      </a:rPr>
+                      <m:t>(</m:t>
+                    </m:r>
+                    <m:sSup>
+                      <m:sSupPr>
+                        <m:ctrlPr>
+                          <a:rPr lang="en-US" altLang="zh-CN" i="1">
+                            <a:latin typeface="Cambria Math" panose="02040503050406030204" pitchFamily="18" charset="0"/>
+                            <a:ea typeface="Cambria Math" panose="02040503050406030204" pitchFamily="18" charset="0"/>
+                          </a:rPr>
+                        </m:ctrlPr>
+                      </m:sSupPr>
+                      <m:e>
+                        <m:r>
+                          <a:rPr lang="en-US" altLang="zh-CN" i="1">
+                            <a:latin typeface="Cambria Math" panose="02040503050406030204" pitchFamily="18" charset="0"/>
+                            <a:ea typeface="Cambria Math" panose="02040503050406030204" pitchFamily="18" charset="0"/>
+                          </a:rPr>
+                          <m:t>𝑉</m:t>
+                        </m:r>
+                      </m:e>
+                      <m:sup>
+                        <m:r>
+                          <a:rPr lang="en-US" altLang="zh-CN" i="1">
+                            <a:latin typeface="Cambria Math" panose="02040503050406030204" pitchFamily="18" charset="0"/>
+                            <a:ea typeface="Cambria Math" panose="02040503050406030204" pitchFamily="18" charset="0"/>
+                          </a:rPr>
+                          <m:t>2</m:t>
+                        </m:r>
+                      </m:sup>
+                    </m:sSup>
+                    <m:r>
+                      <a:rPr lang="en-US" altLang="zh-CN" i="1">
+                        <a:latin typeface="Cambria Math" panose="02040503050406030204" pitchFamily="18" charset="0"/>
+                        <a:ea typeface="Cambria Math" panose="02040503050406030204" pitchFamily="18" charset="0"/>
+                      </a:rPr>
+                      <m:t>×</m:t>
+                    </m:r>
+                    <m:r>
+                      <a:rPr lang="en-US" altLang="zh-CN" i="1">
+                        <a:latin typeface="Cambria Math" panose="02040503050406030204" pitchFamily="18" charset="0"/>
+                        <a:ea typeface="Cambria Math" panose="02040503050406030204" pitchFamily="18" charset="0"/>
+                      </a:rPr>
+                      <m:t>𝐸</m:t>
+                    </m:r>
+                    <m:r>
+                      <a:rPr lang="en-US" altLang="zh-CN" i="1">
+                        <a:latin typeface="Cambria Math" panose="02040503050406030204" pitchFamily="18" charset="0"/>
+                      </a:rPr>
+                      <m:t>)</m:t>
+                    </m:r>
+                  </m:oMath>
+                </a14:m>
+                <a:br>
+                  <a:rPr lang="en-US" altLang="zh-CN" i="1" dirty="0"/>
+                </a:br>
+                <a:endParaRPr lang="zh-CN" altLang="en-US" dirty="0"/>
+              </a:p>
+            </p:txBody>
+          </p:sp>
+        </mc:Choice>
+        <mc:Fallback>
+          <p:sp>
+            <p:nvSpPr>
+              <p:cNvPr id="4" name="标题 1">
+                <a:extLst>
+                  <a:ext uri="{FF2B5EF4-FFF2-40B4-BE49-F238E27FC236}">
+                    <a16:creationId xmlns:a16="http://schemas.microsoft.com/office/drawing/2014/main" id="{416833A7-138B-4975-A37F-1FC866885CEF}"/>
+                  </a:ext>
+                </a:extLst>
+              </p:cNvPr>
+              <p:cNvSpPr>
+                <a:spLocks noGrp="1" noRot="1" noChangeAspect="1" noMove="1" noResize="1" noEditPoints="1" noAdjustHandles="1" noChangeArrowheads="1" noChangeShapeType="1" noTextEdit="1"/>
+              </p:cNvSpPr>
+              <p:nvPr>
+                <p:ph type="title"/>
+              </p:nvPr>
+            </p:nvSpPr>
+            <p:spPr>
+              <a:xfrm>
+                <a:off x="1024128" y="585216"/>
+                <a:ext cx="10678552" cy="1499616"/>
+              </a:xfrm>
+              <a:blipFill>
+                <a:blip r:embed="rId2"/>
+                <a:stretch>
+                  <a:fillRect l="-2740" t="-13008"/>
+                </a:stretch>
+              </a:blipFill>
+            </p:spPr>
+            <p:txBody>
+              <a:bodyPr/>
+              <a:lstStyle/>
+              <a:p>
+                <a:r>
+                  <a:rPr lang="zh-CN" altLang="en-US">
+                    <a:noFill/>
+                  </a:rPr>
+                  <a:t> </a:t>
+                </a:r>
+              </a:p>
+            </p:txBody>
+          </p:sp>
+        </mc:Fallback>
+      </mc:AlternateContent>
+      <p:grpSp>
+        <p:nvGrpSpPr>
+          <p:cNvPr id="108" name="组合 107">
+            <a:extLst>
+              <a:ext uri="{FF2B5EF4-FFF2-40B4-BE49-F238E27FC236}">
+                <a16:creationId xmlns:a16="http://schemas.microsoft.com/office/drawing/2014/main" id="{46FE2C90-FD81-439C-A7AC-3E9F1563E30D}"/>
+              </a:ext>
+            </a:extLst>
+          </p:cNvPr>
+          <p:cNvGrpSpPr/>
+          <p:nvPr/>
+        </p:nvGrpSpPr>
+        <p:grpSpPr>
+          <a:xfrm>
+            <a:off x="1327128" y="1774375"/>
+            <a:ext cx="4475441" cy="966556"/>
+            <a:chOff x="6683174" y="1956957"/>
+            <a:chExt cx="4475441" cy="966556"/>
+          </a:xfrm>
+        </p:grpSpPr>
+        <p:sp>
+          <p:nvSpPr>
+            <p:cNvPr id="109" name="椭圆 108">
+              <a:extLst>
+                <a:ext uri="{FF2B5EF4-FFF2-40B4-BE49-F238E27FC236}">
+                  <a16:creationId xmlns:a16="http://schemas.microsoft.com/office/drawing/2014/main" id="{1DE3A736-9D5C-4229-847A-C282FBD61495}"/>
+                </a:ext>
+              </a:extLst>
+            </p:cNvPr>
+            <p:cNvSpPr/>
+            <p:nvPr/>
+          </p:nvSpPr>
+          <p:spPr>
+            <a:xfrm>
+              <a:off x="6683174" y="2513468"/>
+              <a:ext cx="405945" cy="410045"/>
+            </a:xfrm>
+            <a:prstGeom prst="ellipse">
+              <a:avLst/>
+            </a:prstGeom>
+          </p:spPr>
+          <p:style>
+            <a:lnRef idx="1">
+              <a:schemeClr val="accent5"/>
+            </a:lnRef>
+            <a:fillRef idx="3">
+              <a:schemeClr val="accent5"/>
+            </a:fillRef>
+            <a:effectRef idx="2">
+              <a:schemeClr val="accent5"/>
+            </a:effectRef>
+            <a:fontRef idx="minor">
+              <a:schemeClr val="lt1"/>
+            </a:fontRef>
+          </p:style>
+          <p:txBody>
+            <a:bodyPr rtlCol="0" anchor="ctr"/>
+            <a:lstStyle/>
+            <a:p>
+              <a:pPr algn="ctr"/>
+              <a:r>
+                <a:rPr lang="en-US" altLang="zh-CN" dirty="0"/>
+                <a:t>S</a:t>
+              </a:r>
+              <a:endParaRPr lang="zh-CN" altLang="en-US" dirty="0"/>
+            </a:p>
+          </p:txBody>
+        </p:sp>
+        <p:sp>
+          <p:nvSpPr>
+            <p:cNvPr id="112" name="椭圆 111">
+              <a:extLst>
+                <a:ext uri="{FF2B5EF4-FFF2-40B4-BE49-F238E27FC236}">
+                  <a16:creationId xmlns:a16="http://schemas.microsoft.com/office/drawing/2014/main" id="{1948B1FD-6D0E-4284-BFCD-D2C7ED45B252}"/>
+                </a:ext>
+              </a:extLst>
+            </p:cNvPr>
+            <p:cNvSpPr/>
+            <p:nvPr/>
+          </p:nvSpPr>
+          <p:spPr>
+            <a:xfrm>
+              <a:off x="9586291" y="1956957"/>
+              <a:ext cx="405945" cy="410045"/>
+            </a:xfrm>
+            <a:prstGeom prst="ellipse">
+              <a:avLst/>
+            </a:prstGeom>
+          </p:spPr>
+          <p:style>
+            <a:lnRef idx="2">
+              <a:schemeClr val="accent1">
+                <a:shade val="50000"/>
+              </a:schemeClr>
+            </a:lnRef>
+            <a:fillRef idx="1">
+              <a:schemeClr val="accent1"/>
+            </a:fillRef>
+            <a:effectRef idx="0">
+              <a:schemeClr val="accent1"/>
+            </a:effectRef>
+            <a:fontRef idx="minor">
+              <a:schemeClr val="lt1"/>
+            </a:fontRef>
+          </p:style>
+          <p:txBody>
+            <a:bodyPr rtlCol="0" anchor="ctr"/>
+            <a:lstStyle/>
+            <a:p>
+              <a:pPr algn="ctr"/>
+              <a:r>
+                <a:rPr lang="en-US" altLang="zh-CN" dirty="0"/>
+                <a:t>C</a:t>
+              </a:r>
+              <a:endParaRPr lang="zh-CN" altLang="en-US" dirty="0"/>
+            </a:p>
+          </p:txBody>
+        </p:sp>
+        <p:sp>
+          <p:nvSpPr>
+            <p:cNvPr id="114" name="椭圆 113">
+              <a:extLst>
+                <a:ext uri="{FF2B5EF4-FFF2-40B4-BE49-F238E27FC236}">
+                  <a16:creationId xmlns:a16="http://schemas.microsoft.com/office/drawing/2014/main" id="{C0AC873B-7351-4520-8EC3-F7F5E1F2FFEF}"/>
+                </a:ext>
+              </a:extLst>
+            </p:cNvPr>
+            <p:cNvSpPr/>
+            <p:nvPr/>
+          </p:nvSpPr>
+          <p:spPr>
+            <a:xfrm>
+              <a:off x="10752670" y="2513467"/>
+              <a:ext cx="405945" cy="410045"/>
+            </a:xfrm>
+            <a:prstGeom prst="ellipse">
+              <a:avLst/>
+            </a:prstGeom>
+          </p:spPr>
+          <p:style>
+            <a:lnRef idx="1">
+              <a:schemeClr val="accent5"/>
+            </a:lnRef>
+            <a:fillRef idx="3">
+              <a:schemeClr val="accent5"/>
+            </a:fillRef>
+            <a:effectRef idx="2">
+              <a:schemeClr val="accent5"/>
+            </a:effectRef>
+            <a:fontRef idx="minor">
+              <a:schemeClr val="lt1"/>
+            </a:fontRef>
+          </p:style>
+          <p:txBody>
+            <a:bodyPr rtlCol="0" anchor="ctr"/>
+            <a:lstStyle/>
+            <a:p>
+              <a:pPr algn="ctr"/>
+              <a:r>
+                <a:rPr lang="en-US" altLang="zh-CN" dirty="0"/>
+                <a:t>T</a:t>
+              </a:r>
+              <a:endParaRPr lang="zh-CN" altLang="en-US" dirty="0"/>
+            </a:p>
+          </p:txBody>
+        </p:sp>
+        <p:cxnSp>
+          <p:nvCxnSpPr>
+            <p:cNvPr id="115" name="直接连接符 114">
+              <a:extLst>
+                <a:ext uri="{FF2B5EF4-FFF2-40B4-BE49-F238E27FC236}">
+                  <a16:creationId xmlns:a16="http://schemas.microsoft.com/office/drawing/2014/main" id="{A1B2821E-E27D-4BEA-8751-11BF11487BD3}"/>
+                </a:ext>
+              </a:extLst>
+            </p:cNvPr>
+            <p:cNvCxnSpPr>
+              <a:cxnSpLocks/>
+              <a:stCxn id="112" idx="6"/>
+              <a:endCxn id="114" idx="1"/>
+            </p:cNvCxnSpPr>
+            <p:nvPr/>
+          </p:nvCxnSpPr>
+          <p:spPr>
+            <a:xfrm>
+              <a:off x="9992236" y="2161980"/>
+              <a:ext cx="819883" cy="411537"/>
+            </a:xfrm>
+            <a:prstGeom prst="line">
+              <a:avLst/>
+            </a:prstGeom>
+            <a:ln>
+              <a:headEnd type="none" w="med" len="med"/>
+              <a:tailEnd type="triangle" w="med" len="med"/>
+            </a:ln>
+          </p:spPr>
+          <p:style>
+            <a:lnRef idx="2">
+              <a:schemeClr val="accent1"/>
+            </a:lnRef>
+            <a:fillRef idx="0">
+              <a:schemeClr val="accent1"/>
+            </a:fillRef>
+            <a:effectRef idx="1">
+              <a:schemeClr val="accent1"/>
+            </a:effectRef>
+            <a:fontRef idx="minor">
+              <a:schemeClr val="tx1"/>
+            </a:fontRef>
+          </p:style>
+        </p:cxnSp>
+        <p:sp>
+          <p:nvSpPr>
+            <p:cNvPr id="118" name="文本框 117">
+              <a:extLst>
+                <a:ext uri="{FF2B5EF4-FFF2-40B4-BE49-F238E27FC236}">
+                  <a16:creationId xmlns:a16="http://schemas.microsoft.com/office/drawing/2014/main" id="{A4FCF05C-7D65-4E6F-A970-799097C8209C}"/>
+                </a:ext>
+              </a:extLst>
+            </p:cNvPr>
+            <p:cNvSpPr txBox="1"/>
+            <p:nvPr/>
+          </p:nvSpPr>
+          <p:spPr>
+            <a:xfrm>
+              <a:off x="10284658" y="2110210"/>
+              <a:ext cx="448540" cy="276999"/>
+            </a:xfrm>
+            <a:prstGeom prst="rect">
+              <a:avLst/>
+            </a:prstGeom>
+            <a:noFill/>
+          </p:spPr>
+          <p:txBody>
+            <a:bodyPr wrap="square" rtlCol="0">
+              <a:spAutoFit/>
+            </a:bodyPr>
+            <a:lstStyle/>
+            <a:p>
+              <a:r>
+                <a:rPr lang="en-US" altLang="zh-CN" sz="1200" dirty="0"/>
+                <a:t>4</a:t>
+              </a:r>
+              <a:endParaRPr lang="zh-CN" altLang="en-US" sz="1200" dirty="0"/>
+            </a:p>
+          </p:txBody>
+        </p:sp>
+      </p:grpSp>
+      <p:sp>
+        <p:nvSpPr>
+          <p:cNvPr id="119" name="文本框 118">
+            <a:extLst>
+              <a:ext uri="{FF2B5EF4-FFF2-40B4-BE49-F238E27FC236}">
+                <a16:creationId xmlns:a16="http://schemas.microsoft.com/office/drawing/2014/main" id="{EEF532C9-A400-42FA-A172-30533FE4A378}"/>
+              </a:ext>
+            </a:extLst>
+          </p:cNvPr>
+          <p:cNvSpPr txBox="1"/>
+          <p:nvPr/>
+        </p:nvSpPr>
+        <p:spPr>
+          <a:xfrm>
+            <a:off x="2760591" y="3135650"/>
+            <a:ext cx="1000595" cy="369332"/>
+          </a:xfrm>
+          <a:prstGeom prst="rect">
+            <a:avLst/>
+          </a:prstGeom>
+          <a:noFill/>
+        </p:spPr>
+        <p:txBody>
+          <a:bodyPr wrap="none" rtlCol="0">
+            <a:spAutoFit/>
+          </a:bodyPr>
+          <a:lstStyle/>
+          <a:p>
+            <a:r>
+              <a:rPr lang="en-US" altLang="zh-CN" dirty="0" err="1"/>
+              <a:t>Fw</a:t>
+            </a:r>
+            <a:r>
+              <a:rPr lang="en-US" altLang="zh-CN" dirty="0"/>
+              <a:t>=4+4</a:t>
+            </a:r>
+            <a:endParaRPr lang="zh-CN" altLang="en-US" dirty="0"/>
+          </a:p>
+        </p:txBody>
+      </p:sp>
+    </p:spTree>
+    <p:extLst>
+      <p:ext uri="{BB962C8B-B14F-4D97-AF65-F5344CB8AC3E}">
+        <p14:creationId xmlns:p14="http://schemas.microsoft.com/office/powerpoint/2010/main" val="4026863755"/>
+      </p:ext>
+    </p:extLst>
+  </p:cSld>
+  <p:clrMapOvr>
+    <a:masterClrMapping/>
+  </p:clrMapOvr>
 </p:sld>
 </file>
 

--- a/doc/NetworkFlow/网络流.pptx
+++ b/doc/NetworkFlow/网络流.pptx
@@ -320,7 +320,7 @@
             <a:fld id="{96DFF08F-DC6B-4601-B491-B0F83F6DD2DA}" type="datetimeFigureOut">
               <a:rPr lang="en-US" dirty="0"/>
               <a:pPr/>
-              <a:t>4/11/2019</a:t>
+              <a:t>4/12/2019</a:t>
             </a:fld>
             <a:endParaRPr lang="en-US" dirty="0"/>
           </a:p>
@@ -520,7 +520,7 @@
           <a:p>
             <a:fld id="{96DFF08F-DC6B-4601-B491-B0F83F6DD2DA}" type="datetimeFigureOut">
               <a:rPr lang="en-US" dirty="0"/>
-              <a:t>4/11/2019</a:t>
+              <a:t>4/12/2019</a:t>
             </a:fld>
             <a:endParaRPr lang="en-US" dirty="0"/>
           </a:p>
@@ -695,7 +695,7 @@
           <a:p>
             <a:fld id="{96DFF08F-DC6B-4601-B491-B0F83F6DD2DA}" type="datetimeFigureOut">
               <a:rPr lang="en-US" dirty="0"/>
-              <a:t>4/11/2019</a:t>
+              <a:t>4/12/2019</a:t>
             </a:fld>
             <a:endParaRPr lang="en-US" dirty="0"/>
           </a:p>
@@ -895,7 +895,7 @@
           <a:p>
             <a:fld id="{96DFF08F-DC6B-4601-B491-B0F83F6DD2DA}" type="datetimeFigureOut">
               <a:rPr lang="en-US" dirty="0"/>
-              <a:t>4/11/2019</a:t>
+              <a:t>4/12/2019</a:t>
             </a:fld>
             <a:endParaRPr lang="en-US" dirty="0"/>
           </a:p>
@@ -1185,7 +1185,7 @@
           <a:p>
             <a:fld id="{96DFF08F-DC6B-4601-B491-B0F83F6DD2DA}" type="datetimeFigureOut">
               <a:rPr lang="en-US" dirty="0"/>
-              <a:t>4/11/2019</a:t>
+              <a:t>4/12/2019</a:t>
             </a:fld>
             <a:endParaRPr lang="en-US" dirty="0"/>
           </a:p>
@@ -1452,7 +1452,7 @@
           <a:p>
             <a:fld id="{96DFF08F-DC6B-4601-B491-B0F83F6DD2DA}" type="datetimeFigureOut">
               <a:rPr lang="en-US" dirty="0"/>
-              <a:t>4/11/2019</a:t>
+              <a:t>4/12/2019</a:t>
             </a:fld>
             <a:endParaRPr lang="en-US" dirty="0"/>
           </a:p>
@@ -1854,7 +1854,7 @@
           <a:p>
             <a:fld id="{96DFF08F-DC6B-4601-B491-B0F83F6DD2DA}" type="datetimeFigureOut">
               <a:rPr lang="en-US" dirty="0"/>
-              <a:t>4/11/2019</a:t>
+              <a:t>4/12/2019</a:t>
             </a:fld>
             <a:endParaRPr lang="en-US" dirty="0"/>
           </a:p>
@@ -1967,7 +1967,7 @@
           <a:p>
             <a:fld id="{96DFF08F-DC6B-4601-B491-B0F83F6DD2DA}" type="datetimeFigureOut">
               <a:rPr lang="en-US" dirty="0"/>
-              <a:t>4/11/2019</a:t>
+              <a:t>4/12/2019</a:t>
             </a:fld>
             <a:endParaRPr lang="en-US" dirty="0"/>
           </a:p>
@@ -2057,7 +2057,7 @@
           <a:p>
             <a:fld id="{96DFF08F-DC6B-4601-B491-B0F83F6DD2DA}" type="datetimeFigureOut">
               <a:rPr lang="en-US" dirty="0"/>
-              <a:t>4/11/2019</a:t>
+              <a:t>4/12/2019</a:t>
             </a:fld>
             <a:endParaRPr lang="en-US" dirty="0"/>
           </a:p>
@@ -2342,7 +2342,7 @@
           <a:p>
             <a:fld id="{96DFF08F-DC6B-4601-B491-B0F83F6DD2DA}" type="datetimeFigureOut">
               <a:rPr lang="en-US" dirty="0"/>
-              <a:t>4/11/2019</a:t>
+              <a:t>4/12/2019</a:t>
             </a:fld>
             <a:endParaRPr lang="en-US" dirty="0"/>
           </a:p>
@@ -2617,7 +2617,7 @@
           <a:p>
             <a:fld id="{C7616CA0-919D-4A49-9C8A-62FDFB3A5183}" type="datetimeFigureOut">
               <a:rPr lang="en-US" dirty="0"/>
-              <a:t>4/11/2019</a:t>
+              <a:t>4/12/2019</a:t>
             </a:fld>
             <a:endParaRPr lang="en-US" dirty="0"/>
           </a:p>
@@ -2863,7 +2863,7 @@
             <a:fld id="{96DFF08F-DC6B-4601-B491-B0F83F6DD2DA}" type="datetimeFigureOut">
               <a:rPr lang="en-US" dirty="0"/>
               <a:pPr/>
-              <a:t>4/11/2019</a:t>
+              <a:t>4/12/2019</a:t>
             </a:fld>
             <a:endParaRPr lang="en-US" dirty="0"/>
           </a:p>
@@ -5997,8 +5997,8 @@
           <a:chExt cx="0" cy="0"/>
         </a:xfrm>
       </p:grpSpPr>
-      <mc:AlternateContent xmlns:mc="http://schemas.openxmlformats.org/markup-compatibility/2006">
-        <mc:Choice xmlns:a14="http://schemas.microsoft.com/office/drawing/2010/main" Requires="a14">
+      <mc:AlternateContent xmlns:mc="http://schemas.openxmlformats.org/markup-compatibility/2006" xmlns:a14="http://schemas.microsoft.com/office/drawing/2010/main">
+        <mc:Choice Requires="a14">
           <p:sp>
             <p:nvSpPr>
               <p:cNvPr id="2" name="标题 1">
@@ -6115,7 +6115,7 @@
             </p:txBody>
           </p:sp>
         </mc:Choice>
-        <mc:Fallback>
+        <mc:Fallback xmlns="">
           <p:sp>
             <p:nvSpPr>
               <p:cNvPr id="2" name="标题 1">
@@ -6188,7 +6188,7 @@
           <a:p>
             <a:r>
               <a:rPr lang="zh-CN" altLang="en-US" sz="2400" dirty="0"/>
-              <a:t>层次网络</a:t>
+              <a:t>层次图</a:t>
             </a:r>
             <a:r>
               <a:rPr lang="en-US" altLang="zh-CN" sz="2000" dirty="0"/>
@@ -34379,13 +34379,13 @@
 
 <file path=customXml/item1.xml><?xml version="1.0" encoding="utf-8"?>
 <Control xmlns="http://schemas.microsoft.com/VisualStudio/2011/storyboarding/control">
-  <Id Name="System.Storyboarding.WindowsPhoneIcons.Cancel" Revision="1" Stencil="System.Storyboarding.WindowsPhoneIcons" StencilVersion="0.1"/>
+  <Id Name="System.Storyboarding.WindowsAppIcons.Check" Revision="1" Stencil="System.Storyboarding.WindowsAppIcons" StencilVersion="0.1"/>
 </Control>
 </file>
 
 <file path=customXml/item2.xml><?xml version="1.0" encoding="utf-8"?>
 <Control xmlns="http://schemas.microsoft.com/VisualStudio/2011/storyboarding/control">
-  <Id Name="System.Storyboarding.WindowsAppIcons.Check" Revision="1" Stencil="System.Storyboarding.WindowsAppIcons" StencilVersion="0.1"/>
+  <Id Name="System.Storyboarding.WindowsPhoneIcons.Cancel" Revision="1" Stencil="System.Storyboarding.WindowsPhoneIcons" StencilVersion="0.1"/>
 </Control>
 </file>
 
@@ -34396,7 +34396,7 @@
 </file>
 
 <file path=customXml/itemProps1.xml><?xml version="1.0" encoding="utf-8"?>
-<ds:datastoreItem xmlns:ds="http://schemas.openxmlformats.org/officeDocument/2006/customXml" ds:itemID="{D23DE03A-1A62-4F02-9BA7-9CDE3FB5D67F}">
+<ds:datastoreItem xmlns:ds="http://schemas.openxmlformats.org/officeDocument/2006/customXml" ds:itemID="{6D44B9EF-821C-44CD-9BDB-6D7FE6123AD2}">
   <ds:schemaRefs>
     <ds:schemaRef ds:uri="http://schemas.microsoft.com/VisualStudio/2011/storyboarding/control"/>
   </ds:schemaRefs>
@@ -34404,7 +34404,7 @@
 </file>
 
 <file path=customXml/itemProps2.xml><?xml version="1.0" encoding="utf-8"?>
-<ds:datastoreItem xmlns:ds="http://schemas.openxmlformats.org/officeDocument/2006/customXml" ds:itemID="{6D44B9EF-821C-44CD-9BDB-6D7FE6123AD2}">
+<ds:datastoreItem xmlns:ds="http://schemas.openxmlformats.org/officeDocument/2006/customXml" ds:itemID="{D23DE03A-1A62-4F02-9BA7-9CDE3FB5D67F}">
   <ds:schemaRefs>
     <ds:schemaRef ds:uri="http://schemas.microsoft.com/VisualStudio/2011/storyboarding/control"/>
   </ds:schemaRefs>

--- a/doc/NetworkFlow/网络流.pptx
+++ b/doc/NetworkFlow/网络流.pptx
@@ -11,18 +11,19 @@
     <p:sldId id="261" r:id="rId8"/>
     <p:sldId id="258" r:id="rId9"/>
     <p:sldId id="260" r:id="rId10"/>
-    <p:sldId id="262" r:id="rId11"/>
-    <p:sldId id="263" r:id="rId12"/>
-    <p:sldId id="264" r:id="rId13"/>
+    <p:sldId id="274" r:id="rId11"/>
+    <p:sldId id="262" r:id="rId12"/>
+    <p:sldId id="263" r:id="rId13"/>
     <p:sldId id="266" r:id="rId14"/>
-    <p:sldId id="268" r:id="rId15"/>
-    <p:sldId id="265" r:id="rId16"/>
-    <p:sldId id="269" r:id="rId17"/>
-    <p:sldId id="267" r:id="rId18"/>
-    <p:sldId id="270" r:id="rId19"/>
-    <p:sldId id="271" r:id="rId20"/>
-    <p:sldId id="272" r:id="rId21"/>
-    <p:sldId id="273" r:id="rId22"/>
+    <p:sldId id="264" r:id="rId15"/>
+    <p:sldId id="268" r:id="rId16"/>
+    <p:sldId id="265" r:id="rId17"/>
+    <p:sldId id="269" r:id="rId18"/>
+    <p:sldId id="267" r:id="rId19"/>
+    <p:sldId id="270" r:id="rId20"/>
+    <p:sldId id="271" r:id="rId21"/>
+    <p:sldId id="272" r:id="rId22"/>
+    <p:sldId id="273" r:id="rId23"/>
   </p:sldIdLst>
   <p:sldSz cx="12192000" cy="6858000"/>
   <p:notesSz cx="6858000" cy="9144000"/>
@@ -3484,8 +3485,8 @@
           </a:p>
         </p:txBody>
       </p:sp>
-      <mc:AlternateContent xmlns:mc="http://schemas.openxmlformats.org/markup-compatibility/2006" xmlns:a14="http://schemas.microsoft.com/office/drawing/2010/main">
-        <mc:Choice Requires="a14">
+      <mc:AlternateContent xmlns:mc="http://schemas.openxmlformats.org/markup-compatibility/2006">
+        <mc:Choice xmlns:a14="http://schemas.microsoft.com/office/drawing/2010/main" Requires="a14">
           <p:sp>
             <p:nvSpPr>
               <p:cNvPr id="3" name="内容占位符 2">
@@ -3779,7 +3780,11 @@
                 </a:r>
                 <a:r>
                   <a:rPr lang="en-US" altLang="zh-CN" dirty="0"/>
-                  <a:t> blocking flow algorithm</a:t>
+                  <a:t> blocking </a:t>
+                </a:r>
+                <a:r>
+                  <a:rPr lang="en-US" altLang="zh-CN"/>
+                  <a:t>flow algorithm(BSF+DFS)</a:t>
                 </a:r>
                 <a:r>
                   <a:rPr lang="zh-CN" altLang="en-US" dirty="0"/>
@@ -3951,7 +3956,7 @@
             </p:txBody>
           </p:sp>
         </mc:Choice>
-        <mc:Fallback xmlns="">
+        <mc:Fallback>
           <p:sp>
             <p:nvSpPr>
               <p:cNvPr id="3" name="内容占位符 2">
@@ -4009,6 +4014,382 @@
 </file>
 
 <file path=ppt/slides/slide11.xml><?xml version="1.0" encoding="utf-8"?>
+<p:sld xmlns:a="http://schemas.openxmlformats.org/drawingml/2006/main" xmlns:r="http://schemas.openxmlformats.org/officeDocument/2006/relationships" xmlns:p="http://schemas.openxmlformats.org/presentationml/2006/main">
+  <p:cSld>
+    <p:spTree>
+      <p:nvGrpSpPr>
+        <p:cNvPr id="1" name=""/>
+        <p:cNvGrpSpPr/>
+        <p:nvPr/>
+      </p:nvGrpSpPr>
+      <p:grpSpPr>
+        <a:xfrm>
+          <a:off x="0" y="0"/>
+          <a:ext cx="0" cy="0"/>
+          <a:chOff x="0" y="0"/>
+          <a:chExt cx="0" cy="0"/>
+        </a:xfrm>
+      </p:grpSpPr>
+      <p:sp>
+        <p:nvSpPr>
+          <p:cNvPr id="2" name="标题 1">
+            <a:extLst>
+              <a:ext uri="{FF2B5EF4-FFF2-40B4-BE49-F238E27FC236}">
+                <a16:creationId xmlns:a16="http://schemas.microsoft.com/office/drawing/2014/main" id="{EE7A450F-735B-4E5F-93E7-63C477A2E1AC}"/>
+              </a:ext>
+            </a:extLst>
+          </p:cNvPr>
+          <p:cNvSpPr>
+            <a:spLocks noGrp="1"/>
+          </p:cNvSpPr>
+          <p:nvPr>
+            <p:ph type="title"/>
+          </p:nvPr>
+        </p:nvSpPr>
+        <p:spPr/>
+        <p:txBody>
+          <a:bodyPr/>
+          <a:lstStyle/>
+          <a:p>
+            <a:r>
+              <a:rPr lang="zh-CN" altLang="en-US" dirty="0"/>
+              <a:t>最大流</a:t>
+            </a:r>
+            <a:r>
+              <a:rPr lang="en-US" altLang="zh-CN" dirty="0"/>
+              <a:t>Max-flow</a:t>
+            </a:r>
+            <a:r>
+              <a:rPr lang="zh-CN" altLang="en-US" dirty="0"/>
+              <a:t>算法</a:t>
+            </a:r>
+          </a:p>
+        </p:txBody>
+      </p:sp>
+      <mc:AlternateContent xmlns:mc="http://schemas.openxmlformats.org/markup-compatibility/2006" xmlns:a14="http://schemas.microsoft.com/office/drawing/2010/main">
+        <mc:Choice Requires="a14">
+          <p:sp>
+            <p:nvSpPr>
+              <p:cNvPr id="3" name="内容占位符 2">
+                <a:extLst>
+                  <a:ext uri="{FF2B5EF4-FFF2-40B4-BE49-F238E27FC236}">
+                    <a16:creationId xmlns:a16="http://schemas.microsoft.com/office/drawing/2014/main" id="{438F22C9-43D7-4C72-A447-A0B5D988EE07}"/>
+                  </a:ext>
+                </a:extLst>
+              </p:cNvPr>
+              <p:cNvSpPr>
+                <a:spLocks noGrp="1"/>
+              </p:cNvSpPr>
+              <p:nvPr>
+                <p:ph idx="1"/>
+              </p:nvPr>
+            </p:nvSpPr>
+            <p:spPr>
+              <a:xfrm>
+                <a:off x="1024128" y="1860125"/>
+                <a:ext cx="9720071" cy="4023360"/>
+              </a:xfrm>
+            </p:spPr>
+            <p:txBody>
+              <a:bodyPr/>
+              <a:lstStyle/>
+              <a:p>
+                <a:pPr marL="457200" indent="-457200">
+                  <a:buFont typeface="+mj-lt"/>
+                  <a:buAutoNum type="arabicPeriod"/>
+                </a:pPr>
+                <a:r>
+                  <a:rPr lang="en-US" altLang="zh-CN" dirty="0"/>
+                  <a:t>Ford–Fulkerson algorithm (DFS)</a:t>
+                </a:r>
+                <a:r>
+                  <a:rPr lang="zh-CN" altLang="en-US" dirty="0"/>
+                  <a:t>，</a:t>
+                </a:r>
+                <a14:m>
+                  <m:oMath xmlns:m="http://schemas.openxmlformats.org/officeDocument/2006/math">
+                    <m:r>
+                      <a:rPr lang="en-US" altLang="zh-CN" b="0" i="1" smtClean="0">
+                        <a:latin typeface="Cambria Math" panose="02040503050406030204" pitchFamily="18" charset="0"/>
+                      </a:rPr>
+                      <m:t>𝑂</m:t>
+                    </m:r>
+                    <m:r>
+                      <a:rPr lang="en-US" altLang="zh-CN" b="0" i="1" smtClean="0">
+                        <a:latin typeface="Cambria Math" panose="02040503050406030204" pitchFamily="18" charset="0"/>
+                      </a:rPr>
+                      <m:t>(</m:t>
+                    </m:r>
+                    <m:r>
+                      <a:rPr lang="en-US" altLang="zh-CN" b="0" i="1" smtClean="0">
+                        <a:latin typeface="Cambria Math" panose="02040503050406030204" pitchFamily="18" charset="0"/>
+                      </a:rPr>
+                      <m:t>𝐸</m:t>
+                    </m:r>
+                    <m:r>
+                      <a:rPr lang="en-US" altLang="zh-CN" b="0" i="1" smtClean="0">
+                        <a:latin typeface="Cambria Math" panose="02040503050406030204" pitchFamily="18" charset="0"/>
+                        <a:ea typeface="Cambria Math" panose="02040503050406030204" pitchFamily="18" charset="0"/>
+                      </a:rPr>
+                      <m:t>×</m:t>
+                    </m:r>
+                    <m:r>
+                      <a:rPr lang="en-US" altLang="zh-CN" b="0" i="1" smtClean="0">
+                        <a:latin typeface="Cambria Math" panose="02040503050406030204" pitchFamily="18" charset="0"/>
+                        <a:ea typeface="Cambria Math" panose="02040503050406030204" pitchFamily="18" charset="0"/>
+                      </a:rPr>
+                      <m:t>𝑓</m:t>
+                    </m:r>
+                    <m:r>
+                      <a:rPr lang="en-US" altLang="zh-CN" b="0" i="1" smtClean="0">
+                        <a:latin typeface="Cambria Math" panose="02040503050406030204" pitchFamily="18" charset="0"/>
+                      </a:rPr>
+                      <m:t>)</m:t>
+                    </m:r>
+                  </m:oMath>
+                </a14:m>
+                <a:r>
+                  <a:rPr lang="en-US" altLang="zh-CN" i="1" dirty="0"/>
+                  <a:t> </a:t>
+                </a:r>
+                <a:r>
+                  <a:rPr lang="zh-CN" altLang="en-US" dirty="0"/>
+                  <a:t>。</a:t>
+                </a:r>
+                <a:br>
+                  <a:rPr lang="en-US" altLang="zh-CN" dirty="0"/>
+                </a:br>
+                <a:r>
+                  <a:rPr lang="en-US" altLang="zh-CN" dirty="0"/>
+                  <a:t>E</a:t>
+                </a:r>
+                <a:r>
+                  <a:rPr lang="zh-CN" altLang="en-US" dirty="0"/>
+                  <a:t>为边的数量，</a:t>
+                </a:r>
+                <a:r>
+                  <a:rPr lang="en-US" altLang="zh-CN" dirty="0"/>
+                  <a:t>f</a:t>
+                </a:r>
+                <a:r>
+                  <a:rPr lang="zh-CN" altLang="en-US" dirty="0"/>
+                  <a:t>为</a:t>
+                </a:r>
+                <a:r>
+                  <a:rPr lang="en-US" altLang="zh-CN" dirty="0"/>
+                  <a:t>max-flow</a:t>
+                </a:r>
+                <a:r>
+                  <a:rPr lang="zh-CN" altLang="en-US" dirty="0"/>
+                  <a:t>的值，</a:t>
+                </a:r>
+                <a:r>
+                  <a:rPr lang="en-US" altLang="zh-CN" dirty="0"/>
+                  <a:t>f</a:t>
+                </a:r>
+                <a:r>
+                  <a:rPr lang="zh-CN" altLang="en-US" dirty="0"/>
+                  <a:t>可能很大，性能可能会很慢，如下图</a:t>
+                </a:r>
+                <a:endParaRPr lang="en-US" altLang="zh-CN" dirty="0"/>
+              </a:p>
+            </p:txBody>
+          </p:sp>
+        </mc:Choice>
+        <mc:Fallback xmlns="">
+          <p:sp>
+            <p:nvSpPr>
+              <p:cNvPr id="3" name="内容占位符 2">
+                <a:extLst>
+                  <a:ext uri="{FF2B5EF4-FFF2-40B4-BE49-F238E27FC236}">
+                    <a16:creationId xmlns:a16="http://schemas.microsoft.com/office/drawing/2014/main" id="{438F22C9-43D7-4C72-A447-A0B5D988EE07}"/>
+                  </a:ext>
+                </a:extLst>
+              </p:cNvPr>
+              <p:cNvSpPr>
+                <a:spLocks noGrp="1" noRot="1" noChangeAspect="1" noMove="1" noResize="1" noEditPoints="1" noAdjustHandles="1" noChangeArrowheads="1" noChangeShapeType="1" noTextEdit="1"/>
+              </p:cNvSpPr>
+              <p:nvPr>
+                <p:ph idx="1"/>
+              </p:nvPr>
+            </p:nvSpPr>
+            <p:spPr>
+              <a:xfrm>
+                <a:off x="1024128" y="1860125"/>
+                <a:ext cx="9720071" cy="4023360"/>
+              </a:xfrm>
+              <a:blipFill>
+                <a:blip r:embed="rId2"/>
+                <a:stretch>
+                  <a:fillRect l="-1129" t="-1970"/>
+                </a:stretch>
+              </a:blipFill>
+            </p:spPr>
+            <p:txBody>
+              <a:bodyPr/>
+              <a:lstStyle/>
+              <a:p>
+                <a:r>
+                  <a:rPr lang="zh-CN" altLang="en-US">
+                    <a:noFill/>
+                  </a:rPr>
+                  <a:t> </a:t>
+                </a:r>
+              </a:p>
+            </p:txBody>
+          </p:sp>
+        </mc:Fallback>
+      </mc:AlternateContent>
+      <p:pic>
+        <p:nvPicPr>
+          <p:cNvPr id="6" name="图片 5">
+            <a:extLst>
+              <a:ext uri="{FF2B5EF4-FFF2-40B4-BE49-F238E27FC236}">
+                <a16:creationId xmlns:a16="http://schemas.microsoft.com/office/drawing/2014/main" id="{76166CD0-B709-4066-B5A5-0BBCFEF8D393}"/>
+              </a:ext>
+            </a:extLst>
+          </p:cNvPr>
+          <p:cNvPicPr>
+            <a:picLocks noChangeAspect="1"/>
+          </p:cNvPicPr>
+          <p:nvPr/>
+        </p:nvPicPr>
+        <p:blipFill>
+          <a:blip r:embed="rId3"/>
+          <a:stretch>
+            <a:fillRect/>
+          </a:stretch>
+        </p:blipFill>
+        <p:spPr>
+          <a:xfrm>
+            <a:off x="897379" y="2695996"/>
+            <a:ext cx="10143745" cy="1802522"/>
+          </a:xfrm>
+          <a:prstGeom prst="rect">
+            <a:avLst/>
+          </a:prstGeom>
+        </p:spPr>
+      </p:pic>
+    </p:spTree>
+    <p:extLst>
+      <p:ext uri="{BB962C8B-B14F-4D97-AF65-F5344CB8AC3E}">
+        <p14:creationId xmlns:p14="http://schemas.microsoft.com/office/powerpoint/2010/main" val="685290226"/>
+      </p:ext>
+    </p:extLst>
+  </p:cSld>
+  <p:clrMapOvr>
+    <a:masterClrMapping/>
+  </p:clrMapOvr>
+  <p:timing>
+    <p:tnLst>
+      <p:par>
+        <p:cTn id="1" dur="indefinite" restart="never" nodeType="tmRoot">
+          <p:childTnLst>
+            <p:seq concurrent="1" nextAc="seek">
+              <p:cTn id="2" dur="indefinite" nodeType="mainSeq">
+                <p:childTnLst>
+                  <p:par>
+                    <p:cTn id="3" fill="hold">
+                      <p:stCondLst>
+                        <p:cond delay="indefinite"/>
+                      </p:stCondLst>
+                      <p:childTnLst>
+                        <p:par>
+                          <p:cTn id="4" fill="hold">
+                            <p:stCondLst>
+                              <p:cond delay="0"/>
+                            </p:stCondLst>
+                            <p:childTnLst>
+                              <p:par>
+                                <p:cTn id="5" presetID="1" presetClass="entr" presetSubtype="0" fill="hold" nodeType="clickEffect">
+                                  <p:stCondLst>
+                                    <p:cond delay="0"/>
+                                  </p:stCondLst>
+                                  <p:childTnLst>
+                                    <p:set>
+                                      <p:cBhvr>
+                                        <p:cTn id="6" dur="1" fill="hold">
+                                          <p:stCondLst>
+                                            <p:cond delay="0"/>
+                                          </p:stCondLst>
+                                        </p:cTn>
+                                        <p:tgtEl>
+                                          <p:spTgt spid="3">
+                                            <p:txEl>
+                                              <p:pRg st="0" end="0"/>
+                                            </p:txEl>
+                                          </p:spTgt>
+                                        </p:tgtEl>
+                                        <p:attrNameLst>
+                                          <p:attrName>style.visibility</p:attrName>
+                                        </p:attrNameLst>
+                                      </p:cBhvr>
+                                      <p:to>
+                                        <p:strVal val="visible"/>
+                                      </p:to>
+                                    </p:set>
+                                  </p:childTnLst>
+                                </p:cTn>
+                              </p:par>
+                              <p:par>
+                                <p:cTn id="7" presetID="1" presetClass="entr" presetSubtype="0" fill="hold" nodeType="withEffect">
+                                  <p:stCondLst>
+                                    <p:cond delay="0"/>
+                                  </p:stCondLst>
+                                  <p:childTnLst>
+                                    <p:set>
+                                      <p:cBhvr>
+                                        <p:cTn id="8" dur="1" fill="hold">
+                                          <p:stCondLst>
+                                            <p:cond delay="0"/>
+                                          </p:stCondLst>
+                                        </p:cTn>
+                                        <p:tgtEl>
+                                          <p:spTgt spid="6"/>
+                                        </p:tgtEl>
+                                        <p:attrNameLst>
+                                          <p:attrName>style.visibility</p:attrName>
+                                        </p:attrNameLst>
+                                      </p:cBhvr>
+                                      <p:to>
+                                        <p:strVal val="visible"/>
+                                      </p:to>
+                                    </p:set>
+                                  </p:childTnLst>
+                                </p:cTn>
+                              </p:par>
+                            </p:childTnLst>
+                          </p:cTn>
+                        </p:par>
+                      </p:childTnLst>
+                    </p:cTn>
+                  </p:par>
+                </p:childTnLst>
+              </p:cTn>
+              <p:prevCondLst>
+                <p:cond evt="onPrev" delay="0">
+                  <p:tgtEl>
+                    <p:sldTgt/>
+                  </p:tgtEl>
+                </p:cond>
+              </p:prevCondLst>
+              <p:nextCondLst>
+                <p:cond evt="onNext" delay="0">
+                  <p:tgtEl>
+                    <p:sldTgt/>
+                  </p:tgtEl>
+                </p:cond>
+              </p:nextCondLst>
+            </p:seq>
+          </p:childTnLst>
+        </p:cTn>
+      </p:par>
+    </p:tnLst>
+  </p:timing>
+</p:sld>
+</file>
+
+<file path=ppt/slides/slide12.xml><?xml version="1.0" encoding="utf-8"?>
 <p:sld xmlns:a="http://schemas.openxmlformats.org/drawingml/2006/main" xmlns:r="http://schemas.openxmlformats.org/officeDocument/2006/relationships" xmlns:p="http://schemas.openxmlformats.org/presentationml/2006/main">
   <p:cSld>
     <p:spTree>
@@ -4687,7 +5068,7 @@
 </p:sld>
 </file>
 
-<file path=ppt/slides/slide12.xml><?xml version="1.0" encoding="utf-8"?>
+<file path=ppt/slides/slide13.xml><?xml version="1.0" encoding="utf-8"?>
 <p:sld xmlns:a="http://schemas.openxmlformats.org/drawingml/2006/main" xmlns:r="http://schemas.openxmlformats.org/officeDocument/2006/relationships" xmlns:p="http://schemas.openxmlformats.org/presentationml/2006/main">
   <p:cSld>
     <p:spTree>
@@ -4965,7 +5346,7 @@
 </p:sld>
 </file>
 
-<file path=ppt/slides/slide13.xml><?xml version="1.0" encoding="utf-8"?>
+<file path=ppt/slides/slide14.xml><?xml version="1.0" encoding="utf-8"?>
 <p:sld xmlns:a="http://schemas.openxmlformats.org/drawingml/2006/main" xmlns:r="http://schemas.openxmlformats.org/officeDocument/2006/relationships" xmlns:p="http://schemas.openxmlformats.org/presentationml/2006/main">
   <p:cSld>
     <p:spTree>
@@ -5567,7 +5948,7 @@
 </p:sld>
 </file>
 
-<file path=ppt/slides/slide14.xml><?xml version="1.0" encoding="utf-8"?>
+<file path=ppt/slides/slide15.xml><?xml version="1.0" encoding="utf-8"?>
 <p:sld xmlns:a="http://schemas.openxmlformats.org/drawingml/2006/main" xmlns:r="http://schemas.openxmlformats.org/officeDocument/2006/relationships" xmlns:p="http://schemas.openxmlformats.org/presentationml/2006/main">
   <p:cSld>
     <p:spTree>
@@ -5980,7 +6361,7 @@
 </p:sld>
 </file>
 
-<file path=ppt/slides/slide15.xml><?xml version="1.0" encoding="utf-8"?>
+<file path=ppt/slides/slide16.xml><?xml version="1.0" encoding="utf-8"?>
 <p:sld xmlns:a="http://schemas.openxmlformats.org/drawingml/2006/main" xmlns:r="http://schemas.openxmlformats.org/officeDocument/2006/relationships" xmlns:p="http://schemas.openxmlformats.org/presentationml/2006/main">
   <p:cSld>
     <p:spTree>
@@ -9370,98 +9751,6 @@
       </p:cxnSp>
       <p:sp>
         <p:nvSpPr>
-          <p:cNvPr id="131" name="文本框 130">
-            <a:extLst>
-              <a:ext uri="{FF2B5EF4-FFF2-40B4-BE49-F238E27FC236}">
-                <a16:creationId xmlns:a16="http://schemas.microsoft.com/office/drawing/2014/main" id="{E6EEF36F-FD58-4D12-9C78-1FB00D0D89FC}"/>
-              </a:ext>
-            </a:extLst>
-          </p:cNvPr>
-          <p:cNvSpPr txBox="1"/>
-          <p:nvPr/>
-        </p:nvSpPr>
-        <p:spPr>
-          <a:xfrm>
-            <a:off x="8287756" y="4173891"/>
-            <a:ext cx="405945" cy="369332"/>
-          </a:xfrm>
-          <a:prstGeom prst="rect">
-            <a:avLst/>
-          </a:prstGeom>
-          <a:noFill/>
-        </p:spPr>
-        <p:txBody>
-          <a:bodyPr wrap="square" rtlCol="0">
-            <a:spAutoFit/>
-          </a:bodyPr>
-          <a:lstStyle/>
-          <a:p>
-            <a:r>
-              <a:rPr lang="en-US" altLang="zh-CN" b="1" dirty="0">
-                <a:solidFill>
-                  <a:srgbClr val="FF0000"/>
-                </a:solidFill>
-                <a:latin typeface="Consolas" panose="020B0609020204030204" pitchFamily="49" charset="0"/>
-              </a:rPr>
-              <a:t>×</a:t>
-            </a:r>
-            <a:endParaRPr lang="zh-CN" altLang="en-US" b="1" dirty="0">
-              <a:solidFill>
-                <a:srgbClr val="FF0000"/>
-              </a:solidFill>
-              <a:latin typeface="Consolas" panose="020B0609020204030204" pitchFamily="49" charset="0"/>
-            </a:endParaRPr>
-          </a:p>
-        </p:txBody>
-      </p:sp>
-      <p:sp>
-        <p:nvSpPr>
-          <p:cNvPr id="132" name="文本框 131">
-            <a:extLst>
-              <a:ext uri="{FF2B5EF4-FFF2-40B4-BE49-F238E27FC236}">
-                <a16:creationId xmlns:a16="http://schemas.microsoft.com/office/drawing/2014/main" id="{7FCEBDEC-F6B6-4C91-A582-EA798E6A8D3D}"/>
-              </a:ext>
-            </a:extLst>
-          </p:cNvPr>
-          <p:cNvSpPr txBox="1"/>
-          <p:nvPr/>
-        </p:nvSpPr>
-        <p:spPr>
-          <a:xfrm>
-            <a:off x="9986373" y="4189118"/>
-            <a:ext cx="405945" cy="369332"/>
-          </a:xfrm>
-          <a:prstGeom prst="rect">
-            <a:avLst/>
-          </a:prstGeom>
-          <a:noFill/>
-        </p:spPr>
-        <p:txBody>
-          <a:bodyPr wrap="square" rtlCol="0">
-            <a:spAutoFit/>
-          </a:bodyPr>
-          <a:lstStyle/>
-          <a:p>
-            <a:r>
-              <a:rPr lang="en-US" altLang="zh-CN" b="1" dirty="0">
-                <a:solidFill>
-                  <a:srgbClr val="FF0000"/>
-                </a:solidFill>
-                <a:latin typeface="Consolas" panose="020B0609020204030204" pitchFamily="49" charset="0"/>
-              </a:rPr>
-              <a:t>×</a:t>
-            </a:r>
-            <a:endParaRPr lang="zh-CN" altLang="en-US" b="1" dirty="0">
-              <a:solidFill>
-                <a:srgbClr val="FF0000"/>
-              </a:solidFill>
-              <a:latin typeface="Consolas" panose="020B0609020204030204" pitchFamily="49" charset="0"/>
-            </a:endParaRPr>
-          </a:p>
-        </p:txBody>
-      </p:sp>
-      <p:sp>
-        <p:nvSpPr>
           <p:cNvPr id="31" name="矩形 30">
             <a:extLst>
               <a:ext uri="{FF2B5EF4-FFF2-40B4-BE49-F238E27FC236}">
@@ -9506,6 +9795,406 @@
               <a:rPr lang="zh-CN" altLang="en-US" dirty="0"/>
               <a:t>同层的流量不使用</a:t>
             </a:r>
+          </a:p>
+        </p:txBody>
+      </p:sp>
+      <p:sp>
+        <p:nvSpPr>
+          <p:cNvPr id="77" name="Cross">
+            <a:extLst>
+              <a:ext uri="{FF2B5EF4-FFF2-40B4-BE49-F238E27FC236}">
+                <a16:creationId xmlns:a16="http://schemas.microsoft.com/office/drawing/2014/main" id="{1F3E8128-2794-4A0A-8DD2-7E59872E0132}"/>
+              </a:ext>
+            </a:extLst>
+          </p:cNvPr>
+          <p:cNvSpPr>
+            <a:spLocks noChangeAspect="1" noEditPoints="1"/>
+          </p:cNvSpPr>
+          <p:nvPr/>
+        </p:nvSpPr>
+        <p:spPr bwMode="auto">
+          <a:xfrm>
+            <a:off x="8407138" y="4298444"/>
+            <a:ext cx="254697" cy="244872"/>
+          </a:xfrm>
+          <a:custGeom>
+            <a:avLst/>
+            <a:gdLst>
+              <a:gd name="T0" fmla="*/ 0 w 3811"/>
+              <a:gd name="T1" fmla="*/ 3650 h 3650"/>
+              <a:gd name="T2" fmla="*/ 3811 w 3811"/>
+              <a:gd name="T3" fmla="*/ 0 h 3650"/>
+              <a:gd name="T4" fmla="*/ 458 w 3811"/>
+              <a:gd name="T5" fmla="*/ 565 h 3650"/>
+              <a:gd name="T6" fmla="*/ 2801 w 3811"/>
+              <a:gd name="T7" fmla="*/ 3461 h 3650"/>
+            </a:gdLst>
+            <a:ahLst/>
+            <a:cxnLst>
+              <a:cxn ang="0">
+                <a:pos x="T0" y="T1"/>
+              </a:cxn>
+              <a:cxn ang="0">
+                <a:pos x="T2" y="T3"/>
+              </a:cxn>
+              <a:cxn ang="0">
+                <a:pos x="T4" y="T5"/>
+              </a:cxn>
+              <a:cxn ang="0">
+                <a:pos x="T6" y="T7"/>
+              </a:cxn>
+            </a:cxnLst>
+            <a:rect l="0" t="0" r="r" b="b"/>
+            <a:pathLst>
+              <a:path w="3811" h="3650">
+                <a:moveTo>
+                  <a:pt x="0" y="3650"/>
+                </a:moveTo>
+                <a:cubicBezTo>
+                  <a:pt x="335" y="2568"/>
+                  <a:pt x="2756" y="754"/>
+                  <a:pt x="3811" y="0"/>
+                </a:cubicBezTo>
+                <a:moveTo>
+                  <a:pt x="458" y="565"/>
+                </a:moveTo>
+                <a:cubicBezTo>
+                  <a:pt x="1270" y="1497"/>
+                  <a:pt x="1896" y="2707"/>
+                  <a:pt x="2801" y="3461"/>
+                </a:cubicBezTo>
+              </a:path>
+            </a:pathLst>
+          </a:custGeom>
+          <a:noFill/>
+          <a:ln w="38100" cap="rnd">
+            <a:solidFill>
+              <a:srgbClr val="FF0000"/>
+            </a:solidFill>
+            <a:prstDash val="solid"/>
+            <a:round/>
+            <a:headEnd/>
+            <a:tailEnd/>
+          </a:ln>
+          <a:extLst>
+            <a:ext uri="{909E8E84-426E-40DD-AFC4-6F175D3DCCD1}">
+              <a14:hiddenFill xmlns:a14="http://schemas.microsoft.com/office/drawing/2010/main">
+                <a:solidFill>
+                  <a:srgbClr val="FFFFFF"/>
+                </a:solidFill>
+              </a14:hiddenFill>
+            </a:ext>
+          </a:extLst>
+        </p:spPr>
+        <p:txBody>
+          <a:bodyPr vert="horz" wrap="square" lIns="91440" tIns="45720" rIns="91440" bIns="45720" numCol="1" anchor="ctr" anchorCtr="0" compatLnSpc="1">
+            <a:prstTxWarp prst="textNoShape">
+              <a:avLst/>
+            </a:prstTxWarp>
+          </a:bodyPr>
+          <a:lstStyle>
+            <a:defPPr>
+              <a:defRPr lang="en-US"/>
+            </a:defPPr>
+            <a:lvl1pPr marL="0" algn="l" defTabSz="914400" rtl="0" eaLnBrk="1" latinLnBrk="0" hangingPunct="1">
+              <a:defRPr sz="1800" kern="1200">
+                <a:solidFill>
+                  <a:schemeClr val="tx1"/>
+                </a:solidFill>
+                <a:latin typeface="+mn-lt"/>
+                <a:ea typeface="+mn-ea"/>
+                <a:cs typeface="+mn-cs"/>
+              </a:defRPr>
+            </a:lvl1pPr>
+            <a:lvl2pPr marL="457200" algn="l" defTabSz="914400" rtl="0" eaLnBrk="1" latinLnBrk="0" hangingPunct="1">
+              <a:defRPr sz="1800" kern="1200">
+                <a:solidFill>
+                  <a:schemeClr val="tx1"/>
+                </a:solidFill>
+                <a:latin typeface="+mn-lt"/>
+                <a:ea typeface="+mn-ea"/>
+                <a:cs typeface="+mn-cs"/>
+              </a:defRPr>
+            </a:lvl2pPr>
+            <a:lvl3pPr marL="914400" algn="l" defTabSz="914400" rtl="0" eaLnBrk="1" latinLnBrk="0" hangingPunct="1">
+              <a:defRPr sz="1800" kern="1200">
+                <a:solidFill>
+                  <a:schemeClr val="tx1"/>
+                </a:solidFill>
+                <a:latin typeface="+mn-lt"/>
+                <a:ea typeface="+mn-ea"/>
+                <a:cs typeface="+mn-cs"/>
+              </a:defRPr>
+            </a:lvl3pPr>
+            <a:lvl4pPr marL="1371600" algn="l" defTabSz="914400" rtl="0" eaLnBrk="1" latinLnBrk="0" hangingPunct="1">
+              <a:defRPr sz="1800" kern="1200">
+                <a:solidFill>
+                  <a:schemeClr val="tx1"/>
+                </a:solidFill>
+                <a:latin typeface="+mn-lt"/>
+                <a:ea typeface="+mn-ea"/>
+                <a:cs typeface="+mn-cs"/>
+              </a:defRPr>
+            </a:lvl4pPr>
+            <a:lvl5pPr marL="1828800" algn="l" defTabSz="914400" rtl="0" eaLnBrk="1" latinLnBrk="0" hangingPunct="1">
+              <a:defRPr sz="1800" kern="1200">
+                <a:solidFill>
+                  <a:schemeClr val="tx1"/>
+                </a:solidFill>
+                <a:latin typeface="+mn-lt"/>
+                <a:ea typeface="+mn-ea"/>
+                <a:cs typeface="+mn-cs"/>
+              </a:defRPr>
+            </a:lvl5pPr>
+            <a:lvl6pPr marL="2286000" algn="l" defTabSz="914400" rtl="0" eaLnBrk="1" latinLnBrk="0" hangingPunct="1">
+              <a:defRPr sz="1800" kern="1200">
+                <a:solidFill>
+                  <a:schemeClr val="tx1"/>
+                </a:solidFill>
+                <a:latin typeface="+mn-lt"/>
+                <a:ea typeface="+mn-ea"/>
+                <a:cs typeface="+mn-cs"/>
+              </a:defRPr>
+            </a:lvl6pPr>
+            <a:lvl7pPr marL="2743200" algn="l" defTabSz="914400" rtl="0" eaLnBrk="1" latinLnBrk="0" hangingPunct="1">
+              <a:defRPr sz="1800" kern="1200">
+                <a:solidFill>
+                  <a:schemeClr val="tx1"/>
+                </a:solidFill>
+                <a:latin typeface="+mn-lt"/>
+                <a:ea typeface="+mn-ea"/>
+                <a:cs typeface="+mn-cs"/>
+              </a:defRPr>
+            </a:lvl7pPr>
+            <a:lvl8pPr marL="3200400" algn="l" defTabSz="914400" rtl="0" eaLnBrk="1" latinLnBrk="0" hangingPunct="1">
+              <a:defRPr sz="1800" kern="1200">
+                <a:solidFill>
+                  <a:schemeClr val="tx1"/>
+                </a:solidFill>
+                <a:latin typeface="+mn-lt"/>
+                <a:ea typeface="+mn-ea"/>
+                <a:cs typeface="+mn-cs"/>
+              </a:defRPr>
+            </a:lvl8pPr>
+            <a:lvl9pPr marL="3657600" algn="l" defTabSz="914400" rtl="0" eaLnBrk="1" latinLnBrk="0" hangingPunct="1">
+              <a:defRPr sz="1800" kern="1200">
+                <a:solidFill>
+                  <a:schemeClr val="tx1"/>
+                </a:solidFill>
+                <a:latin typeface="+mn-lt"/>
+                <a:ea typeface="+mn-ea"/>
+                <a:cs typeface="+mn-cs"/>
+              </a:defRPr>
+            </a:lvl9pPr>
+          </a:lstStyle>
+          <a:p>
+            <a:pPr algn="ctr"/>
+            <a:endParaRPr lang="en-US" sz="1200">
+              <a:solidFill>
+                <a:srgbClr val="1D436F"/>
+              </a:solidFill>
+              <a:latin typeface="Segoe Print" panose="02000600000000000000" pitchFamily="2" charset="0"/>
+            </a:endParaRPr>
+          </a:p>
+        </p:txBody>
+      </p:sp>
+      <p:sp>
+        <p:nvSpPr>
+          <p:cNvPr id="78" name="Cross">
+            <a:extLst>
+              <a:ext uri="{FF2B5EF4-FFF2-40B4-BE49-F238E27FC236}">
+                <a16:creationId xmlns:a16="http://schemas.microsoft.com/office/drawing/2014/main" id="{A1E4B176-3503-40E5-A3C2-A06460AE2FB9}"/>
+              </a:ext>
+            </a:extLst>
+          </p:cNvPr>
+          <p:cNvSpPr>
+            <a:spLocks noChangeAspect="1" noEditPoints="1"/>
+          </p:cNvSpPr>
+          <p:nvPr/>
+        </p:nvSpPr>
+        <p:spPr bwMode="auto">
+          <a:xfrm>
+            <a:off x="10108088" y="4307568"/>
+            <a:ext cx="254697" cy="244872"/>
+          </a:xfrm>
+          <a:custGeom>
+            <a:avLst/>
+            <a:gdLst>
+              <a:gd name="T0" fmla="*/ 0 w 3811"/>
+              <a:gd name="T1" fmla="*/ 3650 h 3650"/>
+              <a:gd name="T2" fmla="*/ 3811 w 3811"/>
+              <a:gd name="T3" fmla="*/ 0 h 3650"/>
+              <a:gd name="T4" fmla="*/ 458 w 3811"/>
+              <a:gd name="T5" fmla="*/ 565 h 3650"/>
+              <a:gd name="T6" fmla="*/ 2801 w 3811"/>
+              <a:gd name="T7" fmla="*/ 3461 h 3650"/>
+            </a:gdLst>
+            <a:ahLst/>
+            <a:cxnLst>
+              <a:cxn ang="0">
+                <a:pos x="T0" y="T1"/>
+              </a:cxn>
+              <a:cxn ang="0">
+                <a:pos x="T2" y="T3"/>
+              </a:cxn>
+              <a:cxn ang="0">
+                <a:pos x="T4" y="T5"/>
+              </a:cxn>
+              <a:cxn ang="0">
+                <a:pos x="T6" y="T7"/>
+              </a:cxn>
+            </a:cxnLst>
+            <a:rect l="0" t="0" r="r" b="b"/>
+            <a:pathLst>
+              <a:path w="3811" h="3650">
+                <a:moveTo>
+                  <a:pt x="0" y="3650"/>
+                </a:moveTo>
+                <a:cubicBezTo>
+                  <a:pt x="335" y="2568"/>
+                  <a:pt x="2756" y="754"/>
+                  <a:pt x="3811" y="0"/>
+                </a:cubicBezTo>
+                <a:moveTo>
+                  <a:pt x="458" y="565"/>
+                </a:moveTo>
+                <a:cubicBezTo>
+                  <a:pt x="1270" y="1497"/>
+                  <a:pt x="1896" y="2707"/>
+                  <a:pt x="2801" y="3461"/>
+                </a:cubicBezTo>
+              </a:path>
+            </a:pathLst>
+          </a:custGeom>
+          <a:noFill/>
+          <a:ln w="38100" cap="rnd">
+            <a:solidFill>
+              <a:srgbClr val="FF0000"/>
+            </a:solidFill>
+            <a:prstDash val="solid"/>
+            <a:round/>
+            <a:headEnd/>
+            <a:tailEnd/>
+          </a:ln>
+          <a:extLst>
+            <a:ext uri="{909E8E84-426E-40DD-AFC4-6F175D3DCCD1}">
+              <a14:hiddenFill xmlns:a14="http://schemas.microsoft.com/office/drawing/2010/main">
+                <a:solidFill>
+                  <a:srgbClr val="FFFFFF"/>
+                </a:solidFill>
+              </a14:hiddenFill>
+            </a:ext>
+          </a:extLst>
+        </p:spPr>
+        <p:txBody>
+          <a:bodyPr vert="horz" wrap="square" lIns="91440" tIns="45720" rIns="91440" bIns="45720" numCol="1" anchor="ctr" anchorCtr="0" compatLnSpc="1">
+            <a:prstTxWarp prst="textNoShape">
+              <a:avLst/>
+            </a:prstTxWarp>
+          </a:bodyPr>
+          <a:lstStyle>
+            <a:defPPr>
+              <a:defRPr lang="en-US"/>
+            </a:defPPr>
+            <a:lvl1pPr marL="0" algn="l" defTabSz="914400" rtl="0" eaLnBrk="1" latinLnBrk="0" hangingPunct="1">
+              <a:defRPr sz="1800" kern="1200">
+                <a:solidFill>
+                  <a:schemeClr val="tx1"/>
+                </a:solidFill>
+                <a:latin typeface="+mn-lt"/>
+                <a:ea typeface="+mn-ea"/>
+                <a:cs typeface="+mn-cs"/>
+              </a:defRPr>
+            </a:lvl1pPr>
+            <a:lvl2pPr marL="457200" algn="l" defTabSz="914400" rtl="0" eaLnBrk="1" latinLnBrk="0" hangingPunct="1">
+              <a:defRPr sz="1800" kern="1200">
+                <a:solidFill>
+                  <a:schemeClr val="tx1"/>
+                </a:solidFill>
+                <a:latin typeface="+mn-lt"/>
+                <a:ea typeface="+mn-ea"/>
+                <a:cs typeface="+mn-cs"/>
+              </a:defRPr>
+            </a:lvl2pPr>
+            <a:lvl3pPr marL="914400" algn="l" defTabSz="914400" rtl="0" eaLnBrk="1" latinLnBrk="0" hangingPunct="1">
+              <a:defRPr sz="1800" kern="1200">
+                <a:solidFill>
+                  <a:schemeClr val="tx1"/>
+                </a:solidFill>
+                <a:latin typeface="+mn-lt"/>
+                <a:ea typeface="+mn-ea"/>
+                <a:cs typeface="+mn-cs"/>
+              </a:defRPr>
+            </a:lvl3pPr>
+            <a:lvl4pPr marL="1371600" algn="l" defTabSz="914400" rtl="0" eaLnBrk="1" latinLnBrk="0" hangingPunct="1">
+              <a:defRPr sz="1800" kern="1200">
+                <a:solidFill>
+                  <a:schemeClr val="tx1"/>
+                </a:solidFill>
+                <a:latin typeface="+mn-lt"/>
+                <a:ea typeface="+mn-ea"/>
+                <a:cs typeface="+mn-cs"/>
+              </a:defRPr>
+            </a:lvl4pPr>
+            <a:lvl5pPr marL="1828800" algn="l" defTabSz="914400" rtl="0" eaLnBrk="1" latinLnBrk="0" hangingPunct="1">
+              <a:defRPr sz="1800" kern="1200">
+                <a:solidFill>
+                  <a:schemeClr val="tx1"/>
+                </a:solidFill>
+                <a:latin typeface="+mn-lt"/>
+                <a:ea typeface="+mn-ea"/>
+                <a:cs typeface="+mn-cs"/>
+              </a:defRPr>
+            </a:lvl5pPr>
+            <a:lvl6pPr marL="2286000" algn="l" defTabSz="914400" rtl="0" eaLnBrk="1" latinLnBrk="0" hangingPunct="1">
+              <a:defRPr sz="1800" kern="1200">
+                <a:solidFill>
+                  <a:schemeClr val="tx1"/>
+                </a:solidFill>
+                <a:latin typeface="+mn-lt"/>
+                <a:ea typeface="+mn-ea"/>
+                <a:cs typeface="+mn-cs"/>
+              </a:defRPr>
+            </a:lvl6pPr>
+            <a:lvl7pPr marL="2743200" algn="l" defTabSz="914400" rtl="0" eaLnBrk="1" latinLnBrk="0" hangingPunct="1">
+              <a:defRPr sz="1800" kern="1200">
+                <a:solidFill>
+                  <a:schemeClr val="tx1"/>
+                </a:solidFill>
+                <a:latin typeface="+mn-lt"/>
+                <a:ea typeface="+mn-ea"/>
+                <a:cs typeface="+mn-cs"/>
+              </a:defRPr>
+            </a:lvl7pPr>
+            <a:lvl8pPr marL="3200400" algn="l" defTabSz="914400" rtl="0" eaLnBrk="1" latinLnBrk="0" hangingPunct="1">
+              <a:defRPr sz="1800" kern="1200">
+                <a:solidFill>
+                  <a:schemeClr val="tx1"/>
+                </a:solidFill>
+                <a:latin typeface="+mn-lt"/>
+                <a:ea typeface="+mn-ea"/>
+                <a:cs typeface="+mn-cs"/>
+              </a:defRPr>
+            </a:lvl8pPr>
+            <a:lvl9pPr marL="3657600" algn="l" defTabSz="914400" rtl="0" eaLnBrk="1" latinLnBrk="0" hangingPunct="1">
+              <a:defRPr sz="1800" kern="1200">
+                <a:solidFill>
+                  <a:schemeClr val="tx1"/>
+                </a:solidFill>
+                <a:latin typeface="+mn-lt"/>
+                <a:ea typeface="+mn-ea"/>
+                <a:cs typeface="+mn-cs"/>
+              </a:defRPr>
+            </a:lvl9pPr>
+          </a:lstStyle>
+          <a:p>
+            <a:pPr algn="ctr"/>
+            <a:endParaRPr lang="en-US" sz="1200">
+              <a:solidFill>
+                <a:srgbClr val="1D436F"/>
+              </a:solidFill>
+              <a:latin typeface="Segoe Print" panose="02000600000000000000" pitchFamily="2" charset="0"/>
+            </a:endParaRPr>
           </a:p>
         </p:txBody>
       </p:sp>
@@ -10093,60 +10782,6 @@
                                           </p:stCondLst>
                                         </p:cTn>
                                         <p:tgtEl>
-                                          <p:spTgt spid="131"/>
-                                        </p:tgtEl>
-                                        <p:attrNameLst>
-                                          <p:attrName>style.visibility</p:attrName>
-                                        </p:attrNameLst>
-                                      </p:cBhvr>
-                                      <p:to>
-                                        <p:strVal val="visible"/>
-                                      </p:to>
-                                    </p:set>
-                                  </p:childTnLst>
-                                </p:cTn>
-                              </p:par>
-                              <p:par>
-                                <p:cTn id="49" presetID="1" presetClass="entr" presetSubtype="0" fill="hold" grpId="0" nodeType="withEffect">
-                                  <p:stCondLst>
-                                    <p:cond delay="0"/>
-                                  </p:stCondLst>
-                                  <p:childTnLst>
-                                    <p:set>
-                                      <p:cBhvr>
-                                        <p:cTn id="50" dur="1" fill="hold">
-                                          <p:stCondLst>
-                                            <p:cond delay="0"/>
-                                          </p:stCondLst>
-                                        </p:cTn>
-                                        <p:tgtEl>
-                                          <p:spTgt spid="132"/>
-                                        </p:tgtEl>
-                                        <p:attrNameLst>
-                                          <p:attrName>style.visibility</p:attrName>
-                                        </p:attrNameLst>
-                                      </p:cBhvr>
-                                      <p:to>
-                                        <p:strVal val="visible"/>
-                                      </p:to>
-                                    </p:set>
-                                  </p:childTnLst>
-                                </p:cTn>
-                              </p:par>
-                              <p:par>
-                                <p:cTn id="51" presetID="1" presetClass="entr" presetSubtype="0" fill="hold" grpId="0" nodeType="withEffect">
-                                  <p:stCondLst>
-                                    <p:cond delay="0"/>
-                                  </p:stCondLst>
-                                  <p:childTnLst>
-                                    <p:set>
-                                      <p:cBhvr>
-                                        <p:cTn id="52" dur="1" fill="hold">
-                                          <p:stCondLst>
-                                            <p:cond delay="0"/>
-                                          </p:stCondLst>
-                                        </p:cTn>
-                                        <p:tgtEl>
                                           <p:spTgt spid="31"/>
                                         </p:tgtEl>
                                         <p:attrNameLst>
@@ -10161,14 +10796,14 @@
                                 </p:cTn>
                               </p:par>
                               <p:par>
-                                <p:cTn id="53" presetID="1" presetClass="entr" presetSubtype="0" fill="hold" nodeType="withEffect">
+                                <p:cTn id="49" presetID="1" presetClass="entr" presetSubtype="0" fill="hold" nodeType="withEffect">
                                   <p:stCondLst>
                                     <p:cond delay="0"/>
                                   </p:stCondLst>
                                   <p:childTnLst>
                                     <p:set>
                                       <p:cBhvr>
-                                        <p:cTn id="54" dur="1" fill="hold">
+                                        <p:cTn id="50" dur="1" fill="hold">
                                           <p:stCondLst>
                                             <p:cond delay="0"/>
                                           </p:stCondLst>
@@ -10188,7 +10823,61 @@
                                 </p:cTn>
                               </p:par>
                               <p:par>
-                                <p:cTn id="55" presetID="1" presetClass="entr" presetSubtype="0" fill="hold" nodeType="withEffect">
+                                <p:cTn id="51" presetID="1" presetClass="entr" presetSubtype="0" fill="hold" nodeType="withEffect">
+                                  <p:stCondLst>
+                                    <p:cond delay="0"/>
+                                  </p:stCondLst>
+                                  <p:childTnLst>
+                                    <p:set>
+                                      <p:cBhvr>
+                                        <p:cTn id="52" dur="1" fill="hold">
+                                          <p:stCondLst>
+                                            <p:cond delay="0"/>
+                                          </p:stCondLst>
+                                        </p:cTn>
+                                        <p:tgtEl>
+                                          <p:spTgt spid="22"/>
+                                        </p:tgtEl>
+                                        <p:attrNameLst>
+                                          <p:attrName>style.visibility</p:attrName>
+                                        </p:attrNameLst>
+                                      </p:cBhvr>
+                                      <p:to>
+                                        <p:strVal val="visible"/>
+                                      </p:to>
+                                    </p:set>
+                                  </p:childTnLst>
+                                </p:cTn>
+                              </p:par>
+                              <p:par>
+                                <p:cTn id="53" presetID="1" presetClass="entr" presetSubtype="0" fill="hold" grpId="0" nodeType="withEffect">
+                                  <p:stCondLst>
+                                    <p:cond delay="0"/>
+                                  </p:stCondLst>
+                                  <p:childTnLst>
+                                    <p:set>
+                                      <p:cBhvr>
+                                        <p:cTn id="54" dur="1" fill="hold">
+                                          <p:stCondLst>
+                                            <p:cond delay="0"/>
+                                          </p:stCondLst>
+                                        </p:cTn>
+                                        <p:tgtEl>
+                                          <p:spTgt spid="77"/>
+                                        </p:tgtEl>
+                                        <p:attrNameLst>
+                                          <p:attrName>style.visibility</p:attrName>
+                                        </p:attrNameLst>
+                                      </p:cBhvr>
+                                      <p:to>
+                                        <p:strVal val="visible"/>
+                                      </p:to>
+                                    </p:set>
+                                  </p:childTnLst>
+                                </p:cTn>
+                              </p:par>
+                              <p:par>
+                                <p:cTn id="55" presetID="1" presetClass="entr" presetSubtype="0" fill="hold" grpId="0" nodeType="withEffect">
                                   <p:stCondLst>
                                     <p:cond delay="0"/>
                                   </p:stCondLst>
@@ -10201,7 +10890,7 @@
                                           </p:stCondLst>
                                         </p:cTn>
                                         <p:tgtEl>
-                                          <p:spTgt spid="22"/>
+                                          <p:spTgt spid="78"/>
                                         </p:tgtEl>
                                         <p:attrNameLst>
                                           <p:attrName>style.visibility</p:attrName>
@@ -10258,15 +10947,15 @@
       <p:bldP spid="124" grpId="0"/>
       <p:bldP spid="125" grpId="0"/>
       <p:bldP spid="126" grpId="0"/>
-      <p:bldP spid="131" grpId="0"/>
-      <p:bldP spid="132" grpId="0"/>
       <p:bldP spid="31" grpId="0" animBg="1"/>
+      <p:bldP spid="77" grpId="0" animBg="1"/>
+      <p:bldP spid="78" grpId="0" animBg="1"/>
     </p:bldLst>
   </p:timing>
 </p:sld>
 </file>
 
-<file path=ppt/slides/slide16.xml><?xml version="1.0" encoding="utf-8"?>
+<file path=ppt/slides/slide17.xml><?xml version="1.0" encoding="utf-8"?>
 <p:sld xmlns:a="http://schemas.openxmlformats.org/drawingml/2006/main" xmlns:r="http://schemas.openxmlformats.org/officeDocument/2006/relationships" xmlns:p="http://schemas.openxmlformats.org/presentationml/2006/main">
   <p:cSld>
     <p:spTree>
@@ -17063,7 +17752,7 @@
 </p:sld>
 </file>
 
-<file path=ppt/slides/slide17.xml><?xml version="1.0" encoding="utf-8"?>
+<file path=ppt/slides/slide18.xml><?xml version="1.0" encoding="utf-8"?>
 <p:sld xmlns:a="http://schemas.openxmlformats.org/drawingml/2006/main" xmlns:r="http://schemas.openxmlformats.org/officeDocument/2006/relationships" xmlns:p="http://schemas.openxmlformats.org/presentationml/2006/main">
   <p:cSld>
     <p:spTree>
@@ -23760,7 +24449,7 @@
 </p:sld>
 </file>
 
-<file path=ppt/slides/slide18.xml><?xml version="1.0" encoding="utf-8"?>
+<file path=ppt/slides/slide19.xml><?xml version="1.0" encoding="utf-8"?>
 <p:sld xmlns:a="http://schemas.openxmlformats.org/drawingml/2006/main" xmlns:r="http://schemas.openxmlformats.org/officeDocument/2006/relationships" xmlns:p="http://schemas.openxmlformats.org/presentationml/2006/main">
   <p:cSld>
     <p:spTree>
@@ -31627,6 +32316,112 @@
           <p:cNvPr id="2" name="标题 1">
             <a:extLst>
               <a:ext uri="{FF2B5EF4-FFF2-40B4-BE49-F238E27FC236}">
+                <a16:creationId xmlns:a16="http://schemas.microsoft.com/office/drawing/2014/main" id="{96EC6D86-622A-41AA-9FC3-07268DD8488B}"/>
+              </a:ext>
+            </a:extLst>
+          </p:cNvPr>
+          <p:cNvSpPr>
+            <a:spLocks noGrp="1"/>
+          </p:cNvSpPr>
+          <p:nvPr>
+            <p:ph type="title"/>
+          </p:nvPr>
+        </p:nvSpPr>
+        <p:spPr/>
+        <p:txBody>
+          <a:bodyPr/>
+          <a:lstStyle/>
+          <a:p>
+            <a:r>
+              <a:rPr lang="zh-CN" altLang="en-US" dirty="0"/>
+              <a:t>为何要反向边</a:t>
+            </a:r>
+          </a:p>
+        </p:txBody>
+      </p:sp>
+      <p:pic>
+        <p:nvPicPr>
+          <p:cNvPr id="1026" name="Picture 2" descr="æ­¤å¤è¾å+¥å¾ççæè¿°">
+            <a:extLst>
+              <a:ext uri="{FF2B5EF4-FFF2-40B4-BE49-F238E27FC236}">
+                <a16:creationId xmlns:a16="http://schemas.microsoft.com/office/drawing/2014/main" id="{B69426FA-37C2-4115-AE39-25EAC08985C4}"/>
+              </a:ext>
+            </a:extLst>
+          </p:cNvPr>
+          <p:cNvPicPr>
+            <a:picLocks noChangeAspect="1" noChangeArrowheads="1"/>
+          </p:cNvPicPr>
+          <p:nvPr/>
+        </p:nvPicPr>
+        <p:blipFill>
+          <a:blip r:embed="rId2">
+            <a:extLst>
+              <a:ext uri="{28A0092B-C50C-407E-A947-70E740481C1C}">
+                <a14:useLocalDpi xmlns:a14="http://schemas.microsoft.com/office/drawing/2010/main" val="0"/>
+              </a:ext>
+            </a:extLst>
+          </a:blip>
+          <a:srcRect/>
+          <a:stretch>
+            <a:fillRect/>
+          </a:stretch>
+        </p:blipFill>
+        <p:spPr bwMode="auto">
+          <a:xfrm>
+            <a:off x="909308" y="2331786"/>
+            <a:ext cx="9105900" cy="4276725"/>
+          </a:xfrm>
+          <a:prstGeom prst="rect">
+            <a:avLst/>
+          </a:prstGeom>
+          <a:noFill/>
+          <a:extLst>
+            <a:ext uri="{909E8E84-426E-40DD-AFC4-6F175D3DCCD1}">
+              <a14:hiddenFill xmlns:a14="http://schemas.microsoft.com/office/drawing/2010/main">
+                <a:solidFill>
+                  <a:srgbClr val="FFFFFF"/>
+                </a:solidFill>
+              </a14:hiddenFill>
+            </a:ext>
+          </a:extLst>
+        </p:spPr>
+      </p:pic>
+    </p:spTree>
+    <p:extLst>
+      <p:ext uri="{BB962C8B-B14F-4D97-AF65-F5344CB8AC3E}">
+        <p14:creationId xmlns:p14="http://schemas.microsoft.com/office/powerpoint/2010/main" val="1944921721"/>
+      </p:ext>
+    </p:extLst>
+  </p:cSld>
+  <p:clrMapOvr>
+    <a:masterClrMapping/>
+  </p:clrMapOvr>
+</p:sld>
+</file>
+
+<file path=ppt/slides/slide8.xml><?xml version="1.0" encoding="utf-8"?>
+<p:sld xmlns:a="http://schemas.openxmlformats.org/drawingml/2006/main" xmlns:r="http://schemas.openxmlformats.org/officeDocument/2006/relationships" xmlns:p="http://schemas.openxmlformats.org/presentationml/2006/main">
+  <p:cSld>
+    <p:spTree>
+      <p:nvGrpSpPr>
+        <p:cNvPr id="1" name=""/>
+        <p:cNvGrpSpPr/>
+        <p:nvPr/>
+      </p:nvGrpSpPr>
+      <p:grpSpPr>
+        <a:xfrm>
+          <a:off x="0" y="0"/>
+          <a:ext cx="0" cy="0"/>
+          <a:chOff x="0" y="0"/>
+          <a:chExt cx="0" cy="0"/>
+        </a:xfrm>
+      </p:grpSpPr>
+      <p:sp>
+        <p:nvSpPr>
+          <p:cNvPr id="2" name="标题 1">
+            <a:extLst>
+              <a:ext uri="{FF2B5EF4-FFF2-40B4-BE49-F238E27FC236}">
                 <a16:creationId xmlns:a16="http://schemas.microsoft.com/office/drawing/2014/main" id="{1E1BA36A-9C05-4A14-99C8-F68C0CD0F1D0}"/>
               </a:ext>
             </a:extLst>
@@ -32750,7 +33545,7 @@
 </p:sld>
 </file>
 
-<file path=ppt/slides/slide8.xml><?xml version="1.0" encoding="utf-8"?>
+<file path=ppt/slides/slide9.xml><?xml version="1.0" encoding="utf-8"?>
 <p:sld xmlns:a="http://schemas.openxmlformats.org/drawingml/2006/main" xmlns:r="http://schemas.openxmlformats.org/officeDocument/2006/relationships" xmlns:p="http://schemas.openxmlformats.org/presentationml/2006/main">
   <p:cSld>
     <p:spTree>
@@ -33730,382 +34525,6 @@
 </p:sld>
 </file>
 
-<file path=ppt/slides/slide9.xml><?xml version="1.0" encoding="utf-8"?>
-<p:sld xmlns:a="http://schemas.openxmlformats.org/drawingml/2006/main" xmlns:r="http://schemas.openxmlformats.org/officeDocument/2006/relationships" xmlns:p="http://schemas.openxmlformats.org/presentationml/2006/main">
-  <p:cSld>
-    <p:spTree>
-      <p:nvGrpSpPr>
-        <p:cNvPr id="1" name=""/>
-        <p:cNvGrpSpPr/>
-        <p:nvPr/>
-      </p:nvGrpSpPr>
-      <p:grpSpPr>
-        <a:xfrm>
-          <a:off x="0" y="0"/>
-          <a:ext cx="0" cy="0"/>
-          <a:chOff x="0" y="0"/>
-          <a:chExt cx="0" cy="0"/>
-        </a:xfrm>
-      </p:grpSpPr>
-      <p:sp>
-        <p:nvSpPr>
-          <p:cNvPr id="2" name="标题 1">
-            <a:extLst>
-              <a:ext uri="{FF2B5EF4-FFF2-40B4-BE49-F238E27FC236}">
-                <a16:creationId xmlns:a16="http://schemas.microsoft.com/office/drawing/2014/main" id="{EE7A450F-735B-4E5F-93E7-63C477A2E1AC}"/>
-              </a:ext>
-            </a:extLst>
-          </p:cNvPr>
-          <p:cNvSpPr>
-            <a:spLocks noGrp="1"/>
-          </p:cNvSpPr>
-          <p:nvPr>
-            <p:ph type="title"/>
-          </p:nvPr>
-        </p:nvSpPr>
-        <p:spPr/>
-        <p:txBody>
-          <a:bodyPr/>
-          <a:lstStyle/>
-          <a:p>
-            <a:r>
-              <a:rPr lang="zh-CN" altLang="en-US" dirty="0"/>
-              <a:t>最大流</a:t>
-            </a:r>
-            <a:r>
-              <a:rPr lang="en-US" altLang="zh-CN" dirty="0"/>
-              <a:t>Max-flow</a:t>
-            </a:r>
-            <a:r>
-              <a:rPr lang="zh-CN" altLang="en-US" dirty="0"/>
-              <a:t>算法</a:t>
-            </a:r>
-          </a:p>
-        </p:txBody>
-      </p:sp>
-      <mc:AlternateContent xmlns:mc="http://schemas.openxmlformats.org/markup-compatibility/2006" xmlns:a14="http://schemas.microsoft.com/office/drawing/2010/main">
-        <mc:Choice Requires="a14">
-          <p:sp>
-            <p:nvSpPr>
-              <p:cNvPr id="3" name="内容占位符 2">
-                <a:extLst>
-                  <a:ext uri="{FF2B5EF4-FFF2-40B4-BE49-F238E27FC236}">
-                    <a16:creationId xmlns:a16="http://schemas.microsoft.com/office/drawing/2014/main" id="{438F22C9-43D7-4C72-A447-A0B5D988EE07}"/>
-                  </a:ext>
-                </a:extLst>
-              </p:cNvPr>
-              <p:cNvSpPr>
-                <a:spLocks noGrp="1"/>
-              </p:cNvSpPr>
-              <p:nvPr>
-                <p:ph idx="1"/>
-              </p:nvPr>
-            </p:nvSpPr>
-            <p:spPr>
-              <a:xfrm>
-                <a:off x="1024128" y="1860125"/>
-                <a:ext cx="9720071" cy="4023360"/>
-              </a:xfrm>
-            </p:spPr>
-            <p:txBody>
-              <a:bodyPr/>
-              <a:lstStyle/>
-              <a:p>
-                <a:pPr marL="457200" indent="-457200">
-                  <a:buFont typeface="+mj-lt"/>
-                  <a:buAutoNum type="arabicPeriod"/>
-                </a:pPr>
-                <a:r>
-                  <a:rPr lang="en-US" altLang="zh-CN" dirty="0"/>
-                  <a:t>Ford–Fulkerson algorithm (DFS)</a:t>
-                </a:r>
-                <a:r>
-                  <a:rPr lang="zh-CN" altLang="en-US" dirty="0"/>
-                  <a:t>，</a:t>
-                </a:r>
-                <a14:m>
-                  <m:oMath xmlns:m="http://schemas.openxmlformats.org/officeDocument/2006/math">
-                    <m:r>
-                      <a:rPr lang="en-US" altLang="zh-CN" b="0" i="1" smtClean="0">
-                        <a:latin typeface="Cambria Math" panose="02040503050406030204" pitchFamily="18" charset="0"/>
-                      </a:rPr>
-                      <m:t>𝑂</m:t>
-                    </m:r>
-                    <m:r>
-                      <a:rPr lang="en-US" altLang="zh-CN" b="0" i="1" smtClean="0">
-                        <a:latin typeface="Cambria Math" panose="02040503050406030204" pitchFamily="18" charset="0"/>
-                      </a:rPr>
-                      <m:t>(</m:t>
-                    </m:r>
-                    <m:r>
-                      <a:rPr lang="en-US" altLang="zh-CN" b="0" i="1" smtClean="0">
-                        <a:latin typeface="Cambria Math" panose="02040503050406030204" pitchFamily="18" charset="0"/>
-                      </a:rPr>
-                      <m:t>𝐸</m:t>
-                    </m:r>
-                    <m:r>
-                      <a:rPr lang="en-US" altLang="zh-CN" b="0" i="1" smtClean="0">
-                        <a:latin typeface="Cambria Math" panose="02040503050406030204" pitchFamily="18" charset="0"/>
-                        <a:ea typeface="Cambria Math" panose="02040503050406030204" pitchFamily="18" charset="0"/>
-                      </a:rPr>
-                      <m:t>×</m:t>
-                    </m:r>
-                    <m:r>
-                      <a:rPr lang="en-US" altLang="zh-CN" b="0" i="1" smtClean="0">
-                        <a:latin typeface="Cambria Math" panose="02040503050406030204" pitchFamily="18" charset="0"/>
-                        <a:ea typeface="Cambria Math" panose="02040503050406030204" pitchFamily="18" charset="0"/>
-                      </a:rPr>
-                      <m:t>𝑓</m:t>
-                    </m:r>
-                    <m:r>
-                      <a:rPr lang="en-US" altLang="zh-CN" b="0" i="1" smtClean="0">
-                        <a:latin typeface="Cambria Math" panose="02040503050406030204" pitchFamily="18" charset="0"/>
-                      </a:rPr>
-                      <m:t>)</m:t>
-                    </m:r>
-                  </m:oMath>
-                </a14:m>
-                <a:r>
-                  <a:rPr lang="en-US" altLang="zh-CN" i="1" dirty="0"/>
-                  <a:t> </a:t>
-                </a:r>
-                <a:r>
-                  <a:rPr lang="zh-CN" altLang="en-US" dirty="0"/>
-                  <a:t>。</a:t>
-                </a:r>
-                <a:br>
-                  <a:rPr lang="en-US" altLang="zh-CN" dirty="0"/>
-                </a:br>
-                <a:r>
-                  <a:rPr lang="en-US" altLang="zh-CN" dirty="0"/>
-                  <a:t>E</a:t>
-                </a:r>
-                <a:r>
-                  <a:rPr lang="zh-CN" altLang="en-US" dirty="0"/>
-                  <a:t>为边的数量，</a:t>
-                </a:r>
-                <a:r>
-                  <a:rPr lang="en-US" altLang="zh-CN" dirty="0"/>
-                  <a:t>f</a:t>
-                </a:r>
-                <a:r>
-                  <a:rPr lang="zh-CN" altLang="en-US" dirty="0"/>
-                  <a:t>为</a:t>
-                </a:r>
-                <a:r>
-                  <a:rPr lang="en-US" altLang="zh-CN" dirty="0"/>
-                  <a:t>max-flow</a:t>
-                </a:r>
-                <a:r>
-                  <a:rPr lang="zh-CN" altLang="en-US" dirty="0"/>
-                  <a:t>的值，</a:t>
-                </a:r>
-                <a:r>
-                  <a:rPr lang="en-US" altLang="zh-CN" dirty="0"/>
-                  <a:t>f</a:t>
-                </a:r>
-                <a:r>
-                  <a:rPr lang="zh-CN" altLang="en-US" dirty="0"/>
-                  <a:t>可能很大，性能可能会很慢，如下图</a:t>
-                </a:r>
-                <a:endParaRPr lang="en-US" altLang="zh-CN" dirty="0"/>
-              </a:p>
-            </p:txBody>
-          </p:sp>
-        </mc:Choice>
-        <mc:Fallback xmlns="">
-          <p:sp>
-            <p:nvSpPr>
-              <p:cNvPr id="3" name="内容占位符 2">
-                <a:extLst>
-                  <a:ext uri="{FF2B5EF4-FFF2-40B4-BE49-F238E27FC236}">
-                    <a16:creationId xmlns:a16="http://schemas.microsoft.com/office/drawing/2014/main" id="{438F22C9-43D7-4C72-A447-A0B5D988EE07}"/>
-                  </a:ext>
-                </a:extLst>
-              </p:cNvPr>
-              <p:cNvSpPr>
-                <a:spLocks noGrp="1" noRot="1" noChangeAspect="1" noMove="1" noResize="1" noEditPoints="1" noAdjustHandles="1" noChangeArrowheads="1" noChangeShapeType="1" noTextEdit="1"/>
-              </p:cNvSpPr>
-              <p:nvPr>
-                <p:ph idx="1"/>
-              </p:nvPr>
-            </p:nvSpPr>
-            <p:spPr>
-              <a:xfrm>
-                <a:off x="1024128" y="1860125"/>
-                <a:ext cx="9720071" cy="4023360"/>
-              </a:xfrm>
-              <a:blipFill>
-                <a:blip r:embed="rId2"/>
-                <a:stretch>
-                  <a:fillRect l="-1129" t="-1970"/>
-                </a:stretch>
-              </a:blipFill>
-            </p:spPr>
-            <p:txBody>
-              <a:bodyPr/>
-              <a:lstStyle/>
-              <a:p>
-                <a:r>
-                  <a:rPr lang="zh-CN" altLang="en-US">
-                    <a:noFill/>
-                  </a:rPr>
-                  <a:t> </a:t>
-                </a:r>
-              </a:p>
-            </p:txBody>
-          </p:sp>
-        </mc:Fallback>
-      </mc:AlternateContent>
-      <p:pic>
-        <p:nvPicPr>
-          <p:cNvPr id="6" name="图片 5">
-            <a:extLst>
-              <a:ext uri="{FF2B5EF4-FFF2-40B4-BE49-F238E27FC236}">
-                <a16:creationId xmlns:a16="http://schemas.microsoft.com/office/drawing/2014/main" id="{76166CD0-B709-4066-B5A5-0BBCFEF8D393}"/>
-              </a:ext>
-            </a:extLst>
-          </p:cNvPr>
-          <p:cNvPicPr>
-            <a:picLocks noChangeAspect="1"/>
-          </p:cNvPicPr>
-          <p:nvPr/>
-        </p:nvPicPr>
-        <p:blipFill>
-          <a:blip r:embed="rId3"/>
-          <a:stretch>
-            <a:fillRect/>
-          </a:stretch>
-        </p:blipFill>
-        <p:spPr>
-          <a:xfrm>
-            <a:off x="897379" y="2695996"/>
-            <a:ext cx="10143745" cy="1802522"/>
-          </a:xfrm>
-          <a:prstGeom prst="rect">
-            <a:avLst/>
-          </a:prstGeom>
-        </p:spPr>
-      </p:pic>
-    </p:spTree>
-    <p:extLst>
-      <p:ext uri="{BB962C8B-B14F-4D97-AF65-F5344CB8AC3E}">
-        <p14:creationId xmlns:p14="http://schemas.microsoft.com/office/powerpoint/2010/main" val="685290226"/>
-      </p:ext>
-    </p:extLst>
-  </p:cSld>
-  <p:clrMapOvr>
-    <a:masterClrMapping/>
-  </p:clrMapOvr>
-  <p:timing>
-    <p:tnLst>
-      <p:par>
-        <p:cTn id="1" dur="indefinite" restart="never" nodeType="tmRoot">
-          <p:childTnLst>
-            <p:seq concurrent="1" nextAc="seek">
-              <p:cTn id="2" dur="indefinite" nodeType="mainSeq">
-                <p:childTnLst>
-                  <p:par>
-                    <p:cTn id="3" fill="hold">
-                      <p:stCondLst>
-                        <p:cond delay="indefinite"/>
-                      </p:stCondLst>
-                      <p:childTnLst>
-                        <p:par>
-                          <p:cTn id="4" fill="hold">
-                            <p:stCondLst>
-                              <p:cond delay="0"/>
-                            </p:stCondLst>
-                            <p:childTnLst>
-                              <p:par>
-                                <p:cTn id="5" presetID="1" presetClass="entr" presetSubtype="0" fill="hold" nodeType="clickEffect">
-                                  <p:stCondLst>
-                                    <p:cond delay="0"/>
-                                  </p:stCondLst>
-                                  <p:childTnLst>
-                                    <p:set>
-                                      <p:cBhvr>
-                                        <p:cTn id="6" dur="1" fill="hold">
-                                          <p:stCondLst>
-                                            <p:cond delay="0"/>
-                                          </p:stCondLst>
-                                        </p:cTn>
-                                        <p:tgtEl>
-                                          <p:spTgt spid="3">
-                                            <p:txEl>
-                                              <p:pRg st="0" end="0"/>
-                                            </p:txEl>
-                                          </p:spTgt>
-                                        </p:tgtEl>
-                                        <p:attrNameLst>
-                                          <p:attrName>style.visibility</p:attrName>
-                                        </p:attrNameLst>
-                                      </p:cBhvr>
-                                      <p:to>
-                                        <p:strVal val="visible"/>
-                                      </p:to>
-                                    </p:set>
-                                  </p:childTnLst>
-                                </p:cTn>
-                              </p:par>
-                              <p:par>
-                                <p:cTn id="7" presetID="1" presetClass="entr" presetSubtype="0" fill="hold" nodeType="withEffect">
-                                  <p:stCondLst>
-                                    <p:cond delay="0"/>
-                                  </p:stCondLst>
-                                  <p:childTnLst>
-                                    <p:set>
-                                      <p:cBhvr>
-                                        <p:cTn id="8" dur="1" fill="hold">
-                                          <p:stCondLst>
-                                            <p:cond delay="0"/>
-                                          </p:stCondLst>
-                                        </p:cTn>
-                                        <p:tgtEl>
-                                          <p:spTgt spid="6"/>
-                                        </p:tgtEl>
-                                        <p:attrNameLst>
-                                          <p:attrName>style.visibility</p:attrName>
-                                        </p:attrNameLst>
-                                      </p:cBhvr>
-                                      <p:to>
-                                        <p:strVal val="visible"/>
-                                      </p:to>
-                                    </p:set>
-                                  </p:childTnLst>
-                                </p:cTn>
-                              </p:par>
-                            </p:childTnLst>
-                          </p:cTn>
-                        </p:par>
-                      </p:childTnLst>
-                    </p:cTn>
-                  </p:par>
-                </p:childTnLst>
-              </p:cTn>
-              <p:prevCondLst>
-                <p:cond evt="onPrev" delay="0">
-                  <p:tgtEl>
-                    <p:sldTgt/>
-                  </p:tgtEl>
-                </p:cond>
-              </p:prevCondLst>
-              <p:nextCondLst>
-                <p:cond evt="onNext" delay="0">
-                  <p:tgtEl>
-                    <p:sldTgt/>
-                  </p:tgtEl>
-                </p:cond>
-              </p:nextCondLst>
-            </p:seq>
-          </p:childTnLst>
-        </p:cTn>
-      </p:par>
-    </p:tnLst>
-  </p:timing>
-</p:sld>
-</file>
-
 <file path=ppt/theme/theme1.xml><?xml version="1.0" encoding="utf-8"?>
 <a:theme xmlns:a="http://schemas.openxmlformats.org/drawingml/2006/main" name="积分">
   <a:themeElements>
@@ -34379,7 +34798,7 @@
 
 <file path=customXml/item1.xml><?xml version="1.0" encoding="utf-8"?>
 <Control xmlns="http://schemas.microsoft.com/VisualStudio/2011/storyboarding/control">
-  <Id Name="System.Storyboarding.WindowsAppIcons.Check" Revision="1" Stencil="System.Storyboarding.WindowsAppIcons" StencilVersion="0.1"/>
+  <Id Name="System.Storyboarding.Icons.Error" Revision="1" Stencil="System.Storyboarding.Icons" StencilVersion="0.1"/>
 </Control>
 </file>
 
@@ -34391,12 +34810,12 @@
 
 <file path=customXml/item3.xml><?xml version="1.0" encoding="utf-8"?>
 <Control xmlns="http://schemas.microsoft.com/VisualStudio/2011/storyboarding/control">
-  <Id Name="System.Storyboarding.Icons.Error" Revision="1" Stencil="System.Storyboarding.Icons" StencilVersion="0.1"/>
+  <Id Name="System.Storyboarding.WindowsAppIcons.Check" Revision="1" Stencil="System.Storyboarding.WindowsAppIcons" StencilVersion="0.1"/>
 </Control>
 </file>
 
 <file path=customXml/itemProps1.xml><?xml version="1.0" encoding="utf-8"?>
-<ds:datastoreItem xmlns:ds="http://schemas.openxmlformats.org/officeDocument/2006/customXml" ds:itemID="{6D44B9EF-821C-44CD-9BDB-6D7FE6123AD2}">
+<ds:datastoreItem xmlns:ds="http://schemas.openxmlformats.org/officeDocument/2006/customXml" ds:itemID="{80CE6AB9-AA45-4D3A-844F-2333BC77B6FC}">
   <ds:schemaRefs>
     <ds:schemaRef ds:uri="http://schemas.microsoft.com/VisualStudio/2011/storyboarding/control"/>
   </ds:schemaRefs>
@@ -34412,7 +34831,7 @@
 </file>
 
 <file path=customXml/itemProps3.xml><?xml version="1.0" encoding="utf-8"?>
-<ds:datastoreItem xmlns:ds="http://schemas.openxmlformats.org/officeDocument/2006/customXml" ds:itemID="{80CE6AB9-AA45-4D3A-844F-2333BC77B6FC}">
+<ds:datastoreItem xmlns:ds="http://schemas.openxmlformats.org/officeDocument/2006/customXml" ds:itemID="{6D44B9EF-821C-44CD-9BDB-6D7FE6123AD2}">
   <ds:schemaRefs>
     <ds:schemaRef ds:uri="http://schemas.microsoft.com/VisualStudio/2011/storyboarding/control"/>
   </ds:schemaRefs>
